--- a/大學生/6哥FINAL1006.pptx
+++ b/大學生/6哥FINAL1006.pptx
@@ -5,22 +5,21 @@
     <p:sldMasterId id="2147483648" r:id="rId1"/>
   </p:sldMasterIdLst>
   <p:notesMasterIdLst>
-    <p:notesMasterId r:id="rId15"/>
+    <p:notesMasterId r:id="rId14"/>
   </p:notesMasterIdLst>
   <p:sldIdLst>
     <p:sldId id="256" r:id="rId2"/>
     <p:sldId id="270" r:id="rId3"/>
     <p:sldId id="257" r:id="rId4"/>
-    <p:sldId id="275" r:id="rId5"/>
-    <p:sldId id="258" r:id="rId6"/>
-    <p:sldId id="261" r:id="rId7"/>
-    <p:sldId id="263" r:id="rId8"/>
-    <p:sldId id="271" r:id="rId9"/>
-    <p:sldId id="274" r:id="rId10"/>
-    <p:sldId id="268" r:id="rId11"/>
-    <p:sldId id="276" r:id="rId12"/>
-    <p:sldId id="277" r:id="rId13"/>
-    <p:sldId id="273" r:id="rId14"/>
+    <p:sldId id="258" r:id="rId5"/>
+    <p:sldId id="261" r:id="rId6"/>
+    <p:sldId id="263" r:id="rId7"/>
+    <p:sldId id="271" r:id="rId8"/>
+    <p:sldId id="274" r:id="rId9"/>
+    <p:sldId id="268" r:id="rId10"/>
+    <p:sldId id="276" r:id="rId11"/>
+    <p:sldId id="277" r:id="rId12"/>
+    <p:sldId id="273" r:id="rId13"/>
   </p:sldIdLst>
   <p:sldSz cx="9144000" cy="6858000" type="screen4x3"/>
   <p:notesSz cx="6858000" cy="9144000"/>
@@ -121,7 +120,7 @@
   </p:defaultTextStyle>
   <p:extLst>
     <p:ext uri="{EFAFB233-063F-42B5-8137-9DF3F51BA10A}">
-      <p15:sldGuideLst xmlns:p15="http://schemas.microsoft.com/office/powerpoint/2012/main" xmlns="">
+      <p15:sldGuideLst xmlns:p15="http://schemas.microsoft.com/office/powerpoint/2012/main">
         <p15:guide id="1" orient="horz" pos="2160">
           <p15:clr>
             <a:srgbClr val="A4A3A4"/>
@@ -5023,7 +5022,7 @@
           <a:p>
             <a:fld id="{F55D4B92-26A4-47BB-B174-0DF765274508}" type="datetimeFigureOut">
               <a:rPr lang="zh-TW" altLang="en-US" smtClean="0"/>
-              <a:t>2024/10/6</a:t>
+              <a:t>2024/10/7</a:t>
             </a:fld>
             <a:endParaRPr lang="zh-TW" altLang="en-US"/>
           </a:p>
@@ -5522,7 +5521,7 @@
           <a:p>
             <a:fld id="{0271A9D2-AE2C-4043-85B9-1775BF3BD848}" type="slidenum">
               <a:rPr lang="zh-TW" altLang="en-US" smtClean="0"/>
-              <a:t>7</a:t>
+              <a:t>6</a:t>
             </a:fld>
             <a:endParaRPr lang="zh-TW" altLang="en-US"/>
           </a:p>
@@ -5622,7 +5621,7 @@
           <a:p>
             <a:fld id="{0271A9D2-AE2C-4043-85B9-1775BF3BD848}" type="slidenum">
               <a:rPr lang="zh-TW" altLang="en-US" smtClean="0"/>
-              <a:t>11</a:t>
+              <a:t>10</a:t>
             </a:fld>
             <a:endParaRPr lang="zh-TW" altLang="en-US"/>
           </a:p>
@@ -5706,7 +5705,7 @@
           <a:p>
             <a:fld id="{0271A9D2-AE2C-4043-85B9-1775BF3BD848}" type="slidenum">
               <a:rPr lang="zh-TW" altLang="en-US" smtClean="0"/>
-              <a:t>12</a:t>
+              <a:t>11</a:t>
             </a:fld>
             <a:endParaRPr lang="zh-TW" altLang="en-US"/>
           </a:p>
@@ -5904,7 +5903,7 @@
           <a:p>
             <a:fld id="{5BCAD085-E8A6-8845-BD4E-CB4CCA059FC4}" type="datetimeFigureOut">
               <a:rPr lang="en-US" smtClean="0"/>
-              <a:t>10/6/2024</a:t>
+              <a:t>10/7/2024</a:t>
             </a:fld>
             <a:endParaRPr lang="en-US"/>
           </a:p>
@@ -6073,7 +6072,7 @@
           <a:p>
             <a:fld id="{5BCAD085-E8A6-8845-BD4E-CB4CCA059FC4}" type="datetimeFigureOut">
               <a:rPr lang="en-US" smtClean="0"/>
-              <a:t>10/6/2024</a:t>
+              <a:t>10/7/2024</a:t>
             </a:fld>
             <a:endParaRPr lang="en-US"/>
           </a:p>
@@ -6252,7 +6251,7 @@
           <a:p>
             <a:fld id="{5BCAD085-E8A6-8845-BD4E-CB4CCA059FC4}" type="datetimeFigureOut">
               <a:rPr lang="en-US" smtClean="0"/>
-              <a:t>10/6/2024</a:t>
+              <a:t>10/7/2024</a:t>
             </a:fld>
             <a:endParaRPr lang="en-US"/>
           </a:p>
@@ -6421,7 +6420,7 @@
           <a:p>
             <a:fld id="{5BCAD085-E8A6-8845-BD4E-CB4CCA059FC4}" type="datetimeFigureOut">
               <a:rPr lang="en-US" smtClean="0"/>
-              <a:t>10/6/2024</a:t>
+              <a:t>10/7/2024</a:t>
             </a:fld>
             <a:endParaRPr lang="en-US"/>
           </a:p>
@@ -6667,7 +6666,7 @@
           <a:p>
             <a:fld id="{5BCAD085-E8A6-8845-BD4E-CB4CCA059FC4}" type="datetimeFigureOut">
               <a:rPr lang="en-US" smtClean="0"/>
-              <a:t>10/6/2024</a:t>
+              <a:t>10/7/2024</a:t>
             </a:fld>
             <a:endParaRPr lang="en-US"/>
           </a:p>
@@ -6953,7 +6952,7 @@
           <a:p>
             <a:fld id="{5BCAD085-E8A6-8845-BD4E-CB4CCA059FC4}" type="datetimeFigureOut">
               <a:rPr lang="en-US" smtClean="0"/>
-              <a:t>10/6/2024</a:t>
+              <a:t>10/7/2024</a:t>
             </a:fld>
             <a:endParaRPr lang="en-US"/>
           </a:p>
@@ -7373,7 +7372,7 @@
           <a:p>
             <a:fld id="{5BCAD085-E8A6-8845-BD4E-CB4CCA059FC4}" type="datetimeFigureOut">
               <a:rPr lang="en-US" smtClean="0"/>
-              <a:t>10/6/2024</a:t>
+              <a:t>10/7/2024</a:t>
             </a:fld>
             <a:endParaRPr lang="en-US"/>
           </a:p>
@@ -7491,7 +7490,7 @@
           <a:p>
             <a:fld id="{5BCAD085-E8A6-8845-BD4E-CB4CCA059FC4}" type="datetimeFigureOut">
               <a:rPr lang="en-US" smtClean="0"/>
-              <a:t>10/6/2024</a:t>
+              <a:t>10/7/2024</a:t>
             </a:fld>
             <a:endParaRPr lang="en-US"/>
           </a:p>
@@ -7587,7 +7586,7 @@
           <a:p>
             <a:fld id="{5BCAD085-E8A6-8845-BD4E-CB4CCA059FC4}" type="datetimeFigureOut">
               <a:rPr lang="en-US" smtClean="0"/>
-              <a:t>10/6/2024</a:t>
+              <a:t>10/7/2024</a:t>
             </a:fld>
             <a:endParaRPr lang="en-US"/>
           </a:p>
@@ -7863,7 +7862,7 @@
           <a:p>
             <a:fld id="{5BCAD085-E8A6-8845-BD4E-CB4CCA059FC4}" type="datetimeFigureOut">
               <a:rPr lang="en-US" smtClean="0"/>
-              <a:t>10/6/2024</a:t>
+              <a:t>10/7/2024</a:t>
             </a:fld>
             <a:endParaRPr lang="en-US"/>
           </a:p>
@@ -8116,7 +8115,7 @@
           <a:p>
             <a:fld id="{5BCAD085-E8A6-8845-BD4E-CB4CCA059FC4}" type="datetimeFigureOut">
               <a:rPr lang="en-US" smtClean="0"/>
-              <a:t>10/6/2024</a:t>
+              <a:t>10/7/2024</a:t>
             </a:fld>
             <a:endParaRPr lang="en-US"/>
           </a:p>
@@ -8328,7 +8327,7 @@
           <a:p>
             <a:fld id="{5BCAD085-E8A6-8845-BD4E-CB4CCA059FC4}" type="datetimeFigureOut">
               <a:rPr lang="en-US" smtClean="0"/>
-              <a:t>10/6/2024</a:t>
+              <a:t>10/7/2024</a:t>
             </a:fld>
             <a:endParaRPr lang="en-US"/>
           </a:p>
@@ -8995,7 +8994,7 @@
           <p:cNvPr id="8" name="投影片編號版面配置區 7">
             <a:extLst>
               <a:ext uri="{FF2B5EF4-FFF2-40B4-BE49-F238E27FC236}">
-                <a16:creationId xmlns="" xmlns:a16="http://schemas.microsoft.com/office/drawing/2014/main" id="{07B2E6EB-BD66-5593-79B4-2E3DCF82E6E0}"/>
+                <a16:creationId xmlns:a16="http://schemas.microsoft.com/office/drawing/2014/main" id="{07B2E6EB-BD66-5593-79B4-2E3DCF82E6E0}"/>
               </a:ext>
             </a:extLst>
           </p:cNvPr>
@@ -9087,46 +9086,44 @@
           <a:lstStyle/>
           <a:p>
             <a:r>
-              <a:rPr sz="1800" dirty="0" err="1"/>
-              <a:t>研究結果顯示</a:t>
-            </a:r>
-            <a:r>
-              <a:rPr sz="1800" dirty="0" smtClean="0"/>
-              <a:t>，</a:t>
-            </a:r>
-            <a:r>
-              <a:rPr lang="zh-TW" altLang="en-US" sz="1800" dirty="0" smtClean="0"/>
-              <a:t>使用聲音及脣形同步辨識，再</a:t>
-            </a:r>
-            <a:r>
-              <a:rPr sz="1800" dirty="0" err="1" smtClean="0"/>
-              <a:t>使用自動生成的轉錄數據來擴展訓練集</a:t>
-            </a:r>
-            <a:r>
-              <a:rPr sz="1800" dirty="0"/>
-              <a:t>，</a:t>
-            </a:r>
-            <a:r>
-              <a:rPr lang="zh-TW" sz="1800" dirty="0">
+              <a:rPr lang="en-US" altLang="zh-TW" sz="1800" dirty="0" smtClean="0">
                 <a:ea typeface="新細明體"/>
               </a:rPr>
-              <a:t>不僅能</a:t>
-            </a:r>
-            <a:r>
-              <a:rPr lang="zh-TW" altLang="en-US" sz="1800" dirty="0">
+              <a:t>A</a:t>
+            </a:r>
+            <a:r>
+              <a:rPr lang="zh-TW" altLang="en-US" sz="1800" dirty="0" smtClean="0">
                 <a:ea typeface="新細明體"/>
               </a:rPr>
-              <a:t>取代手工標註，還</a:t>
-            </a:r>
-            <a:r>
-              <a:rPr lang="zh-TW" sz="1800" dirty="0">
+              <a:t>表示只用聲音判定，</a:t>
+            </a:r>
+            <a:r>
+              <a:rPr lang="en-US" altLang="zh-TW" sz="1800" dirty="0" smtClean="0">
                 <a:ea typeface="新細明體"/>
               </a:rPr>
-              <a:t>可以顯著降低詞錯率</a:t>
-            </a:r>
-            <a:r>
-              <a:rPr sz="1800" dirty="0"/>
-              <a:t>（WER）。</a:t>
+              <a:t>AV</a:t>
+            </a:r>
+            <a:r>
+              <a:rPr lang="zh-TW" altLang="en-US" sz="1800" dirty="0" smtClean="0">
+                <a:ea typeface="新細明體"/>
+              </a:rPr>
+              <a:t>則是聲音加唇語，在高訊號低雜訊時兩者</a:t>
+            </a:r>
+            <a:r>
+              <a:rPr lang="en-US" altLang="zh-TW" sz="1800" dirty="0" smtClean="0">
+                <a:ea typeface="新細明體"/>
+              </a:rPr>
+              <a:t>WER</a:t>
+            </a:r>
+            <a:r>
+              <a:rPr lang="zh-TW" altLang="en-US" sz="1800" dirty="0" smtClean="0">
+                <a:ea typeface="新細明體"/>
+              </a:rPr>
+              <a:t>差異不大，但隨著雜訊越高只用聲音錯誤率更高，而加入唇語能降低錯誤率</a:t>
+            </a:r>
+            <a:r>
+              <a:rPr sz="1800" dirty="0" smtClean="0"/>
+              <a:t>。</a:t>
             </a:r>
             <a:endParaRPr lang="zh-TW" altLang="en-US" sz="1800" dirty="0">
               <a:cs typeface="Calibri"/>
@@ -9139,7 +9136,7 @@
           <p:cNvPr id="4" name="投影片編號版面配置區 3">
             <a:extLst>
               <a:ext uri="{FF2B5EF4-FFF2-40B4-BE49-F238E27FC236}">
-                <a16:creationId xmlns="" xmlns:a16="http://schemas.microsoft.com/office/drawing/2014/main" id="{A87F1B5D-F8E2-ED3D-2E72-EB23BAB0F167}"/>
+                <a16:creationId xmlns:a16="http://schemas.microsoft.com/office/drawing/2014/main" id="{A87F1B5D-F8E2-ED3D-2E72-EB23BAB0F167}"/>
               </a:ext>
             </a:extLst>
           </p:cNvPr>
@@ -9165,546 +9162,6 @@
       </p:sp>
       <p:pic>
         <p:nvPicPr>
-          <p:cNvPr id="5" name="圖片 4" descr="一張含有 文字, 螢幕擷取畫面, 數字, 平行 的圖片&#10;&#10;自動產生的描述">
-            <a:extLst>
-              <a:ext uri="{FF2B5EF4-FFF2-40B4-BE49-F238E27FC236}">
-                <a16:creationId xmlns="" xmlns:a16="http://schemas.microsoft.com/office/drawing/2014/main" id="{A3F5436E-A715-AF69-6B1D-320E8D8D5493}"/>
-              </a:ext>
-            </a:extLst>
-          </p:cNvPr>
-          <p:cNvPicPr>
-            <a:picLocks noChangeAspect="1"/>
-          </p:cNvPicPr>
-          <p:nvPr/>
-        </p:nvPicPr>
-        <p:blipFill>
-          <a:blip r:embed="rId2"/>
-          <a:stretch>
-            <a:fillRect/>
-          </a:stretch>
-        </p:blipFill>
-        <p:spPr>
-          <a:xfrm>
-            <a:off x="1228636" y="2231366"/>
-            <a:ext cx="6370427" cy="3689230"/>
-          </a:xfrm>
-          <a:prstGeom prst="rect">
-            <a:avLst/>
-          </a:prstGeom>
-        </p:spPr>
-      </p:pic>
-      <mc:AlternateContent xmlns:mc="http://schemas.openxmlformats.org/markup-compatibility/2006" xmlns:p14="http://schemas.microsoft.com/office/powerpoint/2010/main">
-        <mc:Choice Requires="p14">
-          <p:contentPart p14:bwMode="auto" r:id="rId3">
-            <p14:nvContentPartPr>
-              <p14:cNvPr id="7" name="筆跡 6">
-                <a:extLst>
-                  <a:ext uri="{FF2B5EF4-FFF2-40B4-BE49-F238E27FC236}">
-                    <a16:creationId xmlns="" xmlns:a16="http://schemas.microsoft.com/office/drawing/2014/main" id="{642F40E4-8D67-042E-3E32-DD8565AF613F}"/>
-                  </a:ext>
-                </a:extLst>
-              </p14:cNvPr>
-              <p14:cNvContentPartPr/>
-              <p14:nvPr/>
-            </p14:nvContentPartPr>
-            <p14:xfrm>
-              <a:off x="1395663" y="5811252"/>
-              <a:ext cx="179068" cy="49108"/>
-            </p14:xfrm>
-          </p:contentPart>
-        </mc:Choice>
-        <mc:Fallback xmlns="">
-          <p:pic>
-            <p:nvPicPr>
-              <p:cNvPr id="7" name="筆跡 6">
-                <a:extLst>
-                  <a:ext uri="{FF2B5EF4-FFF2-40B4-BE49-F238E27FC236}">
-                    <a16:creationId xmlns:a16="http://schemas.microsoft.com/office/drawing/2014/main" id="{642F40E4-8D67-042E-3E32-DD8565AF613F}"/>
-                  </a:ext>
-                </a:extLst>
-              </p:cNvPr>
-              <p:cNvPicPr/>
-              <p:nvPr/>
-            </p:nvPicPr>
-            <p:blipFill>
-              <a:blip r:embed="rId4"/>
-              <a:stretch>
-                <a:fillRect/>
-              </a:stretch>
-            </p:blipFill>
-            <p:spPr>
-              <a:xfrm>
-                <a:off x="1378044" y="5793329"/>
-                <a:ext cx="214666" cy="84595"/>
-              </a:xfrm>
-              <a:prstGeom prst="rect">
-                <a:avLst/>
-              </a:prstGeom>
-            </p:spPr>
-          </p:pic>
-        </mc:Fallback>
-      </mc:AlternateContent>
-      <mc:AlternateContent xmlns:mc="http://schemas.openxmlformats.org/markup-compatibility/2006" xmlns:p14="http://schemas.microsoft.com/office/powerpoint/2010/main">
-        <mc:Choice Requires="p14">
-          <p:contentPart p14:bwMode="auto" r:id="rId5">
-            <p14:nvContentPartPr>
-              <p14:cNvPr id="8" name="筆跡 7">
-                <a:extLst>
-                  <a:ext uri="{FF2B5EF4-FFF2-40B4-BE49-F238E27FC236}">
-                    <a16:creationId xmlns="" xmlns:a16="http://schemas.microsoft.com/office/drawing/2014/main" id="{1685B230-F531-20F6-7D4C-13BABBD0583F}"/>
-                  </a:ext>
-                </a:extLst>
-              </p14:cNvPr>
-              <p14:cNvContentPartPr/>
-              <p14:nvPr/>
-            </p14:nvContentPartPr>
-            <p14:xfrm>
-              <a:off x="4066673" y="5811252"/>
-              <a:ext cx="217315" cy="36714"/>
-            </p14:xfrm>
-          </p:contentPart>
-        </mc:Choice>
-        <mc:Fallback xmlns="">
-          <p:pic>
-            <p:nvPicPr>
-              <p:cNvPr id="8" name="筆跡 7">
-                <a:extLst>
-                  <a:ext uri="{FF2B5EF4-FFF2-40B4-BE49-F238E27FC236}">
-                    <a16:creationId xmlns:a16="http://schemas.microsoft.com/office/drawing/2014/main" id="{1685B230-F531-20F6-7D4C-13BABBD0583F}"/>
-                  </a:ext>
-                </a:extLst>
-              </p:cNvPr>
-              <p:cNvPicPr/>
-              <p:nvPr/>
-            </p:nvPicPr>
-            <p:blipFill>
-              <a:blip r:embed="rId6"/>
-              <a:stretch>
-                <a:fillRect/>
-              </a:stretch>
-            </p:blipFill>
-            <p:spPr>
-              <a:xfrm>
-                <a:off x="4048713" y="5793430"/>
-                <a:ext cx="252876" cy="72002"/>
-              </a:xfrm>
-              <a:prstGeom prst="rect">
-                <a:avLst/>
-              </a:prstGeom>
-            </p:spPr>
-          </p:pic>
-        </mc:Fallback>
-      </mc:AlternateContent>
-      <mc:AlternateContent xmlns:mc="http://schemas.openxmlformats.org/markup-compatibility/2006" xmlns:p14="http://schemas.microsoft.com/office/powerpoint/2010/main">
-        <mc:Choice Requires="p14">
-          <p:contentPart p14:bwMode="auto" r:id="rId7">
-            <p14:nvContentPartPr>
-              <p14:cNvPr id="9" name="筆跡 8">
-                <a:extLst>
-                  <a:ext uri="{FF2B5EF4-FFF2-40B4-BE49-F238E27FC236}">
-                    <a16:creationId xmlns="" xmlns:a16="http://schemas.microsoft.com/office/drawing/2014/main" id="{2033ACC3-E8A9-8605-FF0A-EABF1AC2CD24}"/>
-                  </a:ext>
-                </a:extLst>
-              </p14:cNvPr>
-              <p14:cNvContentPartPr/>
-              <p14:nvPr/>
-            </p14:nvContentPartPr>
-            <p14:xfrm>
-              <a:off x="1395663" y="5017168"/>
-              <a:ext cx="203046" cy="12031"/>
-            </p14:xfrm>
-          </p:contentPart>
-        </mc:Choice>
-        <mc:Fallback xmlns="">
-          <p:pic>
-            <p:nvPicPr>
-              <p:cNvPr id="9" name="筆跡 8">
-                <a:extLst>
-                  <a:ext uri="{FF2B5EF4-FFF2-40B4-BE49-F238E27FC236}">
-                    <a16:creationId xmlns:a16="http://schemas.microsoft.com/office/drawing/2014/main" id="{2033ACC3-E8A9-8605-FF0A-EABF1AC2CD24}"/>
-                  </a:ext>
-                </a:extLst>
-              </p:cNvPr>
-              <p:cNvPicPr/>
-              <p:nvPr/>
-            </p:nvPicPr>
-            <p:blipFill>
-              <a:blip r:embed="rId8"/>
-              <a:stretch>
-                <a:fillRect/>
-              </a:stretch>
-            </p:blipFill>
-            <p:spPr>
-              <a:xfrm>
-                <a:off x="1378054" y="4427649"/>
-                <a:ext cx="238624" cy="1203100"/>
-              </a:xfrm>
-              <a:prstGeom prst="rect">
-                <a:avLst/>
-              </a:prstGeom>
-            </p:spPr>
-          </p:pic>
-        </mc:Fallback>
-      </mc:AlternateContent>
-      <mc:AlternateContent xmlns:mc="http://schemas.openxmlformats.org/markup-compatibility/2006" xmlns:p14="http://schemas.microsoft.com/office/powerpoint/2010/main">
-        <mc:Choice Requires="p14">
-          <p:contentPart p14:bwMode="auto" r:id="rId9">
-            <p14:nvContentPartPr>
-              <p14:cNvPr id="10" name="筆跡 9">
-                <a:extLst>
-                  <a:ext uri="{FF2B5EF4-FFF2-40B4-BE49-F238E27FC236}">
-                    <a16:creationId xmlns="" xmlns:a16="http://schemas.microsoft.com/office/drawing/2014/main" id="{C21A9C9F-C7A3-3BBA-4B54-B5ACD00D6DCA}"/>
-                  </a:ext>
-                </a:extLst>
-              </p14:cNvPr>
-              <p14:cNvContentPartPr/>
-              <p14:nvPr/>
-            </p14:nvContentPartPr>
-            <p14:xfrm>
-              <a:off x="4018547" y="4981073"/>
-              <a:ext cx="251334" cy="37037"/>
-            </p14:xfrm>
-          </p:contentPart>
-        </mc:Choice>
-        <mc:Fallback xmlns="">
-          <p:pic>
-            <p:nvPicPr>
-              <p:cNvPr id="10" name="筆跡 9">
-                <a:extLst>
-                  <a:ext uri="{FF2B5EF4-FFF2-40B4-BE49-F238E27FC236}">
-                    <a16:creationId xmlns:a16="http://schemas.microsoft.com/office/drawing/2014/main" id="{C21A9C9F-C7A3-3BBA-4B54-B5ACD00D6DCA}"/>
-                  </a:ext>
-                </a:extLst>
-              </p:cNvPr>
-              <p:cNvPicPr/>
-              <p:nvPr/>
-            </p:nvPicPr>
-            <p:blipFill>
-              <a:blip r:embed="rId10"/>
-              <a:stretch>
-                <a:fillRect/>
-              </a:stretch>
-            </p:blipFill>
-            <p:spPr>
-              <a:xfrm>
-                <a:off x="4000928" y="4963267"/>
-                <a:ext cx="286931" cy="72293"/>
-              </a:xfrm>
-              <a:prstGeom prst="rect">
-                <a:avLst/>
-              </a:prstGeom>
-            </p:spPr>
-          </p:pic>
-        </mc:Fallback>
-      </mc:AlternateContent>
-      <mc:AlternateContent xmlns:mc="http://schemas.openxmlformats.org/markup-compatibility/2006" xmlns:p14="http://schemas.microsoft.com/office/powerpoint/2010/main">
-        <mc:Choice Requires="p14">
-          <p:contentPart p14:bwMode="auto" r:id="rId11">
-            <p14:nvContentPartPr>
-              <p14:cNvPr id="11" name="筆跡 10">
-                <a:extLst>
-                  <a:ext uri="{FF2B5EF4-FFF2-40B4-BE49-F238E27FC236}">
-                    <a16:creationId xmlns="" xmlns:a16="http://schemas.microsoft.com/office/drawing/2014/main" id="{3EF66CA4-6760-97EA-3849-D200BF42EABC}"/>
-                  </a:ext>
-                </a:extLst>
-              </p14:cNvPr>
-              <p14:cNvContentPartPr/>
-              <p14:nvPr/>
-            </p14:nvContentPartPr>
-            <p14:xfrm>
-              <a:off x="1359568" y="4295273"/>
-              <a:ext cx="203112" cy="12555"/>
-            </p14:xfrm>
-          </p:contentPart>
-        </mc:Choice>
-        <mc:Fallback xmlns="">
-          <p:pic>
-            <p:nvPicPr>
-              <p:cNvPr id="11" name="筆跡 10">
-                <a:extLst>
-                  <a:ext uri="{FF2B5EF4-FFF2-40B4-BE49-F238E27FC236}">
-                    <a16:creationId xmlns:a16="http://schemas.microsoft.com/office/drawing/2014/main" id="{3EF66CA4-6760-97EA-3849-D200BF42EABC}"/>
-                  </a:ext>
-                </a:extLst>
-              </p:cNvPr>
-              <p:cNvPicPr/>
-              <p:nvPr/>
-            </p:nvPicPr>
-            <p:blipFill>
-              <a:blip r:embed="rId12"/>
-              <a:stretch>
-                <a:fillRect/>
-              </a:stretch>
-            </p:blipFill>
-            <p:spPr>
-              <a:xfrm>
-                <a:off x="1341593" y="4277835"/>
-                <a:ext cx="238702" cy="47081"/>
-              </a:xfrm>
-              <a:prstGeom prst="rect">
-                <a:avLst/>
-              </a:prstGeom>
-            </p:spPr>
-          </p:pic>
-        </mc:Fallback>
-      </mc:AlternateContent>
-      <mc:AlternateContent xmlns:mc="http://schemas.openxmlformats.org/markup-compatibility/2006" xmlns:p14="http://schemas.microsoft.com/office/powerpoint/2010/main">
-        <mc:Choice Requires="p14">
-          <p:contentPart p14:bwMode="auto" r:id="rId13">
-            <p14:nvContentPartPr>
-              <p14:cNvPr id="12" name="筆跡 11">
-                <a:extLst>
-                  <a:ext uri="{FF2B5EF4-FFF2-40B4-BE49-F238E27FC236}">
-                    <a16:creationId xmlns="" xmlns:a16="http://schemas.microsoft.com/office/drawing/2014/main" id="{09E67025-EA7B-45E3-9C20-5AB93A2E5562}"/>
-                  </a:ext>
-                </a:extLst>
-              </p14:cNvPr>
-              <p14:cNvContentPartPr/>
-              <p14:nvPr/>
-            </p14:nvContentPartPr>
-            <p14:xfrm>
-              <a:off x="4054642" y="4295273"/>
-              <a:ext cx="179348" cy="12031"/>
-            </p14:xfrm>
-          </p:contentPart>
-        </mc:Choice>
-        <mc:Fallback xmlns="">
-          <p:pic>
-            <p:nvPicPr>
-              <p:cNvPr id="12" name="筆跡 11">
-                <a:extLst>
-                  <a:ext uri="{FF2B5EF4-FFF2-40B4-BE49-F238E27FC236}">
-                    <a16:creationId xmlns:a16="http://schemas.microsoft.com/office/drawing/2014/main" id="{09E67025-EA7B-45E3-9C20-5AB93A2E5562}"/>
-                  </a:ext>
-                </a:extLst>
-              </p:cNvPr>
-              <p:cNvPicPr/>
-              <p:nvPr/>
-            </p:nvPicPr>
-            <p:blipFill>
-              <a:blip r:embed="rId14"/>
-              <a:stretch>
-                <a:fillRect/>
-              </a:stretch>
-            </p:blipFill>
-            <p:spPr>
-              <a:xfrm>
-                <a:off x="4037031" y="4277580"/>
-                <a:ext cx="214930" cy="47062"/>
-              </a:xfrm>
-              <a:prstGeom prst="rect">
-                <a:avLst/>
-              </a:prstGeom>
-            </p:spPr>
-          </p:pic>
-        </mc:Fallback>
-      </mc:AlternateContent>
-      <mc:AlternateContent xmlns:mc="http://schemas.openxmlformats.org/markup-compatibility/2006" xmlns:p14="http://schemas.microsoft.com/office/powerpoint/2010/main">
-        <mc:Choice Requires="p14">
-          <p:contentPart p14:bwMode="auto" r:id="rId15">
-            <p14:nvContentPartPr>
-              <p14:cNvPr id="13" name="筆跡 12">
-                <a:extLst>
-                  <a:ext uri="{FF2B5EF4-FFF2-40B4-BE49-F238E27FC236}">
-                    <a16:creationId xmlns="" xmlns:a16="http://schemas.microsoft.com/office/drawing/2014/main" id="{7E35F718-F11C-0B7A-A305-95A9ADF136A3}"/>
-                  </a:ext>
-                </a:extLst>
-              </p14:cNvPr>
-              <p14:cNvContentPartPr/>
-              <p14:nvPr/>
-            </p14:nvContentPartPr>
-            <p14:xfrm>
-              <a:off x="4547937" y="4283242"/>
-              <a:ext cx="227304" cy="31754"/>
-            </p14:xfrm>
-          </p:contentPart>
-        </mc:Choice>
-        <mc:Fallback xmlns="">
-          <p:pic>
-            <p:nvPicPr>
-              <p:cNvPr id="13" name="筆跡 12">
-                <a:extLst>
-                  <a:ext uri="{FF2B5EF4-FFF2-40B4-BE49-F238E27FC236}">
-                    <a16:creationId xmlns:a16="http://schemas.microsoft.com/office/drawing/2014/main" id="{7E35F718-F11C-0B7A-A305-95A9ADF136A3}"/>
-                  </a:ext>
-                </a:extLst>
-              </p:cNvPr>
-              <p:cNvPicPr/>
-              <p:nvPr/>
-            </p:nvPicPr>
-            <p:blipFill>
-              <a:blip r:embed="rId16"/>
-              <a:stretch>
-                <a:fillRect/>
-              </a:stretch>
-            </p:blipFill>
-            <p:spPr>
-              <a:xfrm>
-                <a:off x="4530314" y="4265759"/>
-                <a:ext cx="262910" cy="67076"/>
-              </a:xfrm>
-              <a:prstGeom prst="rect">
-                <a:avLst/>
-              </a:prstGeom>
-            </p:spPr>
-          </p:pic>
-        </mc:Fallback>
-      </mc:AlternateContent>
-      <mc:AlternateContent xmlns:mc="http://schemas.openxmlformats.org/markup-compatibility/2006" xmlns:p14="http://schemas.microsoft.com/office/powerpoint/2010/main">
-        <mc:Choice Requires="p14">
-          <p:contentPart p14:bwMode="auto" r:id="rId17">
-            <p14:nvContentPartPr>
-              <p14:cNvPr id="14" name="筆跡 13">
-                <a:extLst>
-                  <a:ext uri="{FF2B5EF4-FFF2-40B4-BE49-F238E27FC236}">
-                    <a16:creationId xmlns="" xmlns:a16="http://schemas.microsoft.com/office/drawing/2014/main" id="{C3235DDC-F20B-48AE-0F1C-4EF099968A85}"/>
-                  </a:ext>
-                </a:extLst>
-              </p14:cNvPr>
-              <p14:cNvContentPartPr/>
-              <p14:nvPr/>
-            </p14:nvContentPartPr>
-            <p14:xfrm>
-              <a:off x="7194883" y="4307305"/>
-              <a:ext cx="203079" cy="12031"/>
-            </p14:xfrm>
-          </p:contentPart>
-        </mc:Choice>
-        <mc:Fallback xmlns="">
-          <p:pic>
-            <p:nvPicPr>
-              <p:cNvPr id="14" name="筆跡 13">
-                <a:extLst>
-                  <a:ext uri="{FF2B5EF4-FFF2-40B4-BE49-F238E27FC236}">
-                    <a16:creationId xmlns:a16="http://schemas.microsoft.com/office/drawing/2014/main" id="{C3235DDC-F20B-48AE-0F1C-4EF099968A85}"/>
-                  </a:ext>
-                </a:extLst>
-              </p:cNvPr>
-              <p:cNvPicPr/>
-              <p:nvPr/>
-            </p:nvPicPr>
-            <p:blipFill>
-              <a:blip r:embed="rId8"/>
-              <a:stretch>
-                <a:fillRect/>
-              </a:stretch>
-            </p:blipFill>
-            <p:spPr>
-              <a:xfrm>
-                <a:off x="7177271" y="3717786"/>
-                <a:ext cx="238663" cy="1203100"/>
-              </a:xfrm>
-              <a:prstGeom prst="rect">
-                <a:avLst/>
-              </a:prstGeom>
-            </p:spPr>
-          </p:pic>
-        </mc:Fallback>
-      </mc:AlternateContent>
-      <mc:AlternateContent xmlns:mc="http://schemas.openxmlformats.org/markup-compatibility/2006" xmlns:p14="http://schemas.microsoft.com/office/powerpoint/2010/main">
-        <mc:Choice Requires="p14">
-          <p:contentPart p14:bwMode="auto" r:id="rId18">
-            <p14:nvContentPartPr>
-              <p14:cNvPr id="15" name="筆跡 14">
-                <a:extLst>
-                  <a:ext uri="{FF2B5EF4-FFF2-40B4-BE49-F238E27FC236}">
-                    <a16:creationId xmlns="" xmlns:a16="http://schemas.microsoft.com/office/drawing/2014/main" id="{0E48B839-7D3E-FE2F-7111-EE9AB5483A83}"/>
-                  </a:ext>
-                </a:extLst>
-              </p14:cNvPr>
-              <p14:cNvContentPartPr/>
-              <p14:nvPr/>
-            </p14:nvContentPartPr>
-            <p14:xfrm>
-              <a:off x="7218947" y="5895473"/>
-              <a:ext cx="179318" cy="12357"/>
-            </p14:xfrm>
-          </p:contentPart>
-        </mc:Choice>
-        <mc:Fallback xmlns="">
-          <p:pic>
-            <p:nvPicPr>
-              <p:cNvPr id="15" name="筆跡 14">
-                <a:extLst>
-                  <a:ext uri="{FF2B5EF4-FFF2-40B4-BE49-F238E27FC236}">
-                    <a16:creationId xmlns:a16="http://schemas.microsoft.com/office/drawing/2014/main" id="{0E48B839-7D3E-FE2F-7111-EE9AB5483A83}"/>
-                  </a:ext>
-                </a:extLst>
-              </p:cNvPr>
-              <p:cNvPicPr/>
-              <p:nvPr/>
-            </p:nvPicPr>
-            <p:blipFill>
-              <a:blip r:embed="rId19"/>
-              <a:stretch>
-                <a:fillRect/>
-              </a:stretch>
-            </p:blipFill>
-            <p:spPr>
-              <a:xfrm>
-                <a:off x="7201339" y="5877820"/>
-                <a:ext cx="214894" cy="47310"/>
-              </a:xfrm>
-              <a:prstGeom prst="rect">
-                <a:avLst/>
-              </a:prstGeom>
-            </p:spPr>
-          </p:pic>
-        </mc:Fallback>
-      </mc:AlternateContent>
-      <mc:AlternateContent xmlns:mc="http://schemas.openxmlformats.org/markup-compatibility/2006" xmlns:p14="http://schemas.microsoft.com/office/powerpoint/2010/main">
-        <mc:Choice Requires="p14">
-          <p:contentPart p14:bwMode="auto" r:id="rId20">
-            <p14:nvContentPartPr>
-              <p14:cNvPr id="16" name="筆跡 15">
-                <a:extLst>
-                  <a:ext uri="{FF2B5EF4-FFF2-40B4-BE49-F238E27FC236}">
-                    <a16:creationId xmlns="" xmlns:a16="http://schemas.microsoft.com/office/drawing/2014/main" id="{A888226C-6285-0FF3-F450-96D8997DE9BB}"/>
-                  </a:ext>
-                </a:extLst>
-              </p14:cNvPr>
-              <p14:cNvContentPartPr/>
-              <p14:nvPr/>
-            </p14:nvContentPartPr>
-            <p14:xfrm>
-              <a:off x="4535904" y="5919210"/>
-              <a:ext cx="239623" cy="12357"/>
-            </p14:xfrm>
-          </p:contentPart>
-        </mc:Choice>
-        <mc:Fallback xmlns="">
-          <p:pic>
-            <p:nvPicPr>
-              <p:cNvPr id="16" name="筆跡 15">
-                <a:extLst>
-                  <a:ext uri="{FF2B5EF4-FFF2-40B4-BE49-F238E27FC236}">
-                    <a16:creationId xmlns:a16="http://schemas.microsoft.com/office/drawing/2014/main" id="{A888226C-6285-0FF3-F450-96D8997DE9BB}"/>
-                  </a:ext>
-                </a:extLst>
-              </p:cNvPr>
-              <p:cNvPicPr/>
-              <p:nvPr/>
-            </p:nvPicPr>
-            <p:blipFill>
-              <a:blip r:embed="rId21"/>
-              <a:stretch>
-                <a:fillRect/>
-              </a:stretch>
-            </p:blipFill>
-            <p:spPr>
-              <a:xfrm>
-                <a:off x="4517941" y="5901557"/>
-                <a:ext cx="275189" cy="47310"/>
-              </a:xfrm>
-              <a:prstGeom prst="rect">
-                <a:avLst/>
-              </a:prstGeom>
-            </p:spPr>
-          </p:pic>
-        </mc:Fallback>
-      </mc:AlternateContent>
-      <p:pic>
-        <p:nvPicPr>
           <p:cNvPr id="6" name="圖片 5"/>
           <p:cNvPicPr>
             <a:picLocks noChangeAspect="1"/>
@@ -9712,14 +9169,14 @@
           <p:nvPr/>
         </p:nvPicPr>
         <p:blipFill rotWithShape="1">
-          <a:blip r:embed="rId22"/>
+          <a:blip r:embed="rId3"/>
           <a:srcRect l="57213" t="36958" r="18688" b="44098"/>
           <a:stretch/>
         </p:blipFill>
         <p:spPr>
           <a:xfrm>
-            <a:off x="5231566" y="2758190"/>
-            <a:ext cx="2203555" cy="974361"/>
+            <a:off x="1056806" y="2788170"/>
+            <a:ext cx="7030388" cy="3108675"/>
           </a:xfrm>
           <a:prstGeom prst="rect">
             <a:avLst/>
@@ -9727,6 +9184,11 @@
         </p:spPr>
       </p:pic>
     </p:spTree>
+    <p:extLst>
+      <p:ext uri="{BB962C8B-B14F-4D97-AF65-F5344CB8AC3E}">
+        <p14:creationId xmlns:p14="http://schemas.microsoft.com/office/powerpoint/2010/main" val="3708820475"/>
+      </p:ext>
+    </p:extLst>
   </p:cSld>
   <p:clrMapOvr>
     <a:masterClrMapping/>
@@ -9767,10 +9229,10 @@
           <a:lstStyle/>
           <a:p>
             <a:r>
-              <a:rPr lang="af-ZA" dirty="0">
+              <a:rPr lang="zh-TW" altLang="en-US" dirty="0" smtClean="0">
                 <a:cs typeface="Calibri"/>
               </a:rPr>
-              <a:t>RESULT</a:t>
+              <a:t>結論</a:t>
             </a:r>
             <a:endParaRPr dirty="0"/>
           </a:p>
@@ -9794,44 +9256,10 @@
           <a:lstStyle/>
           <a:p>
             <a:r>
-              <a:rPr lang="en-US" altLang="zh-TW" sz="1800" dirty="0" smtClean="0">
-                <a:ea typeface="新細明體"/>
-              </a:rPr>
-              <a:t>A</a:t>
-            </a:r>
-            <a:r>
               <a:rPr lang="zh-TW" altLang="en-US" sz="1800" dirty="0" smtClean="0">
                 <a:ea typeface="新細明體"/>
               </a:rPr>
-              <a:t>表示只用聲音判定，</a:t>
-            </a:r>
-            <a:r>
-              <a:rPr lang="en-US" altLang="zh-TW" sz="1800" dirty="0" smtClean="0">
-                <a:ea typeface="新細明體"/>
-              </a:rPr>
-              <a:t>AV</a:t>
-            </a:r>
-            <a:r>
-              <a:rPr lang="zh-TW" altLang="en-US" sz="1800" dirty="0" smtClean="0">
-                <a:ea typeface="新細明體"/>
-              </a:rPr>
-              <a:t>則是聲音加唇語，在高訊號低雜訊時兩者</a:t>
-            </a:r>
-            <a:r>
-              <a:rPr lang="en-US" altLang="zh-TW" sz="1800" dirty="0" smtClean="0">
-                <a:ea typeface="新細明體"/>
-              </a:rPr>
-              <a:t>WER</a:t>
-            </a:r>
-            <a:r>
-              <a:rPr lang="zh-TW" altLang="en-US" sz="1800" dirty="0" smtClean="0">
-                <a:ea typeface="新細明體"/>
-              </a:rPr>
-              <a:t>差異不大，但隨著雜訊越高只用聲音錯誤率更高，而加入唇語能降低錯誤率</a:t>
-            </a:r>
-            <a:r>
-              <a:rPr sz="1800" dirty="0" smtClean="0"/>
-              <a:t>。</a:t>
+              <a:t>本研究運用聲音搭配唇形的影像辨識大幅提高語音內容辨識正確率</a:t>
             </a:r>
             <a:endParaRPr lang="zh-TW" altLang="en-US" sz="1800" dirty="0">
               <a:cs typeface="Calibri"/>
@@ -9844,7 +9272,7 @@
           <p:cNvPr id="4" name="投影片編號版面配置區 3">
             <a:extLst>
               <a:ext uri="{FF2B5EF4-FFF2-40B4-BE49-F238E27FC236}">
-                <a16:creationId xmlns="" xmlns:a16="http://schemas.microsoft.com/office/drawing/2014/main" id="{A87F1B5D-F8E2-ED3D-2E72-EB23BAB0F167}"/>
+                <a16:creationId xmlns:a16="http://schemas.microsoft.com/office/drawing/2014/main" id="{A87F1B5D-F8E2-ED3D-2E72-EB23BAB0F167}"/>
               </a:ext>
             </a:extLst>
           </p:cNvPr>
@@ -9868,33 +9296,10 @@
           </a:p>
         </p:txBody>
       </p:sp>
-      <p:pic>
-        <p:nvPicPr>
-          <p:cNvPr id="6" name="圖片 5"/>
-          <p:cNvPicPr>
-            <a:picLocks noChangeAspect="1"/>
-          </p:cNvPicPr>
-          <p:nvPr/>
-        </p:nvPicPr>
-        <p:blipFill rotWithShape="1">
-          <a:blip r:embed="rId3"/>
-          <a:srcRect l="57213" t="36958" r="18688" b="44098"/>
-          <a:stretch/>
-        </p:blipFill>
-        <p:spPr>
-          <a:xfrm>
-            <a:off x="1056806" y="2788170"/>
-            <a:ext cx="7030388" cy="3108675"/>
-          </a:xfrm>
-          <a:prstGeom prst="rect">
-            <a:avLst/>
-          </a:prstGeom>
-        </p:spPr>
-      </p:pic>
     </p:spTree>
     <p:extLst>
       <p:ext uri="{BB962C8B-B14F-4D97-AF65-F5344CB8AC3E}">
-        <p14:creationId xmlns:p14="http://schemas.microsoft.com/office/powerpoint/2010/main" val="3708820475"/>
+        <p14:creationId xmlns:p14="http://schemas.microsoft.com/office/powerpoint/2010/main" val="67855328"/>
       </p:ext>
     </p:extLst>
   </p:cSld>
@@ -9923,123 +9328,10 @@
       </p:grpSpPr>
       <p:sp>
         <p:nvSpPr>
-          <p:cNvPr id="2" name="Title 1"/>
-          <p:cNvSpPr>
-            <a:spLocks noGrp="1"/>
-          </p:cNvSpPr>
-          <p:nvPr>
-            <p:ph type="title"/>
-          </p:nvPr>
-        </p:nvSpPr>
-        <p:spPr/>
-        <p:txBody>
-          <a:bodyPr/>
-          <a:lstStyle/>
-          <a:p>
-            <a:r>
-              <a:rPr lang="zh-TW" altLang="en-US" dirty="0" smtClean="0">
-                <a:cs typeface="Calibri"/>
-              </a:rPr>
-              <a:t>結論</a:t>
-            </a:r>
-            <a:endParaRPr dirty="0"/>
-          </a:p>
-        </p:txBody>
-      </p:sp>
-      <p:sp>
-        <p:nvSpPr>
-          <p:cNvPr id="3" name="Content Placeholder 2"/>
-          <p:cNvSpPr>
-            <a:spLocks noGrp="1"/>
-          </p:cNvSpPr>
-          <p:nvPr>
-            <p:ph idx="1"/>
-          </p:nvPr>
-        </p:nvSpPr>
-        <p:spPr/>
-        <p:txBody>
-          <a:bodyPr vert="horz" lIns="91440" tIns="45720" rIns="91440" bIns="45720" rtlCol="0" anchor="t">
-            <a:normAutofit/>
-          </a:bodyPr>
-          <a:lstStyle/>
-          <a:p>
-            <a:r>
-              <a:rPr lang="zh-TW" altLang="en-US" sz="1800" dirty="0" smtClean="0">
-                <a:ea typeface="新細明體"/>
-              </a:rPr>
-              <a:t>本研究運用聲音搭配唇形的影像辨識大幅提高語音內容辨識正確率</a:t>
-            </a:r>
-            <a:endParaRPr lang="zh-TW" altLang="en-US" sz="1800" dirty="0">
-              <a:cs typeface="Calibri"/>
-            </a:endParaRPr>
-          </a:p>
-        </p:txBody>
-      </p:sp>
-      <p:sp>
-        <p:nvSpPr>
-          <p:cNvPr id="4" name="投影片編號版面配置區 3">
-            <a:extLst>
-              <a:ext uri="{FF2B5EF4-FFF2-40B4-BE49-F238E27FC236}">
-                <a16:creationId xmlns="" xmlns:a16="http://schemas.microsoft.com/office/drawing/2014/main" id="{A87F1B5D-F8E2-ED3D-2E72-EB23BAB0F167}"/>
-              </a:ext>
-            </a:extLst>
-          </p:cNvPr>
-          <p:cNvSpPr>
-            <a:spLocks noGrp="1"/>
-          </p:cNvSpPr>
-          <p:nvPr>
-            <p:ph type="sldNum" sz="quarter" idx="12"/>
-          </p:nvPr>
-        </p:nvSpPr>
-        <p:spPr/>
-        <p:txBody>
-          <a:bodyPr/>
-          <a:lstStyle/>
-          <a:p>
-            <a:fld id="{C1FF6DA9-008F-8B48-92A6-B652298478BF}" type="slidenum">
-              <a:rPr lang="en-US" smtClean="0"/>
-              <a:t>12</a:t>
-            </a:fld>
-            <a:endParaRPr lang="zh-TW" altLang="en-US"/>
-          </a:p>
-        </p:txBody>
-      </p:sp>
-    </p:spTree>
-    <p:extLst>
-      <p:ext uri="{BB962C8B-B14F-4D97-AF65-F5344CB8AC3E}">
-        <p14:creationId xmlns:p14="http://schemas.microsoft.com/office/powerpoint/2010/main" val="67855328"/>
-      </p:ext>
-    </p:extLst>
-  </p:cSld>
-  <p:clrMapOvr>
-    <a:masterClrMapping/>
-  </p:clrMapOvr>
-</p:sld>
-</file>
-
-<file path=ppt/slides/slide13.xml><?xml version="1.0" encoding="utf-8"?>
-<p:sld xmlns:a="http://schemas.openxmlformats.org/drawingml/2006/main" xmlns:r="http://schemas.openxmlformats.org/officeDocument/2006/relationships" xmlns:p="http://schemas.openxmlformats.org/presentationml/2006/main">
-  <p:cSld>
-    <p:spTree>
-      <p:nvGrpSpPr>
-        <p:cNvPr id="1" name=""/>
-        <p:cNvGrpSpPr/>
-        <p:nvPr/>
-      </p:nvGrpSpPr>
-      <p:grpSpPr>
-        <a:xfrm>
-          <a:off x="0" y="0"/>
-          <a:ext cx="0" cy="0"/>
-          <a:chOff x="0" y="0"/>
-          <a:chExt cx="0" cy="0"/>
-        </a:xfrm>
-      </p:grpSpPr>
-      <p:sp>
-        <p:nvSpPr>
           <p:cNvPr id="2" name="標題 1">
             <a:extLst>
               <a:ext uri="{FF2B5EF4-FFF2-40B4-BE49-F238E27FC236}">
-                <a16:creationId xmlns="" xmlns:a16="http://schemas.microsoft.com/office/drawing/2014/main" id="{1C5145E7-1DA2-290D-70FE-4A0455EAF62B}"/>
+                <a16:creationId xmlns:a16="http://schemas.microsoft.com/office/drawing/2014/main" id="{1C5145E7-1DA2-290D-70FE-4A0455EAF62B}"/>
               </a:ext>
             </a:extLst>
           </p:cNvPr>
@@ -10064,7 +9356,7 @@
           <p:cNvPr id="3" name="內容版面配置區 2">
             <a:extLst>
               <a:ext uri="{FF2B5EF4-FFF2-40B4-BE49-F238E27FC236}">
-                <a16:creationId xmlns="" xmlns:a16="http://schemas.microsoft.com/office/drawing/2014/main" id="{1EAC5477-4418-042D-1EB0-1AD8F3229D2C}"/>
+                <a16:creationId xmlns:a16="http://schemas.microsoft.com/office/drawing/2014/main" id="{1EAC5477-4418-042D-1EB0-1AD8F3229D2C}"/>
               </a:ext>
             </a:extLst>
           </p:cNvPr>
@@ -10113,7 +9405,7 @@
           <p:cNvPr id="4" name="投影片編號版面配置區 3">
             <a:extLst>
               <a:ext uri="{FF2B5EF4-FFF2-40B4-BE49-F238E27FC236}">
-                <a16:creationId xmlns="" xmlns:a16="http://schemas.microsoft.com/office/drawing/2014/main" id="{94451F37-177D-FCF0-F344-3488B665D2A5}"/>
+                <a16:creationId xmlns:a16="http://schemas.microsoft.com/office/drawing/2014/main" id="{94451F37-177D-FCF0-F344-3488B665D2A5}"/>
               </a:ext>
             </a:extLst>
           </p:cNvPr>
@@ -10131,7 +9423,7 @@
           <a:p>
             <a:fld id="{C1FF6DA9-008F-8B48-92A6-B652298478BF}" type="slidenum">
               <a:rPr lang="en-US" smtClean="0"/>
-              <a:t>13</a:t>
+              <a:t>12</a:t>
             </a:fld>
             <a:endParaRPr lang="zh-TW" altLang="en-US"/>
           </a:p>
@@ -10180,7 +9472,7 @@
           <p:cNvPr id="9" name="Rectangle 8">
             <a:extLst>
               <a:ext uri="{FF2B5EF4-FFF2-40B4-BE49-F238E27FC236}">
-                <a16:creationId xmlns="" xmlns:a16="http://schemas.microsoft.com/office/drawing/2014/main" id="{BACC6370-2D7E-4714-9D71-7542949D7D5D}"/>
+                <a16:creationId xmlns:a16="http://schemas.microsoft.com/office/drawing/2014/main" id="{BACC6370-2D7E-4714-9D71-7542949D7D5D}"/>
               </a:ext>
               <a:ext uri="{C183D7F6-B498-43B3-948B-1728B52AA6E4}">
                 <adec:decorative xmlns="" xmlns:adec="http://schemas.microsoft.com/office/drawing/2017/decorative" val="1"/>
@@ -10193,7 +9485,7 @@
           <p:nvPr>
             <p:extLst>
               <p:ext uri="{386F3935-93C4-4BCD-93E2-E3B085C9AB24}">
-                <p16:designElem xmlns="" xmlns:p16="http://schemas.microsoft.com/office/powerpoint/2015/main" val="1"/>
+                <p16:designElem xmlns:p16="http://schemas.microsoft.com/office/powerpoint/2015/main" val="1"/>
               </p:ext>
             </p:extLst>
           </p:nvPr>
@@ -10256,7 +9548,7 @@
           <p:cNvPr id="11" name="Rectangle 10">
             <a:extLst>
               <a:ext uri="{FF2B5EF4-FFF2-40B4-BE49-F238E27FC236}">
-                <a16:creationId xmlns="" xmlns:a16="http://schemas.microsoft.com/office/drawing/2014/main" id="{256B2C21-A230-48C0-8DF1-C46611373C44}"/>
+                <a16:creationId xmlns:a16="http://schemas.microsoft.com/office/drawing/2014/main" id="{256B2C21-A230-48C0-8DF1-C46611373C44}"/>
               </a:ext>
               <a:ext uri="{C183D7F6-B498-43B3-948B-1728B52AA6E4}">
                 <adec:decorative xmlns="" xmlns:adec="http://schemas.microsoft.com/office/drawing/2017/decorative" val="1"/>
@@ -10269,7 +9561,7 @@
           <p:nvPr>
             <p:extLst>
               <p:ext uri="{386F3935-93C4-4BCD-93E2-E3B085C9AB24}">
-                <p16:designElem xmlns="" xmlns:p16="http://schemas.microsoft.com/office/powerpoint/2015/main" val="1"/>
+                <p16:designElem xmlns:p16="http://schemas.microsoft.com/office/powerpoint/2015/main" val="1"/>
               </p:ext>
             </p:extLst>
           </p:nvPr>
@@ -10329,7 +9621,7 @@
           <p:cNvPr id="13" name="Rectangle 12">
             <a:extLst>
               <a:ext uri="{FF2B5EF4-FFF2-40B4-BE49-F238E27FC236}">
-                <a16:creationId xmlns="" xmlns:a16="http://schemas.microsoft.com/office/drawing/2014/main" id="{3847E18C-932D-4C95-AABA-FEC7C9499AD7}"/>
+                <a16:creationId xmlns:a16="http://schemas.microsoft.com/office/drawing/2014/main" id="{3847E18C-932D-4C95-AABA-FEC7C9499AD7}"/>
               </a:ext>
               <a:ext uri="{C183D7F6-B498-43B3-948B-1728B52AA6E4}">
                 <adec:decorative xmlns="" xmlns:adec="http://schemas.microsoft.com/office/drawing/2017/decorative" val="1"/>
@@ -10342,7 +9634,7 @@
           <p:nvPr>
             <p:extLst>
               <p:ext uri="{386F3935-93C4-4BCD-93E2-E3B085C9AB24}">
-                <p16:designElem xmlns="" xmlns:p16="http://schemas.microsoft.com/office/powerpoint/2015/main" val="1"/>
+                <p16:designElem xmlns:p16="http://schemas.microsoft.com/office/powerpoint/2015/main" val="1"/>
               </p:ext>
             </p:extLst>
           </p:nvPr>
@@ -10404,7 +9696,7 @@
           <p:cNvPr id="15" name="Rectangle 14">
             <a:extLst>
               <a:ext uri="{FF2B5EF4-FFF2-40B4-BE49-F238E27FC236}">
-                <a16:creationId xmlns="" xmlns:a16="http://schemas.microsoft.com/office/drawing/2014/main" id="{3150CB11-0C61-439E-910F-5787759E72A0}"/>
+                <a16:creationId xmlns:a16="http://schemas.microsoft.com/office/drawing/2014/main" id="{3150CB11-0C61-439E-910F-5787759E72A0}"/>
               </a:ext>
               <a:ext uri="{C183D7F6-B498-43B3-948B-1728B52AA6E4}">
                 <adec:decorative xmlns="" xmlns:adec="http://schemas.microsoft.com/office/drawing/2017/decorative" val="1"/>
@@ -10417,7 +9709,7 @@
           <p:nvPr>
             <p:extLst>
               <p:ext uri="{386F3935-93C4-4BCD-93E2-E3B085C9AB24}">
-                <p16:designElem xmlns="" xmlns:p16="http://schemas.microsoft.com/office/powerpoint/2015/main" val="1"/>
+                <p16:designElem xmlns:p16="http://schemas.microsoft.com/office/powerpoint/2015/main" val="1"/>
               </p:ext>
             </p:extLst>
           </p:nvPr>
@@ -10479,7 +9771,7 @@
           <p:cNvPr id="17" name="Freeform: Shape 16">
             <a:extLst>
               <a:ext uri="{FF2B5EF4-FFF2-40B4-BE49-F238E27FC236}">
-                <a16:creationId xmlns="" xmlns:a16="http://schemas.microsoft.com/office/drawing/2014/main" id="{43F8A58B-5155-44CE-A5FF-7647B47D0A7A}"/>
+                <a16:creationId xmlns:a16="http://schemas.microsoft.com/office/drawing/2014/main" id="{43F8A58B-5155-44CE-A5FF-7647B47D0A7A}"/>
               </a:ext>
               <a:ext uri="{C183D7F6-B498-43B3-948B-1728B52AA6E4}">
                 <adec:decorative xmlns="" xmlns:adec="http://schemas.microsoft.com/office/drawing/2017/decorative" val="1"/>
@@ -10492,7 +9784,7 @@
           <p:nvPr>
             <p:extLst>
               <p:ext uri="{386F3935-93C4-4BCD-93E2-E3B085C9AB24}">
-                <p16:designElem xmlns="" xmlns:p16="http://schemas.microsoft.com/office/powerpoint/2015/main" val="1"/>
+                <p16:designElem xmlns:p16="http://schemas.microsoft.com/office/powerpoint/2015/main" val="1"/>
               </p:ext>
             </p:extLst>
           </p:nvPr>
@@ -10649,7 +9941,7 @@
           <p:cNvPr id="19" name="Rectangle 18">
             <a:extLst>
               <a:ext uri="{FF2B5EF4-FFF2-40B4-BE49-F238E27FC236}">
-                <a16:creationId xmlns="" xmlns:a16="http://schemas.microsoft.com/office/drawing/2014/main" id="{443F2ACA-E6D6-4028-82DD-F03C262D5DE6}"/>
+                <a16:creationId xmlns:a16="http://schemas.microsoft.com/office/drawing/2014/main" id="{443F2ACA-E6D6-4028-82DD-F03C262D5DE6}"/>
               </a:ext>
               <a:ext uri="{C183D7F6-B498-43B3-948B-1728B52AA6E4}">
                 <adec:decorative xmlns="" xmlns:adec="http://schemas.microsoft.com/office/drawing/2017/decorative" val="1"/>
@@ -10662,7 +9954,7 @@
           <p:nvPr>
             <p:extLst>
               <p:ext uri="{386F3935-93C4-4BCD-93E2-E3B085C9AB24}">
-                <p16:designElem xmlns="" xmlns:p16="http://schemas.microsoft.com/office/powerpoint/2015/main" val="1"/>
+                <p16:designElem xmlns:p16="http://schemas.microsoft.com/office/powerpoint/2015/main" val="1"/>
               </p:ext>
             </p:extLst>
           </p:nvPr>
@@ -10766,7 +10058,7 @@
           <p:cNvPr id="5" name="內容版面配置區 2">
             <a:extLst>
               <a:ext uri="{FF2B5EF4-FFF2-40B4-BE49-F238E27FC236}">
-                <a16:creationId xmlns="" xmlns:a16="http://schemas.microsoft.com/office/drawing/2014/main" id="{A5EA6EAC-EF19-06E2-5BF2-99998BBBEF53}"/>
+                <a16:creationId xmlns:a16="http://schemas.microsoft.com/office/drawing/2014/main" id="{A5EA6EAC-EF19-06E2-5BF2-99998BBBEF53}"/>
               </a:ext>
             </a:extLst>
           </p:cNvPr>
@@ -10797,7 +10089,7 @@
           <p:cNvPr id="20" name="投影片編號版面配置區 19">
             <a:extLst>
               <a:ext uri="{FF2B5EF4-FFF2-40B4-BE49-F238E27FC236}">
-                <a16:creationId xmlns="" xmlns:a16="http://schemas.microsoft.com/office/drawing/2014/main" id="{FD62721B-81D8-D26F-C457-0AD1BCB18627}"/>
+                <a16:creationId xmlns:a16="http://schemas.microsoft.com/office/drawing/2014/main" id="{FD62721B-81D8-D26F-C457-0AD1BCB18627}"/>
               </a:ext>
             </a:extLst>
           </p:cNvPr>
@@ -10864,7 +10156,7 @@
           <p:cNvPr id="8" name="Rectangle 7">
             <a:extLst>
               <a:ext uri="{FF2B5EF4-FFF2-40B4-BE49-F238E27FC236}">
-                <a16:creationId xmlns="" xmlns:a16="http://schemas.microsoft.com/office/drawing/2014/main" id="{B6CDA21F-E7AF-4C75-8395-33F58D5B0E45}"/>
+                <a16:creationId xmlns:a16="http://schemas.microsoft.com/office/drawing/2014/main" id="{B6CDA21F-E7AF-4C75-8395-33F58D5B0E45}"/>
               </a:ext>
               <a:ext uri="{C183D7F6-B498-43B3-948B-1728B52AA6E4}">
                 <adec:decorative xmlns="" xmlns:adec="http://schemas.microsoft.com/office/drawing/2017/decorative" val="1"/>
@@ -10877,7 +10169,7 @@
           <p:nvPr>
             <p:extLst>
               <p:ext uri="{386F3935-93C4-4BCD-93E2-E3B085C9AB24}">
-                <p16:designElem xmlns="" xmlns:p16="http://schemas.microsoft.com/office/powerpoint/2015/main" val="1"/>
+                <p16:designElem xmlns:p16="http://schemas.microsoft.com/office/powerpoint/2015/main" val="1"/>
               </p:ext>
             </p:extLst>
           </p:nvPr>
@@ -10924,7 +10216,7 @@
           <p:cNvPr id="10" name="Group 9">
             <a:extLst>
               <a:ext uri="{FF2B5EF4-FFF2-40B4-BE49-F238E27FC236}">
-                <a16:creationId xmlns="" xmlns:a16="http://schemas.microsoft.com/office/drawing/2014/main" id="{AE1C45F0-260A-458C-96ED-C1F6D2151219}"/>
+                <a16:creationId xmlns:a16="http://schemas.microsoft.com/office/drawing/2014/main" id="{AE1C45F0-260A-458C-96ED-C1F6D2151219}"/>
               </a:ext>
               <a:ext uri="{C183D7F6-B498-43B3-948B-1728B52AA6E4}">
                 <adec:decorative xmlns="" xmlns:adec="http://schemas.microsoft.com/office/drawing/2017/decorative" val="1"/>
@@ -10937,7 +10229,7 @@
           <p:nvPr>
             <p:extLst>
               <p:ext uri="{386F3935-93C4-4BCD-93E2-E3B085C9AB24}">
-                <p16:designElem xmlns="" xmlns:p16="http://schemas.microsoft.com/office/powerpoint/2015/main" val="1"/>
+                <p16:designElem xmlns:p16="http://schemas.microsoft.com/office/powerpoint/2015/main" val="1"/>
               </p:ext>
             </p:extLst>
           </p:nvPr>
@@ -10958,7 +10250,7 @@
             <p:cNvPr id="11" name="Rectangle 10">
               <a:extLst>
                 <a:ext uri="{FF2B5EF4-FFF2-40B4-BE49-F238E27FC236}">
-                  <a16:creationId xmlns="" xmlns:a16="http://schemas.microsoft.com/office/drawing/2014/main" id="{A6604B49-AD5C-4590-B051-06C8222ECD99}"/>
+                  <a16:creationId xmlns:a16="http://schemas.microsoft.com/office/drawing/2014/main" id="{A6604B49-AD5C-4590-B051-06C8222ECD99}"/>
                 </a:ext>
                 <a:ext uri="{C183D7F6-B498-43B3-948B-1728B52AA6E4}">
                   <adec:decorative xmlns="" xmlns:adec="http://schemas.microsoft.com/office/drawing/2017/decorative" val="1"/>
@@ -10969,7 +10261,7 @@
             <p:nvPr>
               <p:extLst>
                 <p:ext uri="{386F3935-93C4-4BCD-93E2-E3B085C9AB24}">
-                  <p16:designElem xmlns="" xmlns:p16="http://schemas.microsoft.com/office/powerpoint/2015/main" val="1"/>
+                  <p16:designElem xmlns:p16="http://schemas.microsoft.com/office/powerpoint/2015/main" val="1"/>
                 </p:ext>
               </p:extLst>
             </p:nvPr>
@@ -11017,7 +10309,7 @@
             <p:cNvPr id="12" name="Rectangle 11">
               <a:extLst>
                 <a:ext uri="{FF2B5EF4-FFF2-40B4-BE49-F238E27FC236}">
-                  <a16:creationId xmlns="" xmlns:a16="http://schemas.microsoft.com/office/drawing/2014/main" id="{743ECCAF-29C5-4537-947C-7EA1292463DB}"/>
+                  <a16:creationId xmlns:a16="http://schemas.microsoft.com/office/drawing/2014/main" id="{743ECCAF-29C5-4537-947C-7EA1292463DB}"/>
                 </a:ext>
                 <a:ext uri="{C183D7F6-B498-43B3-948B-1728B52AA6E4}">
                   <adec:decorative xmlns="" xmlns:adec="http://schemas.microsoft.com/office/drawing/2017/decorative" val="1"/>
@@ -11028,7 +10320,7 @@
             <p:nvPr>
               <p:extLst>
                 <p:ext uri="{386F3935-93C4-4BCD-93E2-E3B085C9AB24}">
-                  <p16:designElem xmlns="" xmlns:p16="http://schemas.microsoft.com/office/powerpoint/2015/main" val="1"/>
+                  <p16:designElem xmlns:p16="http://schemas.microsoft.com/office/powerpoint/2015/main" val="1"/>
                 </p:ext>
               </p:extLst>
             </p:nvPr>
@@ -11076,7 +10368,7 @@
             <p:cNvPr id="13" name="Rectangle 12">
               <a:extLst>
                 <a:ext uri="{FF2B5EF4-FFF2-40B4-BE49-F238E27FC236}">
-                  <a16:creationId xmlns="" xmlns:a16="http://schemas.microsoft.com/office/drawing/2014/main" id="{ED49787B-8DE6-4467-AD0A-8DECC6E0C2D6}"/>
+                  <a16:creationId xmlns:a16="http://schemas.microsoft.com/office/drawing/2014/main" id="{ED49787B-8DE6-4467-AD0A-8DECC6E0C2D6}"/>
                 </a:ext>
                 <a:ext uri="{C183D7F6-B498-43B3-948B-1728B52AA6E4}">
                   <adec:decorative xmlns="" xmlns:adec="http://schemas.microsoft.com/office/drawing/2017/decorative" val="1"/>
@@ -11087,7 +10379,7 @@
             <p:nvPr>
               <p:extLst>
                 <p:ext uri="{386F3935-93C4-4BCD-93E2-E3B085C9AB24}">
-                  <p16:designElem xmlns="" xmlns:p16="http://schemas.microsoft.com/office/powerpoint/2015/main" val="1"/>
+                  <p16:designElem xmlns:p16="http://schemas.microsoft.com/office/powerpoint/2015/main" val="1"/>
                 </p:ext>
               </p:extLst>
             </p:nvPr>
@@ -11136,7 +10428,7 @@
           <p:cNvPr id="15" name="Rectangle 14">
             <a:extLst>
               <a:ext uri="{FF2B5EF4-FFF2-40B4-BE49-F238E27FC236}">
-                <a16:creationId xmlns="" xmlns:a16="http://schemas.microsoft.com/office/drawing/2014/main" id="{D5B0017B-2ECA-49AF-B397-DC140825DF8D}"/>
+                <a16:creationId xmlns:a16="http://schemas.microsoft.com/office/drawing/2014/main" id="{D5B0017B-2ECA-49AF-B397-DC140825DF8D}"/>
               </a:ext>
               <a:ext uri="{C183D7F6-B498-43B3-948B-1728B52AA6E4}">
                 <adec:decorative xmlns="" xmlns:adec="http://schemas.microsoft.com/office/drawing/2017/decorative" val="1"/>
@@ -11149,7 +10441,7 @@
           <p:nvPr>
             <p:extLst>
               <p:ext uri="{386F3935-93C4-4BCD-93E2-E3B085C9AB24}">
-                <p16:designElem xmlns="" xmlns:p16="http://schemas.microsoft.com/office/powerpoint/2015/main" val="1"/>
+                <p16:designElem xmlns:p16="http://schemas.microsoft.com/office/powerpoint/2015/main" val="1"/>
               </p:ext>
             </p:extLst>
           </p:nvPr>
@@ -11271,14 +10563,7 @@
                 <a:ea typeface="+mn-lt"/>
                 <a:cs typeface="+mn-lt"/>
               </a:rPr>
-              <a:t>對於判斷新</a:t>
-            </a:r>
-            <a:r>
-              <a:rPr lang="zh-TW" altLang="en-US" sz="2100" dirty="0">
-                <a:ea typeface="+mn-lt"/>
-                <a:cs typeface="+mn-lt"/>
-              </a:rPr>
-              <a:t>冠病毒（</a:t>
+              <a:t>對於判斷新冠病毒（</a:t>
             </a:r>
             <a:r>
               <a:rPr lang="en-US" altLang="zh-TW" sz="2100" dirty="0">
@@ -11292,21 +10577,7 @@
                 <a:ea typeface="+mn-lt"/>
                 <a:cs typeface="+mn-lt"/>
               </a:rPr>
-              <a:t>）的方法中</a:t>
-            </a:r>
-            <a:r>
-              <a:rPr lang="zh-TW" altLang="en-US" sz="2100" dirty="0">
-                <a:ea typeface="+mn-lt"/>
-                <a:cs typeface="+mn-lt"/>
-              </a:rPr>
-              <a:t>，常見診斷</a:t>
-            </a:r>
-            <a:r>
-              <a:rPr lang="zh-TW" altLang="en-US" sz="2100" dirty="0">
-                <a:ea typeface="+mn-lt"/>
-                <a:cs typeface="+mn-lt"/>
-              </a:rPr>
-              <a:t>方法是反轉錄聚合酶鏈反應（</a:t>
+              <a:t>）的方法中，常見診斷方法是反轉錄聚合酶鏈反應（</a:t>
             </a:r>
             <a:r>
               <a:rPr lang="en-US" altLang="zh-TW" sz="2100" dirty="0">
@@ -11320,21 +10591,7 @@
                 <a:ea typeface="+mn-lt"/>
                 <a:cs typeface="+mn-lt"/>
               </a:rPr>
-              <a:t>）測試</a:t>
-            </a:r>
-            <a:r>
-              <a:rPr lang="zh-TW" altLang="en-US" sz="2100" dirty="0">
-                <a:ea typeface="+mn-lt"/>
-                <a:cs typeface="+mn-lt"/>
-              </a:rPr>
-              <a:t>，但</a:t>
-            </a:r>
-            <a:r>
-              <a:rPr lang="zh-TW" altLang="en-US" sz="2100" dirty="0">
-                <a:ea typeface="+mn-lt"/>
-                <a:cs typeface="+mn-lt"/>
-              </a:rPr>
-              <a:t>存在高成本、耗時</a:t>
+              <a:t>）測試，但存在高成本、耗時</a:t>
             </a:r>
             <a:r>
               <a:rPr lang="af-ZA" sz="2100" dirty="0">
@@ -11360,14 +10617,7 @@
                 <a:ea typeface="+mn-lt"/>
                 <a:cs typeface="+mn-lt"/>
               </a:rPr>
-              <a:t>本研究</a:t>
-            </a:r>
-            <a:r>
-              <a:rPr lang="zh-TW" altLang="en-US" sz="2100" dirty="0">
-                <a:ea typeface="+mn-lt"/>
-                <a:cs typeface="+mn-lt"/>
-              </a:rPr>
-              <a:t>利用人工智能通過咳嗽聲音來分類陰陽性</a:t>
+              <a:t>本研究利用人工智能通過咳嗽聲音來分類陰陽性</a:t>
             </a:r>
             <a:r>
               <a:rPr lang="zh-TW" altLang="en-US" sz="2100" dirty="0" smtClean="0">
@@ -11409,14 +10659,7 @@
                 <a:ea typeface="+mn-lt"/>
                 <a:cs typeface="+mn-lt"/>
               </a:rPr>
-              <a:t>頻譜</a:t>
-            </a:r>
-            <a:r>
-              <a:rPr lang="zh-TW" altLang="en-US" sz="2100" dirty="0">
-                <a:ea typeface="+mn-lt"/>
-                <a:cs typeface="+mn-lt"/>
-              </a:rPr>
-              <a:t>特徵</a:t>
+              <a:t>頻譜特徵</a:t>
             </a:r>
             <a:r>
               <a:rPr lang="zh-TW" altLang="en-US" sz="2100" dirty="0" smtClean="0">
@@ -11529,7 +10772,7 @@
           <p:cNvPr id="17" name="Straight Connector 16">
             <a:extLst>
               <a:ext uri="{FF2B5EF4-FFF2-40B4-BE49-F238E27FC236}">
-                <a16:creationId xmlns="" xmlns:a16="http://schemas.microsoft.com/office/drawing/2014/main" id="{6CF1BAF6-AD41-4082-B212-8A1F9A2E8779}"/>
+                <a16:creationId xmlns:a16="http://schemas.microsoft.com/office/drawing/2014/main" id="{6CF1BAF6-AD41-4082-B212-8A1F9A2E8779}"/>
               </a:ext>
               <a:ext uri="{C183D7F6-B498-43B3-948B-1728B52AA6E4}">
                 <adec:decorative xmlns="" xmlns:adec="http://schemas.microsoft.com/office/drawing/2017/decorative" val="1"/>
@@ -11542,7 +10785,7 @@
           <p:nvPr>
             <p:extLst>
               <p:ext uri="{386F3935-93C4-4BCD-93E2-E3B085C9AB24}">
-                <p16:designElem xmlns="" xmlns:p16="http://schemas.microsoft.com/office/powerpoint/2015/main" val="1"/>
+                <p16:designElem xmlns:p16="http://schemas.microsoft.com/office/powerpoint/2015/main" val="1"/>
               </p:ext>
             </p:extLst>
           </p:nvPr>
@@ -11581,7 +10824,7 @@
           <p:cNvPr id="4" name="投影片編號版面配置區 3">
             <a:extLst>
               <a:ext uri="{FF2B5EF4-FFF2-40B4-BE49-F238E27FC236}">
-                <a16:creationId xmlns="" xmlns:a16="http://schemas.microsoft.com/office/drawing/2014/main" id="{4B4E3367-D796-23F0-D97B-100A8EDD0E9C}"/>
+                <a16:creationId xmlns:a16="http://schemas.microsoft.com/office/drawing/2014/main" id="{4B4E3367-D796-23F0-D97B-100A8EDD0E9C}"/>
               </a:ext>
             </a:extLst>
           </p:cNvPr>
@@ -11614,145 +10857,6 @@
 </file>
 
 <file path=ppt/slides/slide4.xml><?xml version="1.0" encoding="utf-8"?>
-<p:sld xmlns:a="http://schemas.openxmlformats.org/drawingml/2006/main" xmlns:r="http://schemas.openxmlformats.org/officeDocument/2006/relationships" xmlns:p="http://schemas.openxmlformats.org/presentationml/2006/main">
-  <p:cSld>
-    <p:spTree>
-      <p:nvGrpSpPr>
-        <p:cNvPr id="1" name=""/>
-        <p:cNvGrpSpPr/>
-        <p:nvPr/>
-      </p:nvGrpSpPr>
-      <p:grpSpPr>
-        <a:xfrm>
-          <a:off x="0" y="0"/>
-          <a:ext cx="0" cy="0"/>
-          <a:chOff x="0" y="0"/>
-          <a:chExt cx="0" cy="0"/>
-        </a:xfrm>
-      </p:grpSpPr>
-      <p:sp>
-        <p:nvSpPr>
-          <p:cNvPr id="2" name="標題 1">
-            <a:extLst>
-              <a:ext uri="{FF2B5EF4-FFF2-40B4-BE49-F238E27FC236}">
-                <a16:creationId xmlns="" xmlns:a16="http://schemas.microsoft.com/office/drawing/2014/main" id="{643E990C-538F-BE9C-F302-ED99E3504CBD}"/>
-              </a:ext>
-            </a:extLst>
-          </p:cNvPr>
-          <p:cNvSpPr>
-            <a:spLocks noGrp="1"/>
-          </p:cNvSpPr>
-          <p:nvPr>
-            <p:ph type="title"/>
-          </p:nvPr>
-        </p:nvSpPr>
-        <p:spPr/>
-        <p:txBody>
-          <a:bodyPr/>
-          <a:lstStyle/>
-          <a:p>
-            <a:r>
-              <a:rPr lang="zh-TW" altLang="en-US">
-                <a:ea typeface="新細明體"/>
-                <a:cs typeface="Calibri"/>
-              </a:rPr>
-              <a:t>標註</a:t>
-            </a:r>
-            <a:endParaRPr lang="zh-TW" altLang="en-US"/>
-          </a:p>
-        </p:txBody>
-      </p:sp>
-      <p:sp>
-        <p:nvSpPr>
-          <p:cNvPr id="3" name="內容版面配置區 2">
-            <a:extLst>
-              <a:ext uri="{FF2B5EF4-FFF2-40B4-BE49-F238E27FC236}">
-                <a16:creationId xmlns="" xmlns:a16="http://schemas.microsoft.com/office/drawing/2014/main" id="{9AFBF725-373A-D6D9-19D9-881490F3333E}"/>
-              </a:ext>
-            </a:extLst>
-          </p:cNvPr>
-          <p:cNvSpPr>
-            <a:spLocks noGrp="1"/>
-          </p:cNvSpPr>
-          <p:nvPr>
-            <p:ph idx="1"/>
-          </p:nvPr>
-        </p:nvSpPr>
-        <p:spPr/>
-        <p:txBody>
-          <a:bodyPr vert="horz" lIns="91440" tIns="45720" rIns="91440" bIns="45720" rtlCol="0" anchor="t">
-            <a:normAutofit/>
-          </a:bodyPr>
-          <a:lstStyle/>
-          <a:p>
-            <a:r>
-              <a:rPr lang="zh-TW">
-                <a:ea typeface="+mn-lt"/>
-                <a:cs typeface="+mn-lt"/>
-              </a:rPr>
-              <a:t>在語音識別中，標註就是聽到一句話後，</a:t>
-            </a:r>
-            <a:r>
-              <a:rPr lang="zh-TW" b="1">
-                <a:ea typeface="+mn-lt"/>
-                <a:cs typeface="+mn-lt"/>
-              </a:rPr>
-              <a:t>把它寫下來</a:t>
-            </a:r>
-            <a:r>
-              <a:rPr lang="zh-TW">
-                <a:ea typeface="+mn-lt"/>
-                <a:cs typeface="+mn-lt"/>
-              </a:rPr>
-              <a:t>，這樣機器學習模型就能學會哪個聲音對應哪些文字。比如，有一段音頻是人說的「你好」，標註就是在這段音頻旁邊寫上「你好」這兩個字，告訴機器這段聲音的意思。</a:t>
-            </a:r>
-            <a:endParaRPr lang="zh-TW" altLang="en-US"/>
-          </a:p>
-        </p:txBody>
-      </p:sp>
-      <p:sp>
-        <p:nvSpPr>
-          <p:cNvPr id="4" name="投影片編號版面配置區 3">
-            <a:extLst>
-              <a:ext uri="{FF2B5EF4-FFF2-40B4-BE49-F238E27FC236}">
-                <a16:creationId xmlns="" xmlns:a16="http://schemas.microsoft.com/office/drawing/2014/main" id="{92FD4AED-7DDB-99D2-A849-F2050854D30E}"/>
-              </a:ext>
-            </a:extLst>
-          </p:cNvPr>
-          <p:cNvSpPr>
-            <a:spLocks noGrp="1"/>
-          </p:cNvSpPr>
-          <p:nvPr>
-            <p:ph type="sldNum" sz="quarter" idx="12"/>
-          </p:nvPr>
-        </p:nvSpPr>
-        <p:spPr/>
-        <p:txBody>
-          <a:bodyPr/>
-          <a:lstStyle/>
-          <a:p>
-            <a:fld id="{C1FF6DA9-008F-8B48-92A6-B652298478BF}" type="slidenum">
-              <a:rPr lang="en-US" smtClean="0"/>
-              <a:t>4</a:t>
-            </a:fld>
-            <a:endParaRPr lang="en-US"/>
-          </a:p>
-        </p:txBody>
-      </p:sp>
-    </p:spTree>
-    <p:extLst>
-      <p:ext uri="{BB962C8B-B14F-4D97-AF65-F5344CB8AC3E}">
-        <p14:creationId xmlns:p14="http://schemas.microsoft.com/office/powerpoint/2010/main" val="3160206751"/>
-      </p:ext>
-    </p:extLst>
-  </p:cSld>
-  <p:clrMapOvr>
-    <a:masterClrMapping/>
-  </p:clrMapOvr>
-</p:sld>
-</file>
-
-<file path=ppt/slides/slide5.xml><?xml version="1.0" encoding="utf-8"?>
 <p:sld xmlns:a="http://schemas.openxmlformats.org/drawingml/2006/main" xmlns:r="http://schemas.openxmlformats.org/officeDocument/2006/relationships" xmlns:p="http://schemas.openxmlformats.org/presentationml/2006/main">
   <p:cSld>
     <p:bg>
@@ -11782,7 +10886,7 @@
           <p:cNvPr id="22" name="Rectangle 7">
             <a:extLst>
               <a:ext uri="{FF2B5EF4-FFF2-40B4-BE49-F238E27FC236}">
-                <a16:creationId xmlns="" xmlns:a16="http://schemas.microsoft.com/office/drawing/2014/main" id="{3AD318CC-E2A8-4E27-9548-A047A78999B1}"/>
+                <a16:creationId xmlns:a16="http://schemas.microsoft.com/office/drawing/2014/main" id="{3AD318CC-E2A8-4E27-9548-A047A78999B1}"/>
               </a:ext>
               <a:ext uri="{C183D7F6-B498-43B3-948B-1728B52AA6E4}">
                 <adec:decorative xmlns="" xmlns:adec="http://schemas.microsoft.com/office/drawing/2017/decorative" val="1"/>
@@ -11795,7 +10899,7 @@
           <p:nvPr>
             <p:extLst>
               <p:ext uri="{386F3935-93C4-4BCD-93E2-E3B085C9AB24}">
-                <p16:designElem xmlns="" xmlns:p16="http://schemas.microsoft.com/office/powerpoint/2015/main" val="1"/>
+                <p16:designElem xmlns:p16="http://schemas.microsoft.com/office/powerpoint/2015/main" val="1"/>
               </p:ext>
             </p:extLst>
           </p:nvPr>
@@ -11875,7 +10979,7 @@
           <p:cNvPr id="23" name="Group 9">
             <a:extLst>
               <a:ext uri="{FF2B5EF4-FFF2-40B4-BE49-F238E27FC236}">
-                <a16:creationId xmlns="" xmlns:a16="http://schemas.microsoft.com/office/drawing/2014/main" id="{B14B560F-9DD7-4302-A60B-EBD3EF59B073}"/>
+                <a16:creationId xmlns:a16="http://schemas.microsoft.com/office/drawing/2014/main" id="{B14B560F-9DD7-4302-A60B-EBD3EF59B073}"/>
               </a:ext>
               <a:ext uri="{C183D7F6-B498-43B3-948B-1728B52AA6E4}">
                 <adec:decorative xmlns="" xmlns:adec="http://schemas.microsoft.com/office/drawing/2017/decorative" val="1"/>
@@ -11888,7 +10992,7 @@
           <p:nvPr>
             <p:extLst>
               <p:ext uri="{386F3935-93C4-4BCD-93E2-E3B085C9AB24}">
-                <p16:designElem xmlns="" xmlns:p16="http://schemas.microsoft.com/office/powerpoint/2015/main" val="1"/>
+                <p16:designElem xmlns:p16="http://schemas.microsoft.com/office/powerpoint/2015/main" val="1"/>
               </p:ext>
             </p:extLst>
           </p:nvPr>
@@ -11906,7 +11010,7 @@
             <p:cNvPr id="11" name="Rectangle 10">
               <a:extLst>
                 <a:ext uri="{FF2B5EF4-FFF2-40B4-BE49-F238E27FC236}">
-                  <a16:creationId xmlns="" xmlns:a16="http://schemas.microsoft.com/office/drawing/2014/main" id="{3A9A4357-BD1D-4622-A4FE-766E6AB8DE84}"/>
+                  <a16:creationId xmlns:a16="http://schemas.microsoft.com/office/drawing/2014/main" id="{3A9A4357-BD1D-4622-A4FE-766E6AB8DE84}"/>
                 </a:ext>
                 <a:ext uri="{C183D7F6-B498-43B3-948B-1728B52AA6E4}">
                   <adec:decorative xmlns="" xmlns:adec="http://schemas.microsoft.com/office/drawing/2017/decorative" val="1"/>
@@ -11917,7 +11021,7 @@
             <p:nvPr>
               <p:extLst>
                 <p:ext uri="{386F3935-93C4-4BCD-93E2-E3B085C9AB24}">
-                  <p16:designElem xmlns="" xmlns:p16="http://schemas.microsoft.com/office/powerpoint/2015/main" val="1"/>
+                  <p16:designElem xmlns:p16="http://schemas.microsoft.com/office/powerpoint/2015/main" val="1"/>
                 </p:ext>
               </p:extLst>
             </p:nvPr>
@@ -11967,7 +11071,7 @@
             <p:cNvPr id="24" name="Straight Connector 11">
               <a:extLst>
                 <a:ext uri="{FF2B5EF4-FFF2-40B4-BE49-F238E27FC236}">
-                  <a16:creationId xmlns="" xmlns:a16="http://schemas.microsoft.com/office/drawing/2014/main" id="{C21D6966-343E-49AC-A026-D2497E0C3CA1}"/>
+                  <a16:creationId xmlns:a16="http://schemas.microsoft.com/office/drawing/2014/main" id="{C21D6966-343E-49AC-A026-D2497E0C3CA1}"/>
                 </a:ext>
                 <a:ext uri="{C183D7F6-B498-43B3-948B-1728B52AA6E4}">
                   <adec:decorative xmlns="" xmlns:adec="http://schemas.microsoft.com/office/drawing/2017/decorative" val="1"/>
@@ -11980,7 +11084,7 @@
             <p:nvPr>
               <p:extLst>
                 <p:ext uri="{386F3935-93C4-4BCD-93E2-E3B085C9AB24}">
-                  <p16:designElem xmlns="" xmlns:p16="http://schemas.microsoft.com/office/powerpoint/2015/main" val="1"/>
+                  <p16:designElem xmlns:p16="http://schemas.microsoft.com/office/powerpoint/2015/main" val="1"/>
                 </p:ext>
               </p:extLst>
             </p:nvPr>
@@ -12020,7 +11124,7 @@
           <p:cNvPr id="25" name="Rectangle 13">
             <a:extLst>
               <a:ext uri="{FF2B5EF4-FFF2-40B4-BE49-F238E27FC236}">
-                <a16:creationId xmlns="" xmlns:a16="http://schemas.microsoft.com/office/drawing/2014/main" id="{2C1BBA94-3F40-40AA-8BB9-E69E25E537C1}"/>
+                <a16:creationId xmlns:a16="http://schemas.microsoft.com/office/drawing/2014/main" id="{2C1BBA94-3F40-40AA-8BB9-E69E25E537C1}"/>
               </a:ext>
               <a:ext uri="{C183D7F6-B498-43B3-948B-1728B52AA6E4}">
                 <adec:decorative xmlns="" xmlns:adec="http://schemas.microsoft.com/office/drawing/2017/decorative" val="1"/>
@@ -12033,7 +11137,7 @@
           <p:nvPr>
             <p:extLst>
               <p:ext uri="{386F3935-93C4-4BCD-93E2-E3B085C9AB24}">
-                <p16:designElem xmlns="" xmlns:p16="http://schemas.microsoft.com/office/powerpoint/2015/main" val="1"/>
+                <p16:designElem xmlns:p16="http://schemas.microsoft.com/office/powerpoint/2015/main" val="1"/>
               </p:ext>
             </p:extLst>
           </p:nvPr>
@@ -12111,34 +11215,161 @@
               <a:buNone/>
             </a:pPr>
             <a:r>
-              <a:rPr lang="zh-TW" sz="1900">
+              <a:rPr lang="en-US" altLang="zh-TW" sz="1900" dirty="0" smtClean="0">
                 <a:ea typeface="+mn-lt"/>
                 <a:cs typeface="+mn-lt"/>
               </a:rPr>
-              <a:t>近期的視聽模型通常依賴於大量標註數據來實現高性能，然而手動標註過程費時且昂貴。為了解決這一問題，我們利用現有的預訓練 </a:t>
-            </a:r>
+              <a:t>1.</a:t>
+            </a:r>
+            <a:r>
+              <a:rPr lang="zh-TW" altLang="en-US" sz="1900" dirty="0" smtClean="0">
+                <a:ea typeface="+mn-lt"/>
+                <a:cs typeface="+mn-lt"/>
+              </a:rPr>
+              <a:t>聲音被大量利用</a:t>
+            </a:r>
+            <a:r>
+              <a:rPr lang="zh-TW" altLang="en-US" sz="1900" dirty="0">
+                <a:ea typeface="+mn-lt"/>
+                <a:cs typeface="+mn-lt"/>
+              </a:rPr>
+              <a:t>來</a:t>
+            </a:r>
+            <a:r>
+              <a:rPr lang="zh-TW" altLang="en-US" sz="1900" dirty="0" smtClean="0">
+                <a:ea typeface="+mn-lt"/>
+                <a:cs typeface="+mn-lt"/>
+              </a:rPr>
+              <a:t>做醫療診斷</a:t>
+            </a:r>
+            <a:endParaRPr lang="en-US" altLang="zh-TW" sz="1900" dirty="0" smtClean="0">
+              <a:ea typeface="+mn-lt"/>
+              <a:cs typeface="+mn-lt"/>
+            </a:endParaRPr>
+          </a:p>
+          <a:p>
+            <a:pPr marL="0" indent="0">
+              <a:buNone/>
+            </a:pPr>
             <a:r>
               <a:rPr lang="en-US" altLang="zh-TW" sz="1900" dirty="0">
                 <a:ea typeface="+mn-lt"/>
                 <a:cs typeface="+mn-lt"/>
               </a:rPr>
-              <a:t>ASR</a:t>
-            </a:r>
-            <a:r>
-              <a:rPr lang="zh-TW" altLang="en-US" sz="1900">
+              <a:t>2.</a:t>
+            </a:r>
+            <a:r>
+              <a:rPr lang="zh-TW" altLang="en-US" sz="1900" dirty="0">
                 <a:ea typeface="+mn-lt"/>
                 <a:cs typeface="+mn-lt"/>
               </a:rPr>
-              <a:t> </a:t>
-            </a:r>
-            <a:r>
-              <a:rPr lang="zh-TW" sz="1900">
+              <a:t>本研究利用</a:t>
+            </a:r>
+            <a:r>
+              <a:rPr lang="en-US" altLang="zh-TW" sz="1900" dirty="0">
                 <a:ea typeface="+mn-lt"/>
                 <a:cs typeface="+mn-lt"/>
               </a:rPr>
-              <a:t>模型，對未標註的視聽數據進行自動標註，從而擴展訓練集。</a:t>
-            </a:r>
-            <a:endParaRPr lang="zh-TW">
+              <a:t>MFCC</a:t>
+            </a:r>
+            <a:r>
+              <a:rPr lang="zh-TW" altLang="en-US" sz="1900" dirty="0">
+                <a:ea typeface="+mn-lt"/>
+                <a:cs typeface="+mn-lt"/>
+              </a:rPr>
+              <a:t>取得特徵</a:t>
+            </a:r>
+            <a:r>
+              <a:rPr lang="zh-TW" altLang="en-US" sz="1900" dirty="0" smtClean="0">
+                <a:ea typeface="+mn-lt"/>
+                <a:cs typeface="+mn-lt"/>
+              </a:rPr>
+              <a:t>向量，再將此向量使用機器學習或深度學習</a:t>
+            </a:r>
+            <a:r>
+              <a:rPr lang="en-US" altLang="zh-TW" sz="1900" dirty="0" smtClean="0">
+                <a:ea typeface="+mn-lt"/>
+                <a:cs typeface="+mn-lt"/>
+              </a:rPr>
+              <a:t>(CNN)</a:t>
+            </a:r>
+            <a:r>
+              <a:rPr lang="zh-TW" altLang="en-US" sz="1900" dirty="0" smtClean="0">
+                <a:ea typeface="+mn-lt"/>
+                <a:cs typeface="+mn-lt"/>
+              </a:rPr>
+              <a:t>進行分類</a:t>
+            </a:r>
+            <a:r>
+              <a:rPr lang="zh-TW" sz="1900" dirty="0" smtClean="0">
+                <a:ea typeface="+mn-lt"/>
+                <a:cs typeface="+mn-lt"/>
+              </a:rPr>
+              <a:t>。</a:t>
+            </a:r>
+            <a:endParaRPr lang="en-US" altLang="zh-TW" sz="1900" dirty="0" smtClean="0">
+              <a:ea typeface="+mn-lt"/>
+              <a:cs typeface="+mn-lt"/>
+            </a:endParaRPr>
+          </a:p>
+          <a:p>
+            <a:pPr marL="0" indent="0">
+              <a:buNone/>
+            </a:pPr>
+            <a:r>
+              <a:rPr lang="en-US" altLang="zh-TW" sz="1900" dirty="0" smtClean="0">
+                <a:ea typeface="+mn-lt"/>
+                <a:cs typeface="+mn-lt"/>
+              </a:rPr>
+              <a:t>3.</a:t>
+            </a:r>
+            <a:r>
+              <a:rPr lang="zh-TW" altLang="en-US" sz="1900" dirty="0">
+                <a:ea typeface="+mn-lt"/>
+                <a:cs typeface="+mn-lt"/>
+              </a:rPr>
+              <a:t>本</a:t>
+            </a:r>
+            <a:r>
+              <a:rPr lang="zh-TW" altLang="en-US" sz="1900" dirty="0" smtClean="0">
+                <a:ea typeface="+mn-lt"/>
+                <a:cs typeface="+mn-lt"/>
+              </a:rPr>
+              <a:t>研究利用實際的咳嗽聲音，並搭配</a:t>
+            </a:r>
+            <a:r>
+              <a:rPr lang="en-US" altLang="zh-TW" sz="1900" dirty="0" smtClean="0">
+                <a:ea typeface="+mn-lt"/>
+                <a:cs typeface="+mn-lt"/>
+              </a:rPr>
+              <a:t>PCR</a:t>
+            </a:r>
+            <a:r>
+              <a:rPr lang="zh-TW" altLang="en-US" sz="1900" dirty="0" smtClean="0">
+                <a:ea typeface="+mn-lt"/>
+                <a:cs typeface="+mn-lt"/>
+              </a:rPr>
+              <a:t>測試標註陰陽性作為正確答案。</a:t>
+            </a:r>
+            <a:endParaRPr lang="en-US" altLang="zh-TW" sz="1900" dirty="0" smtClean="0">
+              <a:ea typeface="+mn-lt"/>
+              <a:cs typeface="+mn-lt"/>
+            </a:endParaRPr>
+          </a:p>
+          <a:p>
+            <a:pPr marL="0" indent="0">
+              <a:buNone/>
+            </a:pPr>
+            <a:endParaRPr lang="en-US" altLang="zh-TW" sz="1900" dirty="0" smtClean="0">
+              <a:ea typeface="+mn-lt"/>
+              <a:cs typeface="+mn-lt"/>
+            </a:endParaRPr>
+          </a:p>
+          <a:p>
+            <a:pPr marL="0" indent="0">
+              <a:buNone/>
+            </a:pPr>
+            <a:endParaRPr lang="zh-TW" sz="1900" dirty="0">
               <a:ea typeface="+mn-lt"/>
               <a:cs typeface="+mn-lt"/>
             </a:endParaRPr>
@@ -12150,7 +11381,7 @@
             </a:endParaRPr>
           </a:p>
           <a:p>
-            <a:endParaRPr lang="zh-TW" altLang="en-US" sz="1900">
+            <a:endParaRPr lang="zh-TW" altLang="en-US" sz="1900" dirty="0">
               <a:cs typeface="Calibri"/>
             </a:endParaRPr>
           </a:p>
@@ -12161,7 +11392,7 @@
           <p:cNvPr id="4" name="投影片編號版面配置區 3">
             <a:extLst>
               <a:ext uri="{FF2B5EF4-FFF2-40B4-BE49-F238E27FC236}">
-                <a16:creationId xmlns="" xmlns:a16="http://schemas.microsoft.com/office/drawing/2014/main" id="{6D0A9CE2-4264-9F38-B8F0-B8E64394EAB2}"/>
+                <a16:creationId xmlns:a16="http://schemas.microsoft.com/office/drawing/2014/main" id="{6D0A9CE2-4264-9F38-B8F0-B8E64394EAB2}"/>
               </a:ext>
             </a:extLst>
           </p:cNvPr>
@@ -12179,7 +11410,7 @@
           <a:p>
             <a:fld id="{C1FF6DA9-008F-8B48-92A6-B652298478BF}" type="slidenum">
               <a:rPr lang="en-US" smtClean="0"/>
-              <a:t>5</a:t>
+              <a:t>4</a:t>
             </a:fld>
             <a:endParaRPr lang="zh-TW" altLang="en-US"/>
           </a:p>
@@ -12193,7 +11424,7 @@
 </p:sld>
 </file>
 
-<file path=ppt/slides/slide6.xml><?xml version="1.0" encoding="utf-8"?>
+<file path=ppt/slides/slide5.xml><?xml version="1.0" encoding="utf-8"?>
 <p:sld xmlns:a="http://schemas.openxmlformats.org/drawingml/2006/main" xmlns:r="http://schemas.openxmlformats.org/officeDocument/2006/relationships" xmlns:p="http://schemas.openxmlformats.org/presentationml/2006/main">
   <p:cSld>
     <p:bg>
@@ -12223,7 +11454,7 @@
           <p:cNvPr id="29" name="Rectangle 17">
             <a:extLst>
               <a:ext uri="{FF2B5EF4-FFF2-40B4-BE49-F238E27FC236}">
-                <a16:creationId xmlns="" xmlns:a16="http://schemas.microsoft.com/office/drawing/2014/main" id="{9D25F302-27C5-414F-97F8-6EA0A6C028BA}"/>
+                <a16:creationId xmlns:a16="http://schemas.microsoft.com/office/drawing/2014/main" id="{9D25F302-27C5-414F-97F8-6EA0A6C028BA}"/>
               </a:ext>
               <a:ext uri="{C183D7F6-B498-43B3-948B-1728B52AA6E4}">
                 <adec:decorative xmlns="" xmlns:adec="http://schemas.microsoft.com/office/drawing/2017/decorative" val="1"/>
@@ -12236,7 +11467,7 @@
           <p:nvPr>
             <p:extLst>
               <p:ext uri="{386F3935-93C4-4BCD-93E2-E3B085C9AB24}">
-                <p16:designElem xmlns="" xmlns:p16="http://schemas.microsoft.com/office/powerpoint/2015/main" val="1"/>
+                <p16:designElem xmlns:p16="http://schemas.microsoft.com/office/powerpoint/2015/main" val="1"/>
               </p:ext>
             </p:extLst>
           </p:nvPr>
@@ -12283,7 +11514,7 @@
           <p:cNvPr id="30" name="Right Triangle 19">
             <a:extLst>
               <a:ext uri="{FF2B5EF4-FFF2-40B4-BE49-F238E27FC236}">
-                <a16:creationId xmlns="" xmlns:a16="http://schemas.microsoft.com/office/drawing/2014/main" id="{830A36F8-48C2-4842-A87B-8CE8DF4E7FD2}"/>
+                <a16:creationId xmlns:a16="http://schemas.microsoft.com/office/drawing/2014/main" id="{830A36F8-48C2-4842-A87B-8CE8DF4E7FD2}"/>
               </a:ext>
               <a:ext uri="{C183D7F6-B498-43B3-948B-1728B52AA6E4}">
                 <adec:decorative xmlns="" xmlns:adec="http://schemas.microsoft.com/office/drawing/2017/decorative" val="1"/>
@@ -12296,7 +11527,7 @@
           <p:nvPr>
             <p:extLst>
               <p:ext uri="{386F3935-93C4-4BCD-93E2-E3B085C9AB24}">
-                <p16:designElem xmlns="" xmlns:p16="http://schemas.microsoft.com/office/powerpoint/2015/main" val="1"/>
+                <p16:designElem xmlns:p16="http://schemas.microsoft.com/office/powerpoint/2015/main" val="1"/>
               </p:ext>
             </p:extLst>
           </p:nvPr>
@@ -12346,7 +11577,7 @@
           <p:cNvPr id="31" name="Rectangle 21">
             <a:extLst>
               <a:ext uri="{FF2B5EF4-FFF2-40B4-BE49-F238E27FC236}">
-                <a16:creationId xmlns="" xmlns:a16="http://schemas.microsoft.com/office/drawing/2014/main" id="{8F451A30-466B-4996-9BA5-CD6ABCC6D558}"/>
+                <a16:creationId xmlns:a16="http://schemas.microsoft.com/office/drawing/2014/main" id="{8F451A30-466B-4996-9BA5-CD6ABCC6D558}"/>
               </a:ext>
               <a:ext uri="{C183D7F6-B498-43B3-948B-1728B52AA6E4}">
                 <adec:decorative xmlns="" xmlns:adec="http://schemas.microsoft.com/office/drawing/2017/decorative" val="1"/>
@@ -12359,7 +11590,7 @@
           <p:nvPr>
             <p:extLst>
               <p:ext uri="{386F3935-93C4-4BCD-93E2-E3B085C9AB24}">
-                <p16:designElem xmlns="" xmlns:p16="http://schemas.microsoft.com/office/powerpoint/2015/main" val="1"/>
+                <p16:designElem xmlns:p16="http://schemas.microsoft.com/office/powerpoint/2015/main" val="1"/>
               </p:ext>
             </p:extLst>
           </p:nvPr>
@@ -12441,182 +11672,10 @@
       </p:sp>
       <p:sp>
         <p:nvSpPr>
-          <p:cNvPr id="3" name="Content Placeholder 2"/>
-          <p:cNvSpPr>
-            <a:spLocks noGrp="1"/>
-          </p:cNvSpPr>
-          <p:nvPr>
-            <p:ph idx="1"/>
-          </p:nvPr>
-        </p:nvSpPr>
-        <p:spPr>
-          <a:xfrm>
-            <a:off x="966978" y="4239132"/>
-            <a:ext cx="5809476" cy="1408222"/>
-          </a:xfrm>
-        </p:spPr>
-        <p:txBody>
-          <a:bodyPr anchor="t">
-            <a:normAutofit/>
-          </a:bodyPr>
-          <a:lstStyle/>
-          <a:p>
-            <a:r>
-              <a:rPr lang="zh-TW" altLang="en-US" sz="1700">
-                <a:ea typeface="新細明體"/>
-              </a:rPr>
-              <a:t>使用公開的 </a:t>
-            </a:r>
-            <a:r>
-              <a:rPr lang="af-ZA" sz="1700" dirty="0"/>
-              <a:t>ASR </a:t>
-            </a:r>
-            <a:r>
-              <a:rPr lang="zh-TW" altLang="en-US" sz="1700">
-                <a:ea typeface="新細明體"/>
-              </a:rPr>
-              <a:t>模型</a:t>
-            </a:r>
-            <a:r>
-              <a:rPr lang="zh-TW" altLang="en-US" sz="1600">
-                <a:ea typeface="新細明體"/>
-              </a:rPr>
-              <a:t>，如 </a:t>
-            </a:r>
-            <a:r>
-              <a:rPr lang="af-ZA" sz="1600" dirty="0">
-                <a:ea typeface="新細明體"/>
-              </a:rPr>
-              <a:t>Whisper、wav2vec2.0、HuBERT </a:t>
-            </a:r>
-            <a:r>
-              <a:rPr lang="zh-TW" altLang="en-US" sz="1600">
-                <a:ea typeface="新細明體"/>
-              </a:rPr>
-              <a:t>和 </a:t>
-            </a:r>
-            <a:r>
-              <a:rPr lang="af-ZA" sz="1600" dirty="0" err="1">
-                <a:ea typeface="新細明體"/>
-              </a:rPr>
-              <a:t>Conformer-Transducer</a:t>
-            </a:r>
-            <a:r>
-              <a:rPr lang="af-ZA" sz="1600" dirty="0">
-                <a:ea typeface="新細明體"/>
-              </a:rPr>
-              <a:t>，</a:t>
-            </a:r>
-            <a:r>
-              <a:rPr lang="zh-TW" altLang="en-US" sz="1600">
-                <a:ea typeface="新細明體"/>
-              </a:rPr>
-              <a:t>對 </a:t>
-            </a:r>
-            <a:r>
-              <a:rPr lang="af-ZA" sz="1600" dirty="0" err="1">
-                <a:ea typeface="新細明體"/>
-              </a:rPr>
-              <a:t>AVSpeech</a:t>
-            </a:r>
-            <a:r>
-              <a:rPr lang="af-ZA" sz="1600" dirty="0">
-                <a:ea typeface="新細明體"/>
-              </a:rPr>
-              <a:t> </a:t>
-            </a:r>
-            <a:r>
-              <a:rPr lang="zh-TW" altLang="en-US" sz="1600">
-                <a:ea typeface="新細明體"/>
-              </a:rPr>
-              <a:t>和 </a:t>
-            </a:r>
-            <a:r>
-              <a:rPr lang="af-ZA" sz="1600" dirty="0">
-                <a:ea typeface="新細明體"/>
-              </a:rPr>
-              <a:t>VoxCeleb2 </a:t>
-            </a:r>
-            <a:r>
-              <a:rPr lang="zh-TW" altLang="en-US" sz="1600">
-                <a:ea typeface="新細明體"/>
-              </a:rPr>
-              <a:t>這些未標註的數據進行自動轉錄生成標註，再結合自動標註的數據與標註數據（</a:t>
-            </a:r>
-            <a:r>
-              <a:rPr lang="en-US" altLang="zh-TW" sz="1600" dirty="0">
-                <a:ea typeface="新細明體"/>
-              </a:rPr>
-              <a:t>LRS2 </a:t>
-            </a:r>
-            <a:r>
-              <a:rPr lang="zh-TW" altLang="en-US" sz="1600">
-                <a:ea typeface="新細明體"/>
-              </a:rPr>
-              <a:t>和</a:t>
-            </a:r>
-            <a:r>
-              <a:rPr lang="en-US" altLang="zh-TW" sz="1600" dirty="0">
-                <a:ea typeface="新細明體"/>
-              </a:rPr>
-              <a:t> LRS3</a:t>
-            </a:r>
-            <a:r>
-              <a:rPr lang="zh-TW" altLang="en-US" sz="1600">
-                <a:ea typeface="新細明體"/>
-              </a:rPr>
-              <a:t>），</a:t>
-            </a:r>
-            <a:r>
-              <a:rPr lang="zh-TW" sz="1600">
-                <a:ea typeface="+mn-lt"/>
-                <a:cs typeface="+mn-lt"/>
-              </a:rPr>
-              <a:t>用於訓練更強大的語音識別模型。</a:t>
-            </a:r>
-            <a:endParaRPr lang="zh-TW">
-              <a:ea typeface="+mn-lt"/>
-              <a:cs typeface="+mn-lt"/>
-            </a:endParaRPr>
-          </a:p>
-        </p:txBody>
-      </p:sp>
-      <p:pic>
-        <p:nvPicPr>
-          <p:cNvPr id="5" name="圖片 4" descr="一張含有 文字, 螢幕擷取畫面, 字型 的圖片&#10;&#10;自動產生的描述">
-            <a:extLst>
-              <a:ext uri="{FF2B5EF4-FFF2-40B4-BE49-F238E27FC236}">
-                <a16:creationId xmlns="" xmlns:a16="http://schemas.microsoft.com/office/drawing/2014/main" id="{18CA25FC-39BF-69E8-A0DC-07ABF6CE55A4}"/>
-              </a:ext>
-            </a:extLst>
-          </p:cNvPr>
-          <p:cNvPicPr>
-            <a:picLocks noChangeAspect="1"/>
-          </p:cNvPicPr>
-          <p:nvPr/>
-        </p:nvPicPr>
-        <p:blipFill>
-          <a:blip r:embed="rId2"/>
-          <a:stretch>
-            <a:fillRect/>
-          </a:stretch>
-        </p:blipFill>
-        <p:spPr>
-          <a:xfrm>
-            <a:off x="870639" y="2774471"/>
-            <a:ext cx="7115175" cy="820228"/>
-          </a:xfrm>
-          <a:prstGeom prst="rect">
-            <a:avLst/>
-          </a:prstGeom>
-        </p:spPr>
-      </p:pic>
-      <p:sp>
-        <p:nvSpPr>
           <p:cNvPr id="6" name="投影片編號版面配置區 5">
             <a:extLst>
               <a:ext uri="{FF2B5EF4-FFF2-40B4-BE49-F238E27FC236}">
-                <a16:creationId xmlns="" xmlns:a16="http://schemas.microsoft.com/office/drawing/2014/main" id="{D6C4808F-09EB-FC63-6EF5-9C9BE97A1390}"/>
+                <a16:creationId xmlns:a16="http://schemas.microsoft.com/office/drawing/2014/main" id="{D6C4808F-09EB-FC63-6EF5-9C9BE97A1390}"/>
               </a:ext>
             </a:extLst>
           </p:cNvPr>
@@ -12634,9 +11693,457 @@
           <a:p>
             <a:fld id="{C1FF6DA9-008F-8B48-92A6-B652298478BF}" type="slidenum">
               <a:rPr lang="en-US" smtClean="0"/>
-              <a:t>6</a:t>
+              <a:t>5</a:t>
             </a:fld>
             <a:endParaRPr lang="zh-TW" altLang="en-US"/>
+          </a:p>
+        </p:txBody>
+      </p:sp>
+      <p:sp>
+        <p:nvSpPr>
+          <p:cNvPr id="7" name="矩形 6"/>
+          <p:cNvSpPr/>
+          <p:nvPr/>
+        </p:nvSpPr>
+        <p:spPr>
+          <a:xfrm>
+            <a:off x="625036" y="1791865"/>
+            <a:ext cx="1241864" cy="651260"/>
+          </a:xfrm>
+          <a:prstGeom prst="rect">
+            <a:avLst/>
+          </a:prstGeom>
+          <a:noFill/>
+          <a:ln>
+            <a:noFill/>
+          </a:ln>
+        </p:spPr>
+        <p:style>
+          <a:lnRef idx="1">
+            <a:schemeClr val="accent1"/>
+          </a:lnRef>
+          <a:fillRef idx="3">
+            <a:schemeClr val="accent1"/>
+          </a:fillRef>
+          <a:effectRef idx="2">
+            <a:schemeClr val="accent1"/>
+          </a:effectRef>
+          <a:fontRef idx="minor">
+            <a:schemeClr val="lt1"/>
+          </a:fontRef>
+        </p:style>
+        <p:txBody>
+          <a:bodyPr rtlCol="0" anchor="ctr"/>
+          <a:lstStyle/>
+          <a:p>
+            <a:pPr algn="ctr"/>
+            <a:r>
+              <a:rPr lang="zh-TW" altLang="en-US" dirty="0" smtClean="0">
+                <a:solidFill>
+                  <a:srgbClr val="FF0000"/>
+                </a:solidFill>
+              </a:rPr>
+              <a:t>語音輸入</a:t>
+            </a:r>
+            <a:endParaRPr lang="zh-TW" altLang="en-US" dirty="0">
+              <a:solidFill>
+                <a:srgbClr val="FF0000"/>
+              </a:solidFill>
+            </a:endParaRPr>
+          </a:p>
+        </p:txBody>
+      </p:sp>
+      <p:cxnSp>
+        <p:nvCxnSpPr>
+          <p:cNvPr id="9" name="直線單箭頭接點 8"/>
+          <p:cNvCxnSpPr/>
+          <p:nvPr/>
+        </p:nvCxnSpPr>
+        <p:spPr>
+          <a:xfrm>
+            <a:off x="625036" y="2462175"/>
+            <a:ext cx="1241864" cy="0"/>
+          </a:xfrm>
+          <a:prstGeom prst="straightConnector1">
+            <a:avLst/>
+          </a:prstGeom>
+          <a:ln w="28575">
+            <a:tailEnd type="triangle"/>
+          </a:ln>
+        </p:spPr>
+        <p:style>
+          <a:lnRef idx="2">
+            <a:schemeClr val="accent1"/>
+          </a:lnRef>
+          <a:fillRef idx="0">
+            <a:schemeClr val="accent1"/>
+          </a:fillRef>
+          <a:effectRef idx="1">
+            <a:schemeClr val="accent1"/>
+          </a:effectRef>
+          <a:fontRef idx="minor">
+            <a:schemeClr val="tx1"/>
+          </a:fontRef>
+        </p:style>
+      </p:cxnSp>
+      <p:sp>
+        <p:nvSpPr>
+          <p:cNvPr id="10" name="圓角矩形 9"/>
+          <p:cNvSpPr/>
+          <p:nvPr/>
+        </p:nvSpPr>
+        <p:spPr>
+          <a:xfrm>
+            <a:off x="1866900" y="2117495"/>
+            <a:ext cx="1638300" cy="720955"/>
+          </a:xfrm>
+          <a:prstGeom prst="roundRect">
+            <a:avLst/>
+          </a:prstGeom>
+        </p:spPr>
+        <p:style>
+          <a:lnRef idx="1">
+            <a:schemeClr val="accent1"/>
+          </a:lnRef>
+          <a:fillRef idx="3">
+            <a:schemeClr val="accent1"/>
+          </a:fillRef>
+          <a:effectRef idx="2">
+            <a:schemeClr val="accent1"/>
+          </a:effectRef>
+          <a:fontRef idx="minor">
+            <a:schemeClr val="lt1"/>
+          </a:fontRef>
+        </p:style>
+        <p:txBody>
+          <a:bodyPr rtlCol="0" anchor="ctr"/>
+          <a:lstStyle/>
+          <a:p>
+            <a:pPr algn="ctr"/>
+            <a:r>
+              <a:rPr lang="en-US" altLang="zh-TW" dirty="0" smtClean="0">
+                <a:solidFill>
+                  <a:schemeClr val="tx1"/>
+                </a:solidFill>
+              </a:rPr>
+              <a:t>Preprocess</a:t>
+            </a:r>
+            <a:endParaRPr lang="zh-TW" altLang="en-US" dirty="0">
+              <a:solidFill>
+                <a:schemeClr val="tx1"/>
+              </a:solidFill>
+            </a:endParaRPr>
+          </a:p>
+        </p:txBody>
+      </p:sp>
+      <p:sp>
+        <p:nvSpPr>
+          <p:cNvPr id="14" name="矩形 13"/>
+          <p:cNvSpPr/>
+          <p:nvPr/>
+        </p:nvSpPr>
+        <p:spPr>
+          <a:xfrm>
+            <a:off x="2019300" y="1552773"/>
+            <a:ext cx="1241864" cy="651260"/>
+          </a:xfrm>
+          <a:prstGeom prst="rect">
+            <a:avLst/>
+          </a:prstGeom>
+          <a:noFill/>
+          <a:ln>
+            <a:noFill/>
+          </a:ln>
+        </p:spPr>
+        <p:style>
+          <a:lnRef idx="1">
+            <a:schemeClr val="accent1"/>
+          </a:lnRef>
+          <a:fillRef idx="3">
+            <a:schemeClr val="accent1"/>
+          </a:fillRef>
+          <a:effectRef idx="2">
+            <a:schemeClr val="accent1"/>
+          </a:effectRef>
+          <a:fontRef idx="minor">
+            <a:schemeClr val="lt1"/>
+          </a:fontRef>
+        </p:style>
+        <p:txBody>
+          <a:bodyPr rtlCol="0" anchor="ctr"/>
+          <a:lstStyle/>
+          <a:p>
+            <a:pPr algn="ctr"/>
+            <a:r>
+              <a:rPr lang="en-US" altLang="zh-TW" dirty="0" smtClean="0">
+                <a:solidFill>
+                  <a:schemeClr val="tx1"/>
+                </a:solidFill>
+              </a:rPr>
+              <a:t>MFCC</a:t>
+            </a:r>
+            <a:endParaRPr lang="zh-TW" altLang="en-US" dirty="0">
+              <a:solidFill>
+                <a:schemeClr val="tx1"/>
+              </a:solidFill>
+            </a:endParaRPr>
+          </a:p>
+        </p:txBody>
+      </p:sp>
+      <p:cxnSp>
+        <p:nvCxnSpPr>
+          <p:cNvPr id="15" name="直線單箭頭接點 14"/>
+          <p:cNvCxnSpPr/>
+          <p:nvPr/>
+        </p:nvCxnSpPr>
+        <p:spPr>
+          <a:xfrm>
+            <a:off x="3505200" y="2462175"/>
+            <a:ext cx="590550" cy="0"/>
+          </a:xfrm>
+          <a:prstGeom prst="straightConnector1">
+            <a:avLst/>
+          </a:prstGeom>
+          <a:ln w="28575">
+            <a:tailEnd type="triangle"/>
+          </a:ln>
+        </p:spPr>
+        <p:style>
+          <a:lnRef idx="2">
+            <a:schemeClr val="accent1"/>
+          </a:lnRef>
+          <a:fillRef idx="0">
+            <a:schemeClr val="accent1"/>
+          </a:fillRef>
+          <a:effectRef idx="1">
+            <a:schemeClr val="accent1"/>
+          </a:effectRef>
+          <a:fontRef idx="minor">
+            <a:schemeClr val="tx1"/>
+          </a:fontRef>
+        </p:style>
+      </p:cxnSp>
+      <p:sp>
+        <p:nvSpPr>
+          <p:cNvPr id="17" name="圓角矩形 16"/>
+          <p:cNvSpPr/>
+          <p:nvPr/>
+        </p:nvSpPr>
+        <p:spPr>
+          <a:xfrm>
+            <a:off x="4149085" y="2117495"/>
+            <a:ext cx="1638300" cy="720955"/>
+          </a:xfrm>
+          <a:prstGeom prst="roundRect">
+            <a:avLst/>
+          </a:prstGeom>
+        </p:spPr>
+        <p:style>
+          <a:lnRef idx="1">
+            <a:schemeClr val="accent1"/>
+          </a:lnRef>
+          <a:fillRef idx="3">
+            <a:schemeClr val="accent1"/>
+          </a:fillRef>
+          <a:effectRef idx="2">
+            <a:schemeClr val="accent1"/>
+          </a:effectRef>
+          <a:fontRef idx="minor">
+            <a:schemeClr val="lt1"/>
+          </a:fontRef>
+        </p:style>
+        <p:txBody>
+          <a:bodyPr rtlCol="0" anchor="ctr"/>
+          <a:lstStyle/>
+          <a:p>
+            <a:pPr algn="ctr"/>
+            <a:r>
+              <a:rPr lang="zh-TW" altLang="en-US" dirty="0">
+                <a:solidFill>
+                  <a:schemeClr val="tx1"/>
+                </a:solidFill>
+              </a:rPr>
+              <a:t>分</a:t>
+            </a:r>
+            <a:r>
+              <a:rPr lang="en-US" altLang="zh-TW">
+                <a:solidFill>
+                  <a:schemeClr val="tx1"/>
+                </a:solidFill>
+              </a:rPr>
+              <a:t>train/test</a:t>
+            </a:r>
+            <a:endParaRPr lang="zh-TW" altLang="en-US" dirty="0">
+              <a:solidFill>
+                <a:schemeClr val="tx1"/>
+              </a:solidFill>
+            </a:endParaRPr>
+          </a:p>
+        </p:txBody>
+      </p:sp>
+      <p:cxnSp>
+        <p:nvCxnSpPr>
+          <p:cNvPr id="13" name="直線單箭頭接點 12"/>
+          <p:cNvCxnSpPr/>
+          <p:nvPr/>
+        </p:nvCxnSpPr>
+        <p:spPr>
+          <a:xfrm>
+            <a:off x="5841990" y="2462175"/>
+            <a:ext cx="590550" cy="0"/>
+          </a:xfrm>
+          <a:prstGeom prst="straightConnector1">
+            <a:avLst/>
+          </a:prstGeom>
+          <a:ln w="28575">
+            <a:tailEnd type="triangle"/>
+          </a:ln>
+        </p:spPr>
+        <p:style>
+          <a:lnRef idx="2">
+            <a:schemeClr val="accent1"/>
+          </a:lnRef>
+          <a:fillRef idx="0">
+            <a:schemeClr val="accent1"/>
+          </a:fillRef>
+          <a:effectRef idx="1">
+            <a:schemeClr val="accent1"/>
+          </a:effectRef>
+          <a:fontRef idx="minor">
+            <a:schemeClr val="tx1"/>
+          </a:fontRef>
+        </p:style>
+      </p:cxnSp>
+      <p:sp>
+        <p:nvSpPr>
+          <p:cNvPr id="16" name="圓角矩形 15"/>
+          <p:cNvSpPr/>
+          <p:nvPr/>
+        </p:nvSpPr>
+        <p:spPr>
+          <a:xfrm>
+            <a:off x="6524613" y="2117495"/>
+            <a:ext cx="1638300" cy="720955"/>
+          </a:xfrm>
+          <a:prstGeom prst="roundRect">
+            <a:avLst/>
+          </a:prstGeom>
+        </p:spPr>
+        <p:style>
+          <a:lnRef idx="1">
+            <a:schemeClr val="accent1"/>
+          </a:lnRef>
+          <a:fillRef idx="3">
+            <a:schemeClr val="accent1"/>
+          </a:fillRef>
+          <a:effectRef idx="2">
+            <a:schemeClr val="accent1"/>
+          </a:effectRef>
+          <a:fontRef idx="minor">
+            <a:schemeClr val="lt1"/>
+          </a:fontRef>
+        </p:style>
+        <p:txBody>
+          <a:bodyPr rtlCol="0" anchor="ctr"/>
+          <a:lstStyle/>
+          <a:p>
+            <a:pPr algn="ctr"/>
+            <a:r>
+              <a:rPr lang="zh-TW" altLang="en-US" dirty="0" smtClean="0">
+                <a:solidFill>
+                  <a:schemeClr val="tx1"/>
+                </a:solidFill>
+              </a:rPr>
+              <a:t>機器學習演算法建立模型</a:t>
+            </a:r>
+            <a:endParaRPr lang="zh-TW" altLang="en-US" dirty="0">
+              <a:solidFill>
+                <a:schemeClr val="tx1"/>
+              </a:solidFill>
+            </a:endParaRPr>
+          </a:p>
+        </p:txBody>
+      </p:sp>
+      <p:cxnSp>
+        <p:nvCxnSpPr>
+          <p:cNvPr id="18" name="直線單箭頭接點 17"/>
+          <p:cNvCxnSpPr/>
+          <p:nvPr/>
+        </p:nvCxnSpPr>
+        <p:spPr>
+          <a:xfrm>
+            <a:off x="7343763" y="2972133"/>
+            <a:ext cx="0" cy="687584"/>
+          </a:xfrm>
+          <a:prstGeom prst="straightConnector1">
+            <a:avLst/>
+          </a:prstGeom>
+          <a:ln w="28575">
+            <a:tailEnd type="triangle"/>
+          </a:ln>
+        </p:spPr>
+        <p:style>
+          <a:lnRef idx="2">
+            <a:schemeClr val="accent1"/>
+          </a:lnRef>
+          <a:fillRef idx="0">
+            <a:schemeClr val="accent1"/>
+          </a:fillRef>
+          <a:effectRef idx="1">
+            <a:schemeClr val="accent1"/>
+          </a:effectRef>
+          <a:fontRef idx="minor">
+            <a:schemeClr val="tx1"/>
+          </a:fontRef>
+        </p:style>
+      </p:cxnSp>
+      <p:sp>
+        <p:nvSpPr>
+          <p:cNvPr id="19" name="圓角矩形 18"/>
+          <p:cNvSpPr/>
+          <p:nvPr/>
+        </p:nvSpPr>
+        <p:spPr>
+          <a:xfrm>
+            <a:off x="6519526" y="3718521"/>
+            <a:ext cx="1638300" cy="720955"/>
+          </a:xfrm>
+          <a:prstGeom prst="roundRect">
+            <a:avLst/>
+          </a:prstGeom>
+        </p:spPr>
+        <p:style>
+          <a:lnRef idx="1">
+            <a:schemeClr val="accent1"/>
+          </a:lnRef>
+          <a:fillRef idx="3">
+            <a:schemeClr val="accent1"/>
+          </a:fillRef>
+          <a:effectRef idx="2">
+            <a:schemeClr val="accent1"/>
+          </a:effectRef>
+          <a:fontRef idx="minor">
+            <a:schemeClr val="lt1"/>
+          </a:fontRef>
+        </p:style>
+        <p:txBody>
+          <a:bodyPr rtlCol="0" anchor="ctr"/>
+          <a:lstStyle/>
+          <a:p>
+            <a:pPr algn="ctr"/>
+            <a:r>
+              <a:rPr lang="zh-TW" altLang="en-US" dirty="0" smtClean="0">
+                <a:solidFill>
+                  <a:schemeClr val="tx1"/>
+                </a:solidFill>
+              </a:rPr>
+              <a:t>評估</a:t>
+            </a:r>
+            <a:endParaRPr lang="zh-TW" altLang="en-US" dirty="0">
+              <a:solidFill>
+                <a:schemeClr val="tx1"/>
+              </a:solidFill>
+            </a:endParaRPr>
           </a:p>
         </p:txBody>
       </p:sp>
@@ -12648,7 +12155,7 @@
 </p:sld>
 </file>
 
-<file path=ppt/slides/slide7.xml><?xml version="1.0" encoding="utf-8"?>
+<file path=ppt/slides/slide6.xml><?xml version="1.0" encoding="utf-8"?>
 <p:sld xmlns:a="http://schemas.openxmlformats.org/drawingml/2006/main" xmlns:r="http://schemas.openxmlformats.org/officeDocument/2006/relationships" xmlns:p="http://schemas.openxmlformats.org/presentationml/2006/main">
   <p:cSld>
     <p:spTree>
@@ -12751,7 +12258,7 @@
           <p:cNvPr id="4" name="圖片 3" descr="一張含有 文字, 螢幕擷取畫面, 圖表 的圖片&#10;&#10;自動產生的描述">
             <a:extLst>
               <a:ext uri="{FF2B5EF4-FFF2-40B4-BE49-F238E27FC236}">
-                <a16:creationId xmlns="" xmlns:a16="http://schemas.microsoft.com/office/drawing/2014/main" id="{200C84C3-10A7-A485-4B06-224F6870B619}"/>
+                <a16:creationId xmlns:a16="http://schemas.microsoft.com/office/drawing/2014/main" id="{200C84C3-10A7-A485-4B06-224F6870B619}"/>
               </a:ext>
             </a:extLst>
           </p:cNvPr>
@@ -12781,7 +12288,7 @@
           <p:cNvPr id="6" name="投影片編號版面配置區 5">
             <a:extLst>
               <a:ext uri="{FF2B5EF4-FFF2-40B4-BE49-F238E27FC236}">
-                <a16:creationId xmlns="" xmlns:a16="http://schemas.microsoft.com/office/drawing/2014/main" id="{61753A5E-D648-E8AC-69A1-E3C4A76C5623}"/>
+                <a16:creationId xmlns:a16="http://schemas.microsoft.com/office/drawing/2014/main" id="{61753A5E-D648-E8AC-69A1-E3C4A76C5623}"/>
               </a:ext>
             </a:extLst>
           </p:cNvPr>
@@ -12799,7 +12306,7 @@
           <a:p>
             <a:fld id="{C1FF6DA9-008F-8B48-92A6-B652298478BF}" type="slidenum">
               <a:rPr lang="en-US" smtClean="0"/>
-              <a:t>7</a:t>
+              <a:t>6</a:t>
             </a:fld>
             <a:endParaRPr lang="zh-TW" altLang="en-US"/>
           </a:p>
@@ -13020,7 +12527,7 @@
 </p:sld>
 </file>
 
-<file path=ppt/slides/slide8.xml><?xml version="1.0" encoding="utf-8"?>
+<file path=ppt/slides/slide7.xml><?xml version="1.0" encoding="utf-8"?>
 <p:sld xmlns:a="http://schemas.openxmlformats.org/drawingml/2006/main" xmlns:r="http://schemas.openxmlformats.org/officeDocument/2006/relationships" xmlns:p="http://schemas.openxmlformats.org/presentationml/2006/main">
   <p:cSld>
     <p:spTree>
@@ -13042,7 +12549,7 @@
           <p:cNvPr id="2" name="標題 1">
             <a:extLst>
               <a:ext uri="{FF2B5EF4-FFF2-40B4-BE49-F238E27FC236}">
-                <a16:creationId xmlns="" xmlns:a16="http://schemas.microsoft.com/office/drawing/2014/main" id="{880634D7-6B43-2E89-4604-779C8D13034B}"/>
+                <a16:creationId xmlns:a16="http://schemas.microsoft.com/office/drawing/2014/main" id="{880634D7-6B43-2E89-4604-779C8D13034B}"/>
               </a:ext>
             </a:extLst>
           </p:cNvPr>
@@ -13077,7 +12584,7 @@
           <p:cNvPr id="3" name="內容版面配置區 2">
             <a:extLst>
               <a:ext uri="{FF2B5EF4-FFF2-40B4-BE49-F238E27FC236}">
-                <a16:creationId xmlns="" xmlns:a16="http://schemas.microsoft.com/office/drawing/2014/main" id="{DC83CC35-BE36-8A58-287B-F4534320324C}"/>
+                <a16:creationId xmlns:a16="http://schemas.microsoft.com/office/drawing/2014/main" id="{DC83CC35-BE36-8A58-287B-F4534320324C}"/>
               </a:ext>
             </a:extLst>
           </p:cNvPr>
@@ -13163,7 +12670,7 @@
           <p:cNvPr id="4" name="圖片 3">
             <a:extLst>
               <a:ext uri="{FF2B5EF4-FFF2-40B4-BE49-F238E27FC236}">
-                <a16:creationId xmlns="" xmlns:a16="http://schemas.microsoft.com/office/drawing/2014/main" id="{BE5DD821-D186-30DA-45DB-EAFBDFE05027}"/>
+                <a16:creationId xmlns:a16="http://schemas.microsoft.com/office/drawing/2014/main" id="{BE5DD821-D186-30DA-45DB-EAFBDFE05027}"/>
               </a:ext>
             </a:extLst>
           </p:cNvPr>
@@ -13193,7 +12700,7 @@
           <p:cNvPr id="5" name="投影片編號版面配置區 4">
             <a:extLst>
               <a:ext uri="{FF2B5EF4-FFF2-40B4-BE49-F238E27FC236}">
-                <a16:creationId xmlns="" xmlns:a16="http://schemas.microsoft.com/office/drawing/2014/main" id="{2A5A7610-2597-CC7F-10FA-92C49269E560}"/>
+                <a16:creationId xmlns:a16="http://schemas.microsoft.com/office/drawing/2014/main" id="{2A5A7610-2597-CC7F-10FA-92C49269E560}"/>
               </a:ext>
             </a:extLst>
           </p:cNvPr>
@@ -13211,7 +12718,7 @@
           <a:p>
             <a:fld id="{C1FF6DA9-008F-8B48-92A6-B652298478BF}" type="slidenum">
               <a:rPr lang="en-US" smtClean="0"/>
-              <a:t>8</a:t>
+              <a:t>7</a:t>
             </a:fld>
             <a:endParaRPr lang="zh-TW" altLang="en-US"/>
           </a:p>
@@ -13221,6 +12728,392 @@
     <p:extLst>
       <p:ext uri="{BB962C8B-B14F-4D97-AF65-F5344CB8AC3E}">
         <p14:creationId xmlns:p14="http://schemas.microsoft.com/office/powerpoint/2010/main" val="1170303474"/>
+      </p:ext>
+    </p:extLst>
+  </p:cSld>
+  <p:clrMapOvr>
+    <a:masterClrMapping/>
+  </p:clrMapOvr>
+</p:sld>
+</file>
+
+<file path=ppt/slides/slide8.xml><?xml version="1.0" encoding="utf-8"?>
+<p:sld xmlns:a="http://schemas.openxmlformats.org/drawingml/2006/main" xmlns:r="http://schemas.openxmlformats.org/officeDocument/2006/relationships" xmlns:p="http://schemas.openxmlformats.org/presentationml/2006/main">
+  <p:cSld>
+    <p:spTree>
+      <p:nvGrpSpPr>
+        <p:cNvPr id="1" name=""/>
+        <p:cNvGrpSpPr/>
+        <p:nvPr/>
+      </p:nvGrpSpPr>
+      <p:grpSpPr>
+        <a:xfrm>
+          <a:off x="0" y="0"/>
+          <a:ext cx="0" cy="0"/>
+          <a:chOff x="0" y="0"/>
+          <a:chExt cx="0" cy="0"/>
+        </a:xfrm>
+      </p:grpSpPr>
+      <p:sp>
+        <p:nvSpPr>
+          <p:cNvPr id="2" name="標題 1">
+            <a:extLst>
+              <a:ext uri="{FF2B5EF4-FFF2-40B4-BE49-F238E27FC236}">
+                <a16:creationId xmlns:a16="http://schemas.microsoft.com/office/drawing/2014/main" id="{68018A7D-61FD-9AB3-1576-2929753135B5}"/>
+              </a:ext>
+            </a:extLst>
+          </p:cNvPr>
+          <p:cNvSpPr>
+            <a:spLocks noGrp="1"/>
+          </p:cNvSpPr>
+          <p:nvPr>
+            <p:ph type="title"/>
+          </p:nvPr>
+        </p:nvSpPr>
+        <p:spPr/>
+        <p:txBody>
+          <a:bodyPr/>
+          <a:lstStyle/>
+          <a:p>
+            <a:r>
+              <a:rPr lang="zh-TW">
+                <a:ea typeface="新細明體"/>
+                <a:cs typeface="Calibri"/>
+              </a:rPr>
+              <a:t>Dataset(</a:t>
+            </a:r>
+            <a:r>
+              <a:rPr lang="zh-TW" altLang="en-US">
+                <a:ea typeface="新細明體"/>
+                <a:cs typeface="Calibri"/>
+              </a:rPr>
+              <a:t>未</a:t>
+            </a:r>
+            <a:r>
+              <a:rPr lang="zh-TW">
+                <a:ea typeface="新細明體"/>
+                <a:cs typeface="Calibri"/>
+              </a:rPr>
+              <a:t>標註過)</a:t>
+            </a:r>
+            <a:endParaRPr lang="zh-TW">
+              <a:ea typeface="新細明體"/>
+            </a:endParaRPr>
+          </a:p>
+        </p:txBody>
+      </p:sp>
+      <p:sp>
+        <p:nvSpPr>
+          <p:cNvPr id="3" name="內容版面配置區 2">
+            <a:extLst>
+              <a:ext uri="{FF2B5EF4-FFF2-40B4-BE49-F238E27FC236}">
+                <a16:creationId xmlns:a16="http://schemas.microsoft.com/office/drawing/2014/main" id="{BBF755A1-6825-FDF6-344B-401201A3258C}"/>
+              </a:ext>
+            </a:extLst>
+          </p:cNvPr>
+          <p:cNvSpPr>
+            <a:spLocks noGrp="1"/>
+          </p:cNvSpPr>
+          <p:nvPr>
+            <p:ph idx="1"/>
+          </p:nvPr>
+        </p:nvSpPr>
+        <p:spPr/>
+        <p:txBody>
+          <a:bodyPr vert="horz" lIns="91440" tIns="45720" rIns="91440" bIns="45720" rtlCol="0" anchor="t">
+            <a:normAutofit fontScale="70000" lnSpcReduction="20000"/>
+          </a:bodyPr>
+          <a:lstStyle/>
+          <a:p>
+            <a:pPr>
+              <a:buNone/>
+            </a:pPr>
+            <a:r>
+              <a:rPr lang="en-US" altLang="zh-TW" b="1" dirty="0">
+                <a:ea typeface="+mn-lt"/>
+                <a:cs typeface="+mn-lt"/>
+              </a:rPr>
+              <a:t>VoxCeleb2</a:t>
+            </a:r>
+            <a:endParaRPr lang="zh-TW" altLang="en-US" dirty="0"/>
+          </a:p>
+          <a:p>
+            <a:r>
+              <a:rPr lang="zh-TW" altLang="en-US" b="1">
+                <a:ea typeface="+mn-lt"/>
+                <a:cs typeface="+mn-lt"/>
+              </a:rPr>
+              <a:t>概述</a:t>
+            </a:r>
+            <a:r>
+              <a:rPr lang="zh-TW" altLang="en-US">
+                <a:ea typeface="+mn-lt"/>
+                <a:cs typeface="+mn-lt"/>
+              </a:rPr>
+              <a:t>：</a:t>
+            </a:r>
+            <a:r>
+              <a:rPr lang="en-US" altLang="zh-TW" dirty="0">
+                <a:ea typeface="+mn-lt"/>
+                <a:cs typeface="+mn-lt"/>
+              </a:rPr>
+              <a:t>VoxCeleb2</a:t>
+            </a:r>
+            <a:r>
+              <a:rPr lang="zh-TW" altLang="en-US">
+                <a:ea typeface="+mn-lt"/>
+                <a:cs typeface="+mn-lt"/>
+              </a:rPr>
+              <a:t> 是一個包含世界各地名人說話影片的視聽數據集，來源於 </a:t>
+            </a:r>
+            <a:r>
+              <a:rPr lang="en-US" altLang="zh-TW" dirty="0">
+                <a:ea typeface="+mn-lt"/>
+                <a:cs typeface="+mn-lt"/>
+              </a:rPr>
+              <a:t>YouTube</a:t>
+            </a:r>
+            <a:r>
+              <a:rPr lang="zh-TW" altLang="en-US">
+                <a:ea typeface="+mn-lt"/>
+                <a:cs typeface="+mn-lt"/>
+              </a:rPr>
+              <a:t> 等平台。</a:t>
+            </a:r>
+            <a:endParaRPr lang="zh-TW" altLang="en-US"/>
+          </a:p>
+          <a:p>
+            <a:r>
+              <a:rPr lang="zh-TW" altLang="en-US" b="1">
+                <a:ea typeface="+mn-lt"/>
+                <a:cs typeface="+mn-lt"/>
+              </a:rPr>
+              <a:t>數據規模</a:t>
+            </a:r>
+            <a:r>
+              <a:rPr lang="zh-TW" altLang="en-US">
+                <a:ea typeface="+mn-lt"/>
+                <a:cs typeface="+mn-lt"/>
+              </a:rPr>
+              <a:t>：超過 </a:t>
+            </a:r>
+            <a:r>
+              <a:rPr lang="en-US" altLang="zh-TW" dirty="0">
+                <a:ea typeface="+mn-lt"/>
+                <a:cs typeface="+mn-lt"/>
+              </a:rPr>
+              <a:t>1,000</a:t>
+            </a:r>
+            <a:r>
+              <a:rPr lang="zh-TW" altLang="en-US">
+                <a:ea typeface="+mn-lt"/>
+                <a:cs typeface="+mn-lt"/>
+              </a:rPr>
+              <a:t> 位名人，</a:t>
+            </a:r>
+            <a:r>
+              <a:rPr lang="en-US" altLang="zh-TW" dirty="0">
+                <a:ea typeface="+mn-lt"/>
+                <a:cs typeface="+mn-lt"/>
+              </a:rPr>
+              <a:t>611,000</a:t>
+            </a:r>
+            <a:r>
+              <a:rPr lang="zh-TW" altLang="en-US">
+                <a:ea typeface="+mn-lt"/>
+                <a:cs typeface="+mn-lt"/>
+              </a:rPr>
+              <a:t> 個片段，總時長超過 </a:t>
+            </a:r>
+            <a:r>
+              <a:rPr lang="en-US" altLang="zh-TW" dirty="0">
+                <a:ea typeface="+mn-lt"/>
+                <a:cs typeface="+mn-lt"/>
+              </a:rPr>
+              <a:t>2,000</a:t>
+            </a:r>
+            <a:r>
+              <a:rPr lang="zh-TW" altLang="en-US">
+                <a:ea typeface="+mn-lt"/>
+                <a:cs typeface="+mn-lt"/>
+              </a:rPr>
+              <a:t> 小時。</a:t>
+            </a:r>
+            <a:endParaRPr lang="zh-TW" altLang="en-US"/>
+          </a:p>
+          <a:p>
+            <a:r>
+              <a:rPr lang="zh-TW" altLang="en-US" b="1">
+                <a:ea typeface="+mn-lt"/>
+                <a:cs typeface="+mn-lt"/>
+              </a:rPr>
+              <a:t>應用</a:t>
+            </a:r>
+            <a:r>
+              <a:rPr lang="zh-TW" altLang="en-US">
+                <a:ea typeface="+mn-lt"/>
+                <a:cs typeface="+mn-lt"/>
+              </a:rPr>
+              <a:t>：用於視聽語音識別、說話人識別等多模態任務，數據多樣性提升了模型的挑戰性。</a:t>
+            </a:r>
+            <a:endParaRPr lang="zh-TW" altLang="en-US"/>
+          </a:p>
+          <a:p>
+            <a:pPr indent="0">
+              <a:buNone/>
+            </a:pPr>
+            <a:r>
+              <a:rPr lang="en-US" altLang="zh-TW" b="1" dirty="0" err="1">
+                <a:ea typeface="+mn-lt"/>
+                <a:cs typeface="+mn-lt"/>
+              </a:rPr>
+              <a:t>AVSpeech</a:t>
+            </a:r>
+            <a:endParaRPr lang="zh-TW" altLang="en-US" dirty="0" err="1"/>
+          </a:p>
+          <a:p>
+            <a:r>
+              <a:rPr lang="zh-TW" altLang="en-US" b="1">
+                <a:ea typeface="+mn-lt"/>
+                <a:cs typeface="+mn-lt"/>
+              </a:rPr>
+              <a:t>概述</a:t>
+            </a:r>
+            <a:r>
+              <a:rPr lang="zh-TW" altLang="en-US">
+                <a:ea typeface="+mn-lt"/>
+                <a:cs typeface="+mn-lt"/>
+              </a:rPr>
+              <a:t>：</a:t>
+            </a:r>
+            <a:r>
+              <a:rPr lang="en-US" altLang="zh-TW" dirty="0" err="1">
+                <a:ea typeface="+mn-lt"/>
+                <a:cs typeface="+mn-lt"/>
+              </a:rPr>
+              <a:t>AVSpeech</a:t>
+            </a:r>
+            <a:r>
+              <a:rPr lang="zh-TW" altLang="en-US">
+                <a:ea typeface="+mn-lt"/>
+                <a:cs typeface="+mn-lt"/>
+              </a:rPr>
+              <a:t> 是專為視聽語音識別設計的數據集，包含不同場景中的公開視頻。</a:t>
+            </a:r>
+            <a:endParaRPr lang="zh-TW" altLang="en-US"/>
+          </a:p>
+          <a:p>
+            <a:r>
+              <a:rPr lang="zh-TW" altLang="en-US" b="1">
+                <a:ea typeface="+mn-lt"/>
+                <a:cs typeface="+mn-lt"/>
+              </a:rPr>
+              <a:t>數據規模</a:t>
+            </a:r>
+            <a:r>
+              <a:rPr lang="zh-TW" altLang="en-US">
+                <a:ea typeface="+mn-lt"/>
+                <a:cs typeface="+mn-lt"/>
+              </a:rPr>
+              <a:t>：約 </a:t>
+            </a:r>
+            <a:r>
+              <a:rPr lang="en-US" altLang="zh-TW" dirty="0">
+                <a:ea typeface="+mn-lt"/>
+                <a:cs typeface="+mn-lt"/>
+              </a:rPr>
+              <a:t>4,700</a:t>
+            </a:r>
+            <a:r>
+              <a:rPr lang="zh-TW" altLang="en-US">
+                <a:ea typeface="+mn-lt"/>
+                <a:cs typeface="+mn-lt"/>
+              </a:rPr>
+              <a:t> 小時的視頻，超過 </a:t>
+            </a:r>
+            <a:r>
+              <a:rPr lang="en-US" altLang="zh-TW" dirty="0">
+                <a:ea typeface="+mn-lt"/>
+                <a:cs typeface="+mn-lt"/>
+              </a:rPr>
+              <a:t>150,000</a:t>
+            </a:r>
+            <a:r>
+              <a:rPr lang="zh-TW" altLang="en-US">
+                <a:ea typeface="+mn-lt"/>
+                <a:cs typeface="+mn-lt"/>
+              </a:rPr>
+              <a:t> 個短片，清晰展示說話人的口型和語音。</a:t>
+            </a:r>
+            <a:endParaRPr lang="zh-TW" altLang="en-US"/>
+          </a:p>
+          <a:p>
+            <a:r>
+              <a:rPr lang="zh-TW" altLang="en-US" b="1">
+                <a:ea typeface="+mn-lt"/>
+                <a:cs typeface="+mn-lt"/>
+              </a:rPr>
+              <a:t>應用</a:t>
+            </a:r>
+            <a:r>
+              <a:rPr lang="zh-TW" altLang="en-US">
+                <a:ea typeface="+mn-lt"/>
+                <a:cs typeface="+mn-lt"/>
+              </a:rPr>
+              <a:t>：主要用於視聽語音識別和口型識別研究，為視聽模型訓練提供重要資源。</a:t>
+            </a:r>
+            <a:endParaRPr lang="zh-TW" altLang="en-US"/>
+          </a:p>
+          <a:p>
+            <a:pPr marL="0" indent="0">
+              <a:buNone/>
+            </a:pPr>
+            <a:endParaRPr lang="zh-TW" b="1" dirty="0">
+              <a:ea typeface="新細明體"/>
+              <a:cs typeface="Calibri"/>
+            </a:endParaRPr>
+          </a:p>
+          <a:p>
+            <a:endParaRPr lang="zh-TW" altLang="en-US" dirty="0">
+              <a:ea typeface="新細明體"/>
+              <a:cs typeface="Calibri"/>
+            </a:endParaRPr>
+          </a:p>
+        </p:txBody>
+      </p:sp>
+      <p:sp>
+        <p:nvSpPr>
+          <p:cNvPr id="4" name="投影片編號版面配置區 3">
+            <a:extLst>
+              <a:ext uri="{FF2B5EF4-FFF2-40B4-BE49-F238E27FC236}">
+                <a16:creationId xmlns:a16="http://schemas.microsoft.com/office/drawing/2014/main" id="{8ABCB6A0-39D8-A343-3BE7-E46212C88215}"/>
+              </a:ext>
+            </a:extLst>
+          </p:cNvPr>
+          <p:cNvSpPr>
+            <a:spLocks noGrp="1"/>
+          </p:cNvSpPr>
+          <p:nvPr>
+            <p:ph type="sldNum" sz="quarter" idx="12"/>
+          </p:nvPr>
+        </p:nvSpPr>
+        <p:spPr/>
+        <p:txBody>
+          <a:bodyPr/>
+          <a:lstStyle/>
+          <a:p>
+            <a:fld id="{C1FF6DA9-008F-8B48-92A6-B652298478BF}" type="slidenum">
+              <a:rPr lang="en-US" smtClean="0"/>
+              <a:t>8</a:t>
+            </a:fld>
+            <a:endParaRPr lang="zh-TW" altLang="en-US"/>
+          </a:p>
+        </p:txBody>
+      </p:sp>
+    </p:spTree>
+    <p:extLst>
+      <p:ext uri="{BB962C8B-B14F-4D97-AF65-F5344CB8AC3E}">
+        <p14:creationId xmlns:p14="http://schemas.microsoft.com/office/powerpoint/2010/main" val="1337622258"/>
       </p:ext>
     </p:extLst>
   </p:cSld>
@@ -13249,13 +13142,7 @@
       </p:grpSpPr>
       <p:sp>
         <p:nvSpPr>
-          <p:cNvPr id="2" name="標題 1">
-            <a:extLst>
-              <a:ext uri="{FF2B5EF4-FFF2-40B4-BE49-F238E27FC236}">
-                <a16:creationId xmlns="" xmlns:a16="http://schemas.microsoft.com/office/drawing/2014/main" id="{68018A7D-61FD-9AB3-1576-2929753135B5}"/>
-              </a:ext>
-            </a:extLst>
-          </p:cNvPr>
+          <p:cNvPr id="2" name="Title 1"/>
           <p:cNvSpPr>
             <a:spLocks noGrp="1"/>
           </p:cNvSpPr>
@@ -13269,41 +13156,18 @@
           <a:lstStyle/>
           <a:p>
             <a:r>
-              <a:rPr lang="zh-TW">
-                <a:ea typeface="新細明體"/>
+              <a:rPr lang="af-ZA" dirty="0">
                 <a:cs typeface="Calibri"/>
               </a:rPr>
-              <a:t>Dataset(</a:t>
-            </a:r>
-            <a:r>
-              <a:rPr lang="zh-TW" altLang="en-US">
-                <a:ea typeface="新細明體"/>
-                <a:cs typeface="Calibri"/>
-              </a:rPr>
-              <a:t>未</a:t>
-            </a:r>
-            <a:r>
-              <a:rPr lang="zh-TW">
-                <a:ea typeface="新細明體"/>
-                <a:cs typeface="Calibri"/>
-              </a:rPr>
-              <a:t>標註過)</a:t>
-            </a:r>
-            <a:endParaRPr lang="zh-TW">
-              <a:ea typeface="新細明體"/>
-            </a:endParaRPr>
+              <a:t>RESULT</a:t>
+            </a:r>
+            <a:endParaRPr dirty="0"/>
           </a:p>
         </p:txBody>
       </p:sp>
       <p:sp>
         <p:nvSpPr>
-          <p:cNvPr id="3" name="內容版面配置區 2">
-            <a:extLst>
-              <a:ext uri="{FF2B5EF4-FFF2-40B4-BE49-F238E27FC236}">
-                <a16:creationId xmlns="" xmlns:a16="http://schemas.microsoft.com/office/drawing/2014/main" id="{BBF755A1-6825-FDF6-344B-401201A3258C}"/>
-              </a:ext>
-            </a:extLst>
-          </p:cNvPr>
+          <p:cNvPr id="3" name="Content Placeholder 2"/>
           <p:cNvSpPr>
             <a:spLocks noGrp="1"/>
           </p:cNvSpPr>
@@ -13314,261 +13178,53 @@
         <p:spPr/>
         <p:txBody>
           <a:bodyPr vert="horz" lIns="91440" tIns="45720" rIns="91440" bIns="45720" rtlCol="0" anchor="t">
-            <a:normAutofit fontScale="70000" lnSpcReduction="20000"/>
+            <a:normAutofit/>
           </a:bodyPr>
           <a:lstStyle/>
           <a:p>
-            <a:pPr>
-              <a:buNone/>
-            </a:pPr>
-            <a:r>
-              <a:rPr lang="en-US" altLang="zh-TW" b="1" dirty="0">
-                <a:ea typeface="+mn-lt"/>
-                <a:cs typeface="+mn-lt"/>
+            <a:r>
+              <a:rPr sz="1800" dirty="0" err="1"/>
+              <a:t>研究結果顯示</a:t>
+            </a:r>
+            <a:r>
+              <a:rPr sz="1800" dirty="0" smtClean="0"/>
+              <a:t>，</a:t>
+            </a:r>
+            <a:r>
+              <a:rPr lang="zh-TW" altLang="en-US" sz="1800" dirty="0" smtClean="0"/>
+              <a:t>使用聲音及脣形同步辨識，再</a:t>
+            </a:r>
+            <a:r>
+              <a:rPr sz="1800" dirty="0" err="1" smtClean="0"/>
+              <a:t>使用自動生成的轉錄數據來擴展訓練集</a:t>
+            </a:r>
+            <a:r>
+              <a:rPr sz="1800" dirty="0"/>
+              <a:t>，</a:t>
+            </a:r>
+            <a:r>
+              <a:rPr lang="zh-TW" sz="1800" dirty="0">
+                <a:ea typeface="新細明體"/>
               </a:rPr>
-              <a:t>VoxCeleb2</a:t>
-            </a:r>
-            <a:endParaRPr lang="zh-TW" altLang="en-US" dirty="0"/>
-          </a:p>
-          <a:p>
-            <a:r>
-              <a:rPr lang="zh-TW" altLang="en-US" b="1">
-                <a:ea typeface="+mn-lt"/>
-                <a:cs typeface="+mn-lt"/>
+              <a:t>不僅能</a:t>
+            </a:r>
+            <a:r>
+              <a:rPr lang="zh-TW" altLang="en-US" sz="1800" dirty="0">
+                <a:ea typeface="新細明體"/>
               </a:rPr>
-              <a:t>概述</a:t>
-            </a:r>
-            <a:r>
-              <a:rPr lang="zh-TW" altLang="en-US">
-                <a:ea typeface="+mn-lt"/>
-                <a:cs typeface="+mn-lt"/>
+              <a:t>取代手工標註，還</a:t>
+            </a:r>
+            <a:r>
+              <a:rPr lang="zh-TW" sz="1800" dirty="0">
+                <a:ea typeface="新細明體"/>
               </a:rPr>
-              <a:t>：</a:t>
-            </a:r>
-            <a:r>
-              <a:rPr lang="en-US" altLang="zh-TW" dirty="0">
-                <a:ea typeface="+mn-lt"/>
-                <a:cs typeface="+mn-lt"/>
-              </a:rPr>
-              <a:t>VoxCeleb2</a:t>
-            </a:r>
-            <a:r>
-              <a:rPr lang="zh-TW" altLang="en-US">
-                <a:ea typeface="+mn-lt"/>
-                <a:cs typeface="+mn-lt"/>
-              </a:rPr>
-              <a:t> 是一個包含世界各地名人說話影片的視聽數據集，來源於 </a:t>
-            </a:r>
-            <a:r>
-              <a:rPr lang="en-US" altLang="zh-TW" dirty="0">
-                <a:ea typeface="+mn-lt"/>
-                <a:cs typeface="+mn-lt"/>
-              </a:rPr>
-              <a:t>YouTube</a:t>
-            </a:r>
-            <a:r>
-              <a:rPr lang="zh-TW" altLang="en-US">
-                <a:ea typeface="+mn-lt"/>
-                <a:cs typeface="+mn-lt"/>
-              </a:rPr>
-              <a:t> 等平台。</a:t>
-            </a:r>
-            <a:endParaRPr lang="zh-TW" altLang="en-US"/>
-          </a:p>
-          <a:p>
-            <a:r>
-              <a:rPr lang="zh-TW" altLang="en-US" b="1">
-                <a:ea typeface="+mn-lt"/>
-                <a:cs typeface="+mn-lt"/>
-              </a:rPr>
-              <a:t>數據規模</a:t>
-            </a:r>
-            <a:r>
-              <a:rPr lang="zh-TW" altLang="en-US">
-                <a:ea typeface="+mn-lt"/>
-                <a:cs typeface="+mn-lt"/>
-              </a:rPr>
-              <a:t>：超過 </a:t>
-            </a:r>
-            <a:r>
-              <a:rPr lang="en-US" altLang="zh-TW" dirty="0">
-                <a:ea typeface="+mn-lt"/>
-                <a:cs typeface="+mn-lt"/>
-              </a:rPr>
-              <a:t>1,000</a:t>
-            </a:r>
-            <a:r>
-              <a:rPr lang="zh-TW" altLang="en-US">
-                <a:ea typeface="+mn-lt"/>
-                <a:cs typeface="+mn-lt"/>
-              </a:rPr>
-              <a:t> 位名人，</a:t>
-            </a:r>
-            <a:r>
-              <a:rPr lang="en-US" altLang="zh-TW" dirty="0">
-                <a:ea typeface="+mn-lt"/>
-                <a:cs typeface="+mn-lt"/>
-              </a:rPr>
-              <a:t>611,000</a:t>
-            </a:r>
-            <a:r>
-              <a:rPr lang="zh-TW" altLang="en-US">
-                <a:ea typeface="+mn-lt"/>
-                <a:cs typeface="+mn-lt"/>
-              </a:rPr>
-              <a:t> 個片段，總時長超過 </a:t>
-            </a:r>
-            <a:r>
-              <a:rPr lang="en-US" altLang="zh-TW" dirty="0">
-                <a:ea typeface="+mn-lt"/>
-                <a:cs typeface="+mn-lt"/>
-              </a:rPr>
-              <a:t>2,000</a:t>
-            </a:r>
-            <a:r>
-              <a:rPr lang="zh-TW" altLang="en-US">
-                <a:ea typeface="+mn-lt"/>
-                <a:cs typeface="+mn-lt"/>
-              </a:rPr>
-              <a:t> 小時。</a:t>
-            </a:r>
-            <a:endParaRPr lang="zh-TW" altLang="en-US"/>
-          </a:p>
-          <a:p>
-            <a:r>
-              <a:rPr lang="zh-TW" altLang="en-US" b="1">
-                <a:ea typeface="+mn-lt"/>
-                <a:cs typeface="+mn-lt"/>
-              </a:rPr>
-              <a:t>應用</a:t>
-            </a:r>
-            <a:r>
-              <a:rPr lang="zh-TW" altLang="en-US">
-                <a:ea typeface="+mn-lt"/>
-                <a:cs typeface="+mn-lt"/>
-              </a:rPr>
-              <a:t>：用於視聽語音識別、說話人識別等多模態任務，數據多樣性提升了模型的挑戰性。</a:t>
-            </a:r>
-            <a:endParaRPr lang="zh-TW" altLang="en-US"/>
-          </a:p>
-          <a:p>
-            <a:pPr indent="0">
-              <a:buNone/>
-            </a:pPr>
-            <a:r>
-              <a:rPr lang="en-US" altLang="zh-TW" b="1" dirty="0" err="1">
-                <a:ea typeface="+mn-lt"/>
-                <a:cs typeface="+mn-lt"/>
-              </a:rPr>
-              <a:t>AVSpeech</a:t>
-            </a:r>
-            <a:endParaRPr lang="zh-TW" altLang="en-US" dirty="0" err="1"/>
-          </a:p>
-          <a:p>
-            <a:r>
-              <a:rPr lang="zh-TW" altLang="en-US" b="1">
-                <a:ea typeface="+mn-lt"/>
-                <a:cs typeface="+mn-lt"/>
-              </a:rPr>
-              <a:t>概述</a:t>
-            </a:r>
-            <a:r>
-              <a:rPr lang="zh-TW" altLang="en-US">
-                <a:ea typeface="+mn-lt"/>
-                <a:cs typeface="+mn-lt"/>
-              </a:rPr>
-              <a:t>：</a:t>
-            </a:r>
-            <a:r>
-              <a:rPr lang="en-US" altLang="zh-TW" dirty="0" err="1">
-                <a:ea typeface="+mn-lt"/>
-                <a:cs typeface="+mn-lt"/>
-              </a:rPr>
-              <a:t>AVSpeech</a:t>
-            </a:r>
-            <a:r>
-              <a:rPr lang="zh-TW" altLang="en-US">
-                <a:ea typeface="+mn-lt"/>
-                <a:cs typeface="+mn-lt"/>
-              </a:rPr>
-              <a:t> 是專為視聽語音識別設計的數據集，包含不同場景中的公開視頻。</a:t>
-            </a:r>
-            <a:endParaRPr lang="zh-TW" altLang="en-US"/>
-          </a:p>
-          <a:p>
-            <a:r>
-              <a:rPr lang="zh-TW" altLang="en-US" b="1">
-                <a:ea typeface="+mn-lt"/>
-                <a:cs typeface="+mn-lt"/>
-              </a:rPr>
-              <a:t>數據規模</a:t>
-            </a:r>
-            <a:r>
-              <a:rPr lang="zh-TW" altLang="en-US">
-                <a:ea typeface="+mn-lt"/>
-                <a:cs typeface="+mn-lt"/>
-              </a:rPr>
-              <a:t>：約 </a:t>
-            </a:r>
-            <a:r>
-              <a:rPr lang="en-US" altLang="zh-TW" dirty="0">
-                <a:ea typeface="+mn-lt"/>
-                <a:cs typeface="+mn-lt"/>
-              </a:rPr>
-              <a:t>4,700</a:t>
-            </a:r>
-            <a:r>
-              <a:rPr lang="zh-TW" altLang="en-US">
-                <a:ea typeface="+mn-lt"/>
-                <a:cs typeface="+mn-lt"/>
-              </a:rPr>
-              <a:t> 小時的視頻，超過 </a:t>
-            </a:r>
-            <a:r>
-              <a:rPr lang="en-US" altLang="zh-TW" dirty="0">
-                <a:ea typeface="+mn-lt"/>
-                <a:cs typeface="+mn-lt"/>
-              </a:rPr>
-              <a:t>150,000</a:t>
-            </a:r>
-            <a:r>
-              <a:rPr lang="zh-TW" altLang="en-US">
-                <a:ea typeface="+mn-lt"/>
-                <a:cs typeface="+mn-lt"/>
-              </a:rPr>
-              <a:t> 個短片，清晰展示說話人的口型和語音。</a:t>
-            </a:r>
-            <a:endParaRPr lang="zh-TW" altLang="en-US"/>
-          </a:p>
-          <a:p>
-            <a:r>
-              <a:rPr lang="zh-TW" altLang="en-US" b="1">
-                <a:ea typeface="+mn-lt"/>
-                <a:cs typeface="+mn-lt"/>
-              </a:rPr>
-              <a:t>應用</a:t>
-            </a:r>
-            <a:r>
-              <a:rPr lang="zh-TW" altLang="en-US">
-                <a:ea typeface="+mn-lt"/>
-                <a:cs typeface="+mn-lt"/>
-              </a:rPr>
-              <a:t>：主要用於視聽語音識別和口型識別研究，為視聽模型訓練提供重要資源。</a:t>
-            </a:r>
-            <a:endParaRPr lang="zh-TW" altLang="en-US"/>
-          </a:p>
-          <a:p>
-            <a:pPr marL="0" indent="0">
-              <a:buNone/>
-            </a:pPr>
-            <a:endParaRPr lang="zh-TW" b="1" dirty="0">
-              <a:ea typeface="新細明體"/>
-              <a:cs typeface="Calibri"/>
-            </a:endParaRPr>
-          </a:p>
-          <a:p>
-            <a:endParaRPr lang="zh-TW" altLang="en-US" dirty="0">
-              <a:ea typeface="新細明體"/>
+              <a:t>可以顯著降低詞錯率</a:t>
+            </a:r>
+            <a:r>
+              <a:rPr sz="1800" dirty="0"/>
+              <a:t>（WER）。</a:t>
+            </a:r>
+            <a:endParaRPr lang="zh-TW" altLang="en-US" sz="1800" dirty="0">
               <a:cs typeface="Calibri"/>
             </a:endParaRPr>
           </a:p>
@@ -13579,7 +13235,7 @@
           <p:cNvPr id="4" name="投影片編號版面配置區 3">
             <a:extLst>
               <a:ext uri="{FF2B5EF4-FFF2-40B4-BE49-F238E27FC236}">
-                <a16:creationId xmlns="" xmlns:a16="http://schemas.microsoft.com/office/drawing/2014/main" id="{8ABCB6A0-39D8-A343-3BE7-E46212C88215}"/>
+                <a16:creationId xmlns:a16="http://schemas.microsoft.com/office/drawing/2014/main" id="{A87F1B5D-F8E2-ED3D-2E72-EB23BAB0F167}"/>
               </a:ext>
             </a:extLst>
           </p:cNvPr>
@@ -13603,12 +13259,570 @@
           </a:p>
         </p:txBody>
       </p:sp>
+      <p:pic>
+        <p:nvPicPr>
+          <p:cNvPr id="5" name="圖片 4" descr="一張含有 文字, 螢幕擷取畫面, 數字, 平行 的圖片&#10;&#10;自動產生的描述">
+            <a:extLst>
+              <a:ext uri="{FF2B5EF4-FFF2-40B4-BE49-F238E27FC236}">
+                <a16:creationId xmlns:a16="http://schemas.microsoft.com/office/drawing/2014/main" id="{A3F5436E-A715-AF69-6B1D-320E8D8D5493}"/>
+              </a:ext>
+            </a:extLst>
+          </p:cNvPr>
+          <p:cNvPicPr>
+            <a:picLocks noChangeAspect="1"/>
+          </p:cNvPicPr>
+          <p:nvPr/>
+        </p:nvPicPr>
+        <p:blipFill>
+          <a:blip r:embed="rId2"/>
+          <a:stretch>
+            <a:fillRect/>
+          </a:stretch>
+        </p:blipFill>
+        <p:spPr>
+          <a:xfrm>
+            <a:off x="1228636" y="2231366"/>
+            <a:ext cx="6370427" cy="3689230"/>
+          </a:xfrm>
+          <a:prstGeom prst="rect">
+            <a:avLst/>
+          </a:prstGeom>
+        </p:spPr>
+      </p:pic>
+      <mc:AlternateContent xmlns:mc="http://schemas.openxmlformats.org/markup-compatibility/2006" xmlns:p14="http://schemas.microsoft.com/office/powerpoint/2010/main">
+        <mc:Choice Requires="p14">
+          <p:contentPart p14:bwMode="auto" r:id="rId3">
+            <p14:nvContentPartPr>
+              <p14:cNvPr id="7" name="筆跡 6">
+                <a:extLst>
+                  <a:ext uri="{FF2B5EF4-FFF2-40B4-BE49-F238E27FC236}">
+                    <a16:creationId xmlns:a16="http://schemas.microsoft.com/office/drawing/2014/main" id="{642F40E4-8D67-042E-3E32-DD8565AF613F}"/>
+                  </a:ext>
+                </a:extLst>
+              </p14:cNvPr>
+              <p14:cNvContentPartPr/>
+              <p14:nvPr/>
+            </p14:nvContentPartPr>
+            <p14:xfrm>
+              <a:off x="1395663" y="5811252"/>
+              <a:ext cx="179068" cy="49108"/>
+            </p14:xfrm>
+          </p:contentPart>
+        </mc:Choice>
+        <mc:Fallback xmlns="">
+          <p:pic>
+            <p:nvPicPr>
+              <p:cNvPr id="7" name="筆跡 6">
+                <a:extLst>
+                  <a:ext uri="{FF2B5EF4-FFF2-40B4-BE49-F238E27FC236}">
+                    <a16:creationId xmlns:a16="http://schemas.microsoft.com/office/drawing/2014/main" id="{642F40E4-8D67-042E-3E32-DD8565AF613F}"/>
+                  </a:ext>
+                </a:extLst>
+              </p:cNvPr>
+              <p:cNvPicPr/>
+              <p:nvPr/>
+            </p:nvPicPr>
+            <p:blipFill>
+              <a:blip r:embed="rId4"/>
+              <a:stretch>
+                <a:fillRect/>
+              </a:stretch>
+            </p:blipFill>
+            <p:spPr>
+              <a:xfrm>
+                <a:off x="1378044" y="5793329"/>
+                <a:ext cx="214666" cy="84595"/>
+              </a:xfrm>
+              <a:prstGeom prst="rect">
+                <a:avLst/>
+              </a:prstGeom>
+            </p:spPr>
+          </p:pic>
+        </mc:Fallback>
+      </mc:AlternateContent>
+      <mc:AlternateContent xmlns:mc="http://schemas.openxmlformats.org/markup-compatibility/2006" xmlns:p14="http://schemas.microsoft.com/office/powerpoint/2010/main">
+        <mc:Choice Requires="p14">
+          <p:contentPart p14:bwMode="auto" r:id="rId5">
+            <p14:nvContentPartPr>
+              <p14:cNvPr id="8" name="筆跡 7">
+                <a:extLst>
+                  <a:ext uri="{FF2B5EF4-FFF2-40B4-BE49-F238E27FC236}">
+                    <a16:creationId xmlns:a16="http://schemas.microsoft.com/office/drawing/2014/main" id="{1685B230-F531-20F6-7D4C-13BABBD0583F}"/>
+                  </a:ext>
+                </a:extLst>
+              </p14:cNvPr>
+              <p14:cNvContentPartPr/>
+              <p14:nvPr/>
+            </p14:nvContentPartPr>
+            <p14:xfrm>
+              <a:off x="4066673" y="5811252"/>
+              <a:ext cx="217315" cy="36714"/>
+            </p14:xfrm>
+          </p:contentPart>
+        </mc:Choice>
+        <mc:Fallback xmlns="">
+          <p:pic>
+            <p:nvPicPr>
+              <p:cNvPr id="8" name="筆跡 7">
+                <a:extLst>
+                  <a:ext uri="{FF2B5EF4-FFF2-40B4-BE49-F238E27FC236}">
+                    <a16:creationId xmlns:a16="http://schemas.microsoft.com/office/drawing/2014/main" id="{1685B230-F531-20F6-7D4C-13BABBD0583F}"/>
+                  </a:ext>
+                </a:extLst>
+              </p:cNvPr>
+              <p:cNvPicPr/>
+              <p:nvPr/>
+            </p:nvPicPr>
+            <p:blipFill>
+              <a:blip r:embed="rId6"/>
+              <a:stretch>
+                <a:fillRect/>
+              </a:stretch>
+            </p:blipFill>
+            <p:spPr>
+              <a:xfrm>
+                <a:off x="4048713" y="5793430"/>
+                <a:ext cx="252876" cy="72002"/>
+              </a:xfrm>
+              <a:prstGeom prst="rect">
+                <a:avLst/>
+              </a:prstGeom>
+            </p:spPr>
+          </p:pic>
+        </mc:Fallback>
+      </mc:AlternateContent>
+      <mc:AlternateContent xmlns:mc="http://schemas.openxmlformats.org/markup-compatibility/2006" xmlns:p14="http://schemas.microsoft.com/office/powerpoint/2010/main">
+        <mc:Choice Requires="p14">
+          <p:contentPart p14:bwMode="auto" r:id="rId7">
+            <p14:nvContentPartPr>
+              <p14:cNvPr id="9" name="筆跡 8">
+                <a:extLst>
+                  <a:ext uri="{FF2B5EF4-FFF2-40B4-BE49-F238E27FC236}">
+                    <a16:creationId xmlns:a16="http://schemas.microsoft.com/office/drawing/2014/main" id="{2033ACC3-E8A9-8605-FF0A-EABF1AC2CD24}"/>
+                  </a:ext>
+                </a:extLst>
+              </p14:cNvPr>
+              <p14:cNvContentPartPr/>
+              <p14:nvPr/>
+            </p14:nvContentPartPr>
+            <p14:xfrm>
+              <a:off x="1395663" y="5017168"/>
+              <a:ext cx="203046" cy="12031"/>
+            </p14:xfrm>
+          </p:contentPart>
+        </mc:Choice>
+        <mc:Fallback xmlns="">
+          <p:pic>
+            <p:nvPicPr>
+              <p:cNvPr id="9" name="筆跡 8">
+                <a:extLst>
+                  <a:ext uri="{FF2B5EF4-FFF2-40B4-BE49-F238E27FC236}">
+                    <a16:creationId xmlns:a16="http://schemas.microsoft.com/office/drawing/2014/main" id="{2033ACC3-E8A9-8605-FF0A-EABF1AC2CD24}"/>
+                  </a:ext>
+                </a:extLst>
+              </p:cNvPr>
+              <p:cNvPicPr/>
+              <p:nvPr/>
+            </p:nvPicPr>
+            <p:blipFill>
+              <a:blip r:embed="rId8"/>
+              <a:stretch>
+                <a:fillRect/>
+              </a:stretch>
+            </p:blipFill>
+            <p:spPr>
+              <a:xfrm>
+                <a:off x="1378054" y="4427649"/>
+                <a:ext cx="238624" cy="1203100"/>
+              </a:xfrm>
+              <a:prstGeom prst="rect">
+                <a:avLst/>
+              </a:prstGeom>
+            </p:spPr>
+          </p:pic>
+        </mc:Fallback>
+      </mc:AlternateContent>
+      <mc:AlternateContent xmlns:mc="http://schemas.openxmlformats.org/markup-compatibility/2006" xmlns:p14="http://schemas.microsoft.com/office/powerpoint/2010/main">
+        <mc:Choice Requires="p14">
+          <p:contentPart p14:bwMode="auto" r:id="rId9">
+            <p14:nvContentPartPr>
+              <p14:cNvPr id="10" name="筆跡 9">
+                <a:extLst>
+                  <a:ext uri="{FF2B5EF4-FFF2-40B4-BE49-F238E27FC236}">
+                    <a16:creationId xmlns:a16="http://schemas.microsoft.com/office/drawing/2014/main" id="{C21A9C9F-C7A3-3BBA-4B54-B5ACD00D6DCA}"/>
+                  </a:ext>
+                </a:extLst>
+              </p14:cNvPr>
+              <p14:cNvContentPartPr/>
+              <p14:nvPr/>
+            </p14:nvContentPartPr>
+            <p14:xfrm>
+              <a:off x="4018547" y="4981073"/>
+              <a:ext cx="251334" cy="37037"/>
+            </p14:xfrm>
+          </p:contentPart>
+        </mc:Choice>
+        <mc:Fallback xmlns="">
+          <p:pic>
+            <p:nvPicPr>
+              <p:cNvPr id="10" name="筆跡 9">
+                <a:extLst>
+                  <a:ext uri="{FF2B5EF4-FFF2-40B4-BE49-F238E27FC236}">
+                    <a16:creationId xmlns:a16="http://schemas.microsoft.com/office/drawing/2014/main" id="{C21A9C9F-C7A3-3BBA-4B54-B5ACD00D6DCA}"/>
+                  </a:ext>
+                </a:extLst>
+              </p:cNvPr>
+              <p:cNvPicPr/>
+              <p:nvPr/>
+            </p:nvPicPr>
+            <p:blipFill>
+              <a:blip r:embed="rId10"/>
+              <a:stretch>
+                <a:fillRect/>
+              </a:stretch>
+            </p:blipFill>
+            <p:spPr>
+              <a:xfrm>
+                <a:off x="4000928" y="4963267"/>
+                <a:ext cx="286931" cy="72293"/>
+              </a:xfrm>
+              <a:prstGeom prst="rect">
+                <a:avLst/>
+              </a:prstGeom>
+            </p:spPr>
+          </p:pic>
+        </mc:Fallback>
+      </mc:AlternateContent>
+      <mc:AlternateContent xmlns:mc="http://schemas.openxmlformats.org/markup-compatibility/2006" xmlns:p14="http://schemas.microsoft.com/office/powerpoint/2010/main">
+        <mc:Choice Requires="p14">
+          <p:contentPart p14:bwMode="auto" r:id="rId11">
+            <p14:nvContentPartPr>
+              <p14:cNvPr id="11" name="筆跡 10">
+                <a:extLst>
+                  <a:ext uri="{FF2B5EF4-FFF2-40B4-BE49-F238E27FC236}">
+                    <a16:creationId xmlns:a16="http://schemas.microsoft.com/office/drawing/2014/main" id="{3EF66CA4-6760-97EA-3849-D200BF42EABC}"/>
+                  </a:ext>
+                </a:extLst>
+              </p14:cNvPr>
+              <p14:cNvContentPartPr/>
+              <p14:nvPr/>
+            </p14:nvContentPartPr>
+            <p14:xfrm>
+              <a:off x="1359568" y="4295273"/>
+              <a:ext cx="203112" cy="12555"/>
+            </p14:xfrm>
+          </p:contentPart>
+        </mc:Choice>
+        <mc:Fallback xmlns="">
+          <p:pic>
+            <p:nvPicPr>
+              <p:cNvPr id="11" name="筆跡 10">
+                <a:extLst>
+                  <a:ext uri="{FF2B5EF4-FFF2-40B4-BE49-F238E27FC236}">
+                    <a16:creationId xmlns:a16="http://schemas.microsoft.com/office/drawing/2014/main" id="{3EF66CA4-6760-97EA-3849-D200BF42EABC}"/>
+                  </a:ext>
+                </a:extLst>
+              </p:cNvPr>
+              <p:cNvPicPr/>
+              <p:nvPr/>
+            </p:nvPicPr>
+            <p:blipFill>
+              <a:blip r:embed="rId12"/>
+              <a:stretch>
+                <a:fillRect/>
+              </a:stretch>
+            </p:blipFill>
+            <p:spPr>
+              <a:xfrm>
+                <a:off x="1341593" y="4277835"/>
+                <a:ext cx="238702" cy="47081"/>
+              </a:xfrm>
+              <a:prstGeom prst="rect">
+                <a:avLst/>
+              </a:prstGeom>
+            </p:spPr>
+          </p:pic>
+        </mc:Fallback>
+      </mc:AlternateContent>
+      <mc:AlternateContent xmlns:mc="http://schemas.openxmlformats.org/markup-compatibility/2006" xmlns:p14="http://schemas.microsoft.com/office/powerpoint/2010/main">
+        <mc:Choice Requires="p14">
+          <p:contentPart p14:bwMode="auto" r:id="rId13">
+            <p14:nvContentPartPr>
+              <p14:cNvPr id="12" name="筆跡 11">
+                <a:extLst>
+                  <a:ext uri="{FF2B5EF4-FFF2-40B4-BE49-F238E27FC236}">
+                    <a16:creationId xmlns:a16="http://schemas.microsoft.com/office/drawing/2014/main" id="{09E67025-EA7B-45E3-9C20-5AB93A2E5562}"/>
+                  </a:ext>
+                </a:extLst>
+              </p14:cNvPr>
+              <p14:cNvContentPartPr/>
+              <p14:nvPr/>
+            </p14:nvContentPartPr>
+            <p14:xfrm>
+              <a:off x="4054642" y="4295273"/>
+              <a:ext cx="179348" cy="12031"/>
+            </p14:xfrm>
+          </p:contentPart>
+        </mc:Choice>
+        <mc:Fallback xmlns="">
+          <p:pic>
+            <p:nvPicPr>
+              <p:cNvPr id="12" name="筆跡 11">
+                <a:extLst>
+                  <a:ext uri="{FF2B5EF4-FFF2-40B4-BE49-F238E27FC236}">
+                    <a16:creationId xmlns:a16="http://schemas.microsoft.com/office/drawing/2014/main" id="{09E67025-EA7B-45E3-9C20-5AB93A2E5562}"/>
+                  </a:ext>
+                </a:extLst>
+              </p:cNvPr>
+              <p:cNvPicPr/>
+              <p:nvPr/>
+            </p:nvPicPr>
+            <p:blipFill>
+              <a:blip r:embed="rId14"/>
+              <a:stretch>
+                <a:fillRect/>
+              </a:stretch>
+            </p:blipFill>
+            <p:spPr>
+              <a:xfrm>
+                <a:off x="4037031" y="4277580"/>
+                <a:ext cx="214930" cy="47062"/>
+              </a:xfrm>
+              <a:prstGeom prst="rect">
+                <a:avLst/>
+              </a:prstGeom>
+            </p:spPr>
+          </p:pic>
+        </mc:Fallback>
+      </mc:AlternateContent>
+      <mc:AlternateContent xmlns:mc="http://schemas.openxmlformats.org/markup-compatibility/2006" xmlns:p14="http://schemas.microsoft.com/office/powerpoint/2010/main">
+        <mc:Choice Requires="p14">
+          <p:contentPart p14:bwMode="auto" r:id="rId15">
+            <p14:nvContentPartPr>
+              <p14:cNvPr id="13" name="筆跡 12">
+                <a:extLst>
+                  <a:ext uri="{FF2B5EF4-FFF2-40B4-BE49-F238E27FC236}">
+                    <a16:creationId xmlns:a16="http://schemas.microsoft.com/office/drawing/2014/main" id="{7E35F718-F11C-0B7A-A305-95A9ADF136A3}"/>
+                  </a:ext>
+                </a:extLst>
+              </p14:cNvPr>
+              <p14:cNvContentPartPr/>
+              <p14:nvPr/>
+            </p14:nvContentPartPr>
+            <p14:xfrm>
+              <a:off x="4547937" y="4283242"/>
+              <a:ext cx="227304" cy="31754"/>
+            </p14:xfrm>
+          </p:contentPart>
+        </mc:Choice>
+        <mc:Fallback xmlns="">
+          <p:pic>
+            <p:nvPicPr>
+              <p:cNvPr id="13" name="筆跡 12">
+                <a:extLst>
+                  <a:ext uri="{FF2B5EF4-FFF2-40B4-BE49-F238E27FC236}">
+                    <a16:creationId xmlns:a16="http://schemas.microsoft.com/office/drawing/2014/main" id="{7E35F718-F11C-0B7A-A305-95A9ADF136A3}"/>
+                  </a:ext>
+                </a:extLst>
+              </p:cNvPr>
+              <p:cNvPicPr/>
+              <p:nvPr/>
+            </p:nvPicPr>
+            <p:blipFill>
+              <a:blip r:embed="rId16"/>
+              <a:stretch>
+                <a:fillRect/>
+              </a:stretch>
+            </p:blipFill>
+            <p:spPr>
+              <a:xfrm>
+                <a:off x="4530314" y="4265759"/>
+                <a:ext cx="262910" cy="67076"/>
+              </a:xfrm>
+              <a:prstGeom prst="rect">
+                <a:avLst/>
+              </a:prstGeom>
+            </p:spPr>
+          </p:pic>
+        </mc:Fallback>
+      </mc:AlternateContent>
+      <mc:AlternateContent xmlns:mc="http://schemas.openxmlformats.org/markup-compatibility/2006" xmlns:p14="http://schemas.microsoft.com/office/powerpoint/2010/main">
+        <mc:Choice Requires="p14">
+          <p:contentPart p14:bwMode="auto" r:id="rId17">
+            <p14:nvContentPartPr>
+              <p14:cNvPr id="14" name="筆跡 13">
+                <a:extLst>
+                  <a:ext uri="{FF2B5EF4-FFF2-40B4-BE49-F238E27FC236}">
+                    <a16:creationId xmlns:a16="http://schemas.microsoft.com/office/drawing/2014/main" id="{C3235DDC-F20B-48AE-0F1C-4EF099968A85}"/>
+                  </a:ext>
+                </a:extLst>
+              </p14:cNvPr>
+              <p14:cNvContentPartPr/>
+              <p14:nvPr/>
+            </p14:nvContentPartPr>
+            <p14:xfrm>
+              <a:off x="7194883" y="4307305"/>
+              <a:ext cx="203079" cy="12031"/>
+            </p14:xfrm>
+          </p:contentPart>
+        </mc:Choice>
+        <mc:Fallback xmlns="">
+          <p:pic>
+            <p:nvPicPr>
+              <p:cNvPr id="14" name="筆跡 13">
+                <a:extLst>
+                  <a:ext uri="{FF2B5EF4-FFF2-40B4-BE49-F238E27FC236}">
+                    <a16:creationId xmlns:a16="http://schemas.microsoft.com/office/drawing/2014/main" id="{C3235DDC-F20B-48AE-0F1C-4EF099968A85}"/>
+                  </a:ext>
+                </a:extLst>
+              </p:cNvPr>
+              <p:cNvPicPr/>
+              <p:nvPr/>
+            </p:nvPicPr>
+            <p:blipFill>
+              <a:blip r:embed="rId8"/>
+              <a:stretch>
+                <a:fillRect/>
+              </a:stretch>
+            </p:blipFill>
+            <p:spPr>
+              <a:xfrm>
+                <a:off x="7177271" y="3717786"/>
+                <a:ext cx="238663" cy="1203100"/>
+              </a:xfrm>
+              <a:prstGeom prst="rect">
+                <a:avLst/>
+              </a:prstGeom>
+            </p:spPr>
+          </p:pic>
+        </mc:Fallback>
+      </mc:AlternateContent>
+      <mc:AlternateContent xmlns:mc="http://schemas.openxmlformats.org/markup-compatibility/2006" xmlns:p14="http://schemas.microsoft.com/office/powerpoint/2010/main">
+        <mc:Choice Requires="p14">
+          <p:contentPart p14:bwMode="auto" r:id="rId18">
+            <p14:nvContentPartPr>
+              <p14:cNvPr id="15" name="筆跡 14">
+                <a:extLst>
+                  <a:ext uri="{FF2B5EF4-FFF2-40B4-BE49-F238E27FC236}">
+                    <a16:creationId xmlns:a16="http://schemas.microsoft.com/office/drawing/2014/main" id="{0E48B839-7D3E-FE2F-7111-EE9AB5483A83}"/>
+                  </a:ext>
+                </a:extLst>
+              </p14:cNvPr>
+              <p14:cNvContentPartPr/>
+              <p14:nvPr/>
+            </p14:nvContentPartPr>
+            <p14:xfrm>
+              <a:off x="7218947" y="5895473"/>
+              <a:ext cx="179318" cy="12357"/>
+            </p14:xfrm>
+          </p:contentPart>
+        </mc:Choice>
+        <mc:Fallback xmlns="">
+          <p:pic>
+            <p:nvPicPr>
+              <p:cNvPr id="15" name="筆跡 14">
+                <a:extLst>
+                  <a:ext uri="{FF2B5EF4-FFF2-40B4-BE49-F238E27FC236}">
+                    <a16:creationId xmlns:a16="http://schemas.microsoft.com/office/drawing/2014/main" id="{0E48B839-7D3E-FE2F-7111-EE9AB5483A83}"/>
+                  </a:ext>
+                </a:extLst>
+              </p:cNvPr>
+              <p:cNvPicPr/>
+              <p:nvPr/>
+            </p:nvPicPr>
+            <p:blipFill>
+              <a:blip r:embed="rId19"/>
+              <a:stretch>
+                <a:fillRect/>
+              </a:stretch>
+            </p:blipFill>
+            <p:spPr>
+              <a:xfrm>
+                <a:off x="7201339" y="5877820"/>
+                <a:ext cx="214894" cy="47310"/>
+              </a:xfrm>
+              <a:prstGeom prst="rect">
+                <a:avLst/>
+              </a:prstGeom>
+            </p:spPr>
+          </p:pic>
+        </mc:Fallback>
+      </mc:AlternateContent>
+      <mc:AlternateContent xmlns:mc="http://schemas.openxmlformats.org/markup-compatibility/2006" xmlns:p14="http://schemas.microsoft.com/office/powerpoint/2010/main">
+        <mc:Choice Requires="p14">
+          <p:contentPart p14:bwMode="auto" r:id="rId20">
+            <p14:nvContentPartPr>
+              <p14:cNvPr id="16" name="筆跡 15">
+                <a:extLst>
+                  <a:ext uri="{FF2B5EF4-FFF2-40B4-BE49-F238E27FC236}">
+                    <a16:creationId xmlns:a16="http://schemas.microsoft.com/office/drawing/2014/main" id="{A888226C-6285-0FF3-F450-96D8997DE9BB}"/>
+                  </a:ext>
+                </a:extLst>
+              </p14:cNvPr>
+              <p14:cNvContentPartPr/>
+              <p14:nvPr/>
+            </p14:nvContentPartPr>
+            <p14:xfrm>
+              <a:off x="4535904" y="5919210"/>
+              <a:ext cx="239623" cy="12357"/>
+            </p14:xfrm>
+          </p:contentPart>
+        </mc:Choice>
+        <mc:Fallback xmlns="">
+          <p:pic>
+            <p:nvPicPr>
+              <p:cNvPr id="16" name="筆跡 15">
+                <a:extLst>
+                  <a:ext uri="{FF2B5EF4-FFF2-40B4-BE49-F238E27FC236}">
+                    <a16:creationId xmlns:a16="http://schemas.microsoft.com/office/drawing/2014/main" id="{A888226C-6285-0FF3-F450-96D8997DE9BB}"/>
+                  </a:ext>
+                </a:extLst>
+              </p:cNvPr>
+              <p:cNvPicPr/>
+              <p:nvPr/>
+            </p:nvPicPr>
+            <p:blipFill>
+              <a:blip r:embed="rId21"/>
+              <a:stretch>
+                <a:fillRect/>
+              </a:stretch>
+            </p:blipFill>
+            <p:spPr>
+              <a:xfrm>
+                <a:off x="4517941" y="5901557"/>
+                <a:ext cx="275189" cy="47310"/>
+              </a:xfrm>
+              <a:prstGeom prst="rect">
+                <a:avLst/>
+              </a:prstGeom>
+            </p:spPr>
+          </p:pic>
+        </mc:Fallback>
+      </mc:AlternateContent>
+      <p:pic>
+        <p:nvPicPr>
+          <p:cNvPr id="6" name="圖片 5"/>
+          <p:cNvPicPr>
+            <a:picLocks noChangeAspect="1"/>
+          </p:cNvPicPr>
+          <p:nvPr/>
+        </p:nvPicPr>
+        <p:blipFill rotWithShape="1">
+          <a:blip r:embed="rId22"/>
+          <a:srcRect l="57213" t="36958" r="18688" b="44098"/>
+          <a:stretch/>
+        </p:blipFill>
+        <p:spPr>
+          <a:xfrm>
+            <a:off x="5231566" y="2758190"/>
+            <a:ext cx="2203555" cy="974361"/>
+          </a:xfrm>
+          <a:prstGeom prst="rect">
+            <a:avLst/>
+          </a:prstGeom>
+        </p:spPr>
+      </p:pic>
     </p:spTree>
-    <p:extLst>
-      <p:ext uri="{BB962C8B-B14F-4D97-AF65-F5344CB8AC3E}">
-        <p14:creationId xmlns:p14="http://schemas.microsoft.com/office/powerpoint/2010/main" val="1337622258"/>
-      </p:ext>
-    </p:extLst>
   </p:cSld>
   <p:clrMapOvr>
     <a:masterClrMapping/>
@@ -14191,7 +14405,7 @@
   <a:extraClrSchemeLst/>
   <a:extLst>
     <a:ext uri="{05A4C25C-085E-4340-85A3-A5531E510DB2}">
-      <thm15:themeFamily xmlns:thm15="http://schemas.microsoft.com/office/thememl/2012/main" xmlns="" name="Office Theme" id="{62F939B6-93AF-4DB8-9C6B-D6C7DFDC589F}" vid="{4A3C46E8-61CC-4603-A589-7422A47A8E4A}"/>
+      <thm15:themeFamily xmlns:thm15="http://schemas.microsoft.com/office/thememl/2012/main" name="Office Theme" id="{62F939B6-93AF-4DB8-9C6B-D6C7DFDC589F}" vid="{4A3C46E8-61CC-4603-A589-7422A47A8E4A}"/>
     </a:ext>
   </a:extLst>
 </a:theme>

--- a/大學生/6哥FINAL1006.pptx
+++ b/大學生/6哥FINAL1006.pptx
@@ -5,7 +5,7 @@
     <p:sldMasterId id="2147483648" r:id="rId1"/>
   </p:sldMasterIdLst>
   <p:notesMasterIdLst>
-    <p:notesMasterId r:id="rId14"/>
+    <p:notesMasterId r:id="rId16"/>
   </p:notesMasterIdLst>
   <p:sldIdLst>
     <p:sldId id="256" r:id="rId2"/>
@@ -13,13 +13,15 @@
     <p:sldId id="257" r:id="rId4"/>
     <p:sldId id="258" r:id="rId5"/>
     <p:sldId id="261" r:id="rId6"/>
-    <p:sldId id="263" r:id="rId7"/>
-    <p:sldId id="271" r:id="rId8"/>
-    <p:sldId id="274" r:id="rId9"/>
-    <p:sldId id="268" r:id="rId10"/>
-    <p:sldId id="276" r:id="rId11"/>
-    <p:sldId id="277" r:id="rId12"/>
-    <p:sldId id="273" r:id="rId13"/>
+    <p:sldId id="278" r:id="rId7"/>
+    <p:sldId id="279" r:id="rId8"/>
+    <p:sldId id="263" r:id="rId9"/>
+    <p:sldId id="271" r:id="rId10"/>
+    <p:sldId id="274" r:id="rId11"/>
+    <p:sldId id="268" r:id="rId12"/>
+    <p:sldId id="276" r:id="rId13"/>
+    <p:sldId id="277" r:id="rId14"/>
+    <p:sldId id="273" r:id="rId15"/>
   </p:sldIdLst>
   <p:sldSz cx="9144000" cy="6858000" type="screen4x3"/>
   <p:notesSz cx="6858000" cy="9144000"/>
@@ -5334,172 +5336,6 @@
           <a:bodyPr/>
           <a:lstStyle/>
           <a:p>
-            <a:r>
-              <a:rPr lang="en-US" altLang="zh-TW" sz="1200" b="0" i="0" kern="1200" dirty="0" smtClean="0">
-                <a:solidFill>
-                  <a:schemeClr val="tx1"/>
-                </a:solidFill>
-                <a:effectLst/>
-                <a:latin typeface="+mn-lt"/>
-                <a:ea typeface="+mn-ea"/>
-                <a:cs typeface="+mn-cs"/>
-              </a:rPr>
-              <a:t>Connectionist Temporal Classification, CTC</a:t>
-            </a:r>
-          </a:p>
-          <a:p>
-            <a:r>
-              <a:rPr lang="en-US" altLang="zh-TW" sz="1200" b="0" i="0" kern="1200" dirty="0" smtClean="0">
-                <a:solidFill>
-                  <a:schemeClr val="tx1"/>
-                </a:solidFill>
-                <a:effectLst/>
-                <a:latin typeface="+mn-lt"/>
-                <a:ea typeface="+mn-ea"/>
-                <a:cs typeface="+mn-cs"/>
-              </a:rPr>
-              <a:t>CE loss represents Categorical Cross Entropy loss.</a:t>
-            </a:r>
-          </a:p>
-          <a:p>
-            <a:r>
-              <a:rPr lang="zh-TW" altLang="en-US" b="1" dirty="0" smtClean="0"/>
-              <a:t>預訓練</a:t>
-            </a:r>
-            <a:r>
-              <a:rPr lang="en-US" altLang="zh-TW" b="1" dirty="0" smtClean="0"/>
-              <a:t>ASR</a:t>
-            </a:r>
-            <a:r>
-              <a:rPr lang="zh-TW" altLang="en-US" b="1" dirty="0" smtClean="0"/>
-              <a:t>模型</a:t>
-            </a:r>
-            <a:r>
-              <a:rPr lang="zh-TW" altLang="en-US" dirty="0" smtClean="0"/>
-              <a:t>：使用一個已經訓練好的自動語音識別（</a:t>
-            </a:r>
-            <a:r>
-              <a:rPr lang="en-US" altLang="zh-TW" dirty="0" smtClean="0"/>
-              <a:t>ASR</a:t>
-            </a:r>
-            <a:r>
-              <a:rPr lang="zh-TW" altLang="en-US" dirty="0" smtClean="0"/>
-              <a:t>）模型，對大規模的未標註數據集進行自動轉錄。</a:t>
-            </a:r>
-          </a:p>
-          <a:p>
-            <a:r>
-              <a:rPr lang="zh-TW" altLang="en-US" b="1" dirty="0" smtClean="0"/>
-              <a:t>數據集（</a:t>
-            </a:r>
-            <a:r>
-              <a:rPr lang="en-US" altLang="zh-TW" b="1" dirty="0" smtClean="0"/>
-              <a:t>VoxCeleb2 </a:t>
-            </a:r>
-            <a:r>
-              <a:rPr lang="zh-TW" altLang="en-US" b="1" dirty="0" smtClean="0"/>
-              <a:t>和 </a:t>
-            </a:r>
-            <a:r>
-              <a:rPr lang="en-US" altLang="zh-TW" b="1" dirty="0" err="1" smtClean="0"/>
-              <a:t>AVSpeech</a:t>
-            </a:r>
-            <a:r>
-              <a:rPr lang="zh-TW" altLang="en-US" b="1" dirty="0" smtClean="0"/>
-              <a:t>）</a:t>
-            </a:r>
-            <a:r>
-              <a:rPr lang="zh-TW" altLang="en-US" dirty="0" smtClean="0"/>
-              <a:t>：在這個階段，使用了</a:t>
-            </a:r>
-            <a:r>
-              <a:rPr lang="en-US" altLang="zh-TW" dirty="0" smtClean="0"/>
-              <a:t>VoxCeleb2</a:t>
-            </a:r>
-            <a:r>
-              <a:rPr lang="zh-TW" altLang="en-US" dirty="0" smtClean="0"/>
-              <a:t>和</a:t>
-            </a:r>
-            <a:r>
-              <a:rPr lang="en-US" altLang="zh-TW" dirty="0" err="1" smtClean="0"/>
-              <a:t>AVSpeech</a:t>
-            </a:r>
-            <a:r>
-              <a:rPr lang="zh-TW" altLang="en-US" dirty="0" smtClean="0"/>
-              <a:t>這兩個主要的數據集，預訓練的</a:t>
-            </a:r>
-            <a:r>
-              <a:rPr lang="en-US" altLang="zh-TW" dirty="0" smtClean="0"/>
-              <a:t>ASR</a:t>
-            </a:r>
-            <a:r>
-              <a:rPr lang="zh-TW" altLang="en-US" dirty="0" smtClean="0"/>
-              <a:t>模型會對這些數據集生成相應的文本轉錄（即“</a:t>
-            </a:r>
-            <a:r>
-              <a:rPr lang="en-US" altLang="zh-TW" dirty="0" smtClean="0"/>
-              <a:t>VoxCeleb2 Transcripts”</a:t>
-            </a:r>
-            <a:r>
-              <a:rPr lang="zh-TW" altLang="en-US" dirty="0" smtClean="0"/>
-              <a:t>和“</a:t>
-            </a:r>
-            <a:r>
-              <a:rPr lang="en-US" altLang="zh-TW" dirty="0" err="1" smtClean="0"/>
-              <a:t>AVSpeech</a:t>
-            </a:r>
-            <a:r>
-              <a:rPr lang="en-US" altLang="zh-TW" dirty="0" smtClean="0"/>
-              <a:t> Transcripts”</a:t>
-            </a:r>
-            <a:r>
-              <a:rPr lang="zh-TW" altLang="en-US" dirty="0" smtClean="0"/>
-              <a:t>）。</a:t>
-            </a:r>
-          </a:p>
-          <a:p>
-            <a:r>
-              <a:rPr lang="zh-TW" altLang="en-US" b="1" dirty="0" smtClean="0"/>
-              <a:t>與</a:t>
-            </a:r>
-            <a:r>
-              <a:rPr lang="en-US" altLang="zh-TW" b="1" dirty="0" smtClean="0"/>
-              <a:t>LRS2</a:t>
-            </a:r>
-            <a:r>
-              <a:rPr lang="zh-TW" altLang="en-US" b="1" dirty="0" smtClean="0"/>
-              <a:t>和</a:t>
-            </a:r>
-            <a:r>
-              <a:rPr lang="en-US" altLang="zh-TW" b="1" dirty="0" smtClean="0"/>
-              <a:t>LRS3</a:t>
-            </a:r>
-            <a:r>
-              <a:rPr lang="zh-TW" altLang="en-US" b="1" dirty="0" smtClean="0"/>
-              <a:t>的結合</a:t>
-            </a:r>
-            <a:r>
-              <a:rPr lang="zh-TW" altLang="en-US" dirty="0" smtClean="0"/>
-              <a:t>：生成的轉錄結果會與其他已標註的數據集（如</a:t>
-            </a:r>
-            <a:r>
-              <a:rPr lang="en-US" altLang="zh-TW" dirty="0" smtClean="0"/>
-              <a:t>LRS2</a:t>
-            </a:r>
-            <a:r>
-              <a:rPr lang="zh-TW" altLang="en-US" dirty="0" smtClean="0"/>
-              <a:t>和</a:t>
-            </a:r>
-            <a:r>
-              <a:rPr lang="en-US" altLang="zh-TW" dirty="0" smtClean="0"/>
-              <a:t>LRS3</a:t>
-            </a:r>
-            <a:r>
-              <a:rPr lang="zh-TW" altLang="en-US" dirty="0" smtClean="0"/>
-              <a:t>）進行結合，從而形成一個更大規模的帶標註數據集，用於後續訓練。</a:t>
-            </a:r>
-          </a:p>
-          <a:p>
             <a:endParaRPr lang="zh-TW" altLang="en-US" dirty="0" smtClean="0"/>
           </a:p>
         </p:txBody>
@@ -5521,7 +5357,7 @@
           <a:p>
             <a:fld id="{0271A9D2-AE2C-4043-85B9-1775BF3BD848}" type="slidenum">
               <a:rPr lang="zh-TW" altLang="en-US" smtClean="0"/>
-              <a:t>6</a:t>
+              <a:t>8</a:t>
             </a:fld>
             <a:endParaRPr lang="zh-TW" altLang="en-US"/>
           </a:p>
@@ -5621,7 +5457,7 @@
           <a:p>
             <a:fld id="{0271A9D2-AE2C-4043-85B9-1775BF3BD848}" type="slidenum">
               <a:rPr lang="zh-TW" altLang="en-US" smtClean="0"/>
-              <a:t>10</a:t>
+              <a:t>12</a:t>
             </a:fld>
             <a:endParaRPr lang="zh-TW" altLang="en-US"/>
           </a:p>
@@ -5705,7 +5541,7 @@
           <a:p>
             <a:fld id="{0271A9D2-AE2C-4043-85B9-1775BF3BD848}" type="slidenum">
               <a:rPr lang="zh-TW" altLang="en-US" smtClean="0"/>
-              <a:t>11</a:t>
+              <a:t>13</a:t>
             </a:fld>
             <a:endParaRPr lang="zh-TW" altLang="en-US"/>
           </a:p>
@@ -9045,7 +8881,13 @@
       </p:grpSpPr>
       <p:sp>
         <p:nvSpPr>
-          <p:cNvPr id="2" name="Title 1"/>
+          <p:cNvPr id="2" name="標題 1">
+            <a:extLst>
+              <a:ext uri="{FF2B5EF4-FFF2-40B4-BE49-F238E27FC236}">
+                <a16:creationId xmlns:a16="http://schemas.microsoft.com/office/drawing/2014/main" id="{68018A7D-61FD-9AB3-1576-2929753135B5}"/>
+              </a:ext>
+            </a:extLst>
+          </p:cNvPr>
           <p:cNvSpPr>
             <a:spLocks noGrp="1"/>
           </p:cNvSpPr>
@@ -9059,18 +8901,41 @@
           <a:lstStyle/>
           <a:p>
             <a:r>
-              <a:rPr lang="af-ZA" dirty="0">
+              <a:rPr lang="zh-TW">
+                <a:ea typeface="新細明體"/>
                 <a:cs typeface="Calibri"/>
               </a:rPr>
-              <a:t>RESULT</a:t>
-            </a:r>
-            <a:endParaRPr dirty="0"/>
+              <a:t>Dataset(</a:t>
+            </a:r>
+            <a:r>
+              <a:rPr lang="zh-TW" altLang="en-US">
+                <a:ea typeface="新細明體"/>
+                <a:cs typeface="Calibri"/>
+              </a:rPr>
+              <a:t>未</a:t>
+            </a:r>
+            <a:r>
+              <a:rPr lang="zh-TW">
+                <a:ea typeface="新細明體"/>
+                <a:cs typeface="Calibri"/>
+              </a:rPr>
+              <a:t>標註過)</a:t>
+            </a:r>
+            <a:endParaRPr lang="zh-TW">
+              <a:ea typeface="新細明體"/>
+            </a:endParaRPr>
           </a:p>
         </p:txBody>
       </p:sp>
       <p:sp>
         <p:nvSpPr>
-          <p:cNvPr id="3" name="Content Placeholder 2"/>
+          <p:cNvPr id="3" name="內容版面配置區 2">
+            <a:extLst>
+              <a:ext uri="{FF2B5EF4-FFF2-40B4-BE49-F238E27FC236}">
+                <a16:creationId xmlns:a16="http://schemas.microsoft.com/office/drawing/2014/main" id="{BBF755A1-6825-FDF6-344B-401201A3258C}"/>
+              </a:ext>
+            </a:extLst>
+          </p:cNvPr>
           <p:cNvSpPr>
             <a:spLocks noGrp="1"/>
           </p:cNvSpPr>
@@ -9081,51 +8946,261 @@
         <p:spPr/>
         <p:txBody>
           <a:bodyPr vert="horz" lIns="91440" tIns="45720" rIns="91440" bIns="45720" rtlCol="0" anchor="t">
-            <a:normAutofit/>
+            <a:normAutofit fontScale="70000" lnSpcReduction="20000"/>
           </a:bodyPr>
           <a:lstStyle/>
           <a:p>
-            <a:r>
-              <a:rPr lang="en-US" altLang="zh-TW" sz="1800" dirty="0" smtClean="0">
-                <a:ea typeface="新細明體"/>
+            <a:pPr>
+              <a:buNone/>
+            </a:pPr>
+            <a:r>
+              <a:rPr lang="en-US" altLang="zh-TW" b="1" dirty="0">
+                <a:ea typeface="+mn-lt"/>
+                <a:cs typeface="+mn-lt"/>
               </a:rPr>
-              <a:t>A</a:t>
-            </a:r>
-            <a:r>
-              <a:rPr lang="zh-TW" altLang="en-US" sz="1800" dirty="0" smtClean="0">
-                <a:ea typeface="新細明體"/>
+              <a:t>VoxCeleb2</a:t>
+            </a:r>
+            <a:endParaRPr lang="zh-TW" altLang="en-US" dirty="0"/>
+          </a:p>
+          <a:p>
+            <a:r>
+              <a:rPr lang="zh-TW" altLang="en-US" b="1">
+                <a:ea typeface="+mn-lt"/>
+                <a:cs typeface="+mn-lt"/>
               </a:rPr>
-              <a:t>表示只用聲音判定，</a:t>
-            </a:r>
-            <a:r>
-              <a:rPr lang="en-US" altLang="zh-TW" sz="1800" dirty="0" smtClean="0">
-                <a:ea typeface="新細明體"/>
+              <a:t>概述</a:t>
+            </a:r>
+            <a:r>
+              <a:rPr lang="zh-TW" altLang="en-US">
+                <a:ea typeface="+mn-lt"/>
+                <a:cs typeface="+mn-lt"/>
               </a:rPr>
-              <a:t>AV</a:t>
-            </a:r>
-            <a:r>
-              <a:rPr lang="zh-TW" altLang="en-US" sz="1800" dirty="0" smtClean="0">
-                <a:ea typeface="新細明體"/>
+              <a:t>：</a:t>
+            </a:r>
+            <a:r>
+              <a:rPr lang="en-US" altLang="zh-TW" dirty="0">
+                <a:ea typeface="+mn-lt"/>
+                <a:cs typeface="+mn-lt"/>
               </a:rPr>
-              <a:t>則是聲音加唇語，在高訊號低雜訊時兩者</a:t>
-            </a:r>
-            <a:r>
-              <a:rPr lang="en-US" altLang="zh-TW" sz="1800" dirty="0" smtClean="0">
-                <a:ea typeface="新細明體"/>
+              <a:t>VoxCeleb2</a:t>
+            </a:r>
+            <a:r>
+              <a:rPr lang="zh-TW" altLang="en-US">
+                <a:ea typeface="+mn-lt"/>
+                <a:cs typeface="+mn-lt"/>
               </a:rPr>
-              <a:t>WER</a:t>
-            </a:r>
-            <a:r>
-              <a:rPr lang="zh-TW" altLang="en-US" sz="1800" dirty="0" smtClean="0">
-                <a:ea typeface="新細明體"/>
+              <a:t> 是一個包含世界各地名人說話影片的視聽數據集，來源於 </a:t>
+            </a:r>
+            <a:r>
+              <a:rPr lang="en-US" altLang="zh-TW" dirty="0">
+                <a:ea typeface="+mn-lt"/>
+                <a:cs typeface="+mn-lt"/>
               </a:rPr>
-              <a:t>差異不大，但隨著雜訊越高只用聲音錯誤率更高，而加入唇語能降低錯誤率</a:t>
-            </a:r>
-            <a:r>
-              <a:rPr sz="1800" dirty="0" smtClean="0"/>
-              <a:t>。</a:t>
-            </a:r>
-            <a:endParaRPr lang="zh-TW" altLang="en-US" sz="1800" dirty="0">
+              <a:t>YouTube</a:t>
+            </a:r>
+            <a:r>
+              <a:rPr lang="zh-TW" altLang="en-US">
+                <a:ea typeface="+mn-lt"/>
+                <a:cs typeface="+mn-lt"/>
+              </a:rPr>
+              <a:t> 等平台。</a:t>
+            </a:r>
+            <a:endParaRPr lang="zh-TW" altLang="en-US"/>
+          </a:p>
+          <a:p>
+            <a:r>
+              <a:rPr lang="zh-TW" altLang="en-US" b="1">
+                <a:ea typeface="+mn-lt"/>
+                <a:cs typeface="+mn-lt"/>
+              </a:rPr>
+              <a:t>數據規模</a:t>
+            </a:r>
+            <a:r>
+              <a:rPr lang="zh-TW" altLang="en-US">
+                <a:ea typeface="+mn-lt"/>
+                <a:cs typeface="+mn-lt"/>
+              </a:rPr>
+              <a:t>：超過 </a:t>
+            </a:r>
+            <a:r>
+              <a:rPr lang="en-US" altLang="zh-TW" dirty="0">
+                <a:ea typeface="+mn-lt"/>
+                <a:cs typeface="+mn-lt"/>
+              </a:rPr>
+              <a:t>1,000</a:t>
+            </a:r>
+            <a:r>
+              <a:rPr lang="zh-TW" altLang="en-US">
+                <a:ea typeface="+mn-lt"/>
+                <a:cs typeface="+mn-lt"/>
+              </a:rPr>
+              <a:t> 位名人，</a:t>
+            </a:r>
+            <a:r>
+              <a:rPr lang="en-US" altLang="zh-TW" dirty="0">
+                <a:ea typeface="+mn-lt"/>
+                <a:cs typeface="+mn-lt"/>
+              </a:rPr>
+              <a:t>611,000</a:t>
+            </a:r>
+            <a:r>
+              <a:rPr lang="zh-TW" altLang="en-US">
+                <a:ea typeface="+mn-lt"/>
+                <a:cs typeface="+mn-lt"/>
+              </a:rPr>
+              <a:t> 個片段，總時長超過 </a:t>
+            </a:r>
+            <a:r>
+              <a:rPr lang="en-US" altLang="zh-TW" dirty="0">
+                <a:ea typeface="+mn-lt"/>
+                <a:cs typeface="+mn-lt"/>
+              </a:rPr>
+              <a:t>2,000</a:t>
+            </a:r>
+            <a:r>
+              <a:rPr lang="zh-TW" altLang="en-US">
+                <a:ea typeface="+mn-lt"/>
+                <a:cs typeface="+mn-lt"/>
+              </a:rPr>
+              <a:t> 小時。</a:t>
+            </a:r>
+            <a:endParaRPr lang="zh-TW" altLang="en-US"/>
+          </a:p>
+          <a:p>
+            <a:r>
+              <a:rPr lang="zh-TW" altLang="en-US" b="1">
+                <a:ea typeface="+mn-lt"/>
+                <a:cs typeface="+mn-lt"/>
+              </a:rPr>
+              <a:t>應用</a:t>
+            </a:r>
+            <a:r>
+              <a:rPr lang="zh-TW" altLang="en-US">
+                <a:ea typeface="+mn-lt"/>
+                <a:cs typeface="+mn-lt"/>
+              </a:rPr>
+              <a:t>：用於視聽語音識別、說話人識別等多模態任務，數據多樣性提升了模型的挑戰性。</a:t>
+            </a:r>
+            <a:endParaRPr lang="zh-TW" altLang="en-US"/>
+          </a:p>
+          <a:p>
+            <a:pPr indent="0">
+              <a:buNone/>
+            </a:pPr>
+            <a:r>
+              <a:rPr lang="en-US" altLang="zh-TW" b="1" dirty="0" err="1">
+                <a:ea typeface="+mn-lt"/>
+                <a:cs typeface="+mn-lt"/>
+              </a:rPr>
+              <a:t>AVSpeech</a:t>
+            </a:r>
+            <a:endParaRPr lang="zh-TW" altLang="en-US" dirty="0" err="1"/>
+          </a:p>
+          <a:p>
+            <a:r>
+              <a:rPr lang="zh-TW" altLang="en-US" b="1">
+                <a:ea typeface="+mn-lt"/>
+                <a:cs typeface="+mn-lt"/>
+              </a:rPr>
+              <a:t>概述</a:t>
+            </a:r>
+            <a:r>
+              <a:rPr lang="zh-TW" altLang="en-US">
+                <a:ea typeface="+mn-lt"/>
+                <a:cs typeface="+mn-lt"/>
+              </a:rPr>
+              <a:t>：</a:t>
+            </a:r>
+            <a:r>
+              <a:rPr lang="en-US" altLang="zh-TW" dirty="0" err="1">
+                <a:ea typeface="+mn-lt"/>
+                <a:cs typeface="+mn-lt"/>
+              </a:rPr>
+              <a:t>AVSpeech</a:t>
+            </a:r>
+            <a:r>
+              <a:rPr lang="zh-TW" altLang="en-US">
+                <a:ea typeface="+mn-lt"/>
+                <a:cs typeface="+mn-lt"/>
+              </a:rPr>
+              <a:t> 是專為視聽語音識別設計的數據集，包含不同場景中的公開視頻。</a:t>
+            </a:r>
+            <a:endParaRPr lang="zh-TW" altLang="en-US"/>
+          </a:p>
+          <a:p>
+            <a:r>
+              <a:rPr lang="zh-TW" altLang="en-US" b="1">
+                <a:ea typeface="+mn-lt"/>
+                <a:cs typeface="+mn-lt"/>
+              </a:rPr>
+              <a:t>數據規模</a:t>
+            </a:r>
+            <a:r>
+              <a:rPr lang="zh-TW" altLang="en-US">
+                <a:ea typeface="+mn-lt"/>
+                <a:cs typeface="+mn-lt"/>
+              </a:rPr>
+              <a:t>：約 </a:t>
+            </a:r>
+            <a:r>
+              <a:rPr lang="en-US" altLang="zh-TW" dirty="0">
+                <a:ea typeface="+mn-lt"/>
+                <a:cs typeface="+mn-lt"/>
+              </a:rPr>
+              <a:t>4,700</a:t>
+            </a:r>
+            <a:r>
+              <a:rPr lang="zh-TW" altLang="en-US">
+                <a:ea typeface="+mn-lt"/>
+                <a:cs typeface="+mn-lt"/>
+              </a:rPr>
+              <a:t> 小時的視頻，超過 </a:t>
+            </a:r>
+            <a:r>
+              <a:rPr lang="en-US" altLang="zh-TW" dirty="0">
+                <a:ea typeface="+mn-lt"/>
+                <a:cs typeface="+mn-lt"/>
+              </a:rPr>
+              <a:t>150,000</a:t>
+            </a:r>
+            <a:r>
+              <a:rPr lang="zh-TW" altLang="en-US">
+                <a:ea typeface="+mn-lt"/>
+                <a:cs typeface="+mn-lt"/>
+              </a:rPr>
+              <a:t> 個短片，清晰展示說話人的口型和語音。</a:t>
+            </a:r>
+            <a:endParaRPr lang="zh-TW" altLang="en-US"/>
+          </a:p>
+          <a:p>
+            <a:r>
+              <a:rPr lang="zh-TW" altLang="en-US" b="1">
+                <a:ea typeface="+mn-lt"/>
+                <a:cs typeface="+mn-lt"/>
+              </a:rPr>
+              <a:t>應用</a:t>
+            </a:r>
+            <a:r>
+              <a:rPr lang="zh-TW" altLang="en-US">
+                <a:ea typeface="+mn-lt"/>
+                <a:cs typeface="+mn-lt"/>
+              </a:rPr>
+              <a:t>：主要用於視聽語音識別和口型識別研究，為視聽模型訓練提供重要資源。</a:t>
+            </a:r>
+            <a:endParaRPr lang="zh-TW" altLang="en-US"/>
+          </a:p>
+          <a:p>
+            <a:pPr marL="0" indent="0">
+              <a:buNone/>
+            </a:pPr>
+            <a:endParaRPr lang="zh-TW" b="1" dirty="0">
+              <a:ea typeface="新細明體"/>
+              <a:cs typeface="Calibri"/>
+            </a:endParaRPr>
+          </a:p>
+          <a:p>
+            <a:endParaRPr lang="zh-TW" altLang="en-US" dirty="0">
+              <a:ea typeface="新細明體"/>
               <a:cs typeface="Calibri"/>
             </a:endParaRPr>
           </a:p>
@@ -9136,7 +9211,7 @@
           <p:cNvPr id="4" name="投影片編號版面配置區 3">
             <a:extLst>
               <a:ext uri="{FF2B5EF4-FFF2-40B4-BE49-F238E27FC236}">
-                <a16:creationId xmlns:a16="http://schemas.microsoft.com/office/drawing/2014/main" id="{A87F1B5D-F8E2-ED3D-2E72-EB23BAB0F167}"/>
+                <a16:creationId xmlns:a16="http://schemas.microsoft.com/office/drawing/2014/main" id="{8ABCB6A0-39D8-A343-3BE7-E46212C88215}"/>
               </a:ext>
             </a:extLst>
           </p:cNvPr>
@@ -9160,33 +9235,10 @@
           </a:p>
         </p:txBody>
       </p:sp>
-      <p:pic>
-        <p:nvPicPr>
-          <p:cNvPr id="6" name="圖片 5"/>
-          <p:cNvPicPr>
-            <a:picLocks noChangeAspect="1"/>
-          </p:cNvPicPr>
-          <p:nvPr/>
-        </p:nvPicPr>
-        <p:blipFill rotWithShape="1">
-          <a:blip r:embed="rId3"/>
-          <a:srcRect l="57213" t="36958" r="18688" b="44098"/>
-          <a:stretch/>
-        </p:blipFill>
-        <p:spPr>
-          <a:xfrm>
-            <a:off x="1056806" y="2788170"/>
-            <a:ext cx="7030388" cy="3108675"/>
-          </a:xfrm>
-          <a:prstGeom prst="rect">
-            <a:avLst/>
-          </a:prstGeom>
-        </p:spPr>
-      </p:pic>
     </p:spTree>
     <p:extLst>
       <p:ext uri="{BB962C8B-B14F-4D97-AF65-F5344CB8AC3E}">
-        <p14:creationId xmlns:p14="http://schemas.microsoft.com/office/powerpoint/2010/main" val="3708820475"/>
+        <p14:creationId xmlns:p14="http://schemas.microsoft.com/office/powerpoint/2010/main" val="1337622258"/>
       </p:ext>
     </p:extLst>
   </p:cSld>
@@ -9229,10 +9281,10 @@
           <a:lstStyle/>
           <a:p>
             <a:r>
-              <a:rPr lang="zh-TW" altLang="en-US" dirty="0" smtClean="0">
+              <a:rPr lang="af-ZA" dirty="0">
                 <a:cs typeface="Calibri"/>
               </a:rPr>
-              <a:t>結論</a:t>
+              <a:t>RESULT</a:t>
             </a:r>
             <a:endParaRPr dirty="0"/>
           </a:p>
@@ -9256,10 +9308,46 @@
           <a:lstStyle/>
           <a:p>
             <a:r>
-              <a:rPr lang="zh-TW" altLang="en-US" sz="1800" dirty="0" smtClean="0">
+              <a:rPr sz="1800" dirty="0" err="1"/>
+              <a:t>研究結果顯示</a:t>
+            </a:r>
+            <a:r>
+              <a:rPr sz="1800" dirty="0" smtClean="0"/>
+              <a:t>，</a:t>
+            </a:r>
+            <a:r>
+              <a:rPr lang="zh-TW" altLang="en-US" sz="1800" dirty="0" smtClean="0"/>
+              <a:t>使用聲音及脣形同步辨識，再</a:t>
+            </a:r>
+            <a:r>
+              <a:rPr sz="1800" dirty="0" err="1" smtClean="0"/>
+              <a:t>使用自動生成的轉錄數據來擴展訓練集</a:t>
+            </a:r>
+            <a:r>
+              <a:rPr sz="1800" dirty="0"/>
+              <a:t>，</a:t>
+            </a:r>
+            <a:r>
+              <a:rPr lang="zh-TW" sz="1800" dirty="0">
                 <a:ea typeface="新細明體"/>
               </a:rPr>
-              <a:t>本研究運用聲音搭配唇形的影像辨識大幅提高語音內容辨識正確率</a:t>
+              <a:t>不僅能</a:t>
+            </a:r>
+            <a:r>
+              <a:rPr lang="zh-TW" altLang="en-US" sz="1800" dirty="0">
+                <a:ea typeface="新細明體"/>
+              </a:rPr>
+              <a:t>取代手工標註，還</a:t>
+            </a:r>
+            <a:r>
+              <a:rPr lang="zh-TW" sz="1800" dirty="0">
+                <a:ea typeface="新細明體"/>
+              </a:rPr>
+              <a:t>可以顯著降低詞錯率</a:t>
+            </a:r>
+            <a:r>
+              <a:rPr sz="1800" dirty="0"/>
+              <a:t>（WER）。</a:t>
             </a:r>
             <a:endParaRPr lang="zh-TW" altLang="en-US" sz="1800" dirty="0">
               <a:cs typeface="Calibri"/>
@@ -9291,3969 +9379,6 @@
             <a:fld id="{C1FF6DA9-008F-8B48-92A6-B652298478BF}" type="slidenum">
               <a:rPr lang="en-US" smtClean="0"/>
               <a:t>11</a:t>
-            </a:fld>
-            <a:endParaRPr lang="zh-TW" altLang="en-US"/>
-          </a:p>
-        </p:txBody>
-      </p:sp>
-    </p:spTree>
-    <p:extLst>
-      <p:ext uri="{BB962C8B-B14F-4D97-AF65-F5344CB8AC3E}">
-        <p14:creationId xmlns:p14="http://schemas.microsoft.com/office/powerpoint/2010/main" val="67855328"/>
-      </p:ext>
-    </p:extLst>
-  </p:cSld>
-  <p:clrMapOvr>
-    <a:masterClrMapping/>
-  </p:clrMapOvr>
-</p:sld>
-</file>
-
-<file path=ppt/slides/slide12.xml><?xml version="1.0" encoding="utf-8"?>
-<p:sld xmlns:a="http://schemas.openxmlformats.org/drawingml/2006/main" xmlns:r="http://schemas.openxmlformats.org/officeDocument/2006/relationships" xmlns:p="http://schemas.openxmlformats.org/presentationml/2006/main">
-  <p:cSld>
-    <p:spTree>
-      <p:nvGrpSpPr>
-        <p:cNvPr id="1" name=""/>
-        <p:cNvGrpSpPr/>
-        <p:nvPr/>
-      </p:nvGrpSpPr>
-      <p:grpSpPr>
-        <a:xfrm>
-          <a:off x="0" y="0"/>
-          <a:ext cx="0" cy="0"/>
-          <a:chOff x="0" y="0"/>
-          <a:chExt cx="0" cy="0"/>
-        </a:xfrm>
-      </p:grpSpPr>
-      <p:sp>
-        <p:nvSpPr>
-          <p:cNvPr id="2" name="標題 1">
-            <a:extLst>
-              <a:ext uri="{FF2B5EF4-FFF2-40B4-BE49-F238E27FC236}">
-                <a16:creationId xmlns:a16="http://schemas.microsoft.com/office/drawing/2014/main" id="{1C5145E7-1DA2-290D-70FE-4A0455EAF62B}"/>
-              </a:ext>
-            </a:extLst>
-          </p:cNvPr>
-          <p:cNvSpPr>
-            <a:spLocks noGrp="1"/>
-          </p:cNvSpPr>
-          <p:nvPr>
-            <p:ph type="title"/>
-          </p:nvPr>
-        </p:nvSpPr>
-        <p:spPr/>
-        <p:txBody>
-          <a:bodyPr/>
-          <a:lstStyle/>
-          <a:p>
-            <a:endParaRPr lang="zh-TW" altLang="en-US"/>
-          </a:p>
-        </p:txBody>
-      </p:sp>
-      <p:sp>
-        <p:nvSpPr>
-          <p:cNvPr id="3" name="內容版面配置區 2">
-            <a:extLst>
-              <a:ext uri="{FF2B5EF4-FFF2-40B4-BE49-F238E27FC236}">
-                <a16:creationId xmlns:a16="http://schemas.microsoft.com/office/drawing/2014/main" id="{1EAC5477-4418-042D-1EB0-1AD8F3229D2C}"/>
-              </a:ext>
-            </a:extLst>
-          </p:cNvPr>
-          <p:cNvSpPr>
-            <a:spLocks noGrp="1"/>
-          </p:cNvSpPr>
-          <p:nvPr>
-            <p:ph idx="1"/>
-          </p:nvPr>
-        </p:nvSpPr>
-        <p:spPr/>
-        <p:txBody>
-          <a:bodyPr vert="horz" lIns="91440" tIns="45720" rIns="91440" bIns="45720" rtlCol="0" anchor="t">
-            <a:normAutofit/>
-          </a:bodyPr>
-          <a:lstStyle/>
-          <a:p>
-            <a:pPr marL="0" indent="0">
-              <a:buNone/>
-            </a:pPr>
-            <a:r>
-              <a:rPr lang="zh-TW" altLang="en-US" sz="5400">
-                <a:latin typeface="Times New Roman"/>
-                <a:ea typeface="新細明體"/>
-                <a:cs typeface="Times New Roman"/>
-              </a:rPr>
-              <a:t>      </a:t>
-            </a:r>
-            <a:r>
-              <a:rPr lang="zh-TW" sz="5400">
-                <a:latin typeface="Times New Roman"/>
-                <a:ea typeface="新細明體"/>
-                <a:cs typeface="Times New Roman"/>
-              </a:rPr>
-              <a:t>Thanks for listening</a:t>
-            </a:r>
-            <a:endParaRPr lang="zh-TW" altLang="en-US">
-              <a:ea typeface="新細明體"/>
-              <a:cs typeface="Calibri"/>
-            </a:endParaRPr>
-          </a:p>
-        </p:txBody>
-      </p:sp>
-      <p:sp>
-        <p:nvSpPr>
-          <p:cNvPr id="4" name="投影片編號版面配置區 3">
-            <a:extLst>
-              <a:ext uri="{FF2B5EF4-FFF2-40B4-BE49-F238E27FC236}">
-                <a16:creationId xmlns:a16="http://schemas.microsoft.com/office/drawing/2014/main" id="{94451F37-177D-FCF0-F344-3488B665D2A5}"/>
-              </a:ext>
-            </a:extLst>
-          </p:cNvPr>
-          <p:cNvSpPr>
-            <a:spLocks noGrp="1"/>
-          </p:cNvSpPr>
-          <p:nvPr>
-            <p:ph type="sldNum" sz="quarter" idx="12"/>
-          </p:nvPr>
-        </p:nvSpPr>
-        <p:spPr/>
-        <p:txBody>
-          <a:bodyPr/>
-          <a:lstStyle/>
-          <a:p>
-            <a:fld id="{C1FF6DA9-008F-8B48-92A6-B652298478BF}" type="slidenum">
-              <a:rPr lang="en-US" smtClean="0"/>
-              <a:t>12</a:t>
-            </a:fld>
-            <a:endParaRPr lang="zh-TW" altLang="en-US"/>
-          </a:p>
-        </p:txBody>
-      </p:sp>
-    </p:spTree>
-    <p:extLst>
-      <p:ext uri="{BB962C8B-B14F-4D97-AF65-F5344CB8AC3E}">
-        <p14:creationId xmlns:p14="http://schemas.microsoft.com/office/powerpoint/2010/main" val="550645394"/>
-      </p:ext>
-    </p:extLst>
-  </p:cSld>
-  <p:clrMapOvr>
-    <a:masterClrMapping/>
-  </p:clrMapOvr>
-</p:sld>
-</file>
-
-<file path=ppt/slides/slide2.xml><?xml version="1.0" encoding="utf-8"?>
-<p:sld xmlns:a="http://schemas.openxmlformats.org/drawingml/2006/main" xmlns:r="http://schemas.openxmlformats.org/officeDocument/2006/relationships" xmlns:p="http://schemas.openxmlformats.org/presentationml/2006/main">
-  <p:cSld>
-    <p:bg>
-      <p:bgPr>
-        <a:solidFill>
-          <a:schemeClr val="bg1"/>
-        </a:solidFill>
-        <a:effectLst/>
-      </p:bgPr>
-    </p:bg>
-    <p:spTree>
-      <p:nvGrpSpPr>
-        <p:cNvPr id="1" name=""/>
-        <p:cNvGrpSpPr/>
-        <p:nvPr/>
-      </p:nvGrpSpPr>
-      <p:grpSpPr>
-        <a:xfrm>
-          <a:off x="0" y="0"/>
-          <a:ext cx="0" cy="0"/>
-          <a:chOff x="0" y="0"/>
-          <a:chExt cx="0" cy="0"/>
-        </a:xfrm>
-      </p:grpSpPr>
-      <p:sp useBgFill="1">
-        <p:nvSpPr>
-          <p:cNvPr id="9" name="Rectangle 8">
-            <a:extLst>
-              <a:ext uri="{FF2B5EF4-FFF2-40B4-BE49-F238E27FC236}">
-                <a16:creationId xmlns:a16="http://schemas.microsoft.com/office/drawing/2014/main" id="{BACC6370-2D7E-4714-9D71-7542949D7D5D}"/>
-              </a:ext>
-              <a:ext uri="{C183D7F6-B498-43B3-948B-1728B52AA6E4}">
-                <adec:decorative xmlns="" xmlns:adec="http://schemas.microsoft.com/office/drawing/2017/decorative" val="1"/>
-              </a:ext>
-            </a:extLst>
-          </p:cNvPr>
-          <p:cNvSpPr>
-            <a:spLocks noGrp="1" noRot="1" noChangeAspect="1" noMove="1" noResize="1" noEditPoints="1" noAdjustHandles="1" noChangeArrowheads="1" noChangeShapeType="1" noTextEdit="1"/>
-          </p:cNvSpPr>
-          <p:nvPr>
-            <p:extLst>
-              <p:ext uri="{386F3935-93C4-4BCD-93E2-E3B085C9AB24}">
-                <p16:designElem xmlns:p16="http://schemas.microsoft.com/office/powerpoint/2015/main" val="1"/>
-              </p:ext>
-            </p:extLst>
-          </p:nvPr>
-        </p:nvSpPr>
-        <p:spPr>
-          <a:xfrm>
-            <a:off x="0" y="0"/>
-            <a:ext cx="9144000" cy="6858000"/>
-          </a:xfrm>
-          <a:prstGeom prst="rect">
-            <a:avLst/>
-          </a:prstGeom>
-          <a:ln w="12700" cap="flat" cmpd="sng" algn="ctr">
-            <a:noFill/>
-            <a:prstDash val="solid"/>
-            <a:miter lim="800000"/>
-          </a:ln>
-          <a:effectLst/>
-          <a:extLst>
-            <a:ext uri="{91240B29-F687-4F45-9708-019B960494DF}">
-              <a14:hiddenLine xmlns:a14="http://schemas.microsoft.com/office/drawing/2010/main" w="12700" cap="flat" cmpd="sng" algn="ctr">
-                <a:solidFill>
-                  <a:schemeClr val="accent1">
-                    <a:shade val="50000"/>
-                  </a:schemeClr>
-                </a:solidFill>
-                <a:prstDash val="solid"/>
-                <a:miter lim="800000"/>
-              </a14:hiddenLine>
-            </a:ext>
-          </a:extLst>
-        </p:spPr>
-        <p:style>
-          <a:lnRef idx="2">
-            <a:schemeClr val="accent1">
-              <a:shade val="50000"/>
-            </a:schemeClr>
-          </a:lnRef>
-          <a:fillRef idx="1">
-            <a:schemeClr val="accent1"/>
-          </a:fillRef>
-          <a:effectRef idx="0">
-            <a:schemeClr val="accent1"/>
-          </a:effectRef>
-          <a:fontRef idx="minor">
-            <a:schemeClr val="lt1"/>
-          </a:fontRef>
-        </p:style>
-        <p:txBody>
-          <a:bodyPr rtlCol="0" anchor="ctr"/>
-          <a:lstStyle/>
-          <a:p>
-            <a:pPr algn="ctr"/>
-            <a:endParaRPr lang="en-US"/>
-          </a:p>
-        </p:txBody>
-      </p:sp>
-      <p:sp>
-        <p:nvSpPr>
-          <p:cNvPr id="11" name="Rectangle 10">
-            <a:extLst>
-              <a:ext uri="{FF2B5EF4-FFF2-40B4-BE49-F238E27FC236}">
-                <a16:creationId xmlns:a16="http://schemas.microsoft.com/office/drawing/2014/main" id="{256B2C21-A230-48C0-8DF1-C46611373C44}"/>
-              </a:ext>
-              <a:ext uri="{C183D7F6-B498-43B3-948B-1728B52AA6E4}">
-                <adec:decorative xmlns="" xmlns:adec="http://schemas.microsoft.com/office/drawing/2017/decorative" val="1"/>
-              </a:ext>
-            </a:extLst>
-          </p:cNvPr>
-          <p:cNvSpPr>
-            <a:spLocks noGrp="1" noRot="1" noChangeAspect="1" noMove="1" noResize="1" noEditPoints="1" noAdjustHandles="1" noChangeArrowheads="1" noChangeShapeType="1" noTextEdit="1"/>
-          </p:cNvSpPr>
-          <p:nvPr>
-            <p:extLst>
-              <p:ext uri="{386F3935-93C4-4BCD-93E2-E3B085C9AB24}">
-                <p16:designElem xmlns:p16="http://schemas.microsoft.com/office/powerpoint/2015/main" val="1"/>
-              </p:ext>
-            </p:extLst>
-          </p:nvPr>
-        </p:nvSpPr>
-        <p:spPr>
-          <a:xfrm rot="5400000" flipH="1">
-            <a:off x="-1914813" y="1914812"/>
-            <a:ext cx="6858000" cy="3028377"/>
-          </a:xfrm>
-          <a:prstGeom prst="rect">
-            <a:avLst/>
-          </a:prstGeom>
-          <a:gradFill>
-            <a:gsLst>
-              <a:gs pos="8000">
-                <a:srgbClr val="000000"/>
-              </a:gs>
-              <a:gs pos="100000">
-                <a:schemeClr val="accent1">
-                  <a:lumMod val="75000"/>
-                </a:schemeClr>
-              </a:gs>
-            </a:gsLst>
-            <a:lin ang="3000000" scaled="0"/>
-          </a:gradFill>
-          <a:ln>
-            <a:noFill/>
-          </a:ln>
-        </p:spPr>
-        <p:style>
-          <a:lnRef idx="2">
-            <a:schemeClr val="accent1">
-              <a:shade val="50000"/>
-            </a:schemeClr>
-          </a:lnRef>
-          <a:fillRef idx="1">
-            <a:schemeClr val="accent1"/>
-          </a:fillRef>
-          <a:effectRef idx="0">
-            <a:schemeClr val="accent1"/>
-          </a:effectRef>
-          <a:fontRef idx="minor">
-            <a:schemeClr val="lt1"/>
-          </a:fontRef>
-        </p:style>
-        <p:txBody>
-          <a:bodyPr rtlCol="0" anchor="ctr"/>
-          <a:lstStyle/>
-          <a:p>
-            <a:pPr algn="ctr"/>
-            <a:endParaRPr lang="en-US"/>
-          </a:p>
-        </p:txBody>
-      </p:sp>
-      <p:sp>
-        <p:nvSpPr>
-          <p:cNvPr id="13" name="Rectangle 12">
-            <a:extLst>
-              <a:ext uri="{FF2B5EF4-FFF2-40B4-BE49-F238E27FC236}">
-                <a16:creationId xmlns:a16="http://schemas.microsoft.com/office/drawing/2014/main" id="{3847E18C-932D-4C95-AABA-FEC7C9499AD7}"/>
-              </a:ext>
-              <a:ext uri="{C183D7F6-B498-43B3-948B-1728B52AA6E4}">
-                <adec:decorative xmlns="" xmlns:adec="http://schemas.microsoft.com/office/drawing/2017/decorative" val="1"/>
-              </a:ext>
-            </a:extLst>
-          </p:cNvPr>
-          <p:cNvSpPr>
-            <a:spLocks noGrp="1" noRot="1" noChangeAspect="1" noMove="1" noResize="1" noEditPoints="1" noAdjustHandles="1" noChangeArrowheads="1" noChangeShapeType="1" noTextEdit="1"/>
-          </p:cNvSpPr>
-          <p:nvPr>
-            <p:extLst>
-              <p:ext uri="{386F3935-93C4-4BCD-93E2-E3B085C9AB24}">
-                <p16:designElem xmlns:p16="http://schemas.microsoft.com/office/powerpoint/2015/main" val="1"/>
-              </p:ext>
-            </p:extLst>
-          </p:nvPr>
-        </p:nvSpPr>
-        <p:spPr>
-          <a:xfrm rot="5400000" flipH="1">
-            <a:off x="-1914814" y="1924949"/>
-            <a:ext cx="6857999" cy="3028379"/>
-          </a:xfrm>
-          <a:prstGeom prst="rect">
-            <a:avLst/>
-          </a:prstGeom>
-          <a:gradFill>
-            <a:gsLst>
-              <a:gs pos="0">
-                <a:srgbClr val="000000">
-                  <a:alpha val="0"/>
-                </a:srgbClr>
-              </a:gs>
-              <a:gs pos="99000">
-                <a:schemeClr val="accent1">
-                  <a:alpha val="46000"/>
-                </a:schemeClr>
-              </a:gs>
-            </a:gsLst>
-            <a:lin ang="1800000" scaled="0"/>
-          </a:gradFill>
-          <a:ln>
-            <a:noFill/>
-          </a:ln>
-        </p:spPr>
-        <p:style>
-          <a:lnRef idx="2">
-            <a:schemeClr val="accent1">
-              <a:shade val="50000"/>
-            </a:schemeClr>
-          </a:lnRef>
-          <a:fillRef idx="1">
-            <a:schemeClr val="accent1"/>
-          </a:fillRef>
-          <a:effectRef idx="0">
-            <a:schemeClr val="accent1"/>
-          </a:effectRef>
-          <a:fontRef idx="minor">
-            <a:schemeClr val="lt1"/>
-          </a:fontRef>
-        </p:style>
-        <p:txBody>
-          <a:bodyPr rtlCol="0" anchor="ctr"/>
-          <a:lstStyle/>
-          <a:p>
-            <a:pPr algn="ctr"/>
-            <a:endParaRPr lang="en-US"/>
-          </a:p>
-        </p:txBody>
-      </p:sp>
-      <p:sp>
-        <p:nvSpPr>
-          <p:cNvPr id="15" name="Rectangle 14">
-            <a:extLst>
-              <a:ext uri="{FF2B5EF4-FFF2-40B4-BE49-F238E27FC236}">
-                <a16:creationId xmlns:a16="http://schemas.microsoft.com/office/drawing/2014/main" id="{3150CB11-0C61-439E-910F-5787759E72A0}"/>
-              </a:ext>
-              <a:ext uri="{C183D7F6-B498-43B3-948B-1728B52AA6E4}">
-                <adec:decorative xmlns="" xmlns:adec="http://schemas.microsoft.com/office/drawing/2017/decorative" val="1"/>
-              </a:ext>
-            </a:extLst>
-          </p:cNvPr>
-          <p:cNvSpPr>
-            <a:spLocks noGrp="1" noRot="1" noChangeAspect="1" noMove="1" noResize="1" noEditPoints="1" noAdjustHandles="1" noChangeArrowheads="1" noChangeShapeType="1" noTextEdit="1"/>
-          </p:cNvSpPr>
-          <p:nvPr>
-            <p:extLst>
-              <p:ext uri="{386F3935-93C4-4BCD-93E2-E3B085C9AB24}">
-                <p16:designElem xmlns:p16="http://schemas.microsoft.com/office/powerpoint/2015/main" val="1"/>
-              </p:ext>
-            </p:extLst>
-          </p:nvPr>
-        </p:nvSpPr>
-        <p:spPr>
-          <a:xfrm rot="5400000" flipH="1">
-            <a:off x="263195" y="4092815"/>
-            <a:ext cx="2501979" cy="3028381"/>
-          </a:xfrm>
-          <a:prstGeom prst="rect">
-            <a:avLst/>
-          </a:prstGeom>
-          <a:gradFill>
-            <a:gsLst>
-              <a:gs pos="2000">
-                <a:schemeClr val="accent1">
-                  <a:alpha val="29000"/>
-                </a:schemeClr>
-              </a:gs>
-              <a:gs pos="100000">
-                <a:srgbClr val="000000">
-                  <a:alpha val="30000"/>
-                </a:srgbClr>
-              </a:gs>
-            </a:gsLst>
-            <a:lin ang="7800000" scaled="0"/>
-          </a:gradFill>
-          <a:ln>
-            <a:noFill/>
-          </a:ln>
-        </p:spPr>
-        <p:style>
-          <a:lnRef idx="2">
-            <a:schemeClr val="accent1">
-              <a:shade val="50000"/>
-            </a:schemeClr>
-          </a:lnRef>
-          <a:fillRef idx="1">
-            <a:schemeClr val="accent1"/>
-          </a:fillRef>
-          <a:effectRef idx="0">
-            <a:schemeClr val="accent1"/>
-          </a:effectRef>
-          <a:fontRef idx="minor">
-            <a:schemeClr val="lt1"/>
-          </a:fontRef>
-        </p:style>
-        <p:txBody>
-          <a:bodyPr rtlCol="0" anchor="ctr"/>
-          <a:lstStyle/>
-          <a:p>
-            <a:pPr algn="ctr"/>
-            <a:endParaRPr lang="en-US" dirty="0"/>
-          </a:p>
-        </p:txBody>
-      </p:sp>
-      <p:sp>
-        <p:nvSpPr>
-          <p:cNvPr id="17" name="Freeform: Shape 16">
-            <a:extLst>
-              <a:ext uri="{FF2B5EF4-FFF2-40B4-BE49-F238E27FC236}">
-                <a16:creationId xmlns:a16="http://schemas.microsoft.com/office/drawing/2014/main" id="{43F8A58B-5155-44CE-A5FF-7647B47D0A7A}"/>
-              </a:ext>
-              <a:ext uri="{C183D7F6-B498-43B3-948B-1728B52AA6E4}">
-                <adec:decorative xmlns="" xmlns:adec="http://schemas.microsoft.com/office/drawing/2017/decorative" val="1"/>
-              </a:ext>
-            </a:extLst>
-          </p:cNvPr>
-          <p:cNvSpPr>
-            <a:spLocks noGrp="1" noRot="1" noChangeAspect="1" noMove="1" noResize="1" noEditPoints="1" noAdjustHandles="1" noChangeArrowheads="1" noChangeShapeType="1" noTextEdit="1"/>
-          </p:cNvSpPr>
-          <p:nvPr>
-            <p:extLst>
-              <p:ext uri="{386F3935-93C4-4BCD-93E2-E3B085C9AB24}">
-                <p16:designElem xmlns:p16="http://schemas.microsoft.com/office/powerpoint/2015/main" val="1"/>
-              </p:ext>
-            </p:extLst>
-          </p:nvPr>
-        </p:nvSpPr>
-        <p:spPr>
-          <a:xfrm rot="20635413">
-            <a:off x="-376302" y="969718"/>
-            <a:ext cx="2925267" cy="4178958"/>
-          </a:xfrm>
-          <a:custGeom>
-            <a:avLst/>
-            <a:gdLst>
-              <a:gd name="connsiteX0" fmla="*/ 2432225 w 3900357"/>
-              <a:gd name="connsiteY0" fmla="*/ 93939 h 4178958"/>
-              <a:gd name="connsiteX1" fmla="*/ 3900357 w 3900357"/>
-              <a:gd name="connsiteY1" fmla="*/ 2089479 h 4178958"/>
-              <a:gd name="connsiteX2" fmla="*/ 1810878 w 3900357"/>
-              <a:gd name="connsiteY2" fmla="*/ 4178958 h 4178958"/>
-              <a:gd name="connsiteX3" fmla="*/ 78249 w 3900357"/>
-              <a:gd name="connsiteY3" fmla="*/ 3257727 h 4178958"/>
-              <a:gd name="connsiteX4" fmla="*/ 0 w 3900357"/>
-              <a:gd name="connsiteY4" fmla="*/ 3128923 h 4178958"/>
-              <a:gd name="connsiteX5" fmla="*/ 831324 w 3900357"/>
-              <a:gd name="connsiteY5" fmla="*/ 244281 h 4178958"/>
-              <a:gd name="connsiteX6" fmla="*/ 997559 w 3900357"/>
-              <a:gd name="connsiteY6" fmla="*/ 164202 h 4178958"/>
-              <a:gd name="connsiteX7" fmla="*/ 1810878 w 3900357"/>
-              <a:gd name="connsiteY7" fmla="*/ 0 h 4178958"/>
-              <a:gd name="connsiteX8" fmla="*/ 2432225 w 3900357"/>
-              <a:gd name="connsiteY8" fmla="*/ 93939 h 4178958"/>
-            </a:gdLst>
-            <a:ahLst/>
-            <a:cxnLst>
-              <a:cxn ang="0">
-                <a:pos x="connsiteX0" y="connsiteY0"/>
-              </a:cxn>
-              <a:cxn ang="0">
-                <a:pos x="connsiteX1" y="connsiteY1"/>
-              </a:cxn>
-              <a:cxn ang="0">
-                <a:pos x="connsiteX2" y="connsiteY2"/>
-              </a:cxn>
-              <a:cxn ang="0">
-                <a:pos x="connsiteX3" y="connsiteY3"/>
-              </a:cxn>
-              <a:cxn ang="0">
-                <a:pos x="connsiteX4" y="connsiteY4"/>
-              </a:cxn>
-              <a:cxn ang="0">
-                <a:pos x="connsiteX5" y="connsiteY5"/>
-              </a:cxn>
-              <a:cxn ang="0">
-                <a:pos x="connsiteX6" y="connsiteY6"/>
-              </a:cxn>
-              <a:cxn ang="0">
-                <a:pos x="connsiteX7" y="connsiteY7"/>
-              </a:cxn>
-              <a:cxn ang="0">
-                <a:pos x="connsiteX8" y="connsiteY8"/>
-              </a:cxn>
-            </a:cxnLst>
-            <a:rect l="l" t="t" r="r" b="b"/>
-            <a:pathLst>
-              <a:path w="3900357" h="4178958">
-                <a:moveTo>
-                  <a:pt x="2432225" y="93939"/>
-                </a:moveTo>
-                <a:cubicBezTo>
-                  <a:pt x="3282786" y="358491"/>
-                  <a:pt x="3900357" y="1151865"/>
-                  <a:pt x="3900357" y="2089479"/>
-                </a:cubicBezTo>
-                <a:cubicBezTo>
-                  <a:pt x="3900357" y="3243466"/>
-                  <a:pt x="2964865" y="4178958"/>
-                  <a:pt x="1810878" y="4178958"/>
-                </a:cubicBezTo>
-                <a:cubicBezTo>
-                  <a:pt x="1089636" y="4178958"/>
-                  <a:pt x="453744" y="3813531"/>
-                  <a:pt x="78249" y="3257727"/>
-                </a:cubicBezTo>
-                <a:lnTo>
-                  <a:pt x="0" y="3128923"/>
-                </a:lnTo>
-                <a:lnTo>
-                  <a:pt x="831324" y="244281"/>
-                </a:lnTo>
-                <a:lnTo>
-                  <a:pt x="997559" y="164202"/>
-                </a:lnTo>
-                <a:cubicBezTo>
-                  <a:pt x="1247540" y="58468"/>
-                  <a:pt x="1522381" y="0"/>
-                  <a:pt x="1810878" y="0"/>
-                </a:cubicBezTo>
-                <a:cubicBezTo>
-                  <a:pt x="2027251" y="0"/>
-                  <a:pt x="2235942" y="32888"/>
-                  <a:pt x="2432225" y="93939"/>
-                </a:cubicBezTo>
-                <a:close/>
-              </a:path>
-            </a:pathLst>
-          </a:custGeom>
-          <a:gradFill>
-            <a:gsLst>
-              <a:gs pos="29000">
-                <a:srgbClr val="000000">
-                  <a:alpha val="0"/>
-                </a:srgbClr>
-              </a:gs>
-              <a:gs pos="100000">
-                <a:schemeClr val="accent1">
-                  <a:alpha val="43000"/>
-                </a:schemeClr>
-              </a:gs>
-            </a:gsLst>
-            <a:lin ang="1800000" scaled="0"/>
-          </a:gradFill>
-          <a:ln>
-            <a:noFill/>
-          </a:ln>
-        </p:spPr>
-        <p:style>
-          <a:lnRef idx="2">
-            <a:schemeClr val="accent1">
-              <a:shade val="50000"/>
-            </a:schemeClr>
-          </a:lnRef>
-          <a:fillRef idx="1">
-            <a:schemeClr val="accent1"/>
-          </a:fillRef>
-          <a:effectRef idx="0">
-            <a:schemeClr val="accent1"/>
-          </a:effectRef>
-          <a:fontRef idx="minor">
-            <a:schemeClr val="lt1"/>
-          </a:fontRef>
-        </p:style>
-        <p:txBody>
-          <a:bodyPr wrap="square" rtlCol="0" anchor="ctr">
-            <a:noAutofit/>
-          </a:bodyPr>
-          <a:lstStyle/>
-          <a:p>
-            <a:pPr algn="ctr"/>
-            <a:endParaRPr lang="en-US" dirty="0"/>
-          </a:p>
-        </p:txBody>
-      </p:sp>
-      <p:sp>
-        <p:nvSpPr>
-          <p:cNvPr id="19" name="Rectangle 18">
-            <a:extLst>
-              <a:ext uri="{FF2B5EF4-FFF2-40B4-BE49-F238E27FC236}">
-                <a16:creationId xmlns:a16="http://schemas.microsoft.com/office/drawing/2014/main" id="{443F2ACA-E6D6-4028-82DD-F03C262D5DE6}"/>
-              </a:ext>
-              <a:ext uri="{C183D7F6-B498-43B3-948B-1728B52AA6E4}">
-                <adec:decorative xmlns="" xmlns:adec="http://schemas.microsoft.com/office/drawing/2017/decorative" val="1"/>
-              </a:ext>
-            </a:extLst>
-          </p:cNvPr>
-          <p:cNvSpPr>
-            <a:spLocks noGrp="1" noRot="1" noChangeAspect="1" noMove="1" noResize="1" noEditPoints="1" noAdjustHandles="1" noChangeArrowheads="1" noChangeShapeType="1" noTextEdit="1"/>
-          </p:cNvSpPr>
-          <p:nvPr>
-            <p:extLst>
-              <p:ext uri="{386F3935-93C4-4BCD-93E2-E3B085C9AB24}">
-                <p16:designElem xmlns:p16="http://schemas.microsoft.com/office/powerpoint/2015/main" val="1"/>
-              </p:ext>
-            </p:extLst>
-          </p:nvPr>
-        </p:nvSpPr>
-        <p:spPr>
-          <a:xfrm rot="5400000" flipH="1">
-            <a:off x="-1914822" y="1914808"/>
-            <a:ext cx="6858003" cy="3028376"/>
-          </a:xfrm>
-          <a:prstGeom prst="rect">
-            <a:avLst/>
-          </a:prstGeom>
-          <a:gradFill>
-            <a:gsLst>
-              <a:gs pos="0">
-                <a:srgbClr val="000000">
-                  <a:alpha val="0"/>
-                </a:srgbClr>
-              </a:gs>
-              <a:gs pos="99000">
-                <a:schemeClr val="accent1">
-                  <a:lumMod val="60000"/>
-                  <a:lumOff val="40000"/>
-                  <a:alpha val="11000"/>
-                </a:schemeClr>
-              </a:gs>
-            </a:gsLst>
-            <a:lin ang="7200000" scaled="0"/>
-          </a:gradFill>
-          <a:ln>
-            <a:noFill/>
-          </a:ln>
-        </p:spPr>
-        <p:style>
-          <a:lnRef idx="2">
-            <a:schemeClr val="accent1">
-              <a:shade val="50000"/>
-            </a:schemeClr>
-          </a:lnRef>
-          <a:fillRef idx="1">
-            <a:schemeClr val="accent1"/>
-          </a:fillRef>
-          <a:effectRef idx="0">
-            <a:schemeClr val="accent1"/>
-          </a:effectRef>
-          <a:fontRef idx="minor">
-            <a:schemeClr val="lt1"/>
-          </a:fontRef>
-        </p:style>
-        <p:txBody>
-          <a:bodyPr rtlCol="0" anchor="ctr"/>
-          <a:lstStyle/>
-          <a:p>
-            <a:pPr algn="ctr"/>
-            <a:endParaRPr lang="en-US"/>
-          </a:p>
-        </p:txBody>
-      </p:sp>
-      <p:sp>
-        <p:nvSpPr>
-          <p:cNvPr id="2" name="標題 1"/>
-          <p:cNvSpPr>
-            <a:spLocks noGrp="1"/>
-          </p:cNvSpPr>
-          <p:nvPr>
-            <p:ph type="title"/>
-          </p:nvPr>
-        </p:nvSpPr>
-        <p:spPr>
-          <a:xfrm>
-            <a:off x="439858" y="1683756"/>
-            <a:ext cx="2336449" cy="2396359"/>
-          </a:xfrm>
-        </p:spPr>
-        <p:txBody>
-          <a:bodyPr anchor="b">
-            <a:normAutofit/>
-          </a:bodyPr>
-          <a:lstStyle/>
-          <a:p>
-            <a:pPr algn="r"/>
-            <a:r>
-              <a:rPr lang="en-US" altLang="zh-TW" sz="3500" dirty="0">
-                <a:solidFill>
-                  <a:srgbClr val="FFFFFF"/>
-                </a:solidFill>
-                <a:ea typeface="新細明體"/>
-              </a:rPr>
-              <a:t>Outline</a:t>
-            </a:r>
-            <a:endParaRPr lang="zh-TW" altLang="en-US" sz="3500" dirty="0">
-              <a:solidFill>
-                <a:srgbClr val="FFFFFF"/>
-              </a:solidFill>
-            </a:endParaRPr>
-          </a:p>
-        </p:txBody>
-      </p:sp>
-      <p:graphicFrame>
-        <p:nvGraphicFramePr>
-          <p:cNvPr id="5" name="內容版面配置區 2">
-            <a:extLst>
-              <a:ext uri="{FF2B5EF4-FFF2-40B4-BE49-F238E27FC236}">
-                <a16:creationId xmlns:a16="http://schemas.microsoft.com/office/drawing/2014/main" id="{A5EA6EAC-EF19-06E2-5BF2-99998BBBEF53}"/>
-              </a:ext>
-            </a:extLst>
-          </p:cNvPr>
-          <p:cNvGraphicFramePr>
-            <a:graphicFrameLocks noGrp="1"/>
-          </p:cNvGraphicFramePr>
-          <p:nvPr>
-            <p:ph idx="1"/>
-            <p:extLst>
-              <p:ext uri="{D42A27DB-BD31-4B8C-83A1-F6EECF244321}">
-                <p14:modId xmlns:p14="http://schemas.microsoft.com/office/powerpoint/2010/main" val="967881777"/>
-              </p:ext>
-            </p:extLst>
-          </p:nvPr>
-        </p:nvGraphicFramePr>
-        <p:xfrm>
-          <a:off x="3678789" y="750440"/>
-          <a:ext cx="5000124" cy="5453920"/>
-        </p:xfrm>
-        <a:graphic>
-          <a:graphicData uri="http://schemas.openxmlformats.org/drawingml/2006/diagram">
-            <dgm:relIds xmlns:dgm="http://schemas.openxmlformats.org/drawingml/2006/diagram" xmlns:r="http://schemas.openxmlformats.org/officeDocument/2006/relationships" r:dm="rId2" r:lo="rId3" r:qs="rId4" r:cs="rId5"/>
-          </a:graphicData>
-        </a:graphic>
-      </p:graphicFrame>
-      <p:sp>
-        <p:nvSpPr>
-          <p:cNvPr id="20" name="投影片編號版面配置區 19">
-            <a:extLst>
-              <a:ext uri="{FF2B5EF4-FFF2-40B4-BE49-F238E27FC236}">
-                <a16:creationId xmlns:a16="http://schemas.microsoft.com/office/drawing/2014/main" id="{FD62721B-81D8-D26F-C457-0AD1BCB18627}"/>
-              </a:ext>
-            </a:extLst>
-          </p:cNvPr>
-          <p:cNvSpPr>
-            <a:spLocks noGrp="1"/>
-          </p:cNvSpPr>
-          <p:nvPr>
-            <p:ph type="sldNum" sz="quarter" idx="12"/>
-          </p:nvPr>
-        </p:nvSpPr>
-        <p:spPr/>
-        <p:txBody>
-          <a:bodyPr/>
-          <a:lstStyle/>
-          <a:p>
-            <a:fld id="{C1FF6DA9-008F-8B48-92A6-B652298478BF}" type="slidenum">
-              <a:rPr lang="en-US" smtClean="0"/>
-              <a:t>2</a:t>
-            </a:fld>
-            <a:endParaRPr lang="zh-TW" altLang="en-US"/>
-          </a:p>
-        </p:txBody>
-      </p:sp>
-    </p:spTree>
-    <p:extLst>
-      <p:ext uri="{BB962C8B-B14F-4D97-AF65-F5344CB8AC3E}">
-        <p14:creationId xmlns:p14="http://schemas.microsoft.com/office/powerpoint/2010/main" val="1992663757"/>
-      </p:ext>
-    </p:extLst>
-  </p:cSld>
-  <p:clrMapOvr>
-    <a:masterClrMapping/>
-  </p:clrMapOvr>
-</p:sld>
-</file>
-
-<file path=ppt/slides/slide3.xml><?xml version="1.0" encoding="utf-8"?>
-<p:sld xmlns:a="http://schemas.openxmlformats.org/drawingml/2006/main" xmlns:r="http://schemas.openxmlformats.org/officeDocument/2006/relationships" xmlns:p="http://schemas.openxmlformats.org/presentationml/2006/main">
-  <p:cSld>
-    <p:bg>
-      <p:bgPr>
-        <a:solidFill>
-          <a:schemeClr val="bg1"/>
-        </a:solidFill>
-        <a:effectLst/>
-      </p:bgPr>
-    </p:bg>
-    <p:spTree>
-      <p:nvGrpSpPr>
-        <p:cNvPr id="1" name=""/>
-        <p:cNvGrpSpPr/>
-        <p:nvPr/>
-      </p:nvGrpSpPr>
-      <p:grpSpPr>
-        <a:xfrm>
-          <a:off x="0" y="0"/>
-          <a:ext cx="0" cy="0"/>
-          <a:chOff x="0" y="0"/>
-          <a:chExt cx="0" cy="0"/>
-        </a:xfrm>
-      </p:grpSpPr>
-      <p:sp useBgFill="1">
-        <p:nvSpPr>
-          <p:cNvPr id="8" name="Rectangle 7">
-            <a:extLst>
-              <a:ext uri="{FF2B5EF4-FFF2-40B4-BE49-F238E27FC236}">
-                <a16:creationId xmlns:a16="http://schemas.microsoft.com/office/drawing/2014/main" id="{B6CDA21F-E7AF-4C75-8395-33F58D5B0E45}"/>
-              </a:ext>
-              <a:ext uri="{C183D7F6-B498-43B3-948B-1728B52AA6E4}">
-                <adec:decorative xmlns="" xmlns:adec="http://schemas.microsoft.com/office/drawing/2017/decorative" val="1"/>
-              </a:ext>
-            </a:extLst>
-          </p:cNvPr>
-          <p:cNvSpPr>
-            <a:spLocks noGrp="1" noRot="1" noChangeAspect="1" noMove="1" noResize="1" noEditPoints="1" noAdjustHandles="1" noChangeArrowheads="1" noChangeShapeType="1" noTextEdit="1"/>
-          </p:cNvSpPr>
-          <p:nvPr>
-            <p:extLst>
-              <p:ext uri="{386F3935-93C4-4BCD-93E2-E3B085C9AB24}">
-                <p16:designElem xmlns:p16="http://schemas.microsoft.com/office/powerpoint/2015/main" val="1"/>
-              </p:ext>
-            </p:extLst>
-          </p:nvPr>
-        </p:nvSpPr>
-        <p:spPr>
-          <a:xfrm>
-            <a:off x="0" y="0"/>
-            <a:ext cx="9143999" cy="6857365"/>
-          </a:xfrm>
-          <a:prstGeom prst="rect">
-            <a:avLst/>
-          </a:prstGeom>
-          <a:ln>
-            <a:noFill/>
-          </a:ln>
-        </p:spPr>
-        <p:style>
-          <a:lnRef idx="2">
-            <a:schemeClr val="accent1">
-              <a:shade val="50000"/>
-            </a:schemeClr>
-          </a:lnRef>
-          <a:fillRef idx="1">
-            <a:schemeClr val="accent1"/>
-          </a:fillRef>
-          <a:effectRef idx="0">
-            <a:schemeClr val="accent1"/>
-          </a:effectRef>
-          <a:fontRef idx="minor">
-            <a:schemeClr val="lt1"/>
-          </a:fontRef>
-        </p:style>
-        <p:txBody>
-          <a:bodyPr rtlCol="0" anchor="ctr"/>
-          <a:lstStyle/>
-          <a:p>
-            <a:pPr algn="ctr"/>
-            <a:endParaRPr lang="en-US"/>
-          </a:p>
-        </p:txBody>
-      </p:sp>
-      <p:grpSp>
-        <p:nvGrpSpPr>
-          <p:cNvPr id="10" name="Group 9">
-            <a:extLst>
-              <a:ext uri="{FF2B5EF4-FFF2-40B4-BE49-F238E27FC236}">
-                <a16:creationId xmlns:a16="http://schemas.microsoft.com/office/drawing/2014/main" id="{AE1C45F0-260A-458C-96ED-C1F6D2151219}"/>
-              </a:ext>
-              <a:ext uri="{C183D7F6-B498-43B3-948B-1728B52AA6E4}">
-                <adec:decorative xmlns="" xmlns:adec="http://schemas.microsoft.com/office/drawing/2017/decorative" val="1"/>
-              </a:ext>
-            </a:extLst>
-          </p:cNvPr>
-          <p:cNvGrpSpPr>
-            <a:grpSpLocks noGrp="1" noUngrp="1" noRot="1" noChangeAspect="1" noMove="1" noResize="1"/>
-          </p:cNvGrpSpPr>
-          <p:nvPr>
-            <p:extLst>
-              <p:ext uri="{386F3935-93C4-4BCD-93E2-E3B085C9AB24}">
-                <p16:designElem xmlns:p16="http://schemas.microsoft.com/office/powerpoint/2015/main" val="1"/>
-              </p:ext>
-            </p:extLst>
-          </p:nvPr>
-        </p:nvGrpSpPr>
-        <p:grpSpPr>
-          <a:xfrm>
-            <a:off x="0" y="1216597"/>
-            <a:ext cx="548639" cy="673460"/>
-            <a:chOff x="3940602" y="308034"/>
-            <a:chExt cx="2116791" cy="3428999"/>
-          </a:xfrm>
-          <a:solidFill>
-            <a:schemeClr val="accent4"/>
-          </a:solidFill>
-        </p:grpSpPr>
-        <p:sp>
-          <p:nvSpPr>
-            <p:cNvPr id="11" name="Rectangle 10">
-              <a:extLst>
-                <a:ext uri="{FF2B5EF4-FFF2-40B4-BE49-F238E27FC236}">
-                  <a16:creationId xmlns:a16="http://schemas.microsoft.com/office/drawing/2014/main" id="{A6604B49-AD5C-4590-B051-06C8222ECD99}"/>
-                </a:ext>
-                <a:ext uri="{C183D7F6-B498-43B3-948B-1728B52AA6E4}">
-                  <adec:decorative xmlns="" xmlns:adec="http://schemas.microsoft.com/office/drawing/2017/decorative" val="1"/>
-                </a:ext>
-              </a:extLst>
-            </p:cNvPr>
-            <p:cNvSpPr/>
-            <p:nvPr>
-              <p:extLst>
-                <p:ext uri="{386F3935-93C4-4BCD-93E2-E3B085C9AB24}">
-                  <p16:designElem xmlns:p16="http://schemas.microsoft.com/office/powerpoint/2015/main" val="1"/>
-                </p:ext>
-              </p:extLst>
-            </p:nvPr>
-          </p:nvSpPr>
-          <p:spPr>
-            <a:xfrm>
-              <a:off x="3940602" y="308034"/>
-              <a:ext cx="566743" cy="3428999"/>
-            </a:xfrm>
-            <a:prstGeom prst="rect">
-              <a:avLst/>
-            </a:prstGeom>
-            <a:grpFill/>
-            <a:ln>
-              <a:noFill/>
-            </a:ln>
-          </p:spPr>
-          <p:style>
-            <a:lnRef idx="2">
-              <a:schemeClr val="accent1">
-                <a:shade val="50000"/>
-              </a:schemeClr>
-            </a:lnRef>
-            <a:fillRef idx="1">
-              <a:schemeClr val="accent1"/>
-            </a:fillRef>
-            <a:effectRef idx="0">
-              <a:schemeClr val="accent1"/>
-            </a:effectRef>
-            <a:fontRef idx="minor">
-              <a:schemeClr val="lt1"/>
-            </a:fontRef>
-          </p:style>
-          <p:txBody>
-            <a:bodyPr rtlCol="0" anchor="ctr"/>
-            <a:lstStyle/>
-            <a:p>
-              <a:pPr algn="ctr"/>
-              <a:endParaRPr lang="en-US"/>
-            </a:p>
-          </p:txBody>
-        </p:sp>
-        <p:sp>
-          <p:nvSpPr>
-            <p:cNvPr id="12" name="Rectangle 11">
-              <a:extLst>
-                <a:ext uri="{FF2B5EF4-FFF2-40B4-BE49-F238E27FC236}">
-                  <a16:creationId xmlns:a16="http://schemas.microsoft.com/office/drawing/2014/main" id="{743ECCAF-29C5-4537-947C-7EA1292463DB}"/>
-                </a:ext>
-                <a:ext uri="{C183D7F6-B498-43B3-948B-1728B52AA6E4}">
-                  <adec:decorative xmlns="" xmlns:adec="http://schemas.microsoft.com/office/drawing/2017/decorative" val="1"/>
-                </a:ext>
-              </a:extLst>
-            </p:cNvPr>
-            <p:cNvSpPr/>
-            <p:nvPr>
-              <p:extLst>
-                <p:ext uri="{386F3935-93C4-4BCD-93E2-E3B085C9AB24}">
-                  <p16:designElem xmlns:p16="http://schemas.microsoft.com/office/powerpoint/2015/main" val="1"/>
-                </p:ext>
-              </p:extLst>
-            </p:nvPr>
-          </p:nvSpPr>
-          <p:spPr>
-            <a:xfrm>
-              <a:off x="4715626" y="308034"/>
-              <a:ext cx="566743" cy="3428999"/>
-            </a:xfrm>
-            <a:prstGeom prst="rect">
-              <a:avLst/>
-            </a:prstGeom>
-            <a:grpFill/>
-            <a:ln>
-              <a:noFill/>
-            </a:ln>
-          </p:spPr>
-          <p:style>
-            <a:lnRef idx="2">
-              <a:schemeClr val="accent1">
-                <a:shade val="50000"/>
-              </a:schemeClr>
-            </a:lnRef>
-            <a:fillRef idx="1">
-              <a:schemeClr val="accent1"/>
-            </a:fillRef>
-            <a:effectRef idx="0">
-              <a:schemeClr val="accent1"/>
-            </a:effectRef>
-            <a:fontRef idx="minor">
-              <a:schemeClr val="lt1"/>
-            </a:fontRef>
-          </p:style>
-          <p:txBody>
-            <a:bodyPr rtlCol="0" anchor="ctr"/>
-            <a:lstStyle/>
-            <a:p>
-              <a:pPr algn="ctr"/>
-              <a:endParaRPr lang="en-US"/>
-            </a:p>
-          </p:txBody>
-        </p:sp>
-        <p:sp>
-          <p:nvSpPr>
-            <p:cNvPr id="13" name="Rectangle 12">
-              <a:extLst>
-                <a:ext uri="{FF2B5EF4-FFF2-40B4-BE49-F238E27FC236}">
-                  <a16:creationId xmlns:a16="http://schemas.microsoft.com/office/drawing/2014/main" id="{ED49787B-8DE6-4467-AD0A-8DECC6E0C2D6}"/>
-                </a:ext>
-                <a:ext uri="{C183D7F6-B498-43B3-948B-1728B52AA6E4}">
-                  <adec:decorative xmlns="" xmlns:adec="http://schemas.microsoft.com/office/drawing/2017/decorative" val="1"/>
-                </a:ext>
-              </a:extLst>
-            </p:cNvPr>
-            <p:cNvSpPr/>
-            <p:nvPr>
-              <p:extLst>
-                <p:ext uri="{386F3935-93C4-4BCD-93E2-E3B085C9AB24}">
-                  <p16:designElem xmlns:p16="http://schemas.microsoft.com/office/powerpoint/2015/main" val="1"/>
-                </p:ext>
-              </p:extLst>
-            </p:nvPr>
-          </p:nvSpPr>
-          <p:spPr>
-            <a:xfrm>
-              <a:off x="5490650" y="308034"/>
-              <a:ext cx="566743" cy="3428999"/>
-            </a:xfrm>
-            <a:prstGeom prst="rect">
-              <a:avLst/>
-            </a:prstGeom>
-            <a:grpFill/>
-            <a:ln>
-              <a:noFill/>
-            </a:ln>
-          </p:spPr>
-          <p:style>
-            <a:lnRef idx="2">
-              <a:schemeClr val="accent1">
-                <a:shade val="50000"/>
-              </a:schemeClr>
-            </a:lnRef>
-            <a:fillRef idx="1">
-              <a:schemeClr val="accent1"/>
-            </a:fillRef>
-            <a:effectRef idx="0">
-              <a:schemeClr val="accent1"/>
-            </a:effectRef>
-            <a:fontRef idx="minor">
-              <a:schemeClr val="lt1"/>
-            </a:fontRef>
-          </p:style>
-          <p:txBody>
-            <a:bodyPr rtlCol="0" anchor="ctr"/>
-            <a:lstStyle/>
-            <a:p>
-              <a:pPr algn="ctr"/>
-              <a:endParaRPr lang="en-US"/>
-            </a:p>
-          </p:txBody>
-        </p:sp>
-      </p:grpSp>
-      <p:sp>
-        <p:nvSpPr>
-          <p:cNvPr id="15" name="Rectangle 14">
-            <a:extLst>
-              <a:ext uri="{FF2B5EF4-FFF2-40B4-BE49-F238E27FC236}">
-                <a16:creationId xmlns:a16="http://schemas.microsoft.com/office/drawing/2014/main" id="{D5B0017B-2ECA-49AF-B397-DC140825DF8D}"/>
-              </a:ext>
-              <a:ext uri="{C183D7F6-B498-43B3-948B-1728B52AA6E4}">
-                <adec:decorative xmlns="" xmlns:adec="http://schemas.microsoft.com/office/drawing/2017/decorative" val="1"/>
-              </a:ext>
-            </a:extLst>
-          </p:cNvPr>
-          <p:cNvSpPr>
-            <a:spLocks noGrp="1" noRot="1" noChangeAspect="1" noMove="1" noResize="1" noEditPoints="1" noAdjustHandles="1" noChangeArrowheads="1" noChangeShapeType="1" noTextEdit="1"/>
-          </p:cNvSpPr>
-          <p:nvPr>
-            <p:extLst>
-              <p:ext uri="{386F3935-93C4-4BCD-93E2-E3B085C9AB24}">
-                <p16:designElem xmlns:p16="http://schemas.microsoft.com/office/powerpoint/2015/main" val="1"/>
-              </p:ext>
-            </p:extLst>
-          </p:nvPr>
-        </p:nvSpPr>
-        <p:spPr>
-          <a:xfrm>
-            <a:off x="480059" y="613954"/>
-            <a:ext cx="8180615" cy="1894116"/>
-          </a:xfrm>
-          <a:prstGeom prst="rect">
-            <a:avLst/>
-          </a:prstGeom>
-          <a:solidFill>
-            <a:schemeClr val="bg1"/>
-          </a:solidFill>
-          <a:ln>
-            <a:noFill/>
-          </a:ln>
-          <a:effectLst>
-            <a:outerShdw blurRad="139700" dist="127000" dir="5400000" algn="t" rotWithShape="0">
-              <a:prstClr val="black">
-                <a:alpha val="15000"/>
-              </a:prstClr>
-            </a:outerShdw>
-          </a:effectLst>
-        </p:spPr>
-        <p:style>
-          <a:lnRef idx="2">
-            <a:schemeClr val="accent1">
-              <a:shade val="50000"/>
-            </a:schemeClr>
-          </a:lnRef>
-          <a:fillRef idx="1">
-            <a:schemeClr val="accent1"/>
-          </a:fillRef>
-          <a:effectRef idx="0">
-            <a:schemeClr val="accent1"/>
-          </a:effectRef>
-          <a:fontRef idx="minor">
-            <a:schemeClr val="lt1"/>
-          </a:fontRef>
-        </p:style>
-        <p:txBody>
-          <a:bodyPr rtlCol="0" anchor="ctr"/>
-          <a:lstStyle/>
-          <a:p>
-            <a:pPr algn="ctr"/>
-            <a:endParaRPr lang="en-US"/>
-          </a:p>
-        </p:txBody>
-      </p:sp>
-      <p:sp>
-        <p:nvSpPr>
-          <p:cNvPr id="2" name="Title 1"/>
-          <p:cNvSpPr>
-            <a:spLocks noGrp="1"/>
-          </p:cNvSpPr>
-          <p:nvPr>
-            <p:ph type="title"/>
-          </p:nvPr>
-        </p:nvSpPr>
-        <p:spPr>
-          <a:xfrm>
-            <a:off x="782723" y="809898"/>
-            <a:ext cx="7457037" cy="1554480"/>
-          </a:xfrm>
-        </p:spPr>
-        <p:txBody>
-          <a:bodyPr anchor="ctr">
-            <a:normAutofit/>
-          </a:bodyPr>
-          <a:lstStyle/>
-          <a:p>
-            <a:pPr>
-              <a:buFont typeface="Arial" panose="020B0604020202020204" pitchFamily="34" charset="0"/>
-              <a:buChar char="•"/>
-            </a:pPr>
-            <a:r>
-              <a:rPr lang="en-US" altLang="zh-TW" sz="4200"/>
-              <a:t>Abstract</a:t>
-            </a:r>
-          </a:p>
-        </p:txBody>
-      </p:sp>
-      <p:sp>
-        <p:nvSpPr>
-          <p:cNvPr id="3" name="Content Placeholder 2"/>
-          <p:cNvSpPr>
-            <a:spLocks noGrp="1"/>
-          </p:cNvSpPr>
-          <p:nvPr>
-            <p:ph idx="1"/>
-          </p:nvPr>
-        </p:nvSpPr>
-        <p:spPr>
-          <a:xfrm>
-            <a:off x="783771" y="3017522"/>
-            <a:ext cx="7731579" cy="3124658"/>
-          </a:xfrm>
-        </p:spPr>
-        <p:txBody>
-          <a:bodyPr anchor="ctr">
-            <a:normAutofit/>
-          </a:bodyPr>
-          <a:lstStyle/>
-          <a:p>
-            <a:pPr marL="0" indent="0">
-              <a:buNone/>
-            </a:pPr>
-            <a:r>
-              <a:rPr lang="en-US" altLang="zh-TW" sz="2100" dirty="0" smtClean="0">
-                <a:ea typeface="+mn-lt"/>
-                <a:cs typeface="+mn-lt"/>
-              </a:rPr>
-              <a:t>	</a:t>
-            </a:r>
-            <a:r>
-              <a:rPr lang="zh-TW" altLang="en-US" sz="2100" dirty="0">
-                <a:ea typeface="+mn-lt"/>
-                <a:cs typeface="+mn-lt"/>
-              </a:rPr>
-              <a:t>對於判斷新冠病毒（</a:t>
-            </a:r>
-            <a:r>
-              <a:rPr lang="en-US" altLang="zh-TW" sz="2100" dirty="0">
-                <a:ea typeface="+mn-lt"/>
-                <a:cs typeface="+mn-lt"/>
-              </a:rPr>
-              <a:t>COVID-19</a:t>
-            </a:r>
-            <a:r>
-              <a:rPr lang="zh-TW" altLang="en-US" sz="2100" dirty="0">
-                <a:ea typeface="+mn-lt"/>
-                <a:cs typeface="+mn-lt"/>
-              </a:rPr>
-              <a:t>）的方法中，常見診斷方法是反轉錄聚合酶鏈反應（</a:t>
-            </a:r>
-            <a:r>
-              <a:rPr lang="en-US" altLang="zh-TW" sz="2100" dirty="0">
-                <a:ea typeface="+mn-lt"/>
-                <a:cs typeface="+mn-lt"/>
-              </a:rPr>
-              <a:t>RT-PCR</a:t>
-            </a:r>
-            <a:r>
-              <a:rPr lang="zh-TW" altLang="en-US" sz="2100" dirty="0">
-                <a:ea typeface="+mn-lt"/>
-                <a:cs typeface="+mn-lt"/>
-              </a:rPr>
-              <a:t>）測試，但存在高成本、耗時</a:t>
-            </a:r>
-            <a:r>
-              <a:rPr lang="af-ZA" sz="2100" dirty="0">
-                <a:ea typeface="+mn-lt"/>
-                <a:cs typeface="+mn-lt"/>
-              </a:rPr>
-              <a:t>。</a:t>
-            </a:r>
-          </a:p>
-          <a:p>
-            <a:pPr marL="0" indent="0">
-              <a:buNone/>
-            </a:pPr>
-            <a:r>
-              <a:rPr lang="af-ZA" sz="2100" dirty="0">
-                <a:ea typeface="+mn-lt"/>
-                <a:cs typeface="+mn-lt"/>
-              </a:rPr>
-              <a:t>	</a:t>
-            </a:r>
-            <a:r>
-              <a:rPr lang="zh-TW" altLang="en-US" sz="2100" dirty="0">
-                <a:ea typeface="+mn-lt"/>
-                <a:cs typeface="+mn-lt"/>
-              </a:rPr>
-              <a:t>本研究利用人工智能通過咳嗽聲音來分類陰陽性</a:t>
-            </a:r>
-            <a:r>
-              <a:rPr lang="zh-TW" altLang="en-US" sz="2100" dirty="0" smtClean="0">
-                <a:ea typeface="+mn-lt"/>
-                <a:cs typeface="+mn-lt"/>
-              </a:rPr>
-              <a:t>，主要運用非</a:t>
-            </a:r>
-            <a:r>
-              <a:rPr lang="zh-TW" altLang="en-US" sz="2100" dirty="0">
-                <a:ea typeface="+mn-lt"/>
-                <a:cs typeface="+mn-lt"/>
-              </a:rPr>
-              <a:t>負矩陣分解（</a:t>
-            </a:r>
-            <a:r>
-              <a:rPr lang="en-US" altLang="zh-TW" sz="2100" dirty="0">
-                <a:ea typeface="+mn-lt"/>
-                <a:cs typeface="+mn-lt"/>
-              </a:rPr>
-              <a:t>NMF</a:t>
-            </a:r>
-            <a:r>
-              <a:rPr lang="zh-TW" altLang="en-US" sz="2100" dirty="0">
-                <a:ea typeface="+mn-lt"/>
-                <a:cs typeface="+mn-lt"/>
-              </a:rPr>
-              <a:t>）</a:t>
-            </a:r>
-            <a:r>
-              <a:rPr lang="en-US" altLang="zh-TW" sz="2100" dirty="0">
-                <a:ea typeface="+mn-lt"/>
-                <a:cs typeface="+mn-lt"/>
-              </a:rPr>
-              <a:t>-</a:t>
-            </a:r>
-            <a:r>
-              <a:rPr lang="zh-TW" altLang="en-US" sz="2100" dirty="0">
-                <a:ea typeface="+mn-lt"/>
-                <a:cs typeface="+mn-lt"/>
-              </a:rPr>
-              <a:t>頻譜特徵</a:t>
-            </a:r>
-            <a:r>
-              <a:rPr lang="zh-TW" altLang="en-US" sz="2100" dirty="0" smtClean="0">
-                <a:ea typeface="+mn-lt"/>
-                <a:cs typeface="+mn-lt"/>
-              </a:rPr>
-              <a:t>，再以支持</a:t>
-            </a:r>
-            <a:r>
-              <a:rPr lang="zh-TW" altLang="en-US" sz="2100" dirty="0">
-                <a:ea typeface="+mn-lt"/>
-                <a:cs typeface="+mn-lt"/>
-              </a:rPr>
-              <a:t>向量機（</a:t>
-            </a:r>
-            <a:r>
-              <a:rPr lang="en-US" altLang="zh-TW" sz="2100" dirty="0">
-                <a:ea typeface="+mn-lt"/>
-                <a:cs typeface="+mn-lt"/>
-              </a:rPr>
-              <a:t>SVM</a:t>
-            </a:r>
-            <a:r>
-              <a:rPr lang="zh-TW" altLang="en-US" sz="2100" smtClean="0">
-                <a:ea typeface="+mn-lt"/>
-                <a:cs typeface="+mn-lt"/>
-              </a:rPr>
-              <a:t>）做分類，能夠</a:t>
-            </a:r>
-            <a:r>
-              <a:rPr lang="zh-TW" altLang="en-US" sz="2100" dirty="0">
-                <a:ea typeface="+mn-lt"/>
-                <a:cs typeface="+mn-lt"/>
-              </a:rPr>
-              <a:t>達到最佳結果，靈敏度為</a:t>
-            </a:r>
-            <a:r>
-              <a:rPr lang="en-US" altLang="zh-TW" sz="2100" dirty="0">
-                <a:ea typeface="+mn-lt"/>
-                <a:cs typeface="+mn-lt"/>
-              </a:rPr>
-              <a:t>90.9%</a:t>
-            </a:r>
-            <a:r>
-              <a:rPr lang="zh-TW" altLang="en-US" sz="2100" dirty="0">
-                <a:ea typeface="+mn-lt"/>
-                <a:cs typeface="+mn-lt"/>
-              </a:rPr>
-              <a:t>、特異性為</a:t>
-            </a:r>
-            <a:r>
-              <a:rPr lang="en-US" altLang="zh-TW" sz="2100" dirty="0">
-                <a:ea typeface="+mn-lt"/>
-                <a:cs typeface="+mn-lt"/>
-              </a:rPr>
-              <a:t>55.6%</a:t>
-            </a:r>
-            <a:r>
-              <a:rPr lang="zh-TW" altLang="en-US" sz="2100" dirty="0">
-                <a:ea typeface="+mn-lt"/>
-                <a:cs typeface="+mn-lt"/>
-              </a:rPr>
-              <a:t>、整體</a:t>
-            </a:r>
-            <a:r>
-              <a:rPr lang="en-US" altLang="zh-TW" sz="2100" dirty="0">
-                <a:ea typeface="+mn-lt"/>
-                <a:cs typeface="+mn-lt"/>
-              </a:rPr>
-              <a:t>AUC-ROC</a:t>
-            </a:r>
-            <a:r>
-              <a:rPr lang="zh-TW" altLang="en-US" sz="2100" dirty="0">
-                <a:ea typeface="+mn-lt"/>
-                <a:cs typeface="+mn-lt"/>
-              </a:rPr>
-              <a:t>為</a:t>
-            </a:r>
-            <a:r>
-              <a:rPr lang="en-US" altLang="zh-TW" sz="2100" dirty="0">
-                <a:ea typeface="+mn-lt"/>
-                <a:cs typeface="+mn-lt"/>
-              </a:rPr>
-              <a:t>73.3%</a:t>
-            </a:r>
-            <a:r>
-              <a:rPr lang="zh-TW" altLang="en-US" sz="2100" dirty="0">
-                <a:ea typeface="+mn-lt"/>
-                <a:cs typeface="+mn-lt"/>
-              </a:rPr>
-              <a:t>。</a:t>
-            </a:r>
-            <a:endParaRPr lang="af-ZA" sz="2100" dirty="0">
-              <a:ea typeface="+mn-lt"/>
-              <a:cs typeface="+mn-lt"/>
-            </a:endParaRPr>
-          </a:p>
-          <a:p>
-            <a:pPr marL="0" indent="0">
-              <a:buNone/>
-            </a:pPr>
-            <a:endParaRPr lang="af-ZA" altLang="zh-TW" sz="2100" dirty="0">
-              <a:cs typeface="Calibri"/>
-            </a:endParaRPr>
-          </a:p>
-        </p:txBody>
-      </p:sp>
-      <p:cxnSp>
-        <p:nvCxnSpPr>
-          <p:cNvPr id="17" name="Straight Connector 16">
-            <a:extLst>
-              <a:ext uri="{FF2B5EF4-FFF2-40B4-BE49-F238E27FC236}">
-                <a16:creationId xmlns:a16="http://schemas.microsoft.com/office/drawing/2014/main" id="{6CF1BAF6-AD41-4082-B212-8A1F9A2E8779}"/>
-              </a:ext>
-              <a:ext uri="{C183D7F6-B498-43B3-948B-1728B52AA6E4}">
-                <adec:decorative xmlns="" xmlns:adec="http://schemas.microsoft.com/office/drawing/2017/decorative" val="1"/>
-              </a:ext>
-            </a:extLst>
-          </p:cNvPr>
-          <p:cNvCxnSpPr>
-            <a:cxnSpLocks noGrp="1" noRot="1" noChangeAspect="1" noMove="1" noResize="1" noEditPoints="1" noAdjustHandles="1" noChangeArrowheads="1" noChangeShapeType="1"/>
-          </p:cNvCxnSpPr>
-          <p:nvPr>
-            <p:extLst>
-              <p:ext uri="{386F3935-93C4-4BCD-93E2-E3B085C9AB24}">
-                <p16:designElem xmlns:p16="http://schemas.microsoft.com/office/powerpoint/2015/main" val="1"/>
-              </p:ext>
-            </p:extLst>
-          </p:nvPr>
-        </p:nvCxnSpPr>
-        <p:spPr>
-          <a:xfrm flipH="1">
-            <a:off x="628650" y="6485313"/>
-            <a:ext cx="7886700" cy="0"/>
-          </a:xfrm>
-          <a:prstGeom prst="line">
-            <a:avLst/>
-          </a:prstGeom>
-          <a:ln w="57150">
-            <a:solidFill>
-              <a:schemeClr val="accent4"/>
-            </a:solidFill>
-          </a:ln>
-        </p:spPr>
-        <p:style>
-          <a:lnRef idx="1">
-            <a:schemeClr val="accent1"/>
-          </a:lnRef>
-          <a:fillRef idx="0">
-            <a:schemeClr val="accent1"/>
-          </a:fillRef>
-          <a:effectRef idx="0">
-            <a:schemeClr val="accent1"/>
-          </a:effectRef>
-          <a:fontRef idx="minor">
-            <a:schemeClr val="tx1"/>
-          </a:fontRef>
-        </p:style>
-      </p:cxnSp>
-      <p:sp>
-        <p:nvSpPr>
-          <p:cNvPr id="4" name="投影片編號版面配置區 3">
-            <a:extLst>
-              <a:ext uri="{FF2B5EF4-FFF2-40B4-BE49-F238E27FC236}">
-                <a16:creationId xmlns:a16="http://schemas.microsoft.com/office/drawing/2014/main" id="{4B4E3367-D796-23F0-D97B-100A8EDD0E9C}"/>
-              </a:ext>
-            </a:extLst>
-          </p:cNvPr>
-          <p:cNvSpPr>
-            <a:spLocks noGrp="1"/>
-          </p:cNvSpPr>
-          <p:nvPr>
-            <p:ph type="sldNum" sz="quarter" idx="12"/>
-          </p:nvPr>
-        </p:nvSpPr>
-        <p:spPr/>
-        <p:txBody>
-          <a:bodyPr/>
-          <a:lstStyle/>
-          <a:p>
-            <a:fld id="{C1FF6DA9-008F-8B48-92A6-B652298478BF}" type="slidenum">
-              <a:rPr lang="en-US" smtClean="0"/>
-              <a:t>3</a:t>
-            </a:fld>
-            <a:endParaRPr lang="zh-TW" altLang="en-US"/>
-          </a:p>
-        </p:txBody>
-      </p:sp>
-    </p:spTree>
-  </p:cSld>
-  <p:clrMapOvr>
-    <a:masterClrMapping/>
-  </p:clrMapOvr>
-</p:sld>
-</file>
-
-<file path=ppt/slides/slide4.xml><?xml version="1.0" encoding="utf-8"?>
-<p:sld xmlns:a="http://schemas.openxmlformats.org/drawingml/2006/main" xmlns:r="http://schemas.openxmlformats.org/officeDocument/2006/relationships" xmlns:p="http://schemas.openxmlformats.org/presentationml/2006/main">
-  <p:cSld>
-    <p:bg>
-      <p:bgPr>
-        <a:solidFill>
-          <a:schemeClr val="bg1"/>
-        </a:solidFill>
-        <a:effectLst/>
-      </p:bgPr>
-    </p:bg>
-    <p:spTree>
-      <p:nvGrpSpPr>
-        <p:cNvPr id="1" name=""/>
-        <p:cNvGrpSpPr/>
-        <p:nvPr/>
-      </p:nvGrpSpPr>
-      <p:grpSpPr>
-        <a:xfrm>
-          <a:off x="0" y="0"/>
-          <a:ext cx="0" cy="0"/>
-          <a:chOff x="0" y="0"/>
-          <a:chExt cx="0" cy="0"/>
-        </a:xfrm>
-      </p:grpSpPr>
-      <p:sp useBgFill="1">
-        <p:nvSpPr>
-          <p:cNvPr id="22" name="Rectangle 7">
-            <a:extLst>
-              <a:ext uri="{FF2B5EF4-FFF2-40B4-BE49-F238E27FC236}">
-                <a16:creationId xmlns:a16="http://schemas.microsoft.com/office/drawing/2014/main" id="{3AD318CC-E2A8-4E27-9548-A047A78999B1}"/>
-              </a:ext>
-              <a:ext uri="{C183D7F6-B498-43B3-948B-1728B52AA6E4}">
-                <adec:decorative xmlns="" xmlns:adec="http://schemas.microsoft.com/office/drawing/2017/decorative" val="1"/>
-              </a:ext>
-            </a:extLst>
-          </p:cNvPr>
-          <p:cNvSpPr>
-            <a:spLocks noGrp="1" noRot="1" noChangeAspect="1" noMove="1" noResize="1" noEditPoints="1" noAdjustHandles="1" noChangeArrowheads="1" noChangeShapeType="1" noTextEdit="1"/>
-          </p:cNvSpPr>
-          <p:nvPr>
-            <p:extLst>
-              <p:ext uri="{386F3935-93C4-4BCD-93E2-E3B085C9AB24}">
-                <p16:designElem xmlns:p16="http://schemas.microsoft.com/office/powerpoint/2015/main" val="1"/>
-              </p:ext>
-            </p:extLst>
-          </p:nvPr>
-        </p:nvSpPr>
-        <p:spPr>
-          <a:xfrm>
-            <a:off x="0" y="0"/>
-            <a:ext cx="9143999" cy="6857365"/>
-          </a:xfrm>
-          <a:prstGeom prst="rect">
-            <a:avLst/>
-          </a:prstGeom>
-          <a:ln>
-            <a:noFill/>
-          </a:ln>
-        </p:spPr>
-        <p:style>
-          <a:lnRef idx="2">
-            <a:schemeClr val="accent1">
-              <a:shade val="50000"/>
-            </a:schemeClr>
-          </a:lnRef>
-          <a:fillRef idx="1">
-            <a:schemeClr val="accent1"/>
-          </a:fillRef>
-          <a:effectRef idx="0">
-            <a:schemeClr val="accent1"/>
-          </a:effectRef>
-          <a:fontRef idx="minor">
-            <a:schemeClr val="lt1"/>
-          </a:fontRef>
-        </p:style>
-        <p:txBody>
-          <a:bodyPr rtlCol="0" anchor="ctr"/>
-          <a:lstStyle/>
-          <a:p>
-            <a:pPr algn="ctr"/>
-            <a:endParaRPr lang="en-US"/>
-          </a:p>
-        </p:txBody>
-      </p:sp>
-      <p:sp>
-        <p:nvSpPr>
-          <p:cNvPr id="2" name="Title 1"/>
-          <p:cNvSpPr>
-            <a:spLocks noGrp="1"/>
-          </p:cNvSpPr>
-          <p:nvPr>
-            <p:ph type="title"/>
-          </p:nvPr>
-        </p:nvSpPr>
-        <p:spPr>
-          <a:xfrm>
-            <a:off x="483798" y="1463040"/>
-            <a:ext cx="2847230" cy="2690949"/>
-          </a:xfrm>
-        </p:spPr>
-        <p:txBody>
-          <a:bodyPr anchor="t">
-            <a:normAutofit/>
-          </a:bodyPr>
-          <a:lstStyle/>
-          <a:p>
-            <a:pPr>
-              <a:buFont typeface="Arial" panose="020B0604020202020204" pitchFamily="34" charset="0"/>
-              <a:buChar char="•"/>
-            </a:pPr>
-            <a:r>
-              <a:rPr lang="en-US" altLang="zh-TW" sz="3600"/>
-              <a:t>Introduction</a:t>
-            </a:r>
-          </a:p>
-        </p:txBody>
-      </p:sp>
-      <p:grpSp>
-        <p:nvGrpSpPr>
-          <p:cNvPr id="23" name="Group 9">
-            <a:extLst>
-              <a:ext uri="{FF2B5EF4-FFF2-40B4-BE49-F238E27FC236}">
-                <a16:creationId xmlns:a16="http://schemas.microsoft.com/office/drawing/2014/main" id="{B14B560F-9DD7-4302-A60B-EBD3EF59B073}"/>
-              </a:ext>
-              <a:ext uri="{C183D7F6-B498-43B3-948B-1728B52AA6E4}">
-                <adec:decorative xmlns="" xmlns:adec="http://schemas.microsoft.com/office/drawing/2017/decorative" val="1"/>
-              </a:ext>
-            </a:extLst>
-          </p:cNvPr>
-          <p:cNvGrpSpPr>
-            <a:grpSpLocks noGrp="1" noUngrp="1" noRot="1" noChangeAspect="1" noMove="1" noResize="1"/>
-          </p:cNvGrpSpPr>
-          <p:nvPr>
-            <p:extLst>
-              <p:ext uri="{386F3935-93C4-4BCD-93E2-E3B085C9AB24}">
-                <p16:designElem xmlns:p16="http://schemas.microsoft.com/office/powerpoint/2015/main" val="1"/>
-              </p:ext>
-            </p:extLst>
-          </p:nvPr>
-        </p:nvGrpSpPr>
-        <p:grpSpPr>
-          <a:xfrm>
-            <a:off x="157250" y="4415246"/>
-            <a:ext cx="8986749" cy="2087795"/>
-            <a:chOff x="143163" y="5763486"/>
-            <a:chExt cx="11982332" cy="739555"/>
-          </a:xfrm>
-        </p:grpSpPr>
-        <p:sp>
-          <p:nvSpPr>
-            <p:cNvPr id="11" name="Rectangle 10">
-              <a:extLst>
-                <a:ext uri="{FF2B5EF4-FFF2-40B4-BE49-F238E27FC236}">
-                  <a16:creationId xmlns:a16="http://schemas.microsoft.com/office/drawing/2014/main" id="{3A9A4357-BD1D-4622-A4FE-766E6AB8DE84}"/>
-                </a:ext>
-                <a:ext uri="{C183D7F6-B498-43B3-948B-1728B52AA6E4}">
-                  <adec:decorative xmlns="" xmlns:adec="http://schemas.microsoft.com/office/drawing/2017/decorative" val="1"/>
-                </a:ext>
-              </a:extLst>
-            </p:cNvPr>
-            <p:cNvSpPr/>
-            <p:nvPr>
-              <p:extLst>
-                <p:ext uri="{386F3935-93C4-4BCD-93E2-E3B085C9AB24}">
-                  <p16:designElem xmlns:p16="http://schemas.microsoft.com/office/powerpoint/2015/main" val="1"/>
-                </p:ext>
-              </p:extLst>
-            </p:nvPr>
-          </p:nvSpPr>
-          <p:spPr>
-            <a:xfrm flipH="1" flipV="1">
-              <a:off x="357444" y="5763486"/>
-              <a:ext cx="11768051" cy="739555"/>
-            </a:xfrm>
-            <a:prstGeom prst="rect">
-              <a:avLst/>
-            </a:prstGeom>
-            <a:solidFill>
-              <a:schemeClr val="accent4"/>
-            </a:solidFill>
-            <a:ln>
-              <a:noFill/>
-            </a:ln>
-          </p:spPr>
-          <p:style>
-            <a:lnRef idx="2">
-              <a:schemeClr val="accent1">
-                <a:shade val="50000"/>
-              </a:schemeClr>
-            </a:lnRef>
-            <a:fillRef idx="1">
-              <a:schemeClr val="accent1"/>
-            </a:fillRef>
-            <a:effectRef idx="0">
-              <a:schemeClr val="accent1"/>
-            </a:effectRef>
-            <a:fontRef idx="minor">
-              <a:schemeClr val="lt1"/>
-            </a:fontRef>
-          </p:style>
-          <p:txBody>
-            <a:bodyPr rtlCol="0" anchor="ctr"/>
-            <a:lstStyle/>
-            <a:p>
-              <a:pPr algn="ctr"/>
-              <a:endParaRPr lang="en-US"/>
-            </a:p>
-          </p:txBody>
-        </p:sp>
-        <p:cxnSp>
-          <p:nvCxnSpPr>
-            <p:cNvPr id="24" name="Straight Connector 11">
-              <a:extLst>
-                <a:ext uri="{FF2B5EF4-FFF2-40B4-BE49-F238E27FC236}">
-                  <a16:creationId xmlns:a16="http://schemas.microsoft.com/office/drawing/2014/main" id="{C21D6966-343E-49AC-A026-D2497E0C3CA1}"/>
-                </a:ext>
-                <a:ext uri="{C183D7F6-B498-43B3-948B-1728B52AA6E4}">
-                  <adec:decorative xmlns="" xmlns:adec="http://schemas.microsoft.com/office/drawing/2017/decorative" val="1"/>
-                </a:ext>
-              </a:extLst>
-            </p:cNvPr>
-            <p:cNvCxnSpPr>
-              <a:cxnSpLocks/>
-            </p:cNvCxnSpPr>
-            <p:nvPr>
-              <p:extLst>
-                <p:ext uri="{386F3935-93C4-4BCD-93E2-E3B085C9AB24}">
-                  <p16:designElem xmlns:p16="http://schemas.microsoft.com/office/powerpoint/2015/main" val="1"/>
-                </p:ext>
-              </p:extLst>
-            </p:nvPr>
-          </p:nvCxnSpPr>
-          <p:spPr>
-            <a:xfrm flipH="1">
-              <a:off x="143163" y="5763486"/>
-              <a:ext cx="1" cy="739555"/>
-            </a:xfrm>
-            <a:prstGeom prst="line">
-              <a:avLst/>
-            </a:prstGeom>
-            <a:ln w="177800">
-              <a:solidFill>
-                <a:schemeClr val="accent4"/>
-              </a:solidFill>
-            </a:ln>
-          </p:spPr>
-          <p:style>
-            <a:lnRef idx="1">
-              <a:schemeClr val="accent1"/>
-            </a:lnRef>
-            <a:fillRef idx="0">
-              <a:schemeClr val="accent1"/>
-            </a:fillRef>
-            <a:effectRef idx="0">
-              <a:schemeClr val="accent1"/>
-            </a:effectRef>
-            <a:fontRef idx="minor">
-              <a:schemeClr val="tx1"/>
-            </a:fontRef>
-          </p:style>
-        </p:cxnSp>
-      </p:grpSp>
-      <p:sp>
-        <p:nvSpPr>
-          <p:cNvPr id="25" name="Rectangle 13">
-            <a:extLst>
-              <a:ext uri="{FF2B5EF4-FFF2-40B4-BE49-F238E27FC236}">
-                <a16:creationId xmlns:a16="http://schemas.microsoft.com/office/drawing/2014/main" id="{2C1BBA94-3F40-40AA-8BB9-E69E25E537C1}"/>
-              </a:ext>
-              <a:ext uri="{C183D7F6-B498-43B3-948B-1728B52AA6E4}">
-                <adec:decorative xmlns="" xmlns:adec="http://schemas.microsoft.com/office/drawing/2017/decorative" val="1"/>
-              </a:ext>
-            </a:extLst>
-          </p:cNvPr>
-          <p:cNvSpPr>
-            <a:spLocks noGrp="1" noRot="1" noChangeAspect="1" noMove="1" noResize="1" noEditPoints="1" noAdjustHandles="1" noChangeArrowheads="1" noChangeShapeType="1" noTextEdit="1"/>
-          </p:cNvSpPr>
-          <p:nvPr>
-            <p:extLst>
-              <p:ext uri="{386F3935-93C4-4BCD-93E2-E3B085C9AB24}">
-                <p16:designElem xmlns:p16="http://schemas.microsoft.com/office/powerpoint/2015/main" val="1"/>
-              </p:ext>
-            </p:extLst>
-          </p:nvPr>
-        </p:nvSpPr>
-        <p:spPr>
-          <a:xfrm>
-            <a:off x="3850279" y="587829"/>
-            <a:ext cx="4878975" cy="5682342"/>
-          </a:xfrm>
-          <a:prstGeom prst="rect">
-            <a:avLst/>
-          </a:prstGeom>
-          <a:solidFill>
-            <a:schemeClr val="bg1"/>
-          </a:solidFill>
-          <a:ln>
-            <a:noFill/>
-          </a:ln>
-          <a:effectLst>
-            <a:outerShdw blurRad="139700" dist="127000" dir="5400000" algn="t" rotWithShape="0">
-              <a:prstClr val="black">
-                <a:alpha val="15000"/>
-              </a:prstClr>
-            </a:outerShdw>
-          </a:effectLst>
-        </p:spPr>
-        <p:style>
-          <a:lnRef idx="2">
-            <a:schemeClr val="accent1">
-              <a:shade val="50000"/>
-            </a:schemeClr>
-          </a:lnRef>
-          <a:fillRef idx="1">
-            <a:schemeClr val="accent1"/>
-          </a:fillRef>
-          <a:effectRef idx="0">
-            <a:schemeClr val="accent1"/>
-          </a:effectRef>
-          <a:fontRef idx="minor">
-            <a:schemeClr val="lt1"/>
-          </a:fontRef>
-        </p:style>
-        <p:txBody>
-          <a:bodyPr rtlCol="0" anchor="ctr"/>
-          <a:lstStyle/>
-          <a:p>
-            <a:pPr algn="ctr"/>
-            <a:endParaRPr lang="en-US"/>
-          </a:p>
-        </p:txBody>
-      </p:sp>
-      <p:sp>
-        <p:nvSpPr>
-          <p:cNvPr id="3" name="Content Placeholder 2"/>
-          <p:cNvSpPr>
-            <a:spLocks noGrp="1"/>
-          </p:cNvSpPr>
-          <p:nvPr>
-            <p:ph idx="1"/>
-          </p:nvPr>
-        </p:nvSpPr>
-        <p:spPr>
-          <a:xfrm>
-            <a:off x="4242163" y="1463039"/>
-            <a:ext cx="4156790" cy="4300447"/>
-          </a:xfrm>
-        </p:spPr>
-        <p:txBody>
-          <a:bodyPr vert="horz" lIns="91440" tIns="45720" rIns="91440" bIns="45720" rtlCol="0" anchor="t">
-            <a:normAutofit/>
-          </a:bodyPr>
-          <a:lstStyle/>
-          <a:p>
-            <a:pPr marL="0" indent="0">
-              <a:buNone/>
-            </a:pPr>
-            <a:r>
-              <a:rPr lang="en-US" altLang="zh-TW" sz="1900" dirty="0" smtClean="0">
-                <a:ea typeface="+mn-lt"/>
-                <a:cs typeface="+mn-lt"/>
-              </a:rPr>
-              <a:t>1.</a:t>
-            </a:r>
-            <a:r>
-              <a:rPr lang="zh-TW" altLang="en-US" sz="1900" dirty="0" smtClean="0">
-                <a:ea typeface="+mn-lt"/>
-                <a:cs typeface="+mn-lt"/>
-              </a:rPr>
-              <a:t>聲音被大量利用</a:t>
-            </a:r>
-            <a:r>
-              <a:rPr lang="zh-TW" altLang="en-US" sz="1900" dirty="0">
-                <a:ea typeface="+mn-lt"/>
-                <a:cs typeface="+mn-lt"/>
-              </a:rPr>
-              <a:t>來</a:t>
-            </a:r>
-            <a:r>
-              <a:rPr lang="zh-TW" altLang="en-US" sz="1900" dirty="0" smtClean="0">
-                <a:ea typeface="+mn-lt"/>
-                <a:cs typeface="+mn-lt"/>
-              </a:rPr>
-              <a:t>做醫療診斷</a:t>
-            </a:r>
-            <a:endParaRPr lang="en-US" altLang="zh-TW" sz="1900" dirty="0" smtClean="0">
-              <a:ea typeface="+mn-lt"/>
-              <a:cs typeface="+mn-lt"/>
-            </a:endParaRPr>
-          </a:p>
-          <a:p>
-            <a:pPr marL="0" indent="0">
-              <a:buNone/>
-            </a:pPr>
-            <a:r>
-              <a:rPr lang="en-US" altLang="zh-TW" sz="1900" dirty="0">
-                <a:ea typeface="+mn-lt"/>
-                <a:cs typeface="+mn-lt"/>
-              </a:rPr>
-              <a:t>2.</a:t>
-            </a:r>
-            <a:r>
-              <a:rPr lang="zh-TW" altLang="en-US" sz="1900" dirty="0">
-                <a:ea typeface="+mn-lt"/>
-                <a:cs typeface="+mn-lt"/>
-              </a:rPr>
-              <a:t>本研究利用</a:t>
-            </a:r>
-            <a:r>
-              <a:rPr lang="en-US" altLang="zh-TW" sz="1900" dirty="0">
-                <a:ea typeface="+mn-lt"/>
-                <a:cs typeface="+mn-lt"/>
-              </a:rPr>
-              <a:t>MFCC</a:t>
-            </a:r>
-            <a:r>
-              <a:rPr lang="zh-TW" altLang="en-US" sz="1900" dirty="0">
-                <a:ea typeface="+mn-lt"/>
-                <a:cs typeface="+mn-lt"/>
-              </a:rPr>
-              <a:t>取得特徵</a:t>
-            </a:r>
-            <a:r>
-              <a:rPr lang="zh-TW" altLang="en-US" sz="1900" dirty="0" smtClean="0">
-                <a:ea typeface="+mn-lt"/>
-                <a:cs typeface="+mn-lt"/>
-              </a:rPr>
-              <a:t>向量，再將此向量使用機器學習或深度學習</a:t>
-            </a:r>
-            <a:r>
-              <a:rPr lang="en-US" altLang="zh-TW" sz="1900" dirty="0" smtClean="0">
-                <a:ea typeface="+mn-lt"/>
-                <a:cs typeface="+mn-lt"/>
-              </a:rPr>
-              <a:t>(CNN)</a:t>
-            </a:r>
-            <a:r>
-              <a:rPr lang="zh-TW" altLang="en-US" sz="1900" dirty="0" smtClean="0">
-                <a:ea typeface="+mn-lt"/>
-                <a:cs typeface="+mn-lt"/>
-              </a:rPr>
-              <a:t>進行分類</a:t>
-            </a:r>
-            <a:r>
-              <a:rPr lang="zh-TW" sz="1900" dirty="0" smtClean="0">
-                <a:ea typeface="+mn-lt"/>
-                <a:cs typeface="+mn-lt"/>
-              </a:rPr>
-              <a:t>。</a:t>
-            </a:r>
-            <a:endParaRPr lang="en-US" altLang="zh-TW" sz="1900" dirty="0" smtClean="0">
-              <a:ea typeface="+mn-lt"/>
-              <a:cs typeface="+mn-lt"/>
-            </a:endParaRPr>
-          </a:p>
-          <a:p>
-            <a:pPr marL="0" indent="0">
-              <a:buNone/>
-            </a:pPr>
-            <a:r>
-              <a:rPr lang="en-US" altLang="zh-TW" sz="1900" dirty="0" smtClean="0">
-                <a:ea typeface="+mn-lt"/>
-                <a:cs typeface="+mn-lt"/>
-              </a:rPr>
-              <a:t>3.</a:t>
-            </a:r>
-            <a:r>
-              <a:rPr lang="zh-TW" altLang="en-US" sz="1900" dirty="0">
-                <a:ea typeface="+mn-lt"/>
-                <a:cs typeface="+mn-lt"/>
-              </a:rPr>
-              <a:t>本</a:t>
-            </a:r>
-            <a:r>
-              <a:rPr lang="zh-TW" altLang="en-US" sz="1900" dirty="0" smtClean="0">
-                <a:ea typeface="+mn-lt"/>
-                <a:cs typeface="+mn-lt"/>
-              </a:rPr>
-              <a:t>研究利用實際的咳嗽聲音，並搭配</a:t>
-            </a:r>
-            <a:r>
-              <a:rPr lang="en-US" altLang="zh-TW" sz="1900" dirty="0" smtClean="0">
-                <a:ea typeface="+mn-lt"/>
-                <a:cs typeface="+mn-lt"/>
-              </a:rPr>
-              <a:t>PCR</a:t>
-            </a:r>
-            <a:r>
-              <a:rPr lang="zh-TW" altLang="en-US" sz="1900" dirty="0" smtClean="0">
-                <a:ea typeface="+mn-lt"/>
-                <a:cs typeface="+mn-lt"/>
-              </a:rPr>
-              <a:t>測試標註陰陽性作為正確答案。</a:t>
-            </a:r>
-            <a:endParaRPr lang="en-US" altLang="zh-TW" sz="1900" dirty="0" smtClean="0">
-              <a:ea typeface="+mn-lt"/>
-              <a:cs typeface="+mn-lt"/>
-            </a:endParaRPr>
-          </a:p>
-          <a:p>
-            <a:pPr marL="0" indent="0">
-              <a:buNone/>
-            </a:pPr>
-            <a:endParaRPr lang="en-US" altLang="zh-TW" sz="1900" dirty="0" smtClean="0">
-              <a:ea typeface="+mn-lt"/>
-              <a:cs typeface="+mn-lt"/>
-            </a:endParaRPr>
-          </a:p>
-          <a:p>
-            <a:pPr marL="0" indent="0">
-              <a:buNone/>
-            </a:pPr>
-            <a:endParaRPr lang="zh-TW" sz="1900" dirty="0">
-              <a:ea typeface="+mn-lt"/>
-              <a:cs typeface="+mn-lt"/>
-            </a:endParaRPr>
-          </a:p>
-          <a:p>
-            <a:endParaRPr lang="zh-TW" altLang="en-US" sz="1900" dirty="0">
-              <a:ea typeface="新細明體"/>
-              <a:cs typeface="Calibri"/>
-            </a:endParaRPr>
-          </a:p>
-          <a:p>
-            <a:endParaRPr lang="zh-TW" altLang="en-US" sz="1900" dirty="0">
-              <a:cs typeface="Calibri"/>
-            </a:endParaRPr>
-          </a:p>
-        </p:txBody>
-      </p:sp>
-      <p:sp>
-        <p:nvSpPr>
-          <p:cNvPr id="4" name="投影片編號版面配置區 3">
-            <a:extLst>
-              <a:ext uri="{FF2B5EF4-FFF2-40B4-BE49-F238E27FC236}">
-                <a16:creationId xmlns:a16="http://schemas.microsoft.com/office/drawing/2014/main" id="{6D0A9CE2-4264-9F38-B8F0-B8E64394EAB2}"/>
-              </a:ext>
-            </a:extLst>
-          </p:cNvPr>
-          <p:cNvSpPr>
-            <a:spLocks noGrp="1"/>
-          </p:cNvSpPr>
-          <p:nvPr>
-            <p:ph type="sldNum" sz="quarter" idx="12"/>
-          </p:nvPr>
-        </p:nvSpPr>
-        <p:spPr/>
-        <p:txBody>
-          <a:bodyPr/>
-          <a:lstStyle/>
-          <a:p>
-            <a:fld id="{C1FF6DA9-008F-8B48-92A6-B652298478BF}" type="slidenum">
-              <a:rPr lang="en-US" smtClean="0"/>
-              <a:t>4</a:t>
-            </a:fld>
-            <a:endParaRPr lang="zh-TW" altLang="en-US"/>
-          </a:p>
-        </p:txBody>
-      </p:sp>
-    </p:spTree>
-  </p:cSld>
-  <p:clrMapOvr>
-    <a:masterClrMapping/>
-  </p:clrMapOvr>
-</p:sld>
-</file>
-
-<file path=ppt/slides/slide5.xml><?xml version="1.0" encoding="utf-8"?>
-<p:sld xmlns:a="http://schemas.openxmlformats.org/drawingml/2006/main" xmlns:r="http://schemas.openxmlformats.org/officeDocument/2006/relationships" xmlns:p="http://schemas.openxmlformats.org/presentationml/2006/main">
-  <p:cSld>
-    <p:bg>
-      <p:bgPr>
-        <a:solidFill>
-          <a:schemeClr val="bg1"/>
-        </a:solidFill>
-        <a:effectLst/>
-      </p:bgPr>
-    </p:bg>
-    <p:spTree>
-      <p:nvGrpSpPr>
-        <p:cNvPr id="1" name=""/>
-        <p:cNvGrpSpPr/>
-        <p:nvPr/>
-      </p:nvGrpSpPr>
-      <p:grpSpPr>
-        <a:xfrm>
-          <a:off x="0" y="0"/>
-          <a:ext cx="0" cy="0"/>
-          <a:chOff x="0" y="0"/>
-          <a:chExt cx="0" cy="0"/>
-        </a:xfrm>
-      </p:grpSpPr>
-      <p:sp useBgFill="1">
-        <p:nvSpPr>
-          <p:cNvPr id="29" name="Rectangle 17">
-            <a:extLst>
-              <a:ext uri="{FF2B5EF4-FFF2-40B4-BE49-F238E27FC236}">
-                <a16:creationId xmlns:a16="http://schemas.microsoft.com/office/drawing/2014/main" id="{9D25F302-27C5-414F-97F8-6EA0A6C028BA}"/>
-              </a:ext>
-              <a:ext uri="{C183D7F6-B498-43B3-948B-1728B52AA6E4}">
-                <adec:decorative xmlns="" xmlns:adec="http://schemas.microsoft.com/office/drawing/2017/decorative" val="1"/>
-              </a:ext>
-            </a:extLst>
-          </p:cNvPr>
-          <p:cNvSpPr>
-            <a:spLocks noGrp="1" noRot="1" noChangeAspect="1" noMove="1" noResize="1" noEditPoints="1" noAdjustHandles="1" noChangeArrowheads="1" noChangeShapeType="1" noTextEdit="1"/>
-          </p:cNvSpPr>
-          <p:nvPr>
-            <p:extLst>
-              <p:ext uri="{386F3935-93C4-4BCD-93E2-E3B085C9AB24}">
-                <p16:designElem xmlns:p16="http://schemas.microsoft.com/office/powerpoint/2015/main" val="1"/>
-              </p:ext>
-            </p:extLst>
-          </p:nvPr>
-        </p:nvSpPr>
-        <p:spPr>
-          <a:xfrm>
-            <a:off x="0" y="0"/>
-            <a:ext cx="9144000" cy="6858000"/>
-          </a:xfrm>
-          <a:prstGeom prst="rect">
-            <a:avLst/>
-          </a:prstGeom>
-          <a:ln>
-            <a:noFill/>
-          </a:ln>
-        </p:spPr>
-        <p:style>
-          <a:lnRef idx="2">
-            <a:schemeClr val="accent1">
-              <a:shade val="50000"/>
-            </a:schemeClr>
-          </a:lnRef>
-          <a:fillRef idx="1">
-            <a:schemeClr val="accent1"/>
-          </a:fillRef>
-          <a:effectRef idx="0">
-            <a:schemeClr val="accent1"/>
-          </a:effectRef>
-          <a:fontRef idx="minor">
-            <a:schemeClr val="lt1"/>
-          </a:fontRef>
-        </p:style>
-        <p:txBody>
-          <a:bodyPr rtlCol="0" anchor="ctr"/>
-          <a:lstStyle/>
-          <a:p>
-            <a:pPr algn="ctr"/>
-            <a:endParaRPr lang="en-US"/>
-          </a:p>
-        </p:txBody>
-      </p:sp>
-      <p:sp>
-        <p:nvSpPr>
-          <p:cNvPr id="30" name="Right Triangle 19">
-            <a:extLst>
-              <a:ext uri="{FF2B5EF4-FFF2-40B4-BE49-F238E27FC236}">
-                <a16:creationId xmlns:a16="http://schemas.microsoft.com/office/drawing/2014/main" id="{830A36F8-48C2-4842-A87B-8CE8DF4E7FD2}"/>
-              </a:ext>
-              <a:ext uri="{C183D7F6-B498-43B3-948B-1728B52AA6E4}">
-                <adec:decorative xmlns="" xmlns:adec="http://schemas.microsoft.com/office/drawing/2017/decorative" val="1"/>
-              </a:ext>
-            </a:extLst>
-          </p:cNvPr>
-          <p:cNvSpPr>
-            <a:spLocks noGrp="1" noRot="1" noChangeAspect="1" noMove="1" noResize="1" noEditPoints="1" noAdjustHandles="1" noChangeArrowheads="1" noChangeShapeType="1" noTextEdit="1"/>
-          </p:cNvSpPr>
-          <p:nvPr>
-            <p:extLst>
-              <p:ext uri="{386F3935-93C4-4BCD-93E2-E3B085C9AB24}">
-                <p16:designElem xmlns:p16="http://schemas.microsoft.com/office/powerpoint/2015/main" val="1"/>
-              </p:ext>
-            </p:extLst>
-          </p:nvPr>
-        </p:nvSpPr>
-        <p:spPr>
-          <a:xfrm flipH="1">
-            <a:off x="6432540" y="3335867"/>
-            <a:ext cx="2468880" cy="3200400"/>
-          </a:xfrm>
-          <a:prstGeom prst="rtTriangle">
-            <a:avLst/>
-          </a:prstGeom>
-          <a:solidFill>
-            <a:schemeClr val="accent4"/>
-          </a:solidFill>
-          <a:ln>
-            <a:noFill/>
-          </a:ln>
-        </p:spPr>
-        <p:style>
-          <a:lnRef idx="2">
-            <a:schemeClr val="accent1">
-              <a:shade val="50000"/>
-            </a:schemeClr>
-          </a:lnRef>
-          <a:fillRef idx="1">
-            <a:schemeClr val="accent1"/>
-          </a:fillRef>
-          <a:effectRef idx="0">
-            <a:schemeClr val="accent1"/>
-          </a:effectRef>
-          <a:fontRef idx="minor">
-            <a:schemeClr val="lt1"/>
-          </a:fontRef>
-        </p:style>
-        <p:txBody>
-          <a:bodyPr rtlCol="0" anchor="ctr"/>
-          <a:lstStyle/>
-          <a:p>
-            <a:pPr algn="ctr"/>
-            <a:endParaRPr lang="en-US" dirty="0"/>
-          </a:p>
-        </p:txBody>
-      </p:sp>
-      <p:sp>
-        <p:nvSpPr>
-          <p:cNvPr id="31" name="Rectangle 21">
-            <a:extLst>
-              <a:ext uri="{FF2B5EF4-FFF2-40B4-BE49-F238E27FC236}">
-                <a16:creationId xmlns:a16="http://schemas.microsoft.com/office/drawing/2014/main" id="{8F451A30-466B-4996-9BA5-CD6ABCC6D558}"/>
-              </a:ext>
-              <a:ext uri="{C183D7F6-B498-43B3-948B-1728B52AA6E4}">
-                <adec:decorative xmlns="" xmlns:adec="http://schemas.microsoft.com/office/drawing/2017/decorative" val="1"/>
-              </a:ext>
-            </a:extLst>
-          </p:cNvPr>
-          <p:cNvSpPr>
-            <a:spLocks noGrp="1" noRot="1" noChangeAspect="1" noMove="1" noResize="1" noEditPoints="1" noAdjustHandles="1" noChangeArrowheads="1" noChangeShapeType="1" noTextEdit="1"/>
-          </p:cNvSpPr>
-          <p:nvPr>
-            <p:extLst>
-              <p:ext uri="{386F3935-93C4-4BCD-93E2-E3B085C9AB24}">
-                <p16:designElem xmlns:p16="http://schemas.microsoft.com/office/powerpoint/2015/main" val="1"/>
-              </p:ext>
-            </p:extLst>
-          </p:nvPr>
-        </p:nvSpPr>
-        <p:spPr>
-          <a:xfrm>
-            <a:off x="481330" y="623275"/>
-            <a:ext cx="8178790" cy="5607882"/>
-          </a:xfrm>
-          <a:prstGeom prst="rect">
-            <a:avLst/>
-          </a:prstGeom>
-          <a:noFill/>
-          <a:ln w="19050">
-            <a:solidFill>
-              <a:schemeClr val="tx1">
-                <a:lumMod val="75000"/>
-                <a:lumOff val="25000"/>
-              </a:schemeClr>
-            </a:solidFill>
-          </a:ln>
-        </p:spPr>
-        <p:style>
-          <a:lnRef idx="2">
-            <a:schemeClr val="accent1">
-              <a:shade val="50000"/>
-            </a:schemeClr>
-          </a:lnRef>
-          <a:fillRef idx="1">
-            <a:schemeClr val="accent1"/>
-          </a:fillRef>
-          <a:effectRef idx="0">
-            <a:schemeClr val="accent1"/>
-          </a:effectRef>
-          <a:fontRef idx="minor">
-            <a:schemeClr val="lt1"/>
-          </a:fontRef>
-        </p:style>
-        <p:txBody>
-          <a:bodyPr rtlCol="0" anchor="ctr"/>
-          <a:lstStyle/>
-          <a:p>
-            <a:pPr algn="ctr"/>
-            <a:endParaRPr lang="en-US"/>
-          </a:p>
-        </p:txBody>
-      </p:sp>
-      <p:sp>
-        <p:nvSpPr>
-          <p:cNvPr id="2" name="Title 1"/>
-          <p:cNvSpPr>
-            <a:spLocks noGrp="1"/>
-          </p:cNvSpPr>
-          <p:nvPr>
-            <p:ph type="title"/>
-          </p:nvPr>
-        </p:nvSpPr>
-        <p:spPr>
-          <a:xfrm>
-            <a:off x="866336" y="827829"/>
-            <a:ext cx="7103967" cy="1137111"/>
-          </a:xfrm>
-        </p:spPr>
-        <p:txBody>
-          <a:bodyPr>
-            <a:normAutofit/>
-          </a:bodyPr>
-          <a:lstStyle/>
-          <a:p>
-            <a:r>
-              <a:rPr lang="af-ZA" sz="4700">
-                <a:cs typeface="Calibri"/>
-              </a:rPr>
-              <a:t>method</a:t>
-            </a:r>
-            <a:endParaRPr lang="af-ZA" sz="4700"/>
-          </a:p>
-        </p:txBody>
-      </p:sp>
-      <p:sp>
-        <p:nvSpPr>
-          <p:cNvPr id="6" name="投影片編號版面配置區 5">
-            <a:extLst>
-              <a:ext uri="{FF2B5EF4-FFF2-40B4-BE49-F238E27FC236}">
-                <a16:creationId xmlns:a16="http://schemas.microsoft.com/office/drawing/2014/main" id="{D6C4808F-09EB-FC63-6EF5-9C9BE97A1390}"/>
-              </a:ext>
-            </a:extLst>
-          </p:cNvPr>
-          <p:cNvSpPr>
-            <a:spLocks noGrp="1"/>
-          </p:cNvSpPr>
-          <p:nvPr>
-            <p:ph type="sldNum" sz="quarter" idx="12"/>
-          </p:nvPr>
-        </p:nvSpPr>
-        <p:spPr/>
-        <p:txBody>
-          <a:bodyPr/>
-          <a:lstStyle/>
-          <a:p>
-            <a:fld id="{C1FF6DA9-008F-8B48-92A6-B652298478BF}" type="slidenum">
-              <a:rPr lang="en-US" smtClean="0"/>
-              <a:t>5</a:t>
-            </a:fld>
-            <a:endParaRPr lang="zh-TW" altLang="en-US"/>
-          </a:p>
-        </p:txBody>
-      </p:sp>
-      <p:sp>
-        <p:nvSpPr>
-          <p:cNvPr id="7" name="矩形 6"/>
-          <p:cNvSpPr/>
-          <p:nvPr/>
-        </p:nvSpPr>
-        <p:spPr>
-          <a:xfrm>
-            <a:off x="625036" y="1791865"/>
-            <a:ext cx="1241864" cy="651260"/>
-          </a:xfrm>
-          <a:prstGeom prst="rect">
-            <a:avLst/>
-          </a:prstGeom>
-          <a:noFill/>
-          <a:ln>
-            <a:noFill/>
-          </a:ln>
-        </p:spPr>
-        <p:style>
-          <a:lnRef idx="1">
-            <a:schemeClr val="accent1"/>
-          </a:lnRef>
-          <a:fillRef idx="3">
-            <a:schemeClr val="accent1"/>
-          </a:fillRef>
-          <a:effectRef idx="2">
-            <a:schemeClr val="accent1"/>
-          </a:effectRef>
-          <a:fontRef idx="minor">
-            <a:schemeClr val="lt1"/>
-          </a:fontRef>
-        </p:style>
-        <p:txBody>
-          <a:bodyPr rtlCol="0" anchor="ctr"/>
-          <a:lstStyle/>
-          <a:p>
-            <a:pPr algn="ctr"/>
-            <a:r>
-              <a:rPr lang="zh-TW" altLang="en-US" dirty="0" smtClean="0">
-                <a:solidFill>
-                  <a:srgbClr val="FF0000"/>
-                </a:solidFill>
-              </a:rPr>
-              <a:t>語音輸入</a:t>
-            </a:r>
-            <a:endParaRPr lang="zh-TW" altLang="en-US" dirty="0">
-              <a:solidFill>
-                <a:srgbClr val="FF0000"/>
-              </a:solidFill>
-            </a:endParaRPr>
-          </a:p>
-        </p:txBody>
-      </p:sp>
-      <p:cxnSp>
-        <p:nvCxnSpPr>
-          <p:cNvPr id="9" name="直線單箭頭接點 8"/>
-          <p:cNvCxnSpPr/>
-          <p:nvPr/>
-        </p:nvCxnSpPr>
-        <p:spPr>
-          <a:xfrm>
-            <a:off x="625036" y="2462175"/>
-            <a:ext cx="1241864" cy="0"/>
-          </a:xfrm>
-          <a:prstGeom prst="straightConnector1">
-            <a:avLst/>
-          </a:prstGeom>
-          <a:ln w="28575">
-            <a:tailEnd type="triangle"/>
-          </a:ln>
-        </p:spPr>
-        <p:style>
-          <a:lnRef idx="2">
-            <a:schemeClr val="accent1"/>
-          </a:lnRef>
-          <a:fillRef idx="0">
-            <a:schemeClr val="accent1"/>
-          </a:fillRef>
-          <a:effectRef idx="1">
-            <a:schemeClr val="accent1"/>
-          </a:effectRef>
-          <a:fontRef idx="minor">
-            <a:schemeClr val="tx1"/>
-          </a:fontRef>
-        </p:style>
-      </p:cxnSp>
-      <p:sp>
-        <p:nvSpPr>
-          <p:cNvPr id="10" name="圓角矩形 9"/>
-          <p:cNvSpPr/>
-          <p:nvPr/>
-        </p:nvSpPr>
-        <p:spPr>
-          <a:xfrm>
-            <a:off x="1866900" y="2117495"/>
-            <a:ext cx="1638300" cy="720955"/>
-          </a:xfrm>
-          <a:prstGeom prst="roundRect">
-            <a:avLst/>
-          </a:prstGeom>
-        </p:spPr>
-        <p:style>
-          <a:lnRef idx="1">
-            <a:schemeClr val="accent1"/>
-          </a:lnRef>
-          <a:fillRef idx="3">
-            <a:schemeClr val="accent1"/>
-          </a:fillRef>
-          <a:effectRef idx="2">
-            <a:schemeClr val="accent1"/>
-          </a:effectRef>
-          <a:fontRef idx="minor">
-            <a:schemeClr val="lt1"/>
-          </a:fontRef>
-        </p:style>
-        <p:txBody>
-          <a:bodyPr rtlCol="0" anchor="ctr"/>
-          <a:lstStyle/>
-          <a:p>
-            <a:pPr algn="ctr"/>
-            <a:r>
-              <a:rPr lang="en-US" altLang="zh-TW" dirty="0" smtClean="0">
-                <a:solidFill>
-                  <a:schemeClr val="tx1"/>
-                </a:solidFill>
-              </a:rPr>
-              <a:t>Preprocess</a:t>
-            </a:r>
-            <a:endParaRPr lang="zh-TW" altLang="en-US" dirty="0">
-              <a:solidFill>
-                <a:schemeClr val="tx1"/>
-              </a:solidFill>
-            </a:endParaRPr>
-          </a:p>
-        </p:txBody>
-      </p:sp>
-      <p:sp>
-        <p:nvSpPr>
-          <p:cNvPr id="14" name="矩形 13"/>
-          <p:cNvSpPr/>
-          <p:nvPr/>
-        </p:nvSpPr>
-        <p:spPr>
-          <a:xfrm>
-            <a:off x="2019300" y="1552773"/>
-            <a:ext cx="1241864" cy="651260"/>
-          </a:xfrm>
-          <a:prstGeom prst="rect">
-            <a:avLst/>
-          </a:prstGeom>
-          <a:noFill/>
-          <a:ln>
-            <a:noFill/>
-          </a:ln>
-        </p:spPr>
-        <p:style>
-          <a:lnRef idx="1">
-            <a:schemeClr val="accent1"/>
-          </a:lnRef>
-          <a:fillRef idx="3">
-            <a:schemeClr val="accent1"/>
-          </a:fillRef>
-          <a:effectRef idx="2">
-            <a:schemeClr val="accent1"/>
-          </a:effectRef>
-          <a:fontRef idx="minor">
-            <a:schemeClr val="lt1"/>
-          </a:fontRef>
-        </p:style>
-        <p:txBody>
-          <a:bodyPr rtlCol="0" anchor="ctr"/>
-          <a:lstStyle/>
-          <a:p>
-            <a:pPr algn="ctr"/>
-            <a:r>
-              <a:rPr lang="en-US" altLang="zh-TW" dirty="0" smtClean="0">
-                <a:solidFill>
-                  <a:schemeClr val="tx1"/>
-                </a:solidFill>
-              </a:rPr>
-              <a:t>MFCC</a:t>
-            </a:r>
-            <a:endParaRPr lang="zh-TW" altLang="en-US" dirty="0">
-              <a:solidFill>
-                <a:schemeClr val="tx1"/>
-              </a:solidFill>
-            </a:endParaRPr>
-          </a:p>
-        </p:txBody>
-      </p:sp>
-      <p:cxnSp>
-        <p:nvCxnSpPr>
-          <p:cNvPr id="15" name="直線單箭頭接點 14"/>
-          <p:cNvCxnSpPr/>
-          <p:nvPr/>
-        </p:nvCxnSpPr>
-        <p:spPr>
-          <a:xfrm>
-            <a:off x="3505200" y="2462175"/>
-            <a:ext cx="590550" cy="0"/>
-          </a:xfrm>
-          <a:prstGeom prst="straightConnector1">
-            <a:avLst/>
-          </a:prstGeom>
-          <a:ln w="28575">
-            <a:tailEnd type="triangle"/>
-          </a:ln>
-        </p:spPr>
-        <p:style>
-          <a:lnRef idx="2">
-            <a:schemeClr val="accent1"/>
-          </a:lnRef>
-          <a:fillRef idx="0">
-            <a:schemeClr val="accent1"/>
-          </a:fillRef>
-          <a:effectRef idx="1">
-            <a:schemeClr val="accent1"/>
-          </a:effectRef>
-          <a:fontRef idx="minor">
-            <a:schemeClr val="tx1"/>
-          </a:fontRef>
-        </p:style>
-      </p:cxnSp>
-      <p:sp>
-        <p:nvSpPr>
-          <p:cNvPr id="17" name="圓角矩形 16"/>
-          <p:cNvSpPr/>
-          <p:nvPr/>
-        </p:nvSpPr>
-        <p:spPr>
-          <a:xfrm>
-            <a:off x="4149085" y="2117495"/>
-            <a:ext cx="1638300" cy="720955"/>
-          </a:xfrm>
-          <a:prstGeom prst="roundRect">
-            <a:avLst/>
-          </a:prstGeom>
-        </p:spPr>
-        <p:style>
-          <a:lnRef idx="1">
-            <a:schemeClr val="accent1"/>
-          </a:lnRef>
-          <a:fillRef idx="3">
-            <a:schemeClr val="accent1"/>
-          </a:fillRef>
-          <a:effectRef idx="2">
-            <a:schemeClr val="accent1"/>
-          </a:effectRef>
-          <a:fontRef idx="minor">
-            <a:schemeClr val="lt1"/>
-          </a:fontRef>
-        </p:style>
-        <p:txBody>
-          <a:bodyPr rtlCol="0" anchor="ctr"/>
-          <a:lstStyle/>
-          <a:p>
-            <a:pPr algn="ctr"/>
-            <a:r>
-              <a:rPr lang="zh-TW" altLang="en-US" dirty="0">
-                <a:solidFill>
-                  <a:schemeClr val="tx1"/>
-                </a:solidFill>
-              </a:rPr>
-              <a:t>分</a:t>
-            </a:r>
-            <a:r>
-              <a:rPr lang="en-US" altLang="zh-TW">
-                <a:solidFill>
-                  <a:schemeClr val="tx1"/>
-                </a:solidFill>
-              </a:rPr>
-              <a:t>train/test</a:t>
-            </a:r>
-            <a:endParaRPr lang="zh-TW" altLang="en-US" dirty="0">
-              <a:solidFill>
-                <a:schemeClr val="tx1"/>
-              </a:solidFill>
-            </a:endParaRPr>
-          </a:p>
-        </p:txBody>
-      </p:sp>
-      <p:cxnSp>
-        <p:nvCxnSpPr>
-          <p:cNvPr id="13" name="直線單箭頭接點 12"/>
-          <p:cNvCxnSpPr/>
-          <p:nvPr/>
-        </p:nvCxnSpPr>
-        <p:spPr>
-          <a:xfrm>
-            <a:off x="5841990" y="2462175"/>
-            <a:ext cx="590550" cy="0"/>
-          </a:xfrm>
-          <a:prstGeom prst="straightConnector1">
-            <a:avLst/>
-          </a:prstGeom>
-          <a:ln w="28575">
-            <a:tailEnd type="triangle"/>
-          </a:ln>
-        </p:spPr>
-        <p:style>
-          <a:lnRef idx="2">
-            <a:schemeClr val="accent1"/>
-          </a:lnRef>
-          <a:fillRef idx="0">
-            <a:schemeClr val="accent1"/>
-          </a:fillRef>
-          <a:effectRef idx="1">
-            <a:schemeClr val="accent1"/>
-          </a:effectRef>
-          <a:fontRef idx="minor">
-            <a:schemeClr val="tx1"/>
-          </a:fontRef>
-        </p:style>
-      </p:cxnSp>
-      <p:sp>
-        <p:nvSpPr>
-          <p:cNvPr id="16" name="圓角矩形 15"/>
-          <p:cNvSpPr/>
-          <p:nvPr/>
-        </p:nvSpPr>
-        <p:spPr>
-          <a:xfrm>
-            <a:off x="6524613" y="2117495"/>
-            <a:ext cx="1638300" cy="720955"/>
-          </a:xfrm>
-          <a:prstGeom prst="roundRect">
-            <a:avLst/>
-          </a:prstGeom>
-        </p:spPr>
-        <p:style>
-          <a:lnRef idx="1">
-            <a:schemeClr val="accent1"/>
-          </a:lnRef>
-          <a:fillRef idx="3">
-            <a:schemeClr val="accent1"/>
-          </a:fillRef>
-          <a:effectRef idx="2">
-            <a:schemeClr val="accent1"/>
-          </a:effectRef>
-          <a:fontRef idx="minor">
-            <a:schemeClr val="lt1"/>
-          </a:fontRef>
-        </p:style>
-        <p:txBody>
-          <a:bodyPr rtlCol="0" anchor="ctr"/>
-          <a:lstStyle/>
-          <a:p>
-            <a:pPr algn="ctr"/>
-            <a:r>
-              <a:rPr lang="zh-TW" altLang="en-US" dirty="0" smtClean="0">
-                <a:solidFill>
-                  <a:schemeClr val="tx1"/>
-                </a:solidFill>
-              </a:rPr>
-              <a:t>機器學習演算法建立模型</a:t>
-            </a:r>
-            <a:endParaRPr lang="zh-TW" altLang="en-US" dirty="0">
-              <a:solidFill>
-                <a:schemeClr val="tx1"/>
-              </a:solidFill>
-            </a:endParaRPr>
-          </a:p>
-        </p:txBody>
-      </p:sp>
-      <p:cxnSp>
-        <p:nvCxnSpPr>
-          <p:cNvPr id="18" name="直線單箭頭接點 17"/>
-          <p:cNvCxnSpPr/>
-          <p:nvPr/>
-        </p:nvCxnSpPr>
-        <p:spPr>
-          <a:xfrm>
-            <a:off x="7343763" y="2972133"/>
-            <a:ext cx="0" cy="687584"/>
-          </a:xfrm>
-          <a:prstGeom prst="straightConnector1">
-            <a:avLst/>
-          </a:prstGeom>
-          <a:ln w="28575">
-            <a:tailEnd type="triangle"/>
-          </a:ln>
-        </p:spPr>
-        <p:style>
-          <a:lnRef idx="2">
-            <a:schemeClr val="accent1"/>
-          </a:lnRef>
-          <a:fillRef idx="0">
-            <a:schemeClr val="accent1"/>
-          </a:fillRef>
-          <a:effectRef idx="1">
-            <a:schemeClr val="accent1"/>
-          </a:effectRef>
-          <a:fontRef idx="minor">
-            <a:schemeClr val="tx1"/>
-          </a:fontRef>
-        </p:style>
-      </p:cxnSp>
-      <p:sp>
-        <p:nvSpPr>
-          <p:cNvPr id="19" name="圓角矩形 18"/>
-          <p:cNvSpPr/>
-          <p:nvPr/>
-        </p:nvSpPr>
-        <p:spPr>
-          <a:xfrm>
-            <a:off x="6519526" y="3718521"/>
-            <a:ext cx="1638300" cy="720955"/>
-          </a:xfrm>
-          <a:prstGeom prst="roundRect">
-            <a:avLst/>
-          </a:prstGeom>
-        </p:spPr>
-        <p:style>
-          <a:lnRef idx="1">
-            <a:schemeClr val="accent1"/>
-          </a:lnRef>
-          <a:fillRef idx="3">
-            <a:schemeClr val="accent1"/>
-          </a:fillRef>
-          <a:effectRef idx="2">
-            <a:schemeClr val="accent1"/>
-          </a:effectRef>
-          <a:fontRef idx="minor">
-            <a:schemeClr val="lt1"/>
-          </a:fontRef>
-        </p:style>
-        <p:txBody>
-          <a:bodyPr rtlCol="0" anchor="ctr"/>
-          <a:lstStyle/>
-          <a:p>
-            <a:pPr algn="ctr"/>
-            <a:r>
-              <a:rPr lang="zh-TW" altLang="en-US" dirty="0" smtClean="0">
-                <a:solidFill>
-                  <a:schemeClr val="tx1"/>
-                </a:solidFill>
-              </a:rPr>
-              <a:t>評估</a:t>
-            </a:r>
-            <a:endParaRPr lang="zh-TW" altLang="en-US" dirty="0">
-              <a:solidFill>
-                <a:schemeClr val="tx1"/>
-              </a:solidFill>
-            </a:endParaRPr>
-          </a:p>
-        </p:txBody>
-      </p:sp>
-    </p:spTree>
-  </p:cSld>
-  <p:clrMapOvr>
-    <a:masterClrMapping/>
-  </p:clrMapOvr>
-</p:sld>
-</file>
-
-<file path=ppt/slides/slide6.xml><?xml version="1.0" encoding="utf-8"?>
-<p:sld xmlns:a="http://schemas.openxmlformats.org/drawingml/2006/main" xmlns:r="http://schemas.openxmlformats.org/officeDocument/2006/relationships" xmlns:p="http://schemas.openxmlformats.org/presentationml/2006/main">
-  <p:cSld>
-    <p:spTree>
-      <p:nvGrpSpPr>
-        <p:cNvPr id="1" name=""/>
-        <p:cNvGrpSpPr/>
-        <p:nvPr/>
-      </p:nvGrpSpPr>
-      <p:grpSpPr>
-        <a:xfrm>
-          <a:off x="0" y="0"/>
-          <a:ext cx="0" cy="0"/>
-          <a:chOff x="0" y="0"/>
-          <a:chExt cx="0" cy="0"/>
-        </a:xfrm>
-      </p:grpSpPr>
-      <p:sp>
-        <p:nvSpPr>
-          <p:cNvPr id="3" name="Content Placeholder 2"/>
-          <p:cNvSpPr>
-            <a:spLocks noGrp="1"/>
-          </p:cNvSpPr>
-          <p:nvPr>
-            <p:ph idx="1"/>
-          </p:nvPr>
-        </p:nvSpPr>
-        <p:spPr>
-          <a:xfrm>
-            <a:off x="572219" y="464389"/>
-            <a:ext cx="8229600" cy="4525963"/>
-          </a:xfrm>
-        </p:spPr>
-        <p:txBody>
-          <a:bodyPr vert="horz" lIns="91440" tIns="45720" rIns="91440" bIns="45720" rtlCol="0" anchor="t">
-            <a:normAutofit/>
-          </a:bodyPr>
-          <a:lstStyle/>
-          <a:p>
-            <a:pPr marL="0" indent="0">
-              <a:buNone/>
-            </a:pPr>
-            <a:endParaRPr lang="zh-TW" altLang="en-US" dirty="0">
-              <a:cs typeface="Calibri"/>
-            </a:endParaRPr>
-          </a:p>
-          <a:p>
-            <a:pPr marL="0" indent="0">
-              <a:buNone/>
-            </a:pPr>
-            <a:r>
-              <a:rPr sz="2000" err="1"/>
-              <a:t>使用</a:t>
-            </a:r>
-            <a:r>
-              <a:rPr sz="2000" dirty="0"/>
-              <a:t> ResNet-18 和 Conformer </a:t>
-            </a:r>
-            <a:r>
-              <a:rPr sz="2000" err="1"/>
-              <a:t>編碼器來處理音頻和視覺信息的特徵提取和編碼</a:t>
-            </a:r>
-            <a:r>
-              <a:rPr lang="zh-TW" sz="2000">
-                <a:ea typeface="新細明體"/>
-              </a:rPr>
-              <a:t>，</a:t>
-            </a:r>
-            <a:r>
-              <a:rPr lang="zh-TW" altLang="en-US" sz="2000">
-                <a:ea typeface="新細明體"/>
-              </a:rPr>
-              <a:t>再融合來自音頻和視覺流的輸出，並將這些特徵輸入到多層感知機（</a:t>
-            </a:r>
-            <a:r>
-              <a:rPr lang="en-US" altLang="zh-TW" sz="2000" dirty="0">
-                <a:ea typeface="新細明體"/>
-              </a:rPr>
-              <a:t>MLP</a:t>
-            </a:r>
-            <a:r>
-              <a:rPr lang="zh-TW" altLang="en-US" sz="2000">
-                <a:ea typeface="新細明體"/>
-              </a:rPr>
-              <a:t>）進行處理，最後</a:t>
-            </a:r>
-            <a:r>
-              <a:rPr lang="zh-TW" sz="2000">
-                <a:ea typeface="新細明體"/>
-              </a:rPr>
-              <a:t>利用聯合 CTC（連接時序分類）損失和注意力機制來提升語音識別的性能，這種方法能處理語音的變化和缺失特徵。</a:t>
-            </a:r>
-            <a:endParaRPr sz="2000">
-              <a:ea typeface="新細明體"/>
-            </a:endParaRPr>
-          </a:p>
-        </p:txBody>
-      </p:sp>
-      <p:pic>
-        <p:nvPicPr>
-          <p:cNvPr id="4" name="圖片 3" descr="一張含有 文字, 螢幕擷取畫面, 圖表 的圖片&#10;&#10;自動產生的描述">
-            <a:extLst>
-              <a:ext uri="{FF2B5EF4-FFF2-40B4-BE49-F238E27FC236}">
-                <a16:creationId xmlns:a16="http://schemas.microsoft.com/office/drawing/2014/main" id="{200C84C3-10A7-A485-4B06-224F6870B619}"/>
-              </a:ext>
-            </a:extLst>
-          </p:cNvPr>
-          <p:cNvPicPr>
-            <a:picLocks noChangeAspect="1"/>
-          </p:cNvPicPr>
-          <p:nvPr/>
-        </p:nvPicPr>
-        <p:blipFill>
-          <a:blip r:embed="rId3"/>
-          <a:stretch>
-            <a:fillRect/>
-          </a:stretch>
-        </p:blipFill>
-        <p:spPr>
-          <a:xfrm>
-            <a:off x="1101755" y="3174611"/>
-            <a:ext cx="6595433" cy="1558325"/>
-          </a:xfrm>
-          <a:prstGeom prst="rect">
-            <a:avLst/>
-          </a:prstGeom>
-        </p:spPr>
-      </p:pic>
-      <p:sp>
-        <p:nvSpPr>
-          <p:cNvPr id="6" name="投影片編號版面配置區 5">
-            <a:extLst>
-              <a:ext uri="{FF2B5EF4-FFF2-40B4-BE49-F238E27FC236}">
-                <a16:creationId xmlns:a16="http://schemas.microsoft.com/office/drawing/2014/main" id="{61753A5E-D648-E8AC-69A1-E3C4A76C5623}"/>
-              </a:ext>
-            </a:extLst>
-          </p:cNvPr>
-          <p:cNvSpPr>
-            <a:spLocks noGrp="1"/>
-          </p:cNvSpPr>
-          <p:nvPr>
-            <p:ph type="sldNum" sz="quarter" idx="12"/>
-          </p:nvPr>
-        </p:nvSpPr>
-        <p:spPr/>
-        <p:txBody>
-          <a:bodyPr/>
-          <a:lstStyle/>
-          <a:p>
-            <a:fld id="{C1FF6DA9-008F-8B48-92A6-B652298478BF}" type="slidenum">
-              <a:rPr lang="en-US" smtClean="0"/>
-              <a:t>6</a:t>
-            </a:fld>
-            <a:endParaRPr lang="zh-TW" altLang="en-US"/>
-          </a:p>
-        </p:txBody>
-      </p:sp>
-      <p:cxnSp>
-        <p:nvCxnSpPr>
-          <p:cNvPr id="5" name="直線單箭頭接點 4"/>
-          <p:cNvCxnSpPr/>
-          <p:nvPr/>
-        </p:nvCxnSpPr>
-        <p:spPr>
-          <a:xfrm>
-            <a:off x="1101755" y="3806687"/>
-            <a:ext cx="518323" cy="0"/>
-          </a:xfrm>
-          <a:prstGeom prst="straightConnector1">
-            <a:avLst/>
-          </a:prstGeom>
-          <a:ln>
-            <a:tailEnd type="triangle"/>
-          </a:ln>
-        </p:spPr>
-        <p:style>
-          <a:lnRef idx="2">
-            <a:schemeClr val="accent1"/>
-          </a:lnRef>
-          <a:fillRef idx="0">
-            <a:schemeClr val="accent1"/>
-          </a:fillRef>
-          <a:effectRef idx="1">
-            <a:schemeClr val="accent1"/>
-          </a:effectRef>
-          <a:fontRef idx="minor">
-            <a:schemeClr val="tx1"/>
-          </a:fontRef>
-        </p:style>
-      </p:cxnSp>
-      <p:sp>
-        <p:nvSpPr>
-          <p:cNvPr id="7" name="Content Placeholder 2"/>
-          <p:cNvSpPr txBox="1">
-            <a:spLocks/>
-          </p:cNvSpPr>
-          <p:nvPr/>
-        </p:nvSpPr>
-        <p:spPr>
-          <a:xfrm>
-            <a:off x="178904" y="3497911"/>
-            <a:ext cx="1094717" cy="1363733"/>
-          </a:xfrm>
-          <a:prstGeom prst="rect">
-            <a:avLst/>
-          </a:prstGeom>
-        </p:spPr>
-        <p:txBody>
-          <a:bodyPr vert="horz" lIns="91440" tIns="45720" rIns="91440" bIns="45720" rtlCol="0" anchor="t">
-            <a:normAutofit/>
-          </a:bodyPr>
-          <a:lstStyle>
-            <a:lvl1pPr marL="342900" indent="-342900" algn="l" defTabSz="457200" rtl="0" eaLnBrk="1" latinLnBrk="0" hangingPunct="1">
-              <a:spcBef>
-                <a:spcPct val="20000"/>
-              </a:spcBef>
-              <a:buFont typeface="Arial"/>
-              <a:buChar char="•"/>
-              <a:defRPr sz="3200" kern="1200">
-                <a:solidFill>
-                  <a:schemeClr val="tx1"/>
-                </a:solidFill>
-                <a:latin typeface="+mn-lt"/>
-                <a:ea typeface="+mn-ea"/>
-                <a:cs typeface="+mn-cs"/>
-              </a:defRPr>
-            </a:lvl1pPr>
-            <a:lvl2pPr marL="742950" indent="-285750" algn="l" defTabSz="457200" rtl="0" eaLnBrk="1" latinLnBrk="0" hangingPunct="1">
-              <a:spcBef>
-                <a:spcPct val="20000"/>
-              </a:spcBef>
-              <a:buFont typeface="Arial"/>
-              <a:buChar char="–"/>
-              <a:defRPr sz="2800" kern="1200">
-                <a:solidFill>
-                  <a:schemeClr val="tx1"/>
-                </a:solidFill>
-                <a:latin typeface="+mn-lt"/>
-                <a:ea typeface="+mn-ea"/>
-                <a:cs typeface="+mn-cs"/>
-              </a:defRPr>
-            </a:lvl2pPr>
-            <a:lvl3pPr marL="1143000" indent="-228600" algn="l" defTabSz="457200" rtl="0" eaLnBrk="1" latinLnBrk="0" hangingPunct="1">
-              <a:spcBef>
-                <a:spcPct val="20000"/>
-              </a:spcBef>
-              <a:buFont typeface="Arial"/>
-              <a:buChar char="•"/>
-              <a:defRPr sz="2400" kern="1200">
-                <a:solidFill>
-                  <a:schemeClr val="tx1"/>
-                </a:solidFill>
-                <a:latin typeface="+mn-lt"/>
-                <a:ea typeface="+mn-ea"/>
-                <a:cs typeface="+mn-cs"/>
-              </a:defRPr>
-            </a:lvl3pPr>
-            <a:lvl4pPr marL="1600200" indent="-228600" algn="l" defTabSz="457200" rtl="0" eaLnBrk="1" latinLnBrk="0" hangingPunct="1">
-              <a:spcBef>
-                <a:spcPct val="20000"/>
-              </a:spcBef>
-              <a:buFont typeface="Arial"/>
-              <a:buChar char="–"/>
-              <a:defRPr sz="2000" kern="1200">
-                <a:solidFill>
-                  <a:schemeClr val="tx1"/>
-                </a:solidFill>
-                <a:latin typeface="+mn-lt"/>
-                <a:ea typeface="+mn-ea"/>
-                <a:cs typeface="+mn-cs"/>
-              </a:defRPr>
-            </a:lvl4pPr>
-            <a:lvl5pPr marL="2057400" indent="-228600" algn="l" defTabSz="457200" rtl="0" eaLnBrk="1" latinLnBrk="0" hangingPunct="1">
-              <a:spcBef>
-                <a:spcPct val="20000"/>
-              </a:spcBef>
-              <a:buFont typeface="Arial"/>
-              <a:buChar char="»"/>
-              <a:defRPr sz="2000" kern="1200">
-                <a:solidFill>
-                  <a:schemeClr val="tx1"/>
-                </a:solidFill>
-                <a:latin typeface="+mn-lt"/>
-                <a:ea typeface="+mn-ea"/>
-                <a:cs typeface="+mn-cs"/>
-              </a:defRPr>
-            </a:lvl5pPr>
-            <a:lvl6pPr marL="2514600" indent="-228600" algn="l" defTabSz="457200" rtl="0" eaLnBrk="1" latinLnBrk="0" hangingPunct="1">
-              <a:spcBef>
-                <a:spcPct val="20000"/>
-              </a:spcBef>
-              <a:buFont typeface="Arial"/>
-              <a:buChar char="•"/>
-              <a:defRPr sz="2000" kern="1200">
-                <a:solidFill>
-                  <a:schemeClr val="tx1"/>
-                </a:solidFill>
-                <a:latin typeface="+mn-lt"/>
-                <a:ea typeface="+mn-ea"/>
-                <a:cs typeface="+mn-cs"/>
-              </a:defRPr>
-            </a:lvl6pPr>
-            <a:lvl7pPr marL="2971800" indent="-228600" algn="l" defTabSz="457200" rtl="0" eaLnBrk="1" latinLnBrk="0" hangingPunct="1">
-              <a:spcBef>
-                <a:spcPct val="20000"/>
-              </a:spcBef>
-              <a:buFont typeface="Arial"/>
-              <a:buChar char="•"/>
-              <a:defRPr sz="2000" kern="1200">
-                <a:solidFill>
-                  <a:schemeClr val="tx1"/>
-                </a:solidFill>
-                <a:latin typeface="+mn-lt"/>
-                <a:ea typeface="+mn-ea"/>
-                <a:cs typeface="+mn-cs"/>
-              </a:defRPr>
-            </a:lvl7pPr>
-            <a:lvl8pPr marL="3429000" indent="-228600" algn="l" defTabSz="457200" rtl="0" eaLnBrk="1" latinLnBrk="0" hangingPunct="1">
-              <a:spcBef>
-                <a:spcPct val="20000"/>
-              </a:spcBef>
-              <a:buFont typeface="Arial"/>
-              <a:buChar char="•"/>
-              <a:defRPr sz="2000" kern="1200">
-                <a:solidFill>
-                  <a:schemeClr val="tx1"/>
-                </a:solidFill>
-                <a:latin typeface="+mn-lt"/>
-                <a:ea typeface="+mn-ea"/>
-                <a:cs typeface="+mn-cs"/>
-              </a:defRPr>
-            </a:lvl8pPr>
-            <a:lvl9pPr marL="3886200" indent="-228600" algn="l" defTabSz="457200" rtl="0" eaLnBrk="1" latinLnBrk="0" hangingPunct="1">
-              <a:spcBef>
-                <a:spcPct val="20000"/>
-              </a:spcBef>
-              <a:buFont typeface="Arial"/>
-              <a:buChar char="•"/>
-              <a:defRPr sz="2000" kern="1200">
-                <a:solidFill>
-                  <a:schemeClr val="tx1"/>
-                </a:solidFill>
-                <a:latin typeface="+mn-lt"/>
-                <a:ea typeface="+mn-ea"/>
-                <a:cs typeface="+mn-cs"/>
-              </a:defRPr>
-            </a:lvl9pPr>
-          </a:lstStyle>
-          <a:p>
-            <a:pPr marL="0" indent="0">
-              <a:buNone/>
-            </a:pPr>
-            <a:r>
-              <a:rPr lang="zh-TW" altLang="en-US" sz="1200" dirty="0" smtClean="0">
-                <a:ea typeface="新細明體"/>
-              </a:rPr>
-              <a:t>此處利用影響處理萃取嘴部變化也就是唇語加入訓練</a:t>
-            </a:r>
-            <a:endParaRPr lang="zh-TW" altLang="en-US" sz="1200" dirty="0">
-              <a:cs typeface="Calibri"/>
-            </a:endParaRPr>
-          </a:p>
-        </p:txBody>
-      </p:sp>
-    </p:spTree>
-  </p:cSld>
-  <p:clrMapOvr>
-    <a:masterClrMapping/>
-  </p:clrMapOvr>
-</p:sld>
-</file>
-
-<file path=ppt/slides/slide7.xml><?xml version="1.0" encoding="utf-8"?>
-<p:sld xmlns:a="http://schemas.openxmlformats.org/drawingml/2006/main" xmlns:r="http://schemas.openxmlformats.org/officeDocument/2006/relationships" xmlns:p="http://schemas.openxmlformats.org/presentationml/2006/main">
-  <p:cSld>
-    <p:spTree>
-      <p:nvGrpSpPr>
-        <p:cNvPr id="1" name=""/>
-        <p:cNvGrpSpPr/>
-        <p:nvPr/>
-      </p:nvGrpSpPr>
-      <p:grpSpPr>
-        <a:xfrm>
-          <a:off x="0" y="0"/>
-          <a:ext cx="0" cy="0"/>
-          <a:chOff x="0" y="0"/>
-          <a:chExt cx="0" cy="0"/>
-        </a:xfrm>
-      </p:grpSpPr>
-      <p:sp>
-        <p:nvSpPr>
-          <p:cNvPr id="2" name="標題 1">
-            <a:extLst>
-              <a:ext uri="{FF2B5EF4-FFF2-40B4-BE49-F238E27FC236}">
-                <a16:creationId xmlns:a16="http://schemas.microsoft.com/office/drawing/2014/main" id="{880634D7-6B43-2E89-4604-779C8D13034B}"/>
-              </a:ext>
-            </a:extLst>
-          </p:cNvPr>
-          <p:cNvSpPr>
-            <a:spLocks noGrp="1"/>
-          </p:cNvSpPr>
-          <p:nvPr>
-            <p:ph type="title"/>
-          </p:nvPr>
-        </p:nvSpPr>
-        <p:spPr/>
-        <p:txBody>
-          <a:bodyPr/>
-          <a:lstStyle/>
-          <a:p>
-            <a:r>
-              <a:rPr lang="zh-TW" altLang="en-US">
-                <a:ea typeface="新細明體"/>
-                <a:cs typeface="Calibri"/>
-              </a:rPr>
-              <a:t>Dataset(標註過)</a:t>
-            </a:r>
-            <a:endParaRPr lang="zh-TW" altLang="en-US" dirty="0">
-              <a:ea typeface="新細明體"/>
-              <a:cs typeface="Calibri"/>
-            </a:endParaRPr>
-          </a:p>
-        </p:txBody>
-      </p:sp>
-      <p:sp>
-        <p:nvSpPr>
-          <p:cNvPr id="3" name="內容版面配置區 2">
-            <a:extLst>
-              <a:ext uri="{FF2B5EF4-FFF2-40B4-BE49-F238E27FC236}">
-                <a16:creationId xmlns:a16="http://schemas.microsoft.com/office/drawing/2014/main" id="{DC83CC35-BE36-8A58-287B-F4534320324C}"/>
-              </a:ext>
-            </a:extLst>
-          </p:cNvPr>
-          <p:cNvSpPr>
-            <a:spLocks noGrp="1"/>
-          </p:cNvSpPr>
-          <p:nvPr>
-            <p:ph idx="1"/>
-          </p:nvPr>
-        </p:nvSpPr>
-        <p:spPr>
-          <a:xfrm>
-            <a:off x="457200" y="1168879"/>
-            <a:ext cx="8229600" cy="4525963"/>
-          </a:xfrm>
-        </p:spPr>
-        <p:txBody>
-          <a:bodyPr vert="horz" lIns="91440" tIns="45720" rIns="91440" bIns="45720" rtlCol="0" anchor="t">
-            <a:normAutofit/>
-          </a:bodyPr>
-          <a:lstStyle/>
-          <a:p>
-            <a:pPr marL="0" indent="0">
-              <a:buNone/>
-            </a:pPr>
-            <a:endParaRPr lang="zh-TW" b="1" dirty="0">
-              <a:cs typeface="Calibri"/>
-            </a:endParaRPr>
-          </a:p>
-          <a:p>
-            <a:r>
-              <a:rPr lang="zh-TW" sz="2400" dirty="0">
-                <a:ea typeface="+mn-lt"/>
-                <a:cs typeface="+mn-lt"/>
-              </a:rPr>
-              <a:t>研究者使用 LRS2 和 LRS3 這兩個大型視聽語音數據集來進行實驗，這兩個數據集是目前公開可用的最大英語語音數據集。</a:t>
-            </a:r>
-            <a:endParaRPr lang="zh-TW" sz="2400" dirty="0">
-              <a:ea typeface="新細明體"/>
-              <a:cs typeface="Calibri"/>
-            </a:endParaRPr>
-          </a:p>
-          <a:p>
-            <a:r>
-              <a:rPr lang="zh-TW" sz="2400" dirty="0">
-                <a:ea typeface="+mn-lt"/>
-                <a:cs typeface="+mn-lt"/>
-              </a:rPr>
-              <a:t>LRS2 包含來自 BBC 節目的數據，總共有 144.8 小時的視頻，LRS3 則包含 TED 演講的數據，總計有 438 小時的數據</a:t>
-            </a:r>
-            <a:r>
-              <a:rPr lang="zh-TW" sz="2400" dirty="0" smtClean="0">
-                <a:ea typeface="+mn-lt"/>
-                <a:cs typeface="+mn-lt"/>
-              </a:rPr>
-              <a:t>。</a:t>
-            </a:r>
-            <a:endParaRPr lang="en-US" altLang="zh-TW" sz="2400" dirty="0" smtClean="0">
-              <a:ea typeface="+mn-lt"/>
-              <a:cs typeface="+mn-lt"/>
-            </a:endParaRPr>
-          </a:p>
-          <a:p>
-            <a:r>
-              <a:rPr lang="zh-TW" altLang="en-US" sz="2400" dirty="0" smtClean="0">
-                <a:ea typeface="+mn-lt"/>
-                <a:cs typeface="+mn-lt"/>
-              </a:rPr>
-              <a:t>主要使用影像辨識技術讀取唇語加強預測效果</a:t>
-            </a:r>
-            <a:endParaRPr lang="zh-TW" sz="2400" dirty="0"/>
-          </a:p>
-          <a:p>
-            <a:endParaRPr lang="zh-TW" altLang="en-US" dirty="0">
-              <a:ea typeface="新細明體"/>
-              <a:cs typeface="Calibri"/>
-            </a:endParaRPr>
-          </a:p>
-        </p:txBody>
-      </p:sp>
-      <p:pic>
-        <p:nvPicPr>
-          <p:cNvPr id="4" name="圖片 3">
-            <a:extLst>
-              <a:ext uri="{FF2B5EF4-FFF2-40B4-BE49-F238E27FC236}">
-                <a16:creationId xmlns:a16="http://schemas.microsoft.com/office/drawing/2014/main" id="{BE5DD821-D186-30DA-45DB-EAFBDFE05027}"/>
-              </a:ext>
-            </a:extLst>
-          </p:cNvPr>
-          <p:cNvPicPr>
-            <a:picLocks noChangeAspect="1"/>
-          </p:cNvPicPr>
-          <p:nvPr/>
-        </p:nvPicPr>
-        <p:blipFill>
-          <a:blip r:embed="rId2"/>
-          <a:stretch>
-            <a:fillRect/>
-          </a:stretch>
-        </p:blipFill>
-        <p:spPr>
-          <a:xfrm>
-            <a:off x="5498530" y="4278163"/>
-            <a:ext cx="504825" cy="285750"/>
-          </a:xfrm>
-          <a:prstGeom prst="rect">
-            <a:avLst/>
-          </a:prstGeom>
-        </p:spPr>
-      </p:pic>
-      <p:sp>
-        <p:nvSpPr>
-          <p:cNvPr id="5" name="投影片編號版面配置區 4">
-            <a:extLst>
-              <a:ext uri="{FF2B5EF4-FFF2-40B4-BE49-F238E27FC236}">
-                <a16:creationId xmlns:a16="http://schemas.microsoft.com/office/drawing/2014/main" id="{2A5A7610-2597-CC7F-10FA-92C49269E560}"/>
-              </a:ext>
-            </a:extLst>
-          </p:cNvPr>
-          <p:cNvSpPr>
-            <a:spLocks noGrp="1"/>
-          </p:cNvSpPr>
-          <p:nvPr>
-            <p:ph type="sldNum" sz="quarter" idx="12"/>
-          </p:nvPr>
-        </p:nvSpPr>
-        <p:spPr/>
-        <p:txBody>
-          <a:bodyPr/>
-          <a:lstStyle/>
-          <a:p>
-            <a:fld id="{C1FF6DA9-008F-8B48-92A6-B652298478BF}" type="slidenum">
-              <a:rPr lang="en-US" smtClean="0"/>
-              <a:t>7</a:t>
-            </a:fld>
-            <a:endParaRPr lang="zh-TW" altLang="en-US"/>
-          </a:p>
-        </p:txBody>
-      </p:sp>
-    </p:spTree>
-    <p:extLst>
-      <p:ext uri="{BB962C8B-B14F-4D97-AF65-F5344CB8AC3E}">
-        <p14:creationId xmlns:p14="http://schemas.microsoft.com/office/powerpoint/2010/main" val="1170303474"/>
-      </p:ext>
-    </p:extLst>
-  </p:cSld>
-  <p:clrMapOvr>
-    <a:masterClrMapping/>
-  </p:clrMapOvr>
-</p:sld>
-</file>
-
-<file path=ppt/slides/slide8.xml><?xml version="1.0" encoding="utf-8"?>
-<p:sld xmlns:a="http://schemas.openxmlformats.org/drawingml/2006/main" xmlns:r="http://schemas.openxmlformats.org/officeDocument/2006/relationships" xmlns:p="http://schemas.openxmlformats.org/presentationml/2006/main">
-  <p:cSld>
-    <p:spTree>
-      <p:nvGrpSpPr>
-        <p:cNvPr id="1" name=""/>
-        <p:cNvGrpSpPr/>
-        <p:nvPr/>
-      </p:nvGrpSpPr>
-      <p:grpSpPr>
-        <a:xfrm>
-          <a:off x="0" y="0"/>
-          <a:ext cx="0" cy="0"/>
-          <a:chOff x="0" y="0"/>
-          <a:chExt cx="0" cy="0"/>
-        </a:xfrm>
-      </p:grpSpPr>
-      <p:sp>
-        <p:nvSpPr>
-          <p:cNvPr id="2" name="標題 1">
-            <a:extLst>
-              <a:ext uri="{FF2B5EF4-FFF2-40B4-BE49-F238E27FC236}">
-                <a16:creationId xmlns:a16="http://schemas.microsoft.com/office/drawing/2014/main" id="{68018A7D-61FD-9AB3-1576-2929753135B5}"/>
-              </a:ext>
-            </a:extLst>
-          </p:cNvPr>
-          <p:cNvSpPr>
-            <a:spLocks noGrp="1"/>
-          </p:cNvSpPr>
-          <p:nvPr>
-            <p:ph type="title"/>
-          </p:nvPr>
-        </p:nvSpPr>
-        <p:spPr/>
-        <p:txBody>
-          <a:bodyPr/>
-          <a:lstStyle/>
-          <a:p>
-            <a:r>
-              <a:rPr lang="zh-TW">
-                <a:ea typeface="新細明體"/>
-                <a:cs typeface="Calibri"/>
-              </a:rPr>
-              <a:t>Dataset(</a:t>
-            </a:r>
-            <a:r>
-              <a:rPr lang="zh-TW" altLang="en-US">
-                <a:ea typeface="新細明體"/>
-                <a:cs typeface="Calibri"/>
-              </a:rPr>
-              <a:t>未</a:t>
-            </a:r>
-            <a:r>
-              <a:rPr lang="zh-TW">
-                <a:ea typeface="新細明體"/>
-                <a:cs typeface="Calibri"/>
-              </a:rPr>
-              <a:t>標註過)</a:t>
-            </a:r>
-            <a:endParaRPr lang="zh-TW">
-              <a:ea typeface="新細明體"/>
-            </a:endParaRPr>
-          </a:p>
-        </p:txBody>
-      </p:sp>
-      <p:sp>
-        <p:nvSpPr>
-          <p:cNvPr id="3" name="內容版面配置區 2">
-            <a:extLst>
-              <a:ext uri="{FF2B5EF4-FFF2-40B4-BE49-F238E27FC236}">
-                <a16:creationId xmlns:a16="http://schemas.microsoft.com/office/drawing/2014/main" id="{BBF755A1-6825-FDF6-344B-401201A3258C}"/>
-              </a:ext>
-            </a:extLst>
-          </p:cNvPr>
-          <p:cNvSpPr>
-            <a:spLocks noGrp="1"/>
-          </p:cNvSpPr>
-          <p:nvPr>
-            <p:ph idx="1"/>
-          </p:nvPr>
-        </p:nvSpPr>
-        <p:spPr/>
-        <p:txBody>
-          <a:bodyPr vert="horz" lIns="91440" tIns="45720" rIns="91440" bIns="45720" rtlCol="0" anchor="t">
-            <a:normAutofit fontScale="70000" lnSpcReduction="20000"/>
-          </a:bodyPr>
-          <a:lstStyle/>
-          <a:p>
-            <a:pPr>
-              <a:buNone/>
-            </a:pPr>
-            <a:r>
-              <a:rPr lang="en-US" altLang="zh-TW" b="1" dirty="0">
-                <a:ea typeface="+mn-lt"/>
-                <a:cs typeface="+mn-lt"/>
-              </a:rPr>
-              <a:t>VoxCeleb2</a:t>
-            </a:r>
-            <a:endParaRPr lang="zh-TW" altLang="en-US" dirty="0"/>
-          </a:p>
-          <a:p>
-            <a:r>
-              <a:rPr lang="zh-TW" altLang="en-US" b="1">
-                <a:ea typeface="+mn-lt"/>
-                <a:cs typeface="+mn-lt"/>
-              </a:rPr>
-              <a:t>概述</a:t>
-            </a:r>
-            <a:r>
-              <a:rPr lang="zh-TW" altLang="en-US">
-                <a:ea typeface="+mn-lt"/>
-                <a:cs typeface="+mn-lt"/>
-              </a:rPr>
-              <a:t>：</a:t>
-            </a:r>
-            <a:r>
-              <a:rPr lang="en-US" altLang="zh-TW" dirty="0">
-                <a:ea typeface="+mn-lt"/>
-                <a:cs typeface="+mn-lt"/>
-              </a:rPr>
-              <a:t>VoxCeleb2</a:t>
-            </a:r>
-            <a:r>
-              <a:rPr lang="zh-TW" altLang="en-US">
-                <a:ea typeface="+mn-lt"/>
-                <a:cs typeface="+mn-lt"/>
-              </a:rPr>
-              <a:t> 是一個包含世界各地名人說話影片的視聽數據集，來源於 </a:t>
-            </a:r>
-            <a:r>
-              <a:rPr lang="en-US" altLang="zh-TW" dirty="0">
-                <a:ea typeface="+mn-lt"/>
-                <a:cs typeface="+mn-lt"/>
-              </a:rPr>
-              <a:t>YouTube</a:t>
-            </a:r>
-            <a:r>
-              <a:rPr lang="zh-TW" altLang="en-US">
-                <a:ea typeface="+mn-lt"/>
-                <a:cs typeface="+mn-lt"/>
-              </a:rPr>
-              <a:t> 等平台。</a:t>
-            </a:r>
-            <a:endParaRPr lang="zh-TW" altLang="en-US"/>
-          </a:p>
-          <a:p>
-            <a:r>
-              <a:rPr lang="zh-TW" altLang="en-US" b="1">
-                <a:ea typeface="+mn-lt"/>
-                <a:cs typeface="+mn-lt"/>
-              </a:rPr>
-              <a:t>數據規模</a:t>
-            </a:r>
-            <a:r>
-              <a:rPr lang="zh-TW" altLang="en-US">
-                <a:ea typeface="+mn-lt"/>
-                <a:cs typeface="+mn-lt"/>
-              </a:rPr>
-              <a:t>：超過 </a:t>
-            </a:r>
-            <a:r>
-              <a:rPr lang="en-US" altLang="zh-TW" dirty="0">
-                <a:ea typeface="+mn-lt"/>
-                <a:cs typeface="+mn-lt"/>
-              </a:rPr>
-              <a:t>1,000</a:t>
-            </a:r>
-            <a:r>
-              <a:rPr lang="zh-TW" altLang="en-US">
-                <a:ea typeface="+mn-lt"/>
-                <a:cs typeface="+mn-lt"/>
-              </a:rPr>
-              <a:t> 位名人，</a:t>
-            </a:r>
-            <a:r>
-              <a:rPr lang="en-US" altLang="zh-TW" dirty="0">
-                <a:ea typeface="+mn-lt"/>
-                <a:cs typeface="+mn-lt"/>
-              </a:rPr>
-              <a:t>611,000</a:t>
-            </a:r>
-            <a:r>
-              <a:rPr lang="zh-TW" altLang="en-US">
-                <a:ea typeface="+mn-lt"/>
-                <a:cs typeface="+mn-lt"/>
-              </a:rPr>
-              <a:t> 個片段，總時長超過 </a:t>
-            </a:r>
-            <a:r>
-              <a:rPr lang="en-US" altLang="zh-TW" dirty="0">
-                <a:ea typeface="+mn-lt"/>
-                <a:cs typeface="+mn-lt"/>
-              </a:rPr>
-              <a:t>2,000</a:t>
-            </a:r>
-            <a:r>
-              <a:rPr lang="zh-TW" altLang="en-US">
-                <a:ea typeface="+mn-lt"/>
-                <a:cs typeface="+mn-lt"/>
-              </a:rPr>
-              <a:t> 小時。</a:t>
-            </a:r>
-            <a:endParaRPr lang="zh-TW" altLang="en-US"/>
-          </a:p>
-          <a:p>
-            <a:r>
-              <a:rPr lang="zh-TW" altLang="en-US" b="1">
-                <a:ea typeface="+mn-lt"/>
-                <a:cs typeface="+mn-lt"/>
-              </a:rPr>
-              <a:t>應用</a:t>
-            </a:r>
-            <a:r>
-              <a:rPr lang="zh-TW" altLang="en-US">
-                <a:ea typeface="+mn-lt"/>
-                <a:cs typeface="+mn-lt"/>
-              </a:rPr>
-              <a:t>：用於視聽語音識別、說話人識別等多模態任務，數據多樣性提升了模型的挑戰性。</a:t>
-            </a:r>
-            <a:endParaRPr lang="zh-TW" altLang="en-US"/>
-          </a:p>
-          <a:p>
-            <a:pPr indent="0">
-              <a:buNone/>
-            </a:pPr>
-            <a:r>
-              <a:rPr lang="en-US" altLang="zh-TW" b="1" dirty="0" err="1">
-                <a:ea typeface="+mn-lt"/>
-                <a:cs typeface="+mn-lt"/>
-              </a:rPr>
-              <a:t>AVSpeech</a:t>
-            </a:r>
-            <a:endParaRPr lang="zh-TW" altLang="en-US" dirty="0" err="1"/>
-          </a:p>
-          <a:p>
-            <a:r>
-              <a:rPr lang="zh-TW" altLang="en-US" b="1">
-                <a:ea typeface="+mn-lt"/>
-                <a:cs typeface="+mn-lt"/>
-              </a:rPr>
-              <a:t>概述</a:t>
-            </a:r>
-            <a:r>
-              <a:rPr lang="zh-TW" altLang="en-US">
-                <a:ea typeface="+mn-lt"/>
-                <a:cs typeface="+mn-lt"/>
-              </a:rPr>
-              <a:t>：</a:t>
-            </a:r>
-            <a:r>
-              <a:rPr lang="en-US" altLang="zh-TW" dirty="0" err="1">
-                <a:ea typeface="+mn-lt"/>
-                <a:cs typeface="+mn-lt"/>
-              </a:rPr>
-              <a:t>AVSpeech</a:t>
-            </a:r>
-            <a:r>
-              <a:rPr lang="zh-TW" altLang="en-US">
-                <a:ea typeface="+mn-lt"/>
-                <a:cs typeface="+mn-lt"/>
-              </a:rPr>
-              <a:t> 是專為視聽語音識別設計的數據集，包含不同場景中的公開視頻。</a:t>
-            </a:r>
-            <a:endParaRPr lang="zh-TW" altLang="en-US"/>
-          </a:p>
-          <a:p>
-            <a:r>
-              <a:rPr lang="zh-TW" altLang="en-US" b="1">
-                <a:ea typeface="+mn-lt"/>
-                <a:cs typeface="+mn-lt"/>
-              </a:rPr>
-              <a:t>數據規模</a:t>
-            </a:r>
-            <a:r>
-              <a:rPr lang="zh-TW" altLang="en-US">
-                <a:ea typeface="+mn-lt"/>
-                <a:cs typeface="+mn-lt"/>
-              </a:rPr>
-              <a:t>：約 </a:t>
-            </a:r>
-            <a:r>
-              <a:rPr lang="en-US" altLang="zh-TW" dirty="0">
-                <a:ea typeface="+mn-lt"/>
-                <a:cs typeface="+mn-lt"/>
-              </a:rPr>
-              <a:t>4,700</a:t>
-            </a:r>
-            <a:r>
-              <a:rPr lang="zh-TW" altLang="en-US">
-                <a:ea typeface="+mn-lt"/>
-                <a:cs typeface="+mn-lt"/>
-              </a:rPr>
-              <a:t> 小時的視頻，超過 </a:t>
-            </a:r>
-            <a:r>
-              <a:rPr lang="en-US" altLang="zh-TW" dirty="0">
-                <a:ea typeface="+mn-lt"/>
-                <a:cs typeface="+mn-lt"/>
-              </a:rPr>
-              <a:t>150,000</a:t>
-            </a:r>
-            <a:r>
-              <a:rPr lang="zh-TW" altLang="en-US">
-                <a:ea typeface="+mn-lt"/>
-                <a:cs typeface="+mn-lt"/>
-              </a:rPr>
-              <a:t> 個短片，清晰展示說話人的口型和語音。</a:t>
-            </a:r>
-            <a:endParaRPr lang="zh-TW" altLang="en-US"/>
-          </a:p>
-          <a:p>
-            <a:r>
-              <a:rPr lang="zh-TW" altLang="en-US" b="1">
-                <a:ea typeface="+mn-lt"/>
-                <a:cs typeface="+mn-lt"/>
-              </a:rPr>
-              <a:t>應用</a:t>
-            </a:r>
-            <a:r>
-              <a:rPr lang="zh-TW" altLang="en-US">
-                <a:ea typeface="+mn-lt"/>
-                <a:cs typeface="+mn-lt"/>
-              </a:rPr>
-              <a:t>：主要用於視聽語音識別和口型識別研究，為視聽模型訓練提供重要資源。</a:t>
-            </a:r>
-            <a:endParaRPr lang="zh-TW" altLang="en-US"/>
-          </a:p>
-          <a:p>
-            <a:pPr marL="0" indent="0">
-              <a:buNone/>
-            </a:pPr>
-            <a:endParaRPr lang="zh-TW" b="1" dirty="0">
-              <a:ea typeface="新細明體"/>
-              <a:cs typeface="Calibri"/>
-            </a:endParaRPr>
-          </a:p>
-          <a:p>
-            <a:endParaRPr lang="zh-TW" altLang="en-US" dirty="0">
-              <a:ea typeface="新細明體"/>
-              <a:cs typeface="Calibri"/>
-            </a:endParaRPr>
-          </a:p>
-        </p:txBody>
-      </p:sp>
-      <p:sp>
-        <p:nvSpPr>
-          <p:cNvPr id="4" name="投影片編號版面配置區 3">
-            <a:extLst>
-              <a:ext uri="{FF2B5EF4-FFF2-40B4-BE49-F238E27FC236}">
-                <a16:creationId xmlns:a16="http://schemas.microsoft.com/office/drawing/2014/main" id="{8ABCB6A0-39D8-A343-3BE7-E46212C88215}"/>
-              </a:ext>
-            </a:extLst>
-          </p:cNvPr>
-          <p:cNvSpPr>
-            <a:spLocks noGrp="1"/>
-          </p:cNvSpPr>
-          <p:nvPr>
-            <p:ph type="sldNum" sz="quarter" idx="12"/>
-          </p:nvPr>
-        </p:nvSpPr>
-        <p:spPr/>
-        <p:txBody>
-          <a:bodyPr/>
-          <a:lstStyle/>
-          <a:p>
-            <a:fld id="{C1FF6DA9-008F-8B48-92A6-B652298478BF}" type="slidenum">
-              <a:rPr lang="en-US" smtClean="0"/>
-              <a:t>8</a:t>
-            </a:fld>
-            <a:endParaRPr lang="zh-TW" altLang="en-US"/>
-          </a:p>
-        </p:txBody>
-      </p:sp>
-    </p:spTree>
-    <p:extLst>
-      <p:ext uri="{BB962C8B-B14F-4D97-AF65-F5344CB8AC3E}">
-        <p14:creationId xmlns:p14="http://schemas.microsoft.com/office/powerpoint/2010/main" val="1337622258"/>
-      </p:ext>
-    </p:extLst>
-  </p:cSld>
-  <p:clrMapOvr>
-    <a:masterClrMapping/>
-  </p:clrMapOvr>
-</p:sld>
-</file>
-
-<file path=ppt/slides/slide9.xml><?xml version="1.0" encoding="utf-8"?>
-<p:sld xmlns:a="http://schemas.openxmlformats.org/drawingml/2006/main" xmlns:r="http://schemas.openxmlformats.org/officeDocument/2006/relationships" xmlns:p="http://schemas.openxmlformats.org/presentationml/2006/main">
-  <p:cSld>
-    <p:spTree>
-      <p:nvGrpSpPr>
-        <p:cNvPr id="1" name=""/>
-        <p:cNvGrpSpPr/>
-        <p:nvPr/>
-      </p:nvGrpSpPr>
-      <p:grpSpPr>
-        <a:xfrm>
-          <a:off x="0" y="0"/>
-          <a:ext cx="0" cy="0"/>
-          <a:chOff x="0" y="0"/>
-          <a:chExt cx="0" cy="0"/>
-        </a:xfrm>
-      </p:grpSpPr>
-      <p:sp>
-        <p:nvSpPr>
-          <p:cNvPr id="2" name="Title 1"/>
-          <p:cNvSpPr>
-            <a:spLocks noGrp="1"/>
-          </p:cNvSpPr>
-          <p:nvPr>
-            <p:ph type="title"/>
-          </p:nvPr>
-        </p:nvSpPr>
-        <p:spPr/>
-        <p:txBody>
-          <a:bodyPr/>
-          <a:lstStyle/>
-          <a:p>
-            <a:r>
-              <a:rPr lang="af-ZA" dirty="0">
-                <a:cs typeface="Calibri"/>
-              </a:rPr>
-              <a:t>RESULT</a:t>
-            </a:r>
-            <a:endParaRPr dirty="0"/>
-          </a:p>
-        </p:txBody>
-      </p:sp>
-      <p:sp>
-        <p:nvSpPr>
-          <p:cNvPr id="3" name="Content Placeholder 2"/>
-          <p:cNvSpPr>
-            <a:spLocks noGrp="1"/>
-          </p:cNvSpPr>
-          <p:nvPr>
-            <p:ph idx="1"/>
-          </p:nvPr>
-        </p:nvSpPr>
-        <p:spPr/>
-        <p:txBody>
-          <a:bodyPr vert="horz" lIns="91440" tIns="45720" rIns="91440" bIns="45720" rtlCol="0" anchor="t">
-            <a:normAutofit/>
-          </a:bodyPr>
-          <a:lstStyle/>
-          <a:p>
-            <a:r>
-              <a:rPr sz="1800" dirty="0" err="1"/>
-              <a:t>研究結果顯示</a:t>
-            </a:r>
-            <a:r>
-              <a:rPr sz="1800" dirty="0" smtClean="0"/>
-              <a:t>，</a:t>
-            </a:r>
-            <a:r>
-              <a:rPr lang="zh-TW" altLang="en-US" sz="1800" dirty="0" smtClean="0"/>
-              <a:t>使用聲音及脣形同步辨識，再</a:t>
-            </a:r>
-            <a:r>
-              <a:rPr sz="1800" dirty="0" err="1" smtClean="0"/>
-              <a:t>使用自動生成的轉錄數據來擴展訓練集</a:t>
-            </a:r>
-            <a:r>
-              <a:rPr sz="1800" dirty="0"/>
-              <a:t>，</a:t>
-            </a:r>
-            <a:r>
-              <a:rPr lang="zh-TW" sz="1800" dirty="0">
-                <a:ea typeface="新細明體"/>
-              </a:rPr>
-              <a:t>不僅能</a:t>
-            </a:r>
-            <a:r>
-              <a:rPr lang="zh-TW" altLang="en-US" sz="1800" dirty="0">
-                <a:ea typeface="新細明體"/>
-              </a:rPr>
-              <a:t>取代手工標註，還</a:t>
-            </a:r>
-            <a:r>
-              <a:rPr lang="zh-TW" sz="1800" dirty="0">
-                <a:ea typeface="新細明體"/>
-              </a:rPr>
-              <a:t>可以顯著降低詞錯率</a:t>
-            </a:r>
-            <a:r>
-              <a:rPr sz="1800" dirty="0"/>
-              <a:t>（WER）。</a:t>
-            </a:r>
-            <a:endParaRPr lang="zh-TW" altLang="en-US" sz="1800" dirty="0">
-              <a:cs typeface="Calibri"/>
-            </a:endParaRPr>
-          </a:p>
-        </p:txBody>
-      </p:sp>
-      <p:sp>
-        <p:nvSpPr>
-          <p:cNvPr id="4" name="投影片編號版面配置區 3">
-            <a:extLst>
-              <a:ext uri="{FF2B5EF4-FFF2-40B4-BE49-F238E27FC236}">
-                <a16:creationId xmlns:a16="http://schemas.microsoft.com/office/drawing/2014/main" id="{A87F1B5D-F8E2-ED3D-2E72-EB23BAB0F167}"/>
-              </a:ext>
-            </a:extLst>
-          </p:cNvPr>
-          <p:cNvSpPr>
-            <a:spLocks noGrp="1"/>
-          </p:cNvSpPr>
-          <p:nvPr>
-            <p:ph type="sldNum" sz="quarter" idx="12"/>
-          </p:nvPr>
-        </p:nvSpPr>
-        <p:spPr/>
-        <p:txBody>
-          <a:bodyPr/>
-          <a:lstStyle/>
-          <a:p>
-            <a:fld id="{C1FF6DA9-008F-8B48-92A6-B652298478BF}" type="slidenum">
-              <a:rPr lang="en-US" smtClean="0"/>
-              <a:t>9</a:t>
             </a:fld>
             <a:endParaRPr lang="zh-TW" altLang="en-US"/>
           </a:p>
@@ -13823,6 +9948,3839 @@
         </p:spPr>
       </p:pic>
     </p:spTree>
+  </p:cSld>
+  <p:clrMapOvr>
+    <a:masterClrMapping/>
+  </p:clrMapOvr>
+</p:sld>
+</file>
+
+<file path=ppt/slides/slide12.xml><?xml version="1.0" encoding="utf-8"?>
+<p:sld xmlns:a="http://schemas.openxmlformats.org/drawingml/2006/main" xmlns:r="http://schemas.openxmlformats.org/officeDocument/2006/relationships" xmlns:p="http://schemas.openxmlformats.org/presentationml/2006/main">
+  <p:cSld>
+    <p:spTree>
+      <p:nvGrpSpPr>
+        <p:cNvPr id="1" name=""/>
+        <p:cNvGrpSpPr/>
+        <p:nvPr/>
+      </p:nvGrpSpPr>
+      <p:grpSpPr>
+        <a:xfrm>
+          <a:off x="0" y="0"/>
+          <a:ext cx="0" cy="0"/>
+          <a:chOff x="0" y="0"/>
+          <a:chExt cx="0" cy="0"/>
+        </a:xfrm>
+      </p:grpSpPr>
+      <p:sp>
+        <p:nvSpPr>
+          <p:cNvPr id="2" name="Title 1"/>
+          <p:cNvSpPr>
+            <a:spLocks noGrp="1"/>
+          </p:cNvSpPr>
+          <p:nvPr>
+            <p:ph type="title"/>
+          </p:nvPr>
+        </p:nvSpPr>
+        <p:spPr/>
+        <p:txBody>
+          <a:bodyPr/>
+          <a:lstStyle/>
+          <a:p>
+            <a:r>
+              <a:rPr lang="af-ZA" dirty="0">
+                <a:cs typeface="Calibri"/>
+              </a:rPr>
+              <a:t>RESULT</a:t>
+            </a:r>
+            <a:endParaRPr dirty="0"/>
+          </a:p>
+        </p:txBody>
+      </p:sp>
+      <p:sp>
+        <p:nvSpPr>
+          <p:cNvPr id="3" name="Content Placeholder 2"/>
+          <p:cNvSpPr>
+            <a:spLocks noGrp="1"/>
+          </p:cNvSpPr>
+          <p:nvPr>
+            <p:ph idx="1"/>
+          </p:nvPr>
+        </p:nvSpPr>
+        <p:spPr/>
+        <p:txBody>
+          <a:bodyPr vert="horz" lIns="91440" tIns="45720" rIns="91440" bIns="45720" rtlCol="0" anchor="t">
+            <a:normAutofit/>
+          </a:bodyPr>
+          <a:lstStyle/>
+          <a:p>
+            <a:r>
+              <a:rPr lang="en-US" altLang="zh-TW" sz="1800" dirty="0" smtClean="0">
+                <a:ea typeface="新細明體"/>
+              </a:rPr>
+              <a:t>A</a:t>
+            </a:r>
+            <a:r>
+              <a:rPr lang="zh-TW" altLang="en-US" sz="1800" dirty="0" smtClean="0">
+                <a:ea typeface="新細明體"/>
+              </a:rPr>
+              <a:t>表示只用聲音判定，</a:t>
+            </a:r>
+            <a:r>
+              <a:rPr lang="en-US" altLang="zh-TW" sz="1800" dirty="0" smtClean="0">
+                <a:ea typeface="新細明體"/>
+              </a:rPr>
+              <a:t>AV</a:t>
+            </a:r>
+            <a:r>
+              <a:rPr lang="zh-TW" altLang="en-US" sz="1800" dirty="0" smtClean="0">
+                <a:ea typeface="新細明體"/>
+              </a:rPr>
+              <a:t>則是聲音加唇語，在高訊號低雜訊時兩者</a:t>
+            </a:r>
+            <a:r>
+              <a:rPr lang="en-US" altLang="zh-TW" sz="1800" dirty="0" smtClean="0">
+                <a:ea typeface="新細明體"/>
+              </a:rPr>
+              <a:t>WER</a:t>
+            </a:r>
+            <a:r>
+              <a:rPr lang="zh-TW" altLang="en-US" sz="1800" dirty="0" smtClean="0">
+                <a:ea typeface="新細明體"/>
+              </a:rPr>
+              <a:t>差異不大，但隨著雜訊越高只用聲音錯誤率更高，而加入唇語能降低錯誤率</a:t>
+            </a:r>
+            <a:r>
+              <a:rPr sz="1800" dirty="0" smtClean="0"/>
+              <a:t>。</a:t>
+            </a:r>
+            <a:endParaRPr lang="zh-TW" altLang="en-US" sz="1800" dirty="0">
+              <a:cs typeface="Calibri"/>
+            </a:endParaRPr>
+          </a:p>
+        </p:txBody>
+      </p:sp>
+      <p:sp>
+        <p:nvSpPr>
+          <p:cNvPr id="4" name="投影片編號版面配置區 3">
+            <a:extLst>
+              <a:ext uri="{FF2B5EF4-FFF2-40B4-BE49-F238E27FC236}">
+                <a16:creationId xmlns:a16="http://schemas.microsoft.com/office/drawing/2014/main" id="{A87F1B5D-F8E2-ED3D-2E72-EB23BAB0F167}"/>
+              </a:ext>
+            </a:extLst>
+          </p:cNvPr>
+          <p:cNvSpPr>
+            <a:spLocks noGrp="1"/>
+          </p:cNvSpPr>
+          <p:nvPr>
+            <p:ph type="sldNum" sz="quarter" idx="12"/>
+          </p:nvPr>
+        </p:nvSpPr>
+        <p:spPr/>
+        <p:txBody>
+          <a:bodyPr/>
+          <a:lstStyle/>
+          <a:p>
+            <a:fld id="{C1FF6DA9-008F-8B48-92A6-B652298478BF}" type="slidenum">
+              <a:rPr lang="en-US" smtClean="0"/>
+              <a:t>12</a:t>
+            </a:fld>
+            <a:endParaRPr lang="zh-TW" altLang="en-US"/>
+          </a:p>
+        </p:txBody>
+      </p:sp>
+      <p:pic>
+        <p:nvPicPr>
+          <p:cNvPr id="6" name="圖片 5"/>
+          <p:cNvPicPr>
+            <a:picLocks noChangeAspect="1"/>
+          </p:cNvPicPr>
+          <p:nvPr/>
+        </p:nvPicPr>
+        <p:blipFill rotWithShape="1">
+          <a:blip r:embed="rId3"/>
+          <a:srcRect l="57213" t="36958" r="18688" b="44098"/>
+          <a:stretch/>
+        </p:blipFill>
+        <p:spPr>
+          <a:xfrm>
+            <a:off x="1056806" y="2788170"/>
+            <a:ext cx="7030388" cy="3108675"/>
+          </a:xfrm>
+          <a:prstGeom prst="rect">
+            <a:avLst/>
+          </a:prstGeom>
+        </p:spPr>
+      </p:pic>
+    </p:spTree>
+    <p:extLst>
+      <p:ext uri="{BB962C8B-B14F-4D97-AF65-F5344CB8AC3E}">
+        <p14:creationId xmlns:p14="http://schemas.microsoft.com/office/powerpoint/2010/main" val="3708820475"/>
+      </p:ext>
+    </p:extLst>
+  </p:cSld>
+  <p:clrMapOvr>
+    <a:masterClrMapping/>
+  </p:clrMapOvr>
+</p:sld>
+</file>
+
+<file path=ppt/slides/slide13.xml><?xml version="1.0" encoding="utf-8"?>
+<p:sld xmlns:a="http://schemas.openxmlformats.org/drawingml/2006/main" xmlns:r="http://schemas.openxmlformats.org/officeDocument/2006/relationships" xmlns:p="http://schemas.openxmlformats.org/presentationml/2006/main">
+  <p:cSld>
+    <p:spTree>
+      <p:nvGrpSpPr>
+        <p:cNvPr id="1" name=""/>
+        <p:cNvGrpSpPr/>
+        <p:nvPr/>
+      </p:nvGrpSpPr>
+      <p:grpSpPr>
+        <a:xfrm>
+          <a:off x="0" y="0"/>
+          <a:ext cx="0" cy="0"/>
+          <a:chOff x="0" y="0"/>
+          <a:chExt cx="0" cy="0"/>
+        </a:xfrm>
+      </p:grpSpPr>
+      <p:sp>
+        <p:nvSpPr>
+          <p:cNvPr id="2" name="Title 1"/>
+          <p:cNvSpPr>
+            <a:spLocks noGrp="1"/>
+          </p:cNvSpPr>
+          <p:nvPr>
+            <p:ph type="title"/>
+          </p:nvPr>
+        </p:nvSpPr>
+        <p:spPr/>
+        <p:txBody>
+          <a:bodyPr/>
+          <a:lstStyle/>
+          <a:p>
+            <a:r>
+              <a:rPr lang="zh-TW" altLang="en-US" dirty="0" smtClean="0">
+                <a:cs typeface="Calibri"/>
+              </a:rPr>
+              <a:t>結論</a:t>
+            </a:r>
+            <a:endParaRPr dirty="0"/>
+          </a:p>
+        </p:txBody>
+      </p:sp>
+      <p:sp>
+        <p:nvSpPr>
+          <p:cNvPr id="3" name="Content Placeholder 2"/>
+          <p:cNvSpPr>
+            <a:spLocks noGrp="1"/>
+          </p:cNvSpPr>
+          <p:nvPr>
+            <p:ph idx="1"/>
+          </p:nvPr>
+        </p:nvSpPr>
+        <p:spPr/>
+        <p:txBody>
+          <a:bodyPr vert="horz" lIns="91440" tIns="45720" rIns="91440" bIns="45720" rtlCol="0" anchor="t">
+            <a:normAutofit/>
+          </a:bodyPr>
+          <a:lstStyle/>
+          <a:p>
+            <a:r>
+              <a:rPr lang="zh-TW" altLang="en-US" sz="1800" dirty="0" smtClean="0">
+                <a:ea typeface="新細明體"/>
+              </a:rPr>
+              <a:t>本研究運用聲音搭配唇形的影像辨識大幅提高語音內容辨識正確率</a:t>
+            </a:r>
+            <a:endParaRPr lang="zh-TW" altLang="en-US" sz="1800" dirty="0">
+              <a:cs typeface="Calibri"/>
+            </a:endParaRPr>
+          </a:p>
+        </p:txBody>
+      </p:sp>
+      <p:sp>
+        <p:nvSpPr>
+          <p:cNvPr id="4" name="投影片編號版面配置區 3">
+            <a:extLst>
+              <a:ext uri="{FF2B5EF4-FFF2-40B4-BE49-F238E27FC236}">
+                <a16:creationId xmlns:a16="http://schemas.microsoft.com/office/drawing/2014/main" id="{A87F1B5D-F8E2-ED3D-2E72-EB23BAB0F167}"/>
+              </a:ext>
+            </a:extLst>
+          </p:cNvPr>
+          <p:cNvSpPr>
+            <a:spLocks noGrp="1"/>
+          </p:cNvSpPr>
+          <p:nvPr>
+            <p:ph type="sldNum" sz="quarter" idx="12"/>
+          </p:nvPr>
+        </p:nvSpPr>
+        <p:spPr/>
+        <p:txBody>
+          <a:bodyPr/>
+          <a:lstStyle/>
+          <a:p>
+            <a:fld id="{C1FF6DA9-008F-8B48-92A6-B652298478BF}" type="slidenum">
+              <a:rPr lang="en-US" smtClean="0"/>
+              <a:t>13</a:t>
+            </a:fld>
+            <a:endParaRPr lang="zh-TW" altLang="en-US"/>
+          </a:p>
+        </p:txBody>
+      </p:sp>
+    </p:spTree>
+    <p:extLst>
+      <p:ext uri="{BB962C8B-B14F-4D97-AF65-F5344CB8AC3E}">
+        <p14:creationId xmlns:p14="http://schemas.microsoft.com/office/powerpoint/2010/main" val="67855328"/>
+      </p:ext>
+    </p:extLst>
+  </p:cSld>
+  <p:clrMapOvr>
+    <a:masterClrMapping/>
+  </p:clrMapOvr>
+</p:sld>
+</file>
+
+<file path=ppt/slides/slide14.xml><?xml version="1.0" encoding="utf-8"?>
+<p:sld xmlns:a="http://schemas.openxmlformats.org/drawingml/2006/main" xmlns:r="http://schemas.openxmlformats.org/officeDocument/2006/relationships" xmlns:p="http://schemas.openxmlformats.org/presentationml/2006/main">
+  <p:cSld>
+    <p:spTree>
+      <p:nvGrpSpPr>
+        <p:cNvPr id="1" name=""/>
+        <p:cNvGrpSpPr/>
+        <p:nvPr/>
+      </p:nvGrpSpPr>
+      <p:grpSpPr>
+        <a:xfrm>
+          <a:off x="0" y="0"/>
+          <a:ext cx="0" cy="0"/>
+          <a:chOff x="0" y="0"/>
+          <a:chExt cx="0" cy="0"/>
+        </a:xfrm>
+      </p:grpSpPr>
+      <p:sp>
+        <p:nvSpPr>
+          <p:cNvPr id="2" name="標題 1">
+            <a:extLst>
+              <a:ext uri="{FF2B5EF4-FFF2-40B4-BE49-F238E27FC236}">
+                <a16:creationId xmlns:a16="http://schemas.microsoft.com/office/drawing/2014/main" id="{1C5145E7-1DA2-290D-70FE-4A0455EAF62B}"/>
+              </a:ext>
+            </a:extLst>
+          </p:cNvPr>
+          <p:cNvSpPr>
+            <a:spLocks noGrp="1"/>
+          </p:cNvSpPr>
+          <p:nvPr>
+            <p:ph type="title"/>
+          </p:nvPr>
+        </p:nvSpPr>
+        <p:spPr/>
+        <p:txBody>
+          <a:bodyPr/>
+          <a:lstStyle/>
+          <a:p>
+            <a:endParaRPr lang="zh-TW" altLang="en-US"/>
+          </a:p>
+        </p:txBody>
+      </p:sp>
+      <p:sp>
+        <p:nvSpPr>
+          <p:cNvPr id="3" name="內容版面配置區 2">
+            <a:extLst>
+              <a:ext uri="{FF2B5EF4-FFF2-40B4-BE49-F238E27FC236}">
+                <a16:creationId xmlns:a16="http://schemas.microsoft.com/office/drawing/2014/main" id="{1EAC5477-4418-042D-1EB0-1AD8F3229D2C}"/>
+              </a:ext>
+            </a:extLst>
+          </p:cNvPr>
+          <p:cNvSpPr>
+            <a:spLocks noGrp="1"/>
+          </p:cNvSpPr>
+          <p:nvPr>
+            <p:ph idx="1"/>
+          </p:nvPr>
+        </p:nvSpPr>
+        <p:spPr/>
+        <p:txBody>
+          <a:bodyPr vert="horz" lIns="91440" tIns="45720" rIns="91440" bIns="45720" rtlCol="0" anchor="t">
+            <a:normAutofit/>
+          </a:bodyPr>
+          <a:lstStyle/>
+          <a:p>
+            <a:pPr marL="0" indent="0">
+              <a:buNone/>
+            </a:pPr>
+            <a:r>
+              <a:rPr lang="zh-TW" altLang="en-US" sz="5400">
+                <a:latin typeface="Times New Roman"/>
+                <a:ea typeface="新細明體"/>
+                <a:cs typeface="Times New Roman"/>
+              </a:rPr>
+              <a:t>      </a:t>
+            </a:r>
+            <a:r>
+              <a:rPr lang="zh-TW" sz="5400">
+                <a:latin typeface="Times New Roman"/>
+                <a:ea typeface="新細明體"/>
+                <a:cs typeface="Times New Roman"/>
+              </a:rPr>
+              <a:t>Thanks for listening</a:t>
+            </a:r>
+            <a:endParaRPr lang="zh-TW" altLang="en-US">
+              <a:ea typeface="新細明體"/>
+              <a:cs typeface="Calibri"/>
+            </a:endParaRPr>
+          </a:p>
+        </p:txBody>
+      </p:sp>
+      <p:sp>
+        <p:nvSpPr>
+          <p:cNvPr id="4" name="投影片編號版面配置區 3">
+            <a:extLst>
+              <a:ext uri="{FF2B5EF4-FFF2-40B4-BE49-F238E27FC236}">
+                <a16:creationId xmlns:a16="http://schemas.microsoft.com/office/drawing/2014/main" id="{94451F37-177D-FCF0-F344-3488B665D2A5}"/>
+              </a:ext>
+            </a:extLst>
+          </p:cNvPr>
+          <p:cNvSpPr>
+            <a:spLocks noGrp="1"/>
+          </p:cNvSpPr>
+          <p:nvPr>
+            <p:ph type="sldNum" sz="quarter" idx="12"/>
+          </p:nvPr>
+        </p:nvSpPr>
+        <p:spPr/>
+        <p:txBody>
+          <a:bodyPr/>
+          <a:lstStyle/>
+          <a:p>
+            <a:fld id="{C1FF6DA9-008F-8B48-92A6-B652298478BF}" type="slidenum">
+              <a:rPr lang="en-US" smtClean="0"/>
+              <a:t>14</a:t>
+            </a:fld>
+            <a:endParaRPr lang="zh-TW" altLang="en-US"/>
+          </a:p>
+        </p:txBody>
+      </p:sp>
+    </p:spTree>
+    <p:extLst>
+      <p:ext uri="{BB962C8B-B14F-4D97-AF65-F5344CB8AC3E}">
+        <p14:creationId xmlns:p14="http://schemas.microsoft.com/office/powerpoint/2010/main" val="550645394"/>
+      </p:ext>
+    </p:extLst>
+  </p:cSld>
+  <p:clrMapOvr>
+    <a:masterClrMapping/>
+  </p:clrMapOvr>
+</p:sld>
+</file>
+
+<file path=ppt/slides/slide2.xml><?xml version="1.0" encoding="utf-8"?>
+<p:sld xmlns:a="http://schemas.openxmlformats.org/drawingml/2006/main" xmlns:r="http://schemas.openxmlformats.org/officeDocument/2006/relationships" xmlns:p="http://schemas.openxmlformats.org/presentationml/2006/main">
+  <p:cSld>
+    <p:bg>
+      <p:bgPr>
+        <a:solidFill>
+          <a:schemeClr val="bg1"/>
+        </a:solidFill>
+        <a:effectLst/>
+      </p:bgPr>
+    </p:bg>
+    <p:spTree>
+      <p:nvGrpSpPr>
+        <p:cNvPr id="1" name=""/>
+        <p:cNvGrpSpPr/>
+        <p:nvPr/>
+      </p:nvGrpSpPr>
+      <p:grpSpPr>
+        <a:xfrm>
+          <a:off x="0" y="0"/>
+          <a:ext cx="0" cy="0"/>
+          <a:chOff x="0" y="0"/>
+          <a:chExt cx="0" cy="0"/>
+        </a:xfrm>
+      </p:grpSpPr>
+      <p:sp useBgFill="1">
+        <p:nvSpPr>
+          <p:cNvPr id="9" name="Rectangle 8">
+            <a:extLst>
+              <a:ext uri="{FF2B5EF4-FFF2-40B4-BE49-F238E27FC236}">
+                <a16:creationId xmlns:a16="http://schemas.microsoft.com/office/drawing/2014/main" id="{BACC6370-2D7E-4714-9D71-7542949D7D5D}"/>
+              </a:ext>
+              <a:ext uri="{C183D7F6-B498-43B3-948B-1728B52AA6E4}">
+                <adec:decorative xmlns:adec="http://schemas.microsoft.com/office/drawing/2017/decorative" xmlns="" val="1"/>
+              </a:ext>
+            </a:extLst>
+          </p:cNvPr>
+          <p:cNvSpPr>
+            <a:spLocks noGrp="1" noRot="1" noChangeAspect="1" noMove="1" noResize="1" noEditPoints="1" noAdjustHandles="1" noChangeArrowheads="1" noChangeShapeType="1" noTextEdit="1"/>
+          </p:cNvSpPr>
+          <p:nvPr>
+            <p:extLst>
+              <p:ext uri="{386F3935-93C4-4BCD-93E2-E3B085C9AB24}">
+                <p16:designElem xmlns:p16="http://schemas.microsoft.com/office/powerpoint/2015/main" val="1"/>
+              </p:ext>
+            </p:extLst>
+          </p:nvPr>
+        </p:nvSpPr>
+        <p:spPr>
+          <a:xfrm>
+            <a:off x="0" y="0"/>
+            <a:ext cx="9144000" cy="6858000"/>
+          </a:xfrm>
+          <a:prstGeom prst="rect">
+            <a:avLst/>
+          </a:prstGeom>
+          <a:ln w="12700" cap="flat" cmpd="sng" algn="ctr">
+            <a:noFill/>
+            <a:prstDash val="solid"/>
+            <a:miter lim="800000"/>
+          </a:ln>
+          <a:effectLst/>
+          <a:extLst>
+            <a:ext uri="{91240B29-F687-4F45-9708-019B960494DF}">
+              <a14:hiddenLine xmlns:a14="http://schemas.microsoft.com/office/drawing/2010/main" w="12700" cap="flat" cmpd="sng" algn="ctr">
+                <a:solidFill>
+                  <a:schemeClr val="accent1">
+                    <a:shade val="50000"/>
+                  </a:schemeClr>
+                </a:solidFill>
+                <a:prstDash val="solid"/>
+                <a:miter lim="800000"/>
+              </a14:hiddenLine>
+            </a:ext>
+          </a:extLst>
+        </p:spPr>
+        <p:style>
+          <a:lnRef idx="2">
+            <a:schemeClr val="accent1">
+              <a:shade val="50000"/>
+            </a:schemeClr>
+          </a:lnRef>
+          <a:fillRef idx="1">
+            <a:schemeClr val="accent1"/>
+          </a:fillRef>
+          <a:effectRef idx="0">
+            <a:schemeClr val="accent1"/>
+          </a:effectRef>
+          <a:fontRef idx="minor">
+            <a:schemeClr val="lt1"/>
+          </a:fontRef>
+        </p:style>
+        <p:txBody>
+          <a:bodyPr rtlCol="0" anchor="ctr"/>
+          <a:lstStyle/>
+          <a:p>
+            <a:pPr algn="ctr"/>
+            <a:endParaRPr lang="en-US"/>
+          </a:p>
+        </p:txBody>
+      </p:sp>
+      <p:sp>
+        <p:nvSpPr>
+          <p:cNvPr id="11" name="Rectangle 10">
+            <a:extLst>
+              <a:ext uri="{FF2B5EF4-FFF2-40B4-BE49-F238E27FC236}">
+                <a16:creationId xmlns:a16="http://schemas.microsoft.com/office/drawing/2014/main" id="{256B2C21-A230-48C0-8DF1-C46611373C44}"/>
+              </a:ext>
+              <a:ext uri="{C183D7F6-B498-43B3-948B-1728B52AA6E4}">
+                <adec:decorative xmlns:adec="http://schemas.microsoft.com/office/drawing/2017/decorative" xmlns="" val="1"/>
+              </a:ext>
+            </a:extLst>
+          </p:cNvPr>
+          <p:cNvSpPr>
+            <a:spLocks noGrp="1" noRot="1" noChangeAspect="1" noMove="1" noResize="1" noEditPoints="1" noAdjustHandles="1" noChangeArrowheads="1" noChangeShapeType="1" noTextEdit="1"/>
+          </p:cNvSpPr>
+          <p:nvPr>
+            <p:extLst>
+              <p:ext uri="{386F3935-93C4-4BCD-93E2-E3B085C9AB24}">
+                <p16:designElem xmlns:p16="http://schemas.microsoft.com/office/powerpoint/2015/main" val="1"/>
+              </p:ext>
+            </p:extLst>
+          </p:nvPr>
+        </p:nvSpPr>
+        <p:spPr>
+          <a:xfrm rot="5400000" flipH="1">
+            <a:off x="-1914813" y="1914812"/>
+            <a:ext cx="6858000" cy="3028377"/>
+          </a:xfrm>
+          <a:prstGeom prst="rect">
+            <a:avLst/>
+          </a:prstGeom>
+          <a:gradFill>
+            <a:gsLst>
+              <a:gs pos="8000">
+                <a:srgbClr val="000000"/>
+              </a:gs>
+              <a:gs pos="100000">
+                <a:schemeClr val="accent1">
+                  <a:lumMod val="75000"/>
+                </a:schemeClr>
+              </a:gs>
+            </a:gsLst>
+            <a:lin ang="3000000" scaled="0"/>
+          </a:gradFill>
+          <a:ln>
+            <a:noFill/>
+          </a:ln>
+        </p:spPr>
+        <p:style>
+          <a:lnRef idx="2">
+            <a:schemeClr val="accent1">
+              <a:shade val="50000"/>
+            </a:schemeClr>
+          </a:lnRef>
+          <a:fillRef idx="1">
+            <a:schemeClr val="accent1"/>
+          </a:fillRef>
+          <a:effectRef idx="0">
+            <a:schemeClr val="accent1"/>
+          </a:effectRef>
+          <a:fontRef idx="minor">
+            <a:schemeClr val="lt1"/>
+          </a:fontRef>
+        </p:style>
+        <p:txBody>
+          <a:bodyPr rtlCol="0" anchor="ctr"/>
+          <a:lstStyle/>
+          <a:p>
+            <a:pPr algn="ctr"/>
+            <a:endParaRPr lang="en-US"/>
+          </a:p>
+        </p:txBody>
+      </p:sp>
+      <p:sp>
+        <p:nvSpPr>
+          <p:cNvPr id="13" name="Rectangle 12">
+            <a:extLst>
+              <a:ext uri="{FF2B5EF4-FFF2-40B4-BE49-F238E27FC236}">
+                <a16:creationId xmlns:a16="http://schemas.microsoft.com/office/drawing/2014/main" id="{3847E18C-932D-4C95-AABA-FEC7C9499AD7}"/>
+              </a:ext>
+              <a:ext uri="{C183D7F6-B498-43B3-948B-1728B52AA6E4}">
+                <adec:decorative xmlns:adec="http://schemas.microsoft.com/office/drawing/2017/decorative" xmlns="" val="1"/>
+              </a:ext>
+            </a:extLst>
+          </p:cNvPr>
+          <p:cNvSpPr>
+            <a:spLocks noGrp="1" noRot="1" noChangeAspect="1" noMove="1" noResize="1" noEditPoints="1" noAdjustHandles="1" noChangeArrowheads="1" noChangeShapeType="1" noTextEdit="1"/>
+          </p:cNvSpPr>
+          <p:nvPr>
+            <p:extLst>
+              <p:ext uri="{386F3935-93C4-4BCD-93E2-E3B085C9AB24}">
+                <p16:designElem xmlns:p16="http://schemas.microsoft.com/office/powerpoint/2015/main" val="1"/>
+              </p:ext>
+            </p:extLst>
+          </p:nvPr>
+        </p:nvSpPr>
+        <p:spPr>
+          <a:xfrm rot="5400000" flipH="1">
+            <a:off x="-1914814" y="1924949"/>
+            <a:ext cx="6857999" cy="3028379"/>
+          </a:xfrm>
+          <a:prstGeom prst="rect">
+            <a:avLst/>
+          </a:prstGeom>
+          <a:gradFill>
+            <a:gsLst>
+              <a:gs pos="0">
+                <a:srgbClr val="000000">
+                  <a:alpha val="0"/>
+                </a:srgbClr>
+              </a:gs>
+              <a:gs pos="99000">
+                <a:schemeClr val="accent1">
+                  <a:alpha val="46000"/>
+                </a:schemeClr>
+              </a:gs>
+            </a:gsLst>
+            <a:lin ang="1800000" scaled="0"/>
+          </a:gradFill>
+          <a:ln>
+            <a:noFill/>
+          </a:ln>
+        </p:spPr>
+        <p:style>
+          <a:lnRef idx="2">
+            <a:schemeClr val="accent1">
+              <a:shade val="50000"/>
+            </a:schemeClr>
+          </a:lnRef>
+          <a:fillRef idx="1">
+            <a:schemeClr val="accent1"/>
+          </a:fillRef>
+          <a:effectRef idx="0">
+            <a:schemeClr val="accent1"/>
+          </a:effectRef>
+          <a:fontRef idx="minor">
+            <a:schemeClr val="lt1"/>
+          </a:fontRef>
+        </p:style>
+        <p:txBody>
+          <a:bodyPr rtlCol="0" anchor="ctr"/>
+          <a:lstStyle/>
+          <a:p>
+            <a:pPr algn="ctr"/>
+            <a:endParaRPr lang="en-US"/>
+          </a:p>
+        </p:txBody>
+      </p:sp>
+      <p:sp>
+        <p:nvSpPr>
+          <p:cNvPr id="15" name="Rectangle 14">
+            <a:extLst>
+              <a:ext uri="{FF2B5EF4-FFF2-40B4-BE49-F238E27FC236}">
+                <a16:creationId xmlns:a16="http://schemas.microsoft.com/office/drawing/2014/main" id="{3150CB11-0C61-439E-910F-5787759E72A0}"/>
+              </a:ext>
+              <a:ext uri="{C183D7F6-B498-43B3-948B-1728B52AA6E4}">
+                <adec:decorative xmlns:adec="http://schemas.microsoft.com/office/drawing/2017/decorative" xmlns="" val="1"/>
+              </a:ext>
+            </a:extLst>
+          </p:cNvPr>
+          <p:cNvSpPr>
+            <a:spLocks noGrp="1" noRot="1" noChangeAspect="1" noMove="1" noResize="1" noEditPoints="1" noAdjustHandles="1" noChangeArrowheads="1" noChangeShapeType="1" noTextEdit="1"/>
+          </p:cNvSpPr>
+          <p:nvPr>
+            <p:extLst>
+              <p:ext uri="{386F3935-93C4-4BCD-93E2-E3B085C9AB24}">
+                <p16:designElem xmlns:p16="http://schemas.microsoft.com/office/powerpoint/2015/main" val="1"/>
+              </p:ext>
+            </p:extLst>
+          </p:nvPr>
+        </p:nvSpPr>
+        <p:spPr>
+          <a:xfrm rot="5400000" flipH="1">
+            <a:off x="263195" y="4092815"/>
+            <a:ext cx="2501979" cy="3028381"/>
+          </a:xfrm>
+          <a:prstGeom prst="rect">
+            <a:avLst/>
+          </a:prstGeom>
+          <a:gradFill>
+            <a:gsLst>
+              <a:gs pos="2000">
+                <a:schemeClr val="accent1">
+                  <a:alpha val="29000"/>
+                </a:schemeClr>
+              </a:gs>
+              <a:gs pos="100000">
+                <a:srgbClr val="000000">
+                  <a:alpha val="30000"/>
+                </a:srgbClr>
+              </a:gs>
+            </a:gsLst>
+            <a:lin ang="7800000" scaled="0"/>
+          </a:gradFill>
+          <a:ln>
+            <a:noFill/>
+          </a:ln>
+        </p:spPr>
+        <p:style>
+          <a:lnRef idx="2">
+            <a:schemeClr val="accent1">
+              <a:shade val="50000"/>
+            </a:schemeClr>
+          </a:lnRef>
+          <a:fillRef idx="1">
+            <a:schemeClr val="accent1"/>
+          </a:fillRef>
+          <a:effectRef idx="0">
+            <a:schemeClr val="accent1"/>
+          </a:effectRef>
+          <a:fontRef idx="minor">
+            <a:schemeClr val="lt1"/>
+          </a:fontRef>
+        </p:style>
+        <p:txBody>
+          <a:bodyPr rtlCol="0" anchor="ctr"/>
+          <a:lstStyle/>
+          <a:p>
+            <a:pPr algn="ctr"/>
+            <a:endParaRPr lang="en-US" dirty="0"/>
+          </a:p>
+        </p:txBody>
+      </p:sp>
+      <p:sp>
+        <p:nvSpPr>
+          <p:cNvPr id="17" name="Freeform: Shape 16">
+            <a:extLst>
+              <a:ext uri="{FF2B5EF4-FFF2-40B4-BE49-F238E27FC236}">
+                <a16:creationId xmlns:a16="http://schemas.microsoft.com/office/drawing/2014/main" id="{43F8A58B-5155-44CE-A5FF-7647B47D0A7A}"/>
+              </a:ext>
+              <a:ext uri="{C183D7F6-B498-43B3-948B-1728B52AA6E4}">
+                <adec:decorative xmlns:adec="http://schemas.microsoft.com/office/drawing/2017/decorative" xmlns="" val="1"/>
+              </a:ext>
+            </a:extLst>
+          </p:cNvPr>
+          <p:cNvSpPr>
+            <a:spLocks noGrp="1" noRot="1" noChangeAspect="1" noMove="1" noResize="1" noEditPoints="1" noAdjustHandles="1" noChangeArrowheads="1" noChangeShapeType="1" noTextEdit="1"/>
+          </p:cNvSpPr>
+          <p:nvPr>
+            <p:extLst>
+              <p:ext uri="{386F3935-93C4-4BCD-93E2-E3B085C9AB24}">
+                <p16:designElem xmlns:p16="http://schemas.microsoft.com/office/powerpoint/2015/main" val="1"/>
+              </p:ext>
+            </p:extLst>
+          </p:nvPr>
+        </p:nvSpPr>
+        <p:spPr>
+          <a:xfrm rot="20635413">
+            <a:off x="-376302" y="969718"/>
+            <a:ext cx="2925267" cy="4178958"/>
+          </a:xfrm>
+          <a:custGeom>
+            <a:avLst/>
+            <a:gdLst>
+              <a:gd name="connsiteX0" fmla="*/ 2432225 w 3900357"/>
+              <a:gd name="connsiteY0" fmla="*/ 93939 h 4178958"/>
+              <a:gd name="connsiteX1" fmla="*/ 3900357 w 3900357"/>
+              <a:gd name="connsiteY1" fmla="*/ 2089479 h 4178958"/>
+              <a:gd name="connsiteX2" fmla="*/ 1810878 w 3900357"/>
+              <a:gd name="connsiteY2" fmla="*/ 4178958 h 4178958"/>
+              <a:gd name="connsiteX3" fmla="*/ 78249 w 3900357"/>
+              <a:gd name="connsiteY3" fmla="*/ 3257727 h 4178958"/>
+              <a:gd name="connsiteX4" fmla="*/ 0 w 3900357"/>
+              <a:gd name="connsiteY4" fmla="*/ 3128923 h 4178958"/>
+              <a:gd name="connsiteX5" fmla="*/ 831324 w 3900357"/>
+              <a:gd name="connsiteY5" fmla="*/ 244281 h 4178958"/>
+              <a:gd name="connsiteX6" fmla="*/ 997559 w 3900357"/>
+              <a:gd name="connsiteY6" fmla="*/ 164202 h 4178958"/>
+              <a:gd name="connsiteX7" fmla="*/ 1810878 w 3900357"/>
+              <a:gd name="connsiteY7" fmla="*/ 0 h 4178958"/>
+              <a:gd name="connsiteX8" fmla="*/ 2432225 w 3900357"/>
+              <a:gd name="connsiteY8" fmla="*/ 93939 h 4178958"/>
+            </a:gdLst>
+            <a:ahLst/>
+            <a:cxnLst>
+              <a:cxn ang="0">
+                <a:pos x="connsiteX0" y="connsiteY0"/>
+              </a:cxn>
+              <a:cxn ang="0">
+                <a:pos x="connsiteX1" y="connsiteY1"/>
+              </a:cxn>
+              <a:cxn ang="0">
+                <a:pos x="connsiteX2" y="connsiteY2"/>
+              </a:cxn>
+              <a:cxn ang="0">
+                <a:pos x="connsiteX3" y="connsiteY3"/>
+              </a:cxn>
+              <a:cxn ang="0">
+                <a:pos x="connsiteX4" y="connsiteY4"/>
+              </a:cxn>
+              <a:cxn ang="0">
+                <a:pos x="connsiteX5" y="connsiteY5"/>
+              </a:cxn>
+              <a:cxn ang="0">
+                <a:pos x="connsiteX6" y="connsiteY6"/>
+              </a:cxn>
+              <a:cxn ang="0">
+                <a:pos x="connsiteX7" y="connsiteY7"/>
+              </a:cxn>
+              <a:cxn ang="0">
+                <a:pos x="connsiteX8" y="connsiteY8"/>
+              </a:cxn>
+            </a:cxnLst>
+            <a:rect l="l" t="t" r="r" b="b"/>
+            <a:pathLst>
+              <a:path w="3900357" h="4178958">
+                <a:moveTo>
+                  <a:pt x="2432225" y="93939"/>
+                </a:moveTo>
+                <a:cubicBezTo>
+                  <a:pt x="3282786" y="358491"/>
+                  <a:pt x="3900357" y="1151865"/>
+                  <a:pt x="3900357" y="2089479"/>
+                </a:cubicBezTo>
+                <a:cubicBezTo>
+                  <a:pt x="3900357" y="3243466"/>
+                  <a:pt x="2964865" y="4178958"/>
+                  <a:pt x="1810878" y="4178958"/>
+                </a:cubicBezTo>
+                <a:cubicBezTo>
+                  <a:pt x="1089636" y="4178958"/>
+                  <a:pt x="453744" y="3813531"/>
+                  <a:pt x="78249" y="3257727"/>
+                </a:cubicBezTo>
+                <a:lnTo>
+                  <a:pt x="0" y="3128923"/>
+                </a:lnTo>
+                <a:lnTo>
+                  <a:pt x="831324" y="244281"/>
+                </a:lnTo>
+                <a:lnTo>
+                  <a:pt x="997559" y="164202"/>
+                </a:lnTo>
+                <a:cubicBezTo>
+                  <a:pt x="1247540" y="58468"/>
+                  <a:pt x="1522381" y="0"/>
+                  <a:pt x="1810878" y="0"/>
+                </a:cubicBezTo>
+                <a:cubicBezTo>
+                  <a:pt x="2027251" y="0"/>
+                  <a:pt x="2235942" y="32888"/>
+                  <a:pt x="2432225" y="93939"/>
+                </a:cubicBezTo>
+                <a:close/>
+              </a:path>
+            </a:pathLst>
+          </a:custGeom>
+          <a:gradFill>
+            <a:gsLst>
+              <a:gs pos="29000">
+                <a:srgbClr val="000000">
+                  <a:alpha val="0"/>
+                </a:srgbClr>
+              </a:gs>
+              <a:gs pos="100000">
+                <a:schemeClr val="accent1">
+                  <a:alpha val="43000"/>
+                </a:schemeClr>
+              </a:gs>
+            </a:gsLst>
+            <a:lin ang="1800000" scaled="0"/>
+          </a:gradFill>
+          <a:ln>
+            <a:noFill/>
+          </a:ln>
+        </p:spPr>
+        <p:style>
+          <a:lnRef idx="2">
+            <a:schemeClr val="accent1">
+              <a:shade val="50000"/>
+            </a:schemeClr>
+          </a:lnRef>
+          <a:fillRef idx="1">
+            <a:schemeClr val="accent1"/>
+          </a:fillRef>
+          <a:effectRef idx="0">
+            <a:schemeClr val="accent1"/>
+          </a:effectRef>
+          <a:fontRef idx="minor">
+            <a:schemeClr val="lt1"/>
+          </a:fontRef>
+        </p:style>
+        <p:txBody>
+          <a:bodyPr wrap="square" rtlCol="0" anchor="ctr">
+            <a:noAutofit/>
+          </a:bodyPr>
+          <a:lstStyle/>
+          <a:p>
+            <a:pPr algn="ctr"/>
+            <a:endParaRPr lang="en-US" dirty="0"/>
+          </a:p>
+        </p:txBody>
+      </p:sp>
+      <p:sp>
+        <p:nvSpPr>
+          <p:cNvPr id="19" name="Rectangle 18">
+            <a:extLst>
+              <a:ext uri="{FF2B5EF4-FFF2-40B4-BE49-F238E27FC236}">
+                <a16:creationId xmlns:a16="http://schemas.microsoft.com/office/drawing/2014/main" id="{443F2ACA-E6D6-4028-82DD-F03C262D5DE6}"/>
+              </a:ext>
+              <a:ext uri="{C183D7F6-B498-43B3-948B-1728B52AA6E4}">
+                <adec:decorative xmlns:adec="http://schemas.microsoft.com/office/drawing/2017/decorative" xmlns="" val="1"/>
+              </a:ext>
+            </a:extLst>
+          </p:cNvPr>
+          <p:cNvSpPr>
+            <a:spLocks noGrp="1" noRot="1" noChangeAspect="1" noMove="1" noResize="1" noEditPoints="1" noAdjustHandles="1" noChangeArrowheads="1" noChangeShapeType="1" noTextEdit="1"/>
+          </p:cNvSpPr>
+          <p:nvPr>
+            <p:extLst>
+              <p:ext uri="{386F3935-93C4-4BCD-93E2-E3B085C9AB24}">
+                <p16:designElem xmlns:p16="http://schemas.microsoft.com/office/powerpoint/2015/main" val="1"/>
+              </p:ext>
+            </p:extLst>
+          </p:nvPr>
+        </p:nvSpPr>
+        <p:spPr>
+          <a:xfrm rot="5400000" flipH="1">
+            <a:off x="-1914822" y="1914808"/>
+            <a:ext cx="6858003" cy="3028376"/>
+          </a:xfrm>
+          <a:prstGeom prst="rect">
+            <a:avLst/>
+          </a:prstGeom>
+          <a:gradFill>
+            <a:gsLst>
+              <a:gs pos="0">
+                <a:srgbClr val="000000">
+                  <a:alpha val="0"/>
+                </a:srgbClr>
+              </a:gs>
+              <a:gs pos="99000">
+                <a:schemeClr val="accent1">
+                  <a:lumMod val="60000"/>
+                  <a:lumOff val="40000"/>
+                  <a:alpha val="11000"/>
+                </a:schemeClr>
+              </a:gs>
+            </a:gsLst>
+            <a:lin ang="7200000" scaled="0"/>
+          </a:gradFill>
+          <a:ln>
+            <a:noFill/>
+          </a:ln>
+        </p:spPr>
+        <p:style>
+          <a:lnRef idx="2">
+            <a:schemeClr val="accent1">
+              <a:shade val="50000"/>
+            </a:schemeClr>
+          </a:lnRef>
+          <a:fillRef idx="1">
+            <a:schemeClr val="accent1"/>
+          </a:fillRef>
+          <a:effectRef idx="0">
+            <a:schemeClr val="accent1"/>
+          </a:effectRef>
+          <a:fontRef idx="minor">
+            <a:schemeClr val="lt1"/>
+          </a:fontRef>
+        </p:style>
+        <p:txBody>
+          <a:bodyPr rtlCol="0" anchor="ctr"/>
+          <a:lstStyle/>
+          <a:p>
+            <a:pPr algn="ctr"/>
+            <a:endParaRPr lang="en-US"/>
+          </a:p>
+        </p:txBody>
+      </p:sp>
+      <p:sp>
+        <p:nvSpPr>
+          <p:cNvPr id="2" name="標題 1"/>
+          <p:cNvSpPr>
+            <a:spLocks noGrp="1"/>
+          </p:cNvSpPr>
+          <p:nvPr>
+            <p:ph type="title"/>
+          </p:nvPr>
+        </p:nvSpPr>
+        <p:spPr>
+          <a:xfrm>
+            <a:off x="439858" y="1683756"/>
+            <a:ext cx="2336449" cy="2396359"/>
+          </a:xfrm>
+        </p:spPr>
+        <p:txBody>
+          <a:bodyPr anchor="b">
+            <a:normAutofit/>
+          </a:bodyPr>
+          <a:lstStyle/>
+          <a:p>
+            <a:pPr algn="r"/>
+            <a:r>
+              <a:rPr lang="en-US" altLang="zh-TW" sz="3500" dirty="0">
+                <a:solidFill>
+                  <a:srgbClr val="FFFFFF"/>
+                </a:solidFill>
+                <a:ea typeface="新細明體"/>
+              </a:rPr>
+              <a:t>Outline</a:t>
+            </a:r>
+            <a:endParaRPr lang="zh-TW" altLang="en-US" sz="3500" dirty="0">
+              <a:solidFill>
+                <a:srgbClr val="FFFFFF"/>
+              </a:solidFill>
+            </a:endParaRPr>
+          </a:p>
+        </p:txBody>
+      </p:sp>
+      <p:graphicFrame>
+        <p:nvGraphicFramePr>
+          <p:cNvPr id="5" name="內容版面配置區 2">
+            <a:extLst>
+              <a:ext uri="{FF2B5EF4-FFF2-40B4-BE49-F238E27FC236}">
+                <a16:creationId xmlns:a16="http://schemas.microsoft.com/office/drawing/2014/main" id="{A5EA6EAC-EF19-06E2-5BF2-99998BBBEF53}"/>
+              </a:ext>
+            </a:extLst>
+          </p:cNvPr>
+          <p:cNvGraphicFramePr>
+            <a:graphicFrameLocks noGrp="1"/>
+          </p:cNvGraphicFramePr>
+          <p:nvPr>
+            <p:ph idx="1"/>
+            <p:extLst>
+              <p:ext uri="{D42A27DB-BD31-4B8C-83A1-F6EECF244321}">
+                <p14:modId xmlns:p14="http://schemas.microsoft.com/office/powerpoint/2010/main" val="967881777"/>
+              </p:ext>
+            </p:extLst>
+          </p:nvPr>
+        </p:nvGraphicFramePr>
+        <p:xfrm>
+          <a:off x="3678789" y="750440"/>
+          <a:ext cx="5000124" cy="5453920"/>
+        </p:xfrm>
+        <a:graphic>
+          <a:graphicData uri="http://schemas.openxmlformats.org/drawingml/2006/diagram">
+            <dgm:relIds xmlns:dgm="http://schemas.openxmlformats.org/drawingml/2006/diagram" xmlns:r="http://schemas.openxmlformats.org/officeDocument/2006/relationships" r:dm="rId2" r:lo="rId3" r:qs="rId4" r:cs="rId5"/>
+          </a:graphicData>
+        </a:graphic>
+      </p:graphicFrame>
+      <p:sp>
+        <p:nvSpPr>
+          <p:cNvPr id="20" name="投影片編號版面配置區 19">
+            <a:extLst>
+              <a:ext uri="{FF2B5EF4-FFF2-40B4-BE49-F238E27FC236}">
+                <a16:creationId xmlns:a16="http://schemas.microsoft.com/office/drawing/2014/main" id="{FD62721B-81D8-D26F-C457-0AD1BCB18627}"/>
+              </a:ext>
+            </a:extLst>
+          </p:cNvPr>
+          <p:cNvSpPr>
+            <a:spLocks noGrp="1"/>
+          </p:cNvSpPr>
+          <p:nvPr>
+            <p:ph type="sldNum" sz="quarter" idx="12"/>
+          </p:nvPr>
+        </p:nvSpPr>
+        <p:spPr/>
+        <p:txBody>
+          <a:bodyPr/>
+          <a:lstStyle/>
+          <a:p>
+            <a:fld id="{C1FF6DA9-008F-8B48-92A6-B652298478BF}" type="slidenum">
+              <a:rPr lang="en-US" smtClean="0"/>
+              <a:t>2</a:t>
+            </a:fld>
+            <a:endParaRPr lang="zh-TW" altLang="en-US"/>
+          </a:p>
+        </p:txBody>
+      </p:sp>
+    </p:spTree>
+    <p:extLst>
+      <p:ext uri="{BB962C8B-B14F-4D97-AF65-F5344CB8AC3E}">
+        <p14:creationId xmlns:p14="http://schemas.microsoft.com/office/powerpoint/2010/main" val="1992663757"/>
+      </p:ext>
+    </p:extLst>
+  </p:cSld>
+  <p:clrMapOvr>
+    <a:masterClrMapping/>
+  </p:clrMapOvr>
+</p:sld>
+</file>
+
+<file path=ppt/slides/slide3.xml><?xml version="1.0" encoding="utf-8"?>
+<p:sld xmlns:a="http://schemas.openxmlformats.org/drawingml/2006/main" xmlns:r="http://schemas.openxmlformats.org/officeDocument/2006/relationships" xmlns:p="http://schemas.openxmlformats.org/presentationml/2006/main">
+  <p:cSld>
+    <p:bg>
+      <p:bgPr>
+        <a:solidFill>
+          <a:schemeClr val="bg1"/>
+        </a:solidFill>
+        <a:effectLst/>
+      </p:bgPr>
+    </p:bg>
+    <p:spTree>
+      <p:nvGrpSpPr>
+        <p:cNvPr id="1" name=""/>
+        <p:cNvGrpSpPr/>
+        <p:nvPr/>
+      </p:nvGrpSpPr>
+      <p:grpSpPr>
+        <a:xfrm>
+          <a:off x="0" y="0"/>
+          <a:ext cx="0" cy="0"/>
+          <a:chOff x="0" y="0"/>
+          <a:chExt cx="0" cy="0"/>
+        </a:xfrm>
+      </p:grpSpPr>
+      <p:sp useBgFill="1">
+        <p:nvSpPr>
+          <p:cNvPr id="8" name="Rectangle 7">
+            <a:extLst>
+              <a:ext uri="{FF2B5EF4-FFF2-40B4-BE49-F238E27FC236}">
+                <a16:creationId xmlns:a16="http://schemas.microsoft.com/office/drawing/2014/main" id="{B6CDA21F-E7AF-4C75-8395-33F58D5B0E45}"/>
+              </a:ext>
+              <a:ext uri="{C183D7F6-B498-43B3-948B-1728B52AA6E4}">
+                <adec:decorative xmlns:adec="http://schemas.microsoft.com/office/drawing/2017/decorative" xmlns="" val="1"/>
+              </a:ext>
+            </a:extLst>
+          </p:cNvPr>
+          <p:cNvSpPr>
+            <a:spLocks noGrp="1" noRot="1" noChangeAspect="1" noMove="1" noResize="1" noEditPoints="1" noAdjustHandles="1" noChangeArrowheads="1" noChangeShapeType="1" noTextEdit="1"/>
+          </p:cNvSpPr>
+          <p:nvPr>
+            <p:extLst>
+              <p:ext uri="{386F3935-93C4-4BCD-93E2-E3B085C9AB24}">
+                <p16:designElem xmlns:p16="http://schemas.microsoft.com/office/powerpoint/2015/main" val="1"/>
+              </p:ext>
+            </p:extLst>
+          </p:nvPr>
+        </p:nvSpPr>
+        <p:spPr>
+          <a:xfrm>
+            <a:off x="0" y="0"/>
+            <a:ext cx="9143999" cy="6857365"/>
+          </a:xfrm>
+          <a:prstGeom prst="rect">
+            <a:avLst/>
+          </a:prstGeom>
+          <a:ln>
+            <a:noFill/>
+          </a:ln>
+        </p:spPr>
+        <p:style>
+          <a:lnRef idx="2">
+            <a:schemeClr val="accent1">
+              <a:shade val="50000"/>
+            </a:schemeClr>
+          </a:lnRef>
+          <a:fillRef idx="1">
+            <a:schemeClr val="accent1"/>
+          </a:fillRef>
+          <a:effectRef idx="0">
+            <a:schemeClr val="accent1"/>
+          </a:effectRef>
+          <a:fontRef idx="minor">
+            <a:schemeClr val="lt1"/>
+          </a:fontRef>
+        </p:style>
+        <p:txBody>
+          <a:bodyPr rtlCol="0" anchor="ctr"/>
+          <a:lstStyle/>
+          <a:p>
+            <a:pPr algn="ctr"/>
+            <a:endParaRPr lang="en-US"/>
+          </a:p>
+        </p:txBody>
+      </p:sp>
+      <p:grpSp>
+        <p:nvGrpSpPr>
+          <p:cNvPr id="10" name="Group 9">
+            <a:extLst>
+              <a:ext uri="{FF2B5EF4-FFF2-40B4-BE49-F238E27FC236}">
+                <a16:creationId xmlns:a16="http://schemas.microsoft.com/office/drawing/2014/main" id="{AE1C45F0-260A-458C-96ED-C1F6D2151219}"/>
+              </a:ext>
+              <a:ext uri="{C183D7F6-B498-43B3-948B-1728B52AA6E4}">
+                <adec:decorative xmlns:adec="http://schemas.microsoft.com/office/drawing/2017/decorative" xmlns="" val="1"/>
+              </a:ext>
+            </a:extLst>
+          </p:cNvPr>
+          <p:cNvGrpSpPr>
+            <a:grpSpLocks noGrp="1" noUngrp="1" noRot="1" noChangeAspect="1" noMove="1" noResize="1"/>
+          </p:cNvGrpSpPr>
+          <p:nvPr>
+            <p:extLst>
+              <p:ext uri="{386F3935-93C4-4BCD-93E2-E3B085C9AB24}">
+                <p16:designElem xmlns:p16="http://schemas.microsoft.com/office/powerpoint/2015/main" val="1"/>
+              </p:ext>
+            </p:extLst>
+          </p:nvPr>
+        </p:nvGrpSpPr>
+        <p:grpSpPr>
+          <a:xfrm>
+            <a:off x="0" y="1216597"/>
+            <a:ext cx="548639" cy="673460"/>
+            <a:chOff x="3940602" y="308034"/>
+            <a:chExt cx="2116791" cy="3428999"/>
+          </a:xfrm>
+          <a:solidFill>
+            <a:schemeClr val="accent4"/>
+          </a:solidFill>
+        </p:grpSpPr>
+        <p:sp>
+          <p:nvSpPr>
+            <p:cNvPr id="11" name="Rectangle 10">
+              <a:extLst>
+                <a:ext uri="{FF2B5EF4-FFF2-40B4-BE49-F238E27FC236}">
+                  <a16:creationId xmlns:a16="http://schemas.microsoft.com/office/drawing/2014/main" id="{A6604B49-AD5C-4590-B051-06C8222ECD99}"/>
+                </a:ext>
+                <a:ext uri="{C183D7F6-B498-43B3-948B-1728B52AA6E4}">
+                  <adec:decorative xmlns:adec="http://schemas.microsoft.com/office/drawing/2017/decorative" xmlns="" val="1"/>
+                </a:ext>
+              </a:extLst>
+            </p:cNvPr>
+            <p:cNvSpPr/>
+            <p:nvPr>
+              <p:extLst>
+                <p:ext uri="{386F3935-93C4-4BCD-93E2-E3B085C9AB24}">
+                  <p16:designElem xmlns:p16="http://schemas.microsoft.com/office/powerpoint/2015/main" val="1"/>
+                </p:ext>
+              </p:extLst>
+            </p:nvPr>
+          </p:nvSpPr>
+          <p:spPr>
+            <a:xfrm>
+              <a:off x="3940602" y="308034"/>
+              <a:ext cx="566743" cy="3428999"/>
+            </a:xfrm>
+            <a:prstGeom prst="rect">
+              <a:avLst/>
+            </a:prstGeom>
+            <a:grpFill/>
+            <a:ln>
+              <a:noFill/>
+            </a:ln>
+          </p:spPr>
+          <p:style>
+            <a:lnRef idx="2">
+              <a:schemeClr val="accent1">
+                <a:shade val="50000"/>
+              </a:schemeClr>
+            </a:lnRef>
+            <a:fillRef idx="1">
+              <a:schemeClr val="accent1"/>
+            </a:fillRef>
+            <a:effectRef idx="0">
+              <a:schemeClr val="accent1"/>
+            </a:effectRef>
+            <a:fontRef idx="minor">
+              <a:schemeClr val="lt1"/>
+            </a:fontRef>
+          </p:style>
+          <p:txBody>
+            <a:bodyPr rtlCol="0" anchor="ctr"/>
+            <a:lstStyle/>
+            <a:p>
+              <a:pPr algn="ctr"/>
+              <a:endParaRPr lang="en-US"/>
+            </a:p>
+          </p:txBody>
+        </p:sp>
+        <p:sp>
+          <p:nvSpPr>
+            <p:cNvPr id="12" name="Rectangle 11">
+              <a:extLst>
+                <a:ext uri="{FF2B5EF4-FFF2-40B4-BE49-F238E27FC236}">
+                  <a16:creationId xmlns:a16="http://schemas.microsoft.com/office/drawing/2014/main" id="{743ECCAF-29C5-4537-947C-7EA1292463DB}"/>
+                </a:ext>
+                <a:ext uri="{C183D7F6-B498-43B3-948B-1728B52AA6E4}">
+                  <adec:decorative xmlns:adec="http://schemas.microsoft.com/office/drawing/2017/decorative" xmlns="" val="1"/>
+                </a:ext>
+              </a:extLst>
+            </p:cNvPr>
+            <p:cNvSpPr/>
+            <p:nvPr>
+              <p:extLst>
+                <p:ext uri="{386F3935-93C4-4BCD-93E2-E3B085C9AB24}">
+                  <p16:designElem xmlns:p16="http://schemas.microsoft.com/office/powerpoint/2015/main" val="1"/>
+                </p:ext>
+              </p:extLst>
+            </p:nvPr>
+          </p:nvSpPr>
+          <p:spPr>
+            <a:xfrm>
+              <a:off x="4715626" y="308034"/>
+              <a:ext cx="566743" cy="3428999"/>
+            </a:xfrm>
+            <a:prstGeom prst="rect">
+              <a:avLst/>
+            </a:prstGeom>
+            <a:grpFill/>
+            <a:ln>
+              <a:noFill/>
+            </a:ln>
+          </p:spPr>
+          <p:style>
+            <a:lnRef idx="2">
+              <a:schemeClr val="accent1">
+                <a:shade val="50000"/>
+              </a:schemeClr>
+            </a:lnRef>
+            <a:fillRef idx="1">
+              <a:schemeClr val="accent1"/>
+            </a:fillRef>
+            <a:effectRef idx="0">
+              <a:schemeClr val="accent1"/>
+            </a:effectRef>
+            <a:fontRef idx="minor">
+              <a:schemeClr val="lt1"/>
+            </a:fontRef>
+          </p:style>
+          <p:txBody>
+            <a:bodyPr rtlCol="0" anchor="ctr"/>
+            <a:lstStyle/>
+            <a:p>
+              <a:pPr algn="ctr"/>
+              <a:endParaRPr lang="en-US"/>
+            </a:p>
+          </p:txBody>
+        </p:sp>
+        <p:sp>
+          <p:nvSpPr>
+            <p:cNvPr id="13" name="Rectangle 12">
+              <a:extLst>
+                <a:ext uri="{FF2B5EF4-FFF2-40B4-BE49-F238E27FC236}">
+                  <a16:creationId xmlns:a16="http://schemas.microsoft.com/office/drawing/2014/main" id="{ED49787B-8DE6-4467-AD0A-8DECC6E0C2D6}"/>
+                </a:ext>
+                <a:ext uri="{C183D7F6-B498-43B3-948B-1728B52AA6E4}">
+                  <adec:decorative xmlns:adec="http://schemas.microsoft.com/office/drawing/2017/decorative" xmlns="" val="1"/>
+                </a:ext>
+              </a:extLst>
+            </p:cNvPr>
+            <p:cNvSpPr/>
+            <p:nvPr>
+              <p:extLst>
+                <p:ext uri="{386F3935-93C4-4BCD-93E2-E3B085C9AB24}">
+                  <p16:designElem xmlns:p16="http://schemas.microsoft.com/office/powerpoint/2015/main" val="1"/>
+                </p:ext>
+              </p:extLst>
+            </p:nvPr>
+          </p:nvSpPr>
+          <p:spPr>
+            <a:xfrm>
+              <a:off x="5490650" y="308034"/>
+              <a:ext cx="566743" cy="3428999"/>
+            </a:xfrm>
+            <a:prstGeom prst="rect">
+              <a:avLst/>
+            </a:prstGeom>
+            <a:grpFill/>
+            <a:ln>
+              <a:noFill/>
+            </a:ln>
+          </p:spPr>
+          <p:style>
+            <a:lnRef idx="2">
+              <a:schemeClr val="accent1">
+                <a:shade val="50000"/>
+              </a:schemeClr>
+            </a:lnRef>
+            <a:fillRef idx="1">
+              <a:schemeClr val="accent1"/>
+            </a:fillRef>
+            <a:effectRef idx="0">
+              <a:schemeClr val="accent1"/>
+            </a:effectRef>
+            <a:fontRef idx="minor">
+              <a:schemeClr val="lt1"/>
+            </a:fontRef>
+          </p:style>
+          <p:txBody>
+            <a:bodyPr rtlCol="0" anchor="ctr"/>
+            <a:lstStyle/>
+            <a:p>
+              <a:pPr algn="ctr"/>
+              <a:endParaRPr lang="en-US"/>
+            </a:p>
+          </p:txBody>
+        </p:sp>
+      </p:grpSp>
+      <p:sp>
+        <p:nvSpPr>
+          <p:cNvPr id="15" name="Rectangle 14">
+            <a:extLst>
+              <a:ext uri="{FF2B5EF4-FFF2-40B4-BE49-F238E27FC236}">
+                <a16:creationId xmlns:a16="http://schemas.microsoft.com/office/drawing/2014/main" id="{D5B0017B-2ECA-49AF-B397-DC140825DF8D}"/>
+              </a:ext>
+              <a:ext uri="{C183D7F6-B498-43B3-948B-1728B52AA6E4}">
+                <adec:decorative xmlns:adec="http://schemas.microsoft.com/office/drawing/2017/decorative" xmlns="" val="1"/>
+              </a:ext>
+            </a:extLst>
+          </p:cNvPr>
+          <p:cNvSpPr>
+            <a:spLocks noGrp="1" noRot="1" noChangeAspect="1" noMove="1" noResize="1" noEditPoints="1" noAdjustHandles="1" noChangeArrowheads="1" noChangeShapeType="1" noTextEdit="1"/>
+          </p:cNvSpPr>
+          <p:nvPr>
+            <p:extLst>
+              <p:ext uri="{386F3935-93C4-4BCD-93E2-E3B085C9AB24}">
+                <p16:designElem xmlns:p16="http://schemas.microsoft.com/office/powerpoint/2015/main" val="1"/>
+              </p:ext>
+            </p:extLst>
+          </p:nvPr>
+        </p:nvSpPr>
+        <p:spPr>
+          <a:xfrm>
+            <a:off x="480059" y="613954"/>
+            <a:ext cx="8180615" cy="1894116"/>
+          </a:xfrm>
+          <a:prstGeom prst="rect">
+            <a:avLst/>
+          </a:prstGeom>
+          <a:solidFill>
+            <a:schemeClr val="bg1"/>
+          </a:solidFill>
+          <a:ln>
+            <a:noFill/>
+          </a:ln>
+          <a:effectLst>
+            <a:outerShdw blurRad="139700" dist="127000" dir="5400000" algn="t" rotWithShape="0">
+              <a:prstClr val="black">
+                <a:alpha val="15000"/>
+              </a:prstClr>
+            </a:outerShdw>
+          </a:effectLst>
+        </p:spPr>
+        <p:style>
+          <a:lnRef idx="2">
+            <a:schemeClr val="accent1">
+              <a:shade val="50000"/>
+            </a:schemeClr>
+          </a:lnRef>
+          <a:fillRef idx="1">
+            <a:schemeClr val="accent1"/>
+          </a:fillRef>
+          <a:effectRef idx="0">
+            <a:schemeClr val="accent1"/>
+          </a:effectRef>
+          <a:fontRef idx="minor">
+            <a:schemeClr val="lt1"/>
+          </a:fontRef>
+        </p:style>
+        <p:txBody>
+          <a:bodyPr rtlCol="0" anchor="ctr"/>
+          <a:lstStyle/>
+          <a:p>
+            <a:pPr algn="ctr"/>
+            <a:endParaRPr lang="en-US"/>
+          </a:p>
+        </p:txBody>
+      </p:sp>
+      <p:sp>
+        <p:nvSpPr>
+          <p:cNvPr id="2" name="Title 1"/>
+          <p:cNvSpPr>
+            <a:spLocks noGrp="1"/>
+          </p:cNvSpPr>
+          <p:nvPr>
+            <p:ph type="title"/>
+          </p:nvPr>
+        </p:nvSpPr>
+        <p:spPr>
+          <a:xfrm>
+            <a:off x="782723" y="809898"/>
+            <a:ext cx="7457037" cy="1554480"/>
+          </a:xfrm>
+        </p:spPr>
+        <p:txBody>
+          <a:bodyPr anchor="ctr">
+            <a:normAutofit/>
+          </a:bodyPr>
+          <a:lstStyle/>
+          <a:p>
+            <a:pPr>
+              <a:buFont typeface="Arial" panose="020B0604020202020204" pitchFamily="34" charset="0"/>
+              <a:buChar char="•"/>
+            </a:pPr>
+            <a:r>
+              <a:rPr lang="en-US" altLang="zh-TW" sz="4200"/>
+              <a:t>Abstract</a:t>
+            </a:r>
+          </a:p>
+        </p:txBody>
+      </p:sp>
+      <p:sp>
+        <p:nvSpPr>
+          <p:cNvPr id="3" name="Content Placeholder 2"/>
+          <p:cNvSpPr>
+            <a:spLocks noGrp="1"/>
+          </p:cNvSpPr>
+          <p:nvPr>
+            <p:ph idx="1"/>
+          </p:nvPr>
+        </p:nvSpPr>
+        <p:spPr>
+          <a:xfrm>
+            <a:off x="783771" y="3017522"/>
+            <a:ext cx="7731579" cy="3124658"/>
+          </a:xfrm>
+        </p:spPr>
+        <p:txBody>
+          <a:bodyPr anchor="ctr">
+            <a:normAutofit/>
+          </a:bodyPr>
+          <a:lstStyle/>
+          <a:p>
+            <a:pPr marL="0" indent="0">
+              <a:buNone/>
+            </a:pPr>
+            <a:r>
+              <a:rPr lang="en-US" altLang="zh-TW" sz="2100" dirty="0" smtClean="0">
+                <a:ea typeface="+mn-lt"/>
+                <a:cs typeface="+mn-lt"/>
+              </a:rPr>
+              <a:t>	</a:t>
+            </a:r>
+            <a:r>
+              <a:rPr lang="zh-TW" altLang="en-US" sz="2100" dirty="0">
+                <a:ea typeface="+mn-lt"/>
+                <a:cs typeface="+mn-lt"/>
+              </a:rPr>
+              <a:t>對於判斷新冠病毒（</a:t>
+            </a:r>
+            <a:r>
+              <a:rPr lang="en-US" altLang="zh-TW" sz="2100" dirty="0">
+                <a:ea typeface="+mn-lt"/>
+                <a:cs typeface="+mn-lt"/>
+              </a:rPr>
+              <a:t>COVID-19</a:t>
+            </a:r>
+            <a:r>
+              <a:rPr lang="zh-TW" altLang="en-US" sz="2100" dirty="0">
+                <a:ea typeface="+mn-lt"/>
+                <a:cs typeface="+mn-lt"/>
+              </a:rPr>
+              <a:t>）的方法中，常見診斷方法是反轉錄聚合酶鏈反應（</a:t>
+            </a:r>
+            <a:r>
+              <a:rPr lang="en-US" altLang="zh-TW" sz="2100" dirty="0">
+                <a:ea typeface="+mn-lt"/>
+                <a:cs typeface="+mn-lt"/>
+              </a:rPr>
+              <a:t>RT-PCR</a:t>
+            </a:r>
+            <a:r>
+              <a:rPr lang="zh-TW" altLang="en-US" sz="2100" dirty="0">
+                <a:ea typeface="+mn-lt"/>
+                <a:cs typeface="+mn-lt"/>
+              </a:rPr>
+              <a:t>）測試，但存在高成本、耗時</a:t>
+            </a:r>
+            <a:r>
+              <a:rPr lang="af-ZA" sz="2100" dirty="0">
+                <a:ea typeface="+mn-lt"/>
+                <a:cs typeface="+mn-lt"/>
+              </a:rPr>
+              <a:t>。</a:t>
+            </a:r>
+          </a:p>
+          <a:p>
+            <a:pPr marL="0" indent="0">
+              <a:buNone/>
+            </a:pPr>
+            <a:r>
+              <a:rPr lang="af-ZA" sz="2100" dirty="0">
+                <a:ea typeface="+mn-lt"/>
+                <a:cs typeface="+mn-lt"/>
+              </a:rPr>
+              <a:t>	</a:t>
+            </a:r>
+            <a:r>
+              <a:rPr lang="zh-TW" altLang="en-US" sz="2100" dirty="0">
+                <a:ea typeface="+mn-lt"/>
+                <a:cs typeface="+mn-lt"/>
+              </a:rPr>
+              <a:t>本研究利用人工智能通過咳嗽聲音來分類陰陽性</a:t>
+            </a:r>
+            <a:r>
+              <a:rPr lang="zh-TW" altLang="en-US" sz="2100" dirty="0" smtClean="0">
+                <a:ea typeface="+mn-lt"/>
+                <a:cs typeface="+mn-lt"/>
+              </a:rPr>
+              <a:t>，主要運用非</a:t>
+            </a:r>
+            <a:r>
+              <a:rPr lang="zh-TW" altLang="en-US" sz="2100" dirty="0">
+                <a:ea typeface="+mn-lt"/>
+                <a:cs typeface="+mn-lt"/>
+              </a:rPr>
+              <a:t>負矩陣分解（</a:t>
+            </a:r>
+            <a:r>
+              <a:rPr lang="en-US" altLang="zh-TW" sz="2100" dirty="0">
+                <a:ea typeface="+mn-lt"/>
+                <a:cs typeface="+mn-lt"/>
+              </a:rPr>
+              <a:t>NMF</a:t>
+            </a:r>
+            <a:r>
+              <a:rPr lang="zh-TW" altLang="en-US" sz="2100" dirty="0">
+                <a:ea typeface="+mn-lt"/>
+                <a:cs typeface="+mn-lt"/>
+              </a:rPr>
+              <a:t>）</a:t>
+            </a:r>
+            <a:r>
+              <a:rPr lang="en-US" altLang="zh-TW" sz="2100" dirty="0">
+                <a:ea typeface="+mn-lt"/>
+                <a:cs typeface="+mn-lt"/>
+              </a:rPr>
+              <a:t>-</a:t>
+            </a:r>
+            <a:r>
+              <a:rPr lang="zh-TW" altLang="en-US" sz="2100" dirty="0">
+                <a:ea typeface="+mn-lt"/>
+                <a:cs typeface="+mn-lt"/>
+              </a:rPr>
+              <a:t>頻譜特徵</a:t>
+            </a:r>
+            <a:r>
+              <a:rPr lang="zh-TW" altLang="en-US" sz="2100" dirty="0" smtClean="0">
+                <a:ea typeface="+mn-lt"/>
+                <a:cs typeface="+mn-lt"/>
+              </a:rPr>
+              <a:t>，再以支持</a:t>
+            </a:r>
+            <a:r>
+              <a:rPr lang="zh-TW" altLang="en-US" sz="2100" dirty="0">
+                <a:ea typeface="+mn-lt"/>
+                <a:cs typeface="+mn-lt"/>
+              </a:rPr>
+              <a:t>向量機（</a:t>
+            </a:r>
+            <a:r>
+              <a:rPr lang="en-US" altLang="zh-TW" sz="2100" dirty="0">
+                <a:ea typeface="+mn-lt"/>
+                <a:cs typeface="+mn-lt"/>
+              </a:rPr>
+              <a:t>SVM</a:t>
+            </a:r>
+            <a:r>
+              <a:rPr lang="zh-TW" altLang="en-US" sz="2100" smtClean="0">
+                <a:ea typeface="+mn-lt"/>
+                <a:cs typeface="+mn-lt"/>
+              </a:rPr>
+              <a:t>）做分類，能夠</a:t>
+            </a:r>
+            <a:r>
+              <a:rPr lang="zh-TW" altLang="en-US" sz="2100" dirty="0">
+                <a:ea typeface="+mn-lt"/>
+                <a:cs typeface="+mn-lt"/>
+              </a:rPr>
+              <a:t>達到最佳結果，靈敏度為</a:t>
+            </a:r>
+            <a:r>
+              <a:rPr lang="en-US" altLang="zh-TW" sz="2100" dirty="0">
+                <a:ea typeface="+mn-lt"/>
+                <a:cs typeface="+mn-lt"/>
+              </a:rPr>
+              <a:t>90.9%</a:t>
+            </a:r>
+            <a:r>
+              <a:rPr lang="zh-TW" altLang="en-US" sz="2100" dirty="0">
+                <a:ea typeface="+mn-lt"/>
+                <a:cs typeface="+mn-lt"/>
+              </a:rPr>
+              <a:t>、特異性為</a:t>
+            </a:r>
+            <a:r>
+              <a:rPr lang="en-US" altLang="zh-TW" sz="2100" dirty="0">
+                <a:ea typeface="+mn-lt"/>
+                <a:cs typeface="+mn-lt"/>
+              </a:rPr>
+              <a:t>55.6%</a:t>
+            </a:r>
+            <a:r>
+              <a:rPr lang="zh-TW" altLang="en-US" sz="2100" dirty="0">
+                <a:ea typeface="+mn-lt"/>
+                <a:cs typeface="+mn-lt"/>
+              </a:rPr>
+              <a:t>、整體</a:t>
+            </a:r>
+            <a:r>
+              <a:rPr lang="en-US" altLang="zh-TW" sz="2100" dirty="0">
+                <a:ea typeface="+mn-lt"/>
+                <a:cs typeface="+mn-lt"/>
+              </a:rPr>
+              <a:t>AUC-ROC</a:t>
+            </a:r>
+            <a:r>
+              <a:rPr lang="zh-TW" altLang="en-US" sz="2100" dirty="0">
+                <a:ea typeface="+mn-lt"/>
+                <a:cs typeface="+mn-lt"/>
+              </a:rPr>
+              <a:t>為</a:t>
+            </a:r>
+            <a:r>
+              <a:rPr lang="en-US" altLang="zh-TW" sz="2100" dirty="0">
+                <a:ea typeface="+mn-lt"/>
+                <a:cs typeface="+mn-lt"/>
+              </a:rPr>
+              <a:t>73.3%</a:t>
+            </a:r>
+            <a:r>
+              <a:rPr lang="zh-TW" altLang="en-US" sz="2100" dirty="0">
+                <a:ea typeface="+mn-lt"/>
+                <a:cs typeface="+mn-lt"/>
+              </a:rPr>
+              <a:t>。</a:t>
+            </a:r>
+            <a:endParaRPr lang="af-ZA" sz="2100" dirty="0">
+              <a:ea typeface="+mn-lt"/>
+              <a:cs typeface="+mn-lt"/>
+            </a:endParaRPr>
+          </a:p>
+          <a:p>
+            <a:pPr marL="0" indent="0">
+              <a:buNone/>
+            </a:pPr>
+            <a:endParaRPr lang="af-ZA" altLang="zh-TW" sz="2100" dirty="0">
+              <a:cs typeface="Calibri"/>
+            </a:endParaRPr>
+          </a:p>
+        </p:txBody>
+      </p:sp>
+      <p:cxnSp>
+        <p:nvCxnSpPr>
+          <p:cNvPr id="17" name="Straight Connector 16">
+            <a:extLst>
+              <a:ext uri="{FF2B5EF4-FFF2-40B4-BE49-F238E27FC236}">
+                <a16:creationId xmlns:a16="http://schemas.microsoft.com/office/drawing/2014/main" id="{6CF1BAF6-AD41-4082-B212-8A1F9A2E8779}"/>
+              </a:ext>
+              <a:ext uri="{C183D7F6-B498-43B3-948B-1728B52AA6E4}">
+                <adec:decorative xmlns:adec="http://schemas.microsoft.com/office/drawing/2017/decorative" xmlns="" val="1"/>
+              </a:ext>
+            </a:extLst>
+          </p:cNvPr>
+          <p:cNvCxnSpPr>
+            <a:cxnSpLocks noGrp="1" noRot="1" noChangeAspect="1" noMove="1" noResize="1" noEditPoints="1" noAdjustHandles="1" noChangeArrowheads="1" noChangeShapeType="1"/>
+          </p:cNvCxnSpPr>
+          <p:nvPr>
+            <p:extLst>
+              <p:ext uri="{386F3935-93C4-4BCD-93E2-E3B085C9AB24}">
+                <p16:designElem xmlns:p16="http://schemas.microsoft.com/office/powerpoint/2015/main" val="1"/>
+              </p:ext>
+            </p:extLst>
+          </p:nvPr>
+        </p:nvCxnSpPr>
+        <p:spPr>
+          <a:xfrm flipH="1">
+            <a:off x="628650" y="6485313"/>
+            <a:ext cx="7886700" cy="0"/>
+          </a:xfrm>
+          <a:prstGeom prst="line">
+            <a:avLst/>
+          </a:prstGeom>
+          <a:ln w="57150">
+            <a:solidFill>
+              <a:schemeClr val="accent4"/>
+            </a:solidFill>
+          </a:ln>
+        </p:spPr>
+        <p:style>
+          <a:lnRef idx="1">
+            <a:schemeClr val="accent1"/>
+          </a:lnRef>
+          <a:fillRef idx="0">
+            <a:schemeClr val="accent1"/>
+          </a:fillRef>
+          <a:effectRef idx="0">
+            <a:schemeClr val="accent1"/>
+          </a:effectRef>
+          <a:fontRef idx="minor">
+            <a:schemeClr val="tx1"/>
+          </a:fontRef>
+        </p:style>
+      </p:cxnSp>
+      <p:sp>
+        <p:nvSpPr>
+          <p:cNvPr id="4" name="投影片編號版面配置區 3">
+            <a:extLst>
+              <a:ext uri="{FF2B5EF4-FFF2-40B4-BE49-F238E27FC236}">
+                <a16:creationId xmlns:a16="http://schemas.microsoft.com/office/drawing/2014/main" id="{4B4E3367-D796-23F0-D97B-100A8EDD0E9C}"/>
+              </a:ext>
+            </a:extLst>
+          </p:cNvPr>
+          <p:cNvSpPr>
+            <a:spLocks noGrp="1"/>
+          </p:cNvSpPr>
+          <p:nvPr>
+            <p:ph type="sldNum" sz="quarter" idx="12"/>
+          </p:nvPr>
+        </p:nvSpPr>
+        <p:spPr/>
+        <p:txBody>
+          <a:bodyPr/>
+          <a:lstStyle/>
+          <a:p>
+            <a:fld id="{C1FF6DA9-008F-8B48-92A6-B652298478BF}" type="slidenum">
+              <a:rPr lang="en-US" smtClean="0"/>
+              <a:t>3</a:t>
+            </a:fld>
+            <a:endParaRPr lang="zh-TW" altLang="en-US"/>
+          </a:p>
+        </p:txBody>
+      </p:sp>
+    </p:spTree>
+  </p:cSld>
+  <p:clrMapOvr>
+    <a:masterClrMapping/>
+  </p:clrMapOvr>
+</p:sld>
+</file>
+
+<file path=ppt/slides/slide4.xml><?xml version="1.0" encoding="utf-8"?>
+<p:sld xmlns:a="http://schemas.openxmlformats.org/drawingml/2006/main" xmlns:r="http://schemas.openxmlformats.org/officeDocument/2006/relationships" xmlns:p="http://schemas.openxmlformats.org/presentationml/2006/main">
+  <p:cSld>
+    <p:bg>
+      <p:bgPr>
+        <a:solidFill>
+          <a:schemeClr val="bg1"/>
+        </a:solidFill>
+        <a:effectLst/>
+      </p:bgPr>
+    </p:bg>
+    <p:spTree>
+      <p:nvGrpSpPr>
+        <p:cNvPr id="1" name=""/>
+        <p:cNvGrpSpPr/>
+        <p:nvPr/>
+      </p:nvGrpSpPr>
+      <p:grpSpPr>
+        <a:xfrm>
+          <a:off x="0" y="0"/>
+          <a:ext cx="0" cy="0"/>
+          <a:chOff x="0" y="0"/>
+          <a:chExt cx="0" cy="0"/>
+        </a:xfrm>
+      </p:grpSpPr>
+      <p:sp useBgFill="1">
+        <p:nvSpPr>
+          <p:cNvPr id="22" name="Rectangle 7">
+            <a:extLst>
+              <a:ext uri="{FF2B5EF4-FFF2-40B4-BE49-F238E27FC236}">
+                <a16:creationId xmlns:a16="http://schemas.microsoft.com/office/drawing/2014/main" id="{3AD318CC-E2A8-4E27-9548-A047A78999B1}"/>
+              </a:ext>
+              <a:ext uri="{C183D7F6-B498-43B3-948B-1728B52AA6E4}">
+                <adec:decorative xmlns:adec="http://schemas.microsoft.com/office/drawing/2017/decorative" xmlns="" val="1"/>
+              </a:ext>
+            </a:extLst>
+          </p:cNvPr>
+          <p:cNvSpPr>
+            <a:spLocks noGrp="1" noRot="1" noChangeAspect="1" noMove="1" noResize="1" noEditPoints="1" noAdjustHandles="1" noChangeArrowheads="1" noChangeShapeType="1" noTextEdit="1"/>
+          </p:cNvSpPr>
+          <p:nvPr>
+            <p:extLst>
+              <p:ext uri="{386F3935-93C4-4BCD-93E2-E3B085C9AB24}">
+                <p16:designElem xmlns:p16="http://schemas.microsoft.com/office/powerpoint/2015/main" val="1"/>
+              </p:ext>
+            </p:extLst>
+          </p:nvPr>
+        </p:nvSpPr>
+        <p:spPr>
+          <a:xfrm>
+            <a:off x="0" y="0"/>
+            <a:ext cx="9143999" cy="6857365"/>
+          </a:xfrm>
+          <a:prstGeom prst="rect">
+            <a:avLst/>
+          </a:prstGeom>
+          <a:ln>
+            <a:noFill/>
+          </a:ln>
+        </p:spPr>
+        <p:style>
+          <a:lnRef idx="2">
+            <a:schemeClr val="accent1">
+              <a:shade val="50000"/>
+            </a:schemeClr>
+          </a:lnRef>
+          <a:fillRef idx="1">
+            <a:schemeClr val="accent1"/>
+          </a:fillRef>
+          <a:effectRef idx="0">
+            <a:schemeClr val="accent1"/>
+          </a:effectRef>
+          <a:fontRef idx="minor">
+            <a:schemeClr val="lt1"/>
+          </a:fontRef>
+        </p:style>
+        <p:txBody>
+          <a:bodyPr rtlCol="0" anchor="ctr"/>
+          <a:lstStyle/>
+          <a:p>
+            <a:pPr algn="ctr"/>
+            <a:endParaRPr lang="en-US"/>
+          </a:p>
+        </p:txBody>
+      </p:sp>
+      <p:sp>
+        <p:nvSpPr>
+          <p:cNvPr id="2" name="Title 1"/>
+          <p:cNvSpPr>
+            <a:spLocks noGrp="1"/>
+          </p:cNvSpPr>
+          <p:nvPr>
+            <p:ph type="title"/>
+          </p:nvPr>
+        </p:nvSpPr>
+        <p:spPr>
+          <a:xfrm>
+            <a:off x="483798" y="1463040"/>
+            <a:ext cx="2847230" cy="2690949"/>
+          </a:xfrm>
+        </p:spPr>
+        <p:txBody>
+          <a:bodyPr anchor="t">
+            <a:normAutofit/>
+          </a:bodyPr>
+          <a:lstStyle/>
+          <a:p>
+            <a:pPr>
+              <a:buFont typeface="Arial" panose="020B0604020202020204" pitchFamily="34" charset="0"/>
+              <a:buChar char="•"/>
+            </a:pPr>
+            <a:r>
+              <a:rPr lang="en-US" altLang="zh-TW" sz="3600"/>
+              <a:t>Introduction</a:t>
+            </a:r>
+          </a:p>
+        </p:txBody>
+      </p:sp>
+      <p:grpSp>
+        <p:nvGrpSpPr>
+          <p:cNvPr id="23" name="Group 9">
+            <a:extLst>
+              <a:ext uri="{FF2B5EF4-FFF2-40B4-BE49-F238E27FC236}">
+                <a16:creationId xmlns:a16="http://schemas.microsoft.com/office/drawing/2014/main" id="{B14B560F-9DD7-4302-A60B-EBD3EF59B073}"/>
+              </a:ext>
+              <a:ext uri="{C183D7F6-B498-43B3-948B-1728B52AA6E4}">
+                <adec:decorative xmlns:adec="http://schemas.microsoft.com/office/drawing/2017/decorative" xmlns="" val="1"/>
+              </a:ext>
+            </a:extLst>
+          </p:cNvPr>
+          <p:cNvGrpSpPr>
+            <a:grpSpLocks noGrp="1" noUngrp="1" noRot="1" noChangeAspect="1" noMove="1" noResize="1"/>
+          </p:cNvGrpSpPr>
+          <p:nvPr>
+            <p:extLst>
+              <p:ext uri="{386F3935-93C4-4BCD-93E2-E3B085C9AB24}">
+                <p16:designElem xmlns:p16="http://schemas.microsoft.com/office/powerpoint/2015/main" val="1"/>
+              </p:ext>
+            </p:extLst>
+          </p:nvPr>
+        </p:nvGrpSpPr>
+        <p:grpSpPr>
+          <a:xfrm>
+            <a:off x="157250" y="4415246"/>
+            <a:ext cx="8986749" cy="2087795"/>
+            <a:chOff x="143163" y="5763486"/>
+            <a:chExt cx="11982332" cy="739555"/>
+          </a:xfrm>
+        </p:grpSpPr>
+        <p:sp>
+          <p:nvSpPr>
+            <p:cNvPr id="11" name="Rectangle 10">
+              <a:extLst>
+                <a:ext uri="{FF2B5EF4-FFF2-40B4-BE49-F238E27FC236}">
+                  <a16:creationId xmlns:a16="http://schemas.microsoft.com/office/drawing/2014/main" id="{3A9A4357-BD1D-4622-A4FE-766E6AB8DE84}"/>
+                </a:ext>
+                <a:ext uri="{C183D7F6-B498-43B3-948B-1728B52AA6E4}">
+                  <adec:decorative xmlns:adec="http://schemas.microsoft.com/office/drawing/2017/decorative" xmlns="" val="1"/>
+                </a:ext>
+              </a:extLst>
+            </p:cNvPr>
+            <p:cNvSpPr/>
+            <p:nvPr>
+              <p:extLst>
+                <p:ext uri="{386F3935-93C4-4BCD-93E2-E3B085C9AB24}">
+                  <p16:designElem xmlns:p16="http://schemas.microsoft.com/office/powerpoint/2015/main" val="1"/>
+                </p:ext>
+              </p:extLst>
+            </p:nvPr>
+          </p:nvSpPr>
+          <p:spPr>
+            <a:xfrm flipH="1" flipV="1">
+              <a:off x="357444" y="5763486"/>
+              <a:ext cx="11768051" cy="739555"/>
+            </a:xfrm>
+            <a:prstGeom prst="rect">
+              <a:avLst/>
+            </a:prstGeom>
+            <a:solidFill>
+              <a:schemeClr val="accent4"/>
+            </a:solidFill>
+            <a:ln>
+              <a:noFill/>
+            </a:ln>
+          </p:spPr>
+          <p:style>
+            <a:lnRef idx="2">
+              <a:schemeClr val="accent1">
+                <a:shade val="50000"/>
+              </a:schemeClr>
+            </a:lnRef>
+            <a:fillRef idx="1">
+              <a:schemeClr val="accent1"/>
+            </a:fillRef>
+            <a:effectRef idx="0">
+              <a:schemeClr val="accent1"/>
+            </a:effectRef>
+            <a:fontRef idx="minor">
+              <a:schemeClr val="lt1"/>
+            </a:fontRef>
+          </p:style>
+          <p:txBody>
+            <a:bodyPr rtlCol="0" anchor="ctr"/>
+            <a:lstStyle/>
+            <a:p>
+              <a:pPr algn="ctr"/>
+              <a:endParaRPr lang="en-US"/>
+            </a:p>
+          </p:txBody>
+        </p:sp>
+        <p:cxnSp>
+          <p:nvCxnSpPr>
+            <p:cNvPr id="24" name="Straight Connector 11">
+              <a:extLst>
+                <a:ext uri="{FF2B5EF4-FFF2-40B4-BE49-F238E27FC236}">
+                  <a16:creationId xmlns:a16="http://schemas.microsoft.com/office/drawing/2014/main" id="{C21D6966-343E-49AC-A026-D2497E0C3CA1}"/>
+                </a:ext>
+                <a:ext uri="{C183D7F6-B498-43B3-948B-1728B52AA6E4}">
+                  <adec:decorative xmlns:adec="http://schemas.microsoft.com/office/drawing/2017/decorative" xmlns="" val="1"/>
+                </a:ext>
+              </a:extLst>
+            </p:cNvPr>
+            <p:cNvCxnSpPr>
+              <a:cxnSpLocks/>
+            </p:cNvCxnSpPr>
+            <p:nvPr>
+              <p:extLst>
+                <p:ext uri="{386F3935-93C4-4BCD-93E2-E3B085C9AB24}">
+                  <p16:designElem xmlns:p16="http://schemas.microsoft.com/office/powerpoint/2015/main" val="1"/>
+                </p:ext>
+              </p:extLst>
+            </p:nvPr>
+          </p:nvCxnSpPr>
+          <p:spPr>
+            <a:xfrm flipH="1">
+              <a:off x="143163" y="5763486"/>
+              <a:ext cx="1" cy="739555"/>
+            </a:xfrm>
+            <a:prstGeom prst="line">
+              <a:avLst/>
+            </a:prstGeom>
+            <a:ln w="177800">
+              <a:solidFill>
+                <a:schemeClr val="accent4"/>
+              </a:solidFill>
+            </a:ln>
+          </p:spPr>
+          <p:style>
+            <a:lnRef idx="1">
+              <a:schemeClr val="accent1"/>
+            </a:lnRef>
+            <a:fillRef idx="0">
+              <a:schemeClr val="accent1"/>
+            </a:fillRef>
+            <a:effectRef idx="0">
+              <a:schemeClr val="accent1"/>
+            </a:effectRef>
+            <a:fontRef idx="minor">
+              <a:schemeClr val="tx1"/>
+            </a:fontRef>
+          </p:style>
+        </p:cxnSp>
+      </p:grpSp>
+      <p:sp>
+        <p:nvSpPr>
+          <p:cNvPr id="25" name="Rectangle 13">
+            <a:extLst>
+              <a:ext uri="{FF2B5EF4-FFF2-40B4-BE49-F238E27FC236}">
+                <a16:creationId xmlns:a16="http://schemas.microsoft.com/office/drawing/2014/main" id="{2C1BBA94-3F40-40AA-8BB9-E69E25E537C1}"/>
+              </a:ext>
+              <a:ext uri="{C183D7F6-B498-43B3-948B-1728B52AA6E4}">
+                <adec:decorative xmlns:adec="http://schemas.microsoft.com/office/drawing/2017/decorative" xmlns="" val="1"/>
+              </a:ext>
+            </a:extLst>
+          </p:cNvPr>
+          <p:cNvSpPr>
+            <a:spLocks noGrp="1" noRot="1" noChangeAspect="1" noMove="1" noResize="1" noEditPoints="1" noAdjustHandles="1" noChangeArrowheads="1" noChangeShapeType="1" noTextEdit="1"/>
+          </p:cNvSpPr>
+          <p:nvPr>
+            <p:extLst>
+              <p:ext uri="{386F3935-93C4-4BCD-93E2-E3B085C9AB24}">
+                <p16:designElem xmlns:p16="http://schemas.microsoft.com/office/powerpoint/2015/main" val="1"/>
+              </p:ext>
+            </p:extLst>
+          </p:nvPr>
+        </p:nvSpPr>
+        <p:spPr>
+          <a:xfrm>
+            <a:off x="3850279" y="587829"/>
+            <a:ext cx="4878975" cy="5682342"/>
+          </a:xfrm>
+          <a:prstGeom prst="rect">
+            <a:avLst/>
+          </a:prstGeom>
+          <a:solidFill>
+            <a:schemeClr val="bg1"/>
+          </a:solidFill>
+          <a:ln>
+            <a:noFill/>
+          </a:ln>
+          <a:effectLst>
+            <a:outerShdw blurRad="139700" dist="127000" dir="5400000" algn="t" rotWithShape="0">
+              <a:prstClr val="black">
+                <a:alpha val="15000"/>
+              </a:prstClr>
+            </a:outerShdw>
+          </a:effectLst>
+        </p:spPr>
+        <p:style>
+          <a:lnRef idx="2">
+            <a:schemeClr val="accent1">
+              <a:shade val="50000"/>
+            </a:schemeClr>
+          </a:lnRef>
+          <a:fillRef idx="1">
+            <a:schemeClr val="accent1"/>
+          </a:fillRef>
+          <a:effectRef idx="0">
+            <a:schemeClr val="accent1"/>
+          </a:effectRef>
+          <a:fontRef idx="minor">
+            <a:schemeClr val="lt1"/>
+          </a:fontRef>
+        </p:style>
+        <p:txBody>
+          <a:bodyPr rtlCol="0" anchor="ctr"/>
+          <a:lstStyle/>
+          <a:p>
+            <a:pPr algn="ctr"/>
+            <a:endParaRPr lang="en-US"/>
+          </a:p>
+        </p:txBody>
+      </p:sp>
+      <p:sp>
+        <p:nvSpPr>
+          <p:cNvPr id="3" name="Content Placeholder 2"/>
+          <p:cNvSpPr>
+            <a:spLocks noGrp="1"/>
+          </p:cNvSpPr>
+          <p:nvPr>
+            <p:ph idx="1"/>
+          </p:nvPr>
+        </p:nvSpPr>
+        <p:spPr>
+          <a:xfrm>
+            <a:off x="4242163" y="1463039"/>
+            <a:ext cx="4156790" cy="4300447"/>
+          </a:xfrm>
+        </p:spPr>
+        <p:txBody>
+          <a:bodyPr vert="horz" lIns="91440" tIns="45720" rIns="91440" bIns="45720" rtlCol="0" anchor="t">
+            <a:normAutofit/>
+          </a:bodyPr>
+          <a:lstStyle/>
+          <a:p>
+            <a:pPr marL="0" indent="0">
+              <a:buNone/>
+            </a:pPr>
+            <a:r>
+              <a:rPr lang="en-US" altLang="zh-TW" sz="1900" dirty="0" smtClean="0">
+                <a:ea typeface="+mn-lt"/>
+                <a:cs typeface="+mn-lt"/>
+              </a:rPr>
+              <a:t>1.</a:t>
+            </a:r>
+            <a:r>
+              <a:rPr lang="zh-TW" altLang="en-US" sz="1900" dirty="0" smtClean="0">
+                <a:ea typeface="+mn-lt"/>
+                <a:cs typeface="+mn-lt"/>
+              </a:rPr>
+              <a:t>聲音被大量利用</a:t>
+            </a:r>
+            <a:r>
+              <a:rPr lang="zh-TW" altLang="en-US" sz="1900" dirty="0">
+                <a:ea typeface="+mn-lt"/>
+                <a:cs typeface="+mn-lt"/>
+              </a:rPr>
+              <a:t>來</a:t>
+            </a:r>
+            <a:r>
+              <a:rPr lang="zh-TW" altLang="en-US" sz="1900" dirty="0" smtClean="0">
+                <a:ea typeface="+mn-lt"/>
+                <a:cs typeface="+mn-lt"/>
+              </a:rPr>
+              <a:t>做醫療診斷</a:t>
+            </a:r>
+            <a:endParaRPr lang="en-US" altLang="zh-TW" sz="1900" dirty="0" smtClean="0">
+              <a:ea typeface="+mn-lt"/>
+              <a:cs typeface="+mn-lt"/>
+            </a:endParaRPr>
+          </a:p>
+          <a:p>
+            <a:pPr marL="0" indent="0">
+              <a:buNone/>
+            </a:pPr>
+            <a:r>
+              <a:rPr lang="en-US" altLang="zh-TW" sz="1900" dirty="0">
+                <a:ea typeface="+mn-lt"/>
+                <a:cs typeface="+mn-lt"/>
+              </a:rPr>
+              <a:t>2.</a:t>
+            </a:r>
+            <a:r>
+              <a:rPr lang="zh-TW" altLang="en-US" sz="1900" dirty="0">
+                <a:ea typeface="+mn-lt"/>
+                <a:cs typeface="+mn-lt"/>
+              </a:rPr>
+              <a:t>本研究利用</a:t>
+            </a:r>
+            <a:r>
+              <a:rPr lang="en-US" altLang="zh-TW" sz="1900" dirty="0">
+                <a:ea typeface="+mn-lt"/>
+                <a:cs typeface="+mn-lt"/>
+              </a:rPr>
+              <a:t>MFCC</a:t>
+            </a:r>
+            <a:r>
+              <a:rPr lang="zh-TW" altLang="en-US" sz="1900" dirty="0">
+                <a:ea typeface="+mn-lt"/>
+                <a:cs typeface="+mn-lt"/>
+              </a:rPr>
+              <a:t>取得特徵</a:t>
+            </a:r>
+            <a:r>
+              <a:rPr lang="zh-TW" altLang="en-US" sz="1900" dirty="0" smtClean="0">
+                <a:ea typeface="+mn-lt"/>
+                <a:cs typeface="+mn-lt"/>
+              </a:rPr>
+              <a:t>向量，再將此向量使用機器學習或深度學習</a:t>
+            </a:r>
+            <a:r>
+              <a:rPr lang="en-US" altLang="zh-TW" sz="1900" dirty="0" smtClean="0">
+                <a:ea typeface="+mn-lt"/>
+                <a:cs typeface="+mn-lt"/>
+              </a:rPr>
+              <a:t>(CNN)</a:t>
+            </a:r>
+            <a:r>
+              <a:rPr lang="zh-TW" altLang="en-US" sz="1900" dirty="0" smtClean="0">
+                <a:ea typeface="+mn-lt"/>
+                <a:cs typeface="+mn-lt"/>
+              </a:rPr>
+              <a:t>進行分類</a:t>
+            </a:r>
+            <a:r>
+              <a:rPr lang="zh-TW" sz="1900" dirty="0" smtClean="0">
+                <a:ea typeface="+mn-lt"/>
+                <a:cs typeface="+mn-lt"/>
+              </a:rPr>
+              <a:t>。</a:t>
+            </a:r>
+            <a:endParaRPr lang="en-US" altLang="zh-TW" sz="1900" dirty="0" smtClean="0">
+              <a:ea typeface="+mn-lt"/>
+              <a:cs typeface="+mn-lt"/>
+            </a:endParaRPr>
+          </a:p>
+          <a:p>
+            <a:pPr marL="0" indent="0">
+              <a:buNone/>
+            </a:pPr>
+            <a:r>
+              <a:rPr lang="en-US" altLang="zh-TW" sz="1900" dirty="0" smtClean="0">
+                <a:ea typeface="+mn-lt"/>
+                <a:cs typeface="+mn-lt"/>
+              </a:rPr>
+              <a:t>3.</a:t>
+            </a:r>
+            <a:r>
+              <a:rPr lang="zh-TW" altLang="en-US" sz="1900" dirty="0">
+                <a:ea typeface="+mn-lt"/>
+                <a:cs typeface="+mn-lt"/>
+              </a:rPr>
+              <a:t>本</a:t>
+            </a:r>
+            <a:r>
+              <a:rPr lang="zh-TW" altLang="en-US" sz="1900" dirty="0" smtClean="0">
+                <a:ea typeface="+mn-lt"/>
+                <a:cs typeface="+mn-lt"/>
+              </a:rPr>
+              <a:t>研究利用實際的咳嗽聲音，並搭配</a:t>
+            </a:r>
+            <a:r>
+              <a:rPr lang="en-US" altLang="zh-TW" sz="1900" dirty="0" smtClean="0">
+                <a:ea typeface="+mn-lt"/>
+                <a:cs typeface="+mn-lt"/>
+              </a:rPr>
+              <a:t>PCR</a:t>
+            </a:r>
+            <a:r>
+              <a:rPr lang="zh-TW" altLang="en-US" sz="1900" dirty="0" smtClean="0">
+                <a:ea typeface="+mn-lt"/>
+                <a:cs typeface="+mn-lt"/>
+              </a:rPr>
+              <a:t>測試標註陰陽性作為正確答案。</a:t>
+            </a:r>
+            <a:endParaRPr lang="en-US" altLang="zh-TW" sz="1900" dirty="0" smtClean="0">
+              <a:ea typeface="+mn-lt"/>
+              <a:cs typeface="+mn-lt"/>
+            </a:endParaRPr>
+          </a:p>
+          <a:p>
+            <a:pPr marL="0" indent="0">
+              <a:buNone/>
+            </a:pPr>
+            <a:endParaRPr lang="en-US" altLang="zh-TW" sz="1900" dirty="0" smtClean="0">
+              <a:ea typeface="+mn-lt"/>
+              <a:cs typeface="+mn-lt"/>
+            </a:endParaRPr>
+          </a:p>
+          <a:p>
+            <a:pPr marL="0" indent="0">
+              <a:buNone/>
+            </a:pPr>
+            <a:endParaRPr lang="zh-TW" sz="1900" dirty="0">
+              <a:ea typeface="+mn-lt"/>
+              <a:cs typeface="+mn-lt"/>
+            </a:endParaRPr>
+          </a:p>
+          <a:p>
+            <a:endParaRPr lang="zh-TW" altLang="en-US" sz="1900" dirty="0">
+              <a:ea typeface="新細明體"/>
+              <a:cs typeface="Calibri"/>
+            </a:endParaRPr>
+          </a:p>
+          <a:p>
+            <a:endParaRPr lang="zh-TW" altLang="en-US" sz="1900" dirty="0">
+              <a:cs typeface="Calibri"/>
+            </a:endParaRPr>
+          </a:p>
+        </p:txBody>
+      </p:sp>
+      <p:sp>
+        <p:nvSpPr>
+          <p:cNvPr id="4" name="投影片編號版面配置區 3">
+            <a:extLst>
+              <a:ext uri="{FF2B5EF4-FFF2-40B4-BE49-F238E27FC236}">
+                <a16:creationId xmlns:a16="http://schemas.microsoft.com/office/drawing/2014/main" id="{6D0A9CE2-4264-9F38-B8F0-B8E64394EAB2}"/>
+              </a:ext>
+            </a:extLst>
+          </p:cNvPr>
+          <p:cNvSpPr>
+            <a:spLocks noGrp="1"/>
+          </p:cNvSpPr>
+          <p:nvPr>
+            <p:ph type="sldNum" sz="quarter" idx="12"/>
+          </p:nvPr>
+        </p:nvSpPr>
+        <p:spPr/>
+        <p:txBody>
+          <a:bodyPr/>
+          <a:lstStyle/>
+          <a:p>
+            <a:fld id="{C1FF6DA9-008F-8B48-92A6-B652298478BF}" type="slidenum">
+              <a:rPr lang="en-US" smtClean="0"/>
+              <a:t>4</a:t>
+            </a:fld>
+            <a:endParaRPr lang="zh-TW" altLang="en-US"/>
+          </a:p>
+        </p:txBody>
+      </p:sp>
+    </p:spTree>
+  </p:cSld>
+  <p:clrMapOvr>
+    <a:masterClrMapping/>
+  </p:clrMapOvr>
+</p:sld>
+</file>
+
+<file path=ppt/slides/slide5.xml><?xml version="1.0" encoding="utf-8"?>
+<p:sld xmlns:a="http://schemas.openxmlformats.org/drawingml/2006/main" xmlns:r="http://schemas.openxmlformats.org/officeDocument/2006/relationships" xmlns:p="http://schemas.openxmlformats.org/presentationml/2006/main">
+  <p:cSld>
+    <p:bg>
+      <p:bgPr>
+        <a:solidFill>
+          <a:schemeClr val="bg1"/>
+        </a:solidFill>
+        <a:effectLst/>
+      </p:bgPr>
+    </p:bg>
+    <p:spTree>
+      <p:nvGrpSpPr>
+        <p:cNvPr id="1" name=""/>
+        <p:cNvGrpSpPr/>
+        <p:nvPr/>
+      </p:nvGrpSpPr>
+      <p:grpSpPr>
+        <a:xfrm>
+          <a:off x="0" y="0"/>
+          <a:ext cx="0" cy="0"/>
+          <a:chOff x="0" y="0"/>
+          <a:chExt cx="0" cy="0"/>
+        </a:xfrm>
+      </p:grpSpPr>
+      <p:sp useBgFill="1">
+        <p:nvSpPr>
+          <p:cNvPr id="29" name="Rectangle 17">
+            <a:extLst>
+              <a:ext uri="{FF2B5EF4-FFF2-40B4-BE49-F238E27FC236}">
+                <a16:creationId xmlns:a16="http://schemas.microsoft.com/office/drawing/2014/main" id="{9D25F302-27C5-414F-97F8-6EA0A6C028BA}"/>
+              </a:ext>
+              <a:ext uri="{C183D7F6-B498-43B3-948B-1728B52AA6E4}">
+                <adec:decorative xmlns:adec="http://schemas.microsoft.com/office/drawing/2017/decorative" xmlns="" val="1"/>
+              </a:ext>
+            </a:extLst>
+          </p:cNvPr>
+          <p:cNvSpPr>
+            <a:spLocks noGrp="1" noRot="1" noChangeAspect="1" noMove="1" noResize="1" noEditPoints="1" noAdjustHandles="1" noChangeArrowheads="1" noChangeShapeType="1" noTextEdit="1"/>
+          </p:cNvSpPr>
+          <p:nvPr>
+            <p:extLst>
+              <p:ext uri="{386F3935-93C4-4BCD-93E2-E3B085C9AB24}">
+                <p16:designElem xmlns:p16="http://schemas.microsoft.com/office/powerpoint/2015/main" val="1"/>
+              </p:ext>
+            </p:extLst>
+          </p:nvPr>
+        </p:nvSpPr>
+        <p:spPr>
+          <a:xfrm>
+            <a:off x="0" y="0"/>
+            <a:ext cx="9144000" cy="6858000"/>
+          </a:xfrm>
+          <a:prstGeom prst="rect">
+            <a:avLst/>
+          </a:prstGeom>
+          <a:ln>
+            <a:noFill/>
+          </a:ln>
+        </p:spPr>
+        <p:style>
+          <a:lnRef idx="2">
+            <a:schemeClr val="accent1">
+              <a:shade val="50000"/>
+            </a:schemeClr>
+          </a:lnRef>
+          <a:fillRef idx="1">
+            <a:schemeClr val="accent1"/>
+          </a:fillRef>
+          <a:effectRef idx="0">
+            <a:schemeClr val="accent1"/>
+          </a:effectRef>
+          <a:fontRef idx="minor">
+            <a:schemeClr val="lt1"/>
+          </a:fontRef>
+        </p:style>
+        <p:txBody>
+          <a:bodyPr rtlCol="0" anchor="ctr"/>
+          <a:lstStyle/>
+          <a:p>
+            <a:pPr algn="ctr"/>
+            <a:endParaRPr lang="en-US"/>
+          </a:p>
+        </p:txBody>
+      </p:sp>
+      <p:sp>
+        <p:nvSpPr>
+          <p:cNvPr id="30" name="Right Triangle 19">
+            <a:extLst>
+              <a:ext uri="{FF2B5EF4-FFF2-40B4-BE49-F238E27FC236}">
+                <a16:creationId xmlns:a16="http://schemas.microsoft.com/office/drawing/2014/main" id="{830A36F8-48C2-4842-A87B-8CE8DF4E7FD2}"/>
+              </a:ext>
+              <a:ext uri="{C183D7F6-B498-43B3-948B-1728B52AA6E4}">
+                <adec:decorative xmlns:adec="http://schemas.microsoft.com/office/drawing/2017/decorative" xmlns="" val="1"/>
+              </a:ext>
+            </a:extLst>
+          </p:cNvPr>
+          <p:cNvSpPr>
+            <a:spLocks noGrp="1" noRot="1" noChangeAspect="1" noMove="1" noResize="1" noEditPoints="1" noAdjustHandles="1" noChangeArrowheads="1" noChangeShapeType="1" noTextEdit="1"/>
+          </p:cNvSpPr>
+          <p:nvPr>
+            <p:extLst>
+              <p:ext uri="{386F3935-93C4-4BCD-93E2-E3B085C9AB24}">
+                <p16:designElem xmlns:p16="http://schemas.microsoft.com/office/powerpoint/2015/main" val="1"/>
+              </p:ext>
+            </p:extLst>
+          </p:nvPr>
+        </p:nvSpPr>
+        <p:spPr>
+          <a:xfrm flipH="1">
+            <a:off x="6432540" y="3335867"/>
+            <a:ext cx="2468880" cy="3200400"/>
+          </a:xfrm>
+          <a:prstGeom prst="rtTriangle">
+            <a:avLst/>
+          </a:prstGeom>
+          <a:solidFill>
+            <a:schemeClr val="accent4"/>
+          </a:solidFill>
+          <a:ln>
+            <a:noFill/>
+          </a:ln>
+        </p:spPr>
+        <p:style>
+          <a:lnRef idx="2">
+            <a:schemeClr val="accent1">
+              <a:shade val="50000"/>
+            </a:schemeClr>
+          </a:lnRef>
+          <a:fillRef idx="1">
+            <a:schemeClr val="accent1"/>
+          </a:fillRef>
+          <a:effectRef idx="0">
+            <a:schemeClr val="accent1"/>
+          </a:effectRef>
+          <a:fontRef idx="minor">
+            <a:schemeClr val="lt1"/>
+          </a:fontRef>
+        </p:style>
+        <p:txBody>
+          <a:bodyPr rtlCol="0" anchor="ctr"/>
+          <a:lstStyle/>
+          <a:p>
+            <a:pPr algn="ctr"/>
+            <a:endParaRPr lang="en-US" dirty="0"/>
+          </a:p>
+        </p:txBody>
+      </p:sp>
+      <p:sp>
+        <p:nvSpPr>
+          <p:cNvPr id="31" name="Rectangle 21">
+            <a:extLst>
+              <a:ext uri="{FF2B5EF4-FFF2-40B4-BE49-F238E27FC236}">
+                <a16:creationId xmlns:a16="http://schemas.microsoft.com/office/drawing/2014/main" id="{8F451A30-466B-4996-9BA5-CD6ABCC6D558}"/>
+              </a:ext>
+              <a:ext uri="{C183D7F6-B498-43B3-948B-1728B52AA6E4}">
+                <adec:decorative xmlns:adec="http://schemas.microsoft.com/office/drawing/2017/decorative" xmlns="" val="1"/>
+              </a:ext>
+            </a:extLst>
+          </p:cNvPr>
+          <p:cNvSpPr>
+            <a:spLocks noGrp="1" noRot="1" noChangeAspect="1" noMove="1" noResize="1" noEditPoints="1" noAdjustHandles="1" noChangeArrowheads="1" noChangeShapeType="1" noTextEdit="1"/>
+          </p:cNvSpPr>
+          <p:nvPr>
+            <p:extLst>
+              <p:ext uri="{386F3935-93C4-4BCD-93E2-E3B085C9AB24}">
+                <p16:designElem xmlns:p16="http://schemas.microsoft.com/office/powerpoint/2015/main" val="1"/>
+              </p:ext>
+            </p:extLst>
+          </p:nvPr>
+        </p:nvSpPr>
+        <p:spPr>
+          <a:xfrm>
+            <a:off x="481330" y="623275"/>
+            <a:ext cx="8178790" cy="5607882"/>
+          </a:xfrm>
+          <a:prstGeom prst="rect">
+            <a:avLst/>
+          </a:prstGeom>
+          <a:noFill/>
+          <a:ln w="19050">
+            <a:solidFill>
+              <a:schemeClr val="tx1">
+                <a:lumMod val="75000"/>
+                <a:lumOff val="25000"/>
+              </a:schemeClr>
+            </a:solidFill>
+          </a:ln>
+        </p:spPr>
+        <p:style>
+          <a:lnRef idx="2">
+            <a:schemeClr val="accent1">
+              <a:shade val="50000"/>
+            </a:schemeClr>
+          </a:lnRef>
+          <a:fillRef idx="1">
+            <a:schemeClr val="accent1"/>
+          </a:fillRef>
+          <a:effectRef idx="0">
+            <a:schemeClr val="accent1"/>
+          </a:effectRef>
+          <a:fontRef idx="minor">
+            <a:schemeClr val="lt1"/>
+          </a:fontRef>
+        </p:style>
+        <p:txBody>
+          <a:bodyPr rtlCol="0" anchor="ctr"/>
+          <a:lstStyle/>
+          <a:p>
+            <a:pPr algn="ctr"/>
+            <a:endParaRPr lang="en-US"/>
+          </a:p>
+        </p:txBody>
+      </p:sp>
+      <p:sp>
+        <p:nvSpPr>
+          <p:cNvPr id="2" name="Title 1"/>
+          <p:cNvSpPr>
+            <a:spLocks noGrp="1"/>
+          </p:cNvSpPr>
+          <p:nvPr>
+            <p:ph type="title"/>
+          </p:nvPr>
+        </p:nvSpPr>
+        <p:spPr>
+          <a:xfrm>
+            <a:off x="866336" y="827829"/>
+            <a:ext cx="7103967" cy="1137111"/>
+          </a:xfrm>
+        </p:spPr>
+        <p:txBody>
+          <a:bodyPr>
+            <a:normAutofit/>
+          </a:bodyPr>
+          <a:lstStyle/>
+          <a:p>
+            <a:r>
+              <a:rPr lang="af-ZA" sz="4700" dirty="0">
+                <a:cs typeface="Calibri"/>
+              </a:rPr>
+              <a:t>method</a:t>
+            </a:r>
+            <a:endParaRPr lang="af-ZA" sz="4700" dirty="0"/>
+          </a:p>
+        </p:txBody>
+      </p:sp>
+      <p:sp>
+        <p:nvSpPr>
+          <p:cNvPr id="6" name="投影片編號版面配置區 5">
+            <a:extLst>
+              <a:ext uri="{FF2B5EF4-FFF2-40B4-BE49-F238E27FC236}">
+                <a16:creationId xmlns:a16="http://schemas.microsoft.com/office/drawing/2014/main" id="{D6C4808F-09EB-FC63-6EF5-9C9BE97A1390}"/>
+              </a:ext>
+            </a:extLst>
+          </p:cNvPr>
+          <p:cNvSpPr>
+            <a:spLocks noGrp="1"/>
+          </p:cNvSpPr>
+          <p:nvPr>
+            <p:ph type="sldNum" sz="quarter" idx="12"/>
+          </p:nvPr>
+        </p:nvSpPr>
+        <p:spPr/>
+        <p:txBody>
+          <a:bodyPr/>
+          <a:lstStyle/>
+          <a:p>
+            <a:fld id="{C1FF6DA9-008F-8B48-92A6-B652298478BF}" type="slidenum">
+              <a:rPr lang="en-US" smtClean="0"/>
+              <a:t>5</a:t>
+            </a:fld>
+            <a:endParaRPr lang="zh-TW" altLang="en-US"/>
+          </a:p>
+        </p:txBody>
+      </p:sp>
+      <p:sp>
+        <p:nvSpPr>
+          <p:cNvPr id="7" name="矩形 6"/>
+          <p:cNvSpPr/>
+          <p:nvPr/>
+        </p:nvSpPr>
+        <p:spPr>
+          <a:xfrm>
+            <a:off x="429753" y="1627102"/>
+            <a:ext cx="1241864" cy="651260"/>
+          </a:xfrm>
+          <a:prstGeom prst="rect">
+            <a:avLst/>
+          </a:prstGeom>
+          <a:noFill/>
+          <a:ln>
+            <a:noFill/>
+          </a:ln>
+        </p:spPr>
+        <p:style>
+          <a:lnRef idx="1">
+            <a:schemeClr val="accent1"/>
+          </a:lnRef>
+          <a:fillRef idx="3">
+            <a:schemeClr val="accent1"/>
+          </a:fillRef>
+          <a:effectRef idx="2">
+            <a:schemeClr val="accent1"/>
+          </a:effectRef>
+          <a:fontRef idx="minor">
+            <a:schemeClr val="lt1"/>
+          </a:fontRef>
+        </p:style>
+        <p:txBody>
+          <a:bodyPr rtlCol="0" anchor="ctr"/>
+          <a:lstStyle/>
+          <a:p>
+            <a:pPr algn="ctr"/>
+            <a:r>
+              <a:rPr lang="zh-TW" altLang="en-US" dirty="0" smtClean="0">
+                <a:solidFill>
+                  <a:srgbClr val="FF0000"/>
+                </a:solidFill>
+              </a:rPr>
+              <a:t>語音輸入</a:t>
+            </a:r>
+            <a:endParaRPr lang="zh-TW" altLang="en-US" dirty="0">
+              <a:solidFill>
+                <a:srgbClr val="FF0000"/>
+              </a:solidFill>
+            </a:endParaRPr>
+          </a:p>
+        </p:txBody>
+      </p:sp>
+      <p:cxnSp>
+        <p:nvCxnSpPr>
+          <p:cNvPr id="9" name="直線單箭頭接點 8"/>
+          <p:cNvCxnSpPr/>
+          <p:nvPr/>
+        </p:nvCxnSpPr>
+        <p:spPr>
+          <a:xfrm>
+            <a:off x="625036" y="2825439"/>
+            <a:ext cx="494316" cy="0"/>
+          </a:xfrm>
+          <a:prstGeom prst="straightConnector1">
+            <a:avLst/>
+          </a:prstGeom>
+          <a:ln w="28575">
+            <a:tailEnd type="triangle"/>
+          </a:ln>
+        </p:spPr>
+        <p:style>
+          <a:lnRef idx="2">
+            <a:schemeClr val="accent1"/>
+          </a:lnRef>
+          <a:fillRef idx="0">
+            <a:schemeClr val="accent1"/>
+          </a:fillRef>
+          <a:effectRef idx="1">
+            <a:schemeClr val="accent1"/>
+          </a:effectRef>
+          <a:fontRef idx="minor">
+            <a:schemeClr val="tx1"/>
+          </a:fontRef>
+        </p:style>
+      </p:cxnSp>
+      <p:sp>
+        <p:nvSpPr>
+          <p:cNvPr id="10" name="圓角矩形 9"/>
+          <p:cNvSpPr/>
+          <p:nvPr/>
+        </p:nvSpPr>
+        <p:spPr>
+          <a:xfrm>
+            <a:off x="1263058" y="2117494"/>
+            <a:ext cx="2242142" cy="1474547"/>
+          </a:xfrm>
+          <a:prstGeom prst="roundRect">
+            <a:avLst/>
+          </a:prstGeom>
+        </p:spPr>
+        <p:style>
+          <a:lnRef idx="1">
+            <a:schemeClr val="accent1"/>
+          </a:lnRef>
+          <a:fillRef idx="3">
+            <a:schemeClr val="accent1"/>
+          </a:fillRef>
+          <a:effectRef idx="2">
+            <a:schemeClr val="accent1"/>
+          </a:effectRef>
+          <a:fontRef idx="minor">
+            <a:schemeClr val="lt1"/>
+          </a:fontRef>
+        </p:style>
+        <p:txBody>
+          <a:bodyPr rtlCol="0" anchor="ctr"/>
+          <a:lstStyle/>
+          <a:p>
+            <a:pPr algn="ctr"/>
+            <a:r>
+              <a:rPr lang="en-US" altLang="zh-TW" dirty="0" smtClean="0">
+                <a:solidFill>
+                  <a:schemeClr val="tx1"/>
+                </a:solidFill>
+              </a:rPr>
+              <a:t>Preprocess</a:t>
+            </a:r>
+          </a:p>
+          <a:p>
+            <a:pPr algn="ctr"/>
+            <a:r>
+              <a:rPr lang="en-US" altLang="zh-TW" dirty="0">
+                <a:solidFill>
+                  <a:schemeClr val="tx1"/>
+                </a:solidFill>
+              </a:rPr>
+              <a:t>MFCC-raw</a:t>
+            </a:r>
+          </a:p>
+          <a:p>
+            <a:pPr algn="ctr"/>
+            <a:r>
+              <a:rPr lang="en-US" altLang="zh-TW" dirty="0">
+                <a:solidFill>
+                  <a:schemeClr val="tx1"/>
+                </a:solidFill>
+              </a:rPr>
+              <a:t>MFCC-stats</a:t>
+            </a:r>
+          </a:p>
+          <a:p>
+            <a:pPr algn="ctr"/>
+            <a:r>
+              <a:rPr lang="en-US" altLang="zh-TW" dirty="0">
+                <a:solidFill>
+                  <a:schemeClr val="tx1"/>
+                </a:solidFill>
+              </a:rPr>
+              <a:t>NMF-spectrogram</a:t>
+            </a:r>
+          </a:p>
+          <a:p>
+            <a:pPr algn="ctr"/>
+            <a:r>
+              <a:rPr lang="en-US" altLang="zh-TW" dirty="0">
+                <a:solidFill>
+                  <a:schemeClr val="tx1"/>
+                </a:solidFill>
+              </a:rPr>
+              <a:t>NMF-MFCC</a:t>
+            </a:r>
+            <a:endParaRPr lang="zh-TW" altLang="en-US" dirty="0">
+              <a:solidFill>
+                <a:schemeClr val="tx1"/>
+              </a:solidFill>
+            </a:endParaRPr>
+          </a:p>
+        </p:txBody>
+      </p:sp>
+      <p:sp>
+        <p:nvSpPr>
+          <p:cNvPr id="14" name="矩形 13"/>
+          <p:cNvSpPr/>
+          <p:nvPr/>
+        </p:nvSpPr>
+        <p:spPr>
+          <a:xfrm>
+            <a:off x="2019300" y="1552773"/>
+            <a:ext cx="1241864" cy="651260"/>
+          </a:xfrm>
+          <a:prstGeom prst="rect">
+            <a:avLst/>
+          </a:prstGeom>
+          <a:noFill/>
+          <a:ln>
+            <a:noFill/>
+          </a:ln>
+        </p:spPr>
+        <p:style>
+          <a:lnRef idx="1">
+            <a:schemeClr val="accent1"/>
+          </a:lnRef>
+          <a:fillRef idx="3">
+            <a:schemeClr val="accent1"/>
+          </a:fillRef>
+          <a:effectRef idx="2">
+            <a:schemeClr val="accent1"/>
+          </a:effectRef>
+          <a:fontRef idx="minor">
+            <a:schemeClr val="lt1"/>
+          </a:fontRef>
+        </p:style>
+        <p:txBody>
+          <a:bodyPr rtlCol="0" anchor="ctr"/>
+          <a:lstStyle/>
+          <a:p>
+            <a:pPr algn="ctr"/>
+            <a:r>
+              <a:rPr lang="en-US" altLang="zh-TW" dirty="0" smtClean="0">
+                <a:solidFill>
+                  <a:schemeClr val="tx1"/>
+                </a:solidFill>
+              </a:rPr>
+              <a:t>MFCC</a:t>
+            </a:r>
+            <a:endParaRPr lang="zh-TW" altLang="en-US" dirty="0">
+              <a:solidFill>
+                <a:schemeClr val="tx1"/>
+              </a:solidFill>
+            </a:endParaRPr>
+          </a:p>
+        </p:txBody>
+      </p:sp>
+      <p:cxnSp>
+        <p:nvCxnSpPr>
+          <p:cNvPr id="15" name="直線單箭頭接點 14"/>
+          <p:cNvCxnSpPr/>
+          <p:nvPr/>
+        </p:nvCxnSpPr>
+        <p:spPr>
+          <a:xfrm>
+            <a:off x="3505200" y="2822652"/>
+            <a:ext cx="590550" cy="0"/>
+          </a:xfrm>
+          <a:prstGeom prst="straightConnector1">
+            <a:avLst/>
+          </a:prstGeom>
+          <a:ln w="28575">
+            <a:tailEnd type="triangle"/>
+          </a:ln>
+        </p:spPr>
+        <p:style>
+          <a:lnRef idx="2">
+            <a:schemeClr val="accent1"/>
+          </a:lnRef>
+          <a:fillRef idx="0">
+            <a:schemeClr val="accent1"/>
+          </a:fillRef>
+          <a:effectRef idx="1">
+            <a:schemeClr val="accent1"/>
+          </a:effectRef>
+          <a:fontRef idx="minor">
+            <a:schemeClr val="tx1"/>
+          </a:fontRef>
+        </p:style>
+      </p:cxnSp>
+      <p:sp>
+        <p:nvSpPr>
+          <p:cNvPr id="17" name="圓角矩形 16"/>
+          <p:cNvSpPr/>
+          <p:nvPr/>
+        </p:nvSpPr>
+        <p:spPr>
+          <a:xfrm>
+            <a:off x="4149085" y="2477972"/>
+            <a:ext cx="1638300" cy="720955"/>
+          </a:xfrm>
+          <a:prstGeom prst="roundRect">
+            <a:avLst/>
+          </a:prstGeom>
+        </p:spPr>
+        <p:style>
+          <a:lnRef idx="1">
+            <a:schemeClr val="accent1"/>
+          </a:lnRef>
+          <a:fillRef idx="3">
+            <a:schemeClr val="accent1"/>
+          </a:fillRef>
+          <a:effectRef idx="2">
+            <a:schemeClr val="accent1"/>
+          </a:effectRef>
+          <a:fontRef idx="minor">
+            <a:schemeClr val="lt1"/>
+          </a:fontRef>
+        </p:style>
+        <p:txBody>
+          <a:bodyPr rtlCol="0" anchor="ctr"/>
+          <a:lstStyle/>
+          <a:p>
+            <a:pPr algn="ctr"/>
+            <a:r>
+              <a:rPr lang="zh-TW" altLang="en-US" dirty="0">
+                <a:solidFill>
+                  <a:schemeClr val="tx1"/>
+                </a:solidFill>
+              </a:rPr>
+              <a:t>分</a:t>
+            </a:r>
+            <a:r>
+              <a:rPr lang="en-US" altLang="zh-TW">
+                <a:solidFill>
+                  <a:schemeClr val="tx1"/>
+                </a:solidFill>
+              </a:rPr>
+              <a:t>train/test</a:t>
+            </a:r>
+            <a:endParaRPr lang="zh-TW" altLang="en-US" dirty="0">
+              <a:solidFill>
+                <a:schemeClr val="tx1"/>
+              </a:solidFill>
+            </a:endParaRPr>
+          </a:p>
+        </p:txBody>
+      </p:sp>
+      <p:cxnSp>
+        <p:nvCxnSpPr>
+          <p:cNvPr id="13" name="直線單箭頭接點 12"/>
+          <p:cNvCxnSpPr/>
+          <p:nvPr/>
+        </p:nvCxnSpPr>
+        <p:spPr>
+          <a:xfrm>
+            <a:off x="5841990" y="2822652"/>
+            <a:ext cx="590550" cy="0"/>
+          </a:xfrm>
+          <a:prstGeom prst="straightConnector1">
+            <a:avLst/>
+          </a:prstGeom>
+          <a:ln w="28575">
+            <a:tailEnd type="triangle"/>
+          </a:ln>
+        </p:spPr>
+        <p:style>
+          <a:lnRef idx="2">
+            <a:schemeClr val="accent1"/>
+          </a:lnRef>
+          <a:fillRef idx="0">
+            <a:schemeClr val="accent1"/>
+          </a:fillRef>
+          <a:effectRef idx="1">
+            <a:schemeClr val="accent1"/>
+          </a:effectRef>
+          <a:fontRef idx="minor">
+            <a:schemeClr val="tx1"/>
+          </a:fontRef>
+        </p:style>
+      </p:cxnSp>
+      <p:sp>
+        <p:nvSpPr>
+          <p:cNvPr id="16" name="圓角矩形 15"/>
+          <p:cNvSpPr/>
+          <p:nvPr/>
+        </p:nvSpPr>
+        <p:spPr>
+          <a:xfrm>
+            <a:off x="6524612" y="2258947"/>
+            <a:ext cx="2020297" cy="1237112"/>
+          </a:xfrm>
+          <a:prstGeom prst="roundRect">
+            <a:avLst/>
+          </a:prstGeom>
+        </p:spPr>
+        <p:style>
+          <a:lnRef idx="1">
+            <a:schemeClr val="accent1"/>
+          </a:lnRef>
+          <a:fillRef idx="3">
+            <a:schemeClr val="accent1"/>
+          </a:fillRef>
+          <a:effectRef idx="2">
+            <a:schemeClr val="accent1"/>
+          </a:effectRef>
+          <a:fontRef idx="minor">
+            <a:schemeClr val="lt1"/>
+          </a:fontRef>
+        </p:style>
+        <p:txBody>
+          <a:bodyPr rtlCol="0" anchor="ctr"/>
+          <a:lstStyle/>
+          <a:p>
+            <a:pPr algn="ctr"/>
+            <a:r>
+              <a:rPr lang="zh-TW" altLang="en-US" dirty="0" smtClean="0">
+                <a:solidFill>
+                  <a:schemeClr val="tx1"/>
+                </a:solidFill>
+              </a:rPr>
+              <a:t>機器學習演算法</a:t>
+            </a:r>
+            <a:r>
+              <a:rPr lang="zh-TW" altLang="en-US" dirty="0">
+                <a:solidFill>
+                  <a:schemeClr val="tx1"/>
+                </a:solidFill>
+              </a:rPr>
+              <a:t>建立模型</a:t>
+            </a:r>
+            <a:r>
+              <a:rPr lang="en-US" altLang="zh-TW" dirty="0">
+                <a:solidFill>
+                  <a:schemeClr val="tx1"/>
+                </a:solidFill>
+              </a:rPr>
+              <a:t>:</a:t>
+            </a:r>
+          </a:p>
+          <a:p>
+            <a:pPr algn="ctr"/>
+            <a:r>
+              <a:rPr lang="en-US" altLang="zh-TW" dirty="0">
+                <a:solidFill>
+                  <a:schemeClr val="tx1"/>
+                </a:solidFill>
+              </a:rPr>
+              <a:t>SVM/KNN/</a:t>
+            </a:r>
+          </a:p>
+          <a:p>
+            <a:pPr algn="ctr"/>
+            <a:r>
+              <a:rPr lang="en-US" altLang="zh-TW" dirty="0" err="1">
+                <a:solidFill>
+                  <a:schemeClr val="tx1"/>
+                </a:solidFill>
+              </a:rPr>
+              <a:t>XGBoost</a:t>
+            </a:r>
+            <a:endParaRPr lang="zh-TW" altLang="en-US" dirty="0">
+              <a:solidFill>
+                <a:schemeClr val="tx1"/>
+              </a:solidFill>
+            </a:endParaRPr>
+          </a:p>
+        </p:txBody>
+      </p:sp>
+      <p:cxnSp>
+        <p:nvCxnSpPr>
+          <p:cNvPr id="18" name="直線單箭頭接點 17"/>
+          <p:cNvCxnSpPr/>
+          <p:nvPr/>
+        </p:nvCxnSpPr>
+        <p:spPr>
+          <a:xfrm>
+            <a:off x="7343763" y="4020194"/>
+            <a:ext cx="0" cy="687584"/>
+          </a:xfrm>
+          <a:prstGeom prst="straightConnector1">
+            <a:avLst/>
+          </a:prstGeom>
+          <a:ln w="28575">
+            <a:tailEnd type="triangle"/>
+          </a:ln>
+        </p:spPr>
+        <p:style>
+          <a:lnRef idx="2">
+            <a:schemeClr val="accent1"/>
+          </a:lnRef>
+          <a:fillRef idx="0">
+            <a:schemeClr val="accent1"/>
+          </a:fillRef>
+          <a:effectRef idx="1">
+            <a:schemeClr val="accent1"/>
+          </a:effectRef>
+          <a:fontRef idx="minor">
+            <a:schemeClr val="tx1"/>
+          </a:fontRef>
+        </p:style>
+      </p:cxnSp>
+      <p:sp>
+        <p:nvSpPr>
+          <p:cNvPr id="19" name="圓角矩形 18"/>
+          <p:cNvSpPr/>
+          <p:nvPr/>
+        </p:nvSpPr>
+        <p:spPr>
+          <a:xfrm>
+            <a:off x="6519526" y="5030643"/>
+            <a:ext cx="1638300" cy="720955"/>
+          </a:xfrm>
+          <a:prstGeom prst="roundRect">
+            <a:avLst/>
+          </a:prstGeom>
+        </p:spPr>
+        <p:style>
+          <a:lnRef idx="1">
+            <a:schemeClr val="accent1"/>
+          </a:lnRef>
+          <a:fillRef idx="3">
+            <a:schemeClr val="accent1"/>
+          </a:fillRef>
+          <a:effectRef idx="2">
+            <a:schemeClr val="accent1"/>
+          </a:effectRef>
+          <a:fontRef idx="minor">
+            <a:schemeClr val="lt1"/>
+          </a:fontRef>
+        </p:style>
+        <p:txBody>
+          <a:bodyPr rtlCol="0" anchor="ctr"/>
+          <a:lstStyle/>
+          <a:p>
+            <a:pPr algn="ctr"/>
+            <a:r>
+              <a:rPr lang="zh-TW" altLang="en-US" dirty="0" smtClean="0">
+                <a:solidFill>
+                  <a:schemeClr val="tx1"/>
+                </a:solidFill>
+              </a:rPr>
+              <a:t>評估</a:t>
+            </a:r>
+            <a:endParaRPr lang="zh-TW" altLang="en-US" dirty="0">
+              <a:solidFill>
+                <a:schemeClr val="tx1"/>
+              </a:solidFill>
+            </a:endParaRPr>
+          </a:p>
+        </p:txBody>
+      </p:sp>
+    </p:spTree>
+  </p:cSld>
+  <p:clrMapOvr>
+    <a:masterClrMapping/>
+  </p:clrMapOvr>
+</p:sld>
+</file>
+
+<file path=ppt/slides/slide6.xml><?xml version="1.0" encoding="utf-8"?>
+<p:sld xmlns:a="http://schemas.openxmlformats.org/drawingml/2006/main" xmlns:r="http://schemas.openxmlformats.org/officeDocument/2006/relationships" xmlns:p="http://schemas.openxmlformats.org/presentationml/2006/main">
+  <p:cSld>
+    <p:spTree>
+      <p:nvGrpSpPr>
+        <p:cNvPr id="1" name=""/>
+        <p:cNvGrpSpPr/>
+        <p:nvPr/>
+      </p:nvGrpSpPr>
+      <p:grpSpPr>
+        <a:xfrm>
+          <a:off x="0" y="0"/>
+          <a:ext cx="0" cy="0"/>
+          <a:chOff x="0" y="0"/>
+          <a:chExt cx="0" cy="0"/>
+        </a:xfrm>
+      </p:grpSpPr>
+      <p:sp>
+        <p:nvSpPr>
+          <p:cNvPr id="2" name="Title 1"/>
+          <p:cNvSpPr>
+            <a:spLocks noGrp="1"/>
+          </p:cNvSpPr>
+          <p:nvPr>
+            <p:ph type="title"/>
+          </p:nvPr>
+        </p:nvSpPr>
+        <p:spPr>
+          <a:xfrm>
+            <a:off x="866336" y="827829"/>
+            <a:ext cx="7103967" cy="1137111"/>
+          </a:xfrm>
+        </p:spPr>
+        <p:txBody>
+          <a:bodyPr>
+            <a:normAutofit/>
+          </a:bodyPr>
+          <a:lstStyle/>
+          <a:p>
+            <a:r>
+              <a:rPr lang="af-ZA" sz="4700" dirty="0">
+                <a:cs typeface="Calibri"/>
+              </a:rPr>
+              <a:t>method</a:t>
+            </a:r>
+            <a:endParaRPr lang="af-ZA" sz="4700" dirty="0"/>
+          </a:p>
+        </p:txBody>
+      </p:sp>
+      <p:pic>
+        <p:nvPicPr>
+          <p:cNvPr id="3" name="圖片 2"/>
+          <p:cNvPicPr>
+            <a:picLocks noChangeAspect="1"/>
+          </p:cNvPicPr>
+          <p:nvPr/>
+        </p:nvPicPr>
+        <p:blipFill>
+          <a:blip r:embed="rId2"/>
+          <a:stretch>
+            <a:fillRect/>
+          </a:stretch>
+        </p:blipFill>
+        <p:spPr>
+          <a:xfrm>
+            <a:off x="740211" y="1964940"/>
+            <a:ext cx="7741636" cy="3518925"/>
+          </a:xfrm>
+          <a:prstGeom prst="rect">
+            <a:avLst/>
+          </a:prstGeom>
+        </p:spPr>
+      </p:pic>
+      <p:sp>
+        <p:nvSpPr>
+          <p:cNvPr id="20" name="矩形 19"/>
+          <p:cNvSpPr/>
+          <p:nvPr/>
+        </p:nvSpPr>
+        <p:spPr>
+          <a:xfrm>
+            <a:off x="6767489" y="4809688"/>
+            <a:ext cx="1714358" cy="651260"/>
+          </a:xfrm>
+          <a:prstGeom prst="rect">
+            <a:avLst/>
+          </a:prstGeom>
+          <a:noFill/>
+          <a:ln>
+            <a:solidFill>
+              <a:srgbClr val="FF0000"/>
+            </a:solidFill>
+            <a:prstDash val="sysDash"/>
+          </a:ln>
+        </p:spPr>
+        <p:style>
+          <a:lnRef idx="1">
+            <a:schemeClr val="accent1"/>
+          </a:lnRef>
+          <a:fillRef idx="3">
+            <a:schemeClr val="accent1"/>
+          </a:fillRef>
+          <a:effectRef idx="2">
+            <a:schemeClr val="accent1"/>
+          </a:effectRef>
+          <a:fontRef idx="minor">
+            <a:schemeClr val="lt1"/>
+          </a:fontRef>
+        </p:style>
+        <p:txBody>
+          <a:bodyPr rtlCol="0" anchor="ctr"/>
+          <a:lstStyle/>
+          <a:p>
+            <a:pPr algn="ctr"/>
+            <a:endParaRPr lang="zh-TW" altLang="en-US" dirty="0">
+              <a:solidFill>
+                <a:srgbClr val="FF0000"/>
+              </a:solidFill>
+            </a:endParaRPr>
+          </a:p>
+        </p:txBody>
+      </p:sp>
+    </p:spTree>
+    <p:extLst>
+      <p:ext uri="{BB962C8B-B14F-4D97-AF65-F5344CB8AC3E}">
+        <p14:creationId xmlns:p14="http://schemas.microsoft.com/office/powerpoint/2010/main" val="1943441441"/>
+      </p:ext>
+    </p:extLst>
+  </p:cSld>
+  <p:clrMapOvr>
+    <a:masterClrMapping/>
+  </p:clrMapOvr>
+</p:sld>
+</file>
+
+<file path=ppt/slides/slide7.xml><?xml version="1.0" encoding="utf-8"?>
+<p:sld xmlns:a="http://schemas.openxmlformats.org/drawingml/2006/main" xmlns:r="http://schemas.openxmlformats.org/officeDocument/2006/relationships" xmlns:p="http://schemas.openxmlformats.org/presentationml/2006/main">
+  <p:cSld>
+    <p:spTree>
+      <p:nvGrpSpPr>
+        <p:cNvPr id="1" name=""/>
+        <p:cNvGrpSpPr/>
+        <p:nvPr/>
+      </p:nvGrpSpPr>
+      <p:grpSpPr>
+        <a:xfrm>
+          <a:off x="0" y="0"/>
+          <a:ext cx="0" cy="0"/>
+          <a:chOff x="0" y="0"/>
+          <a:chExt cx="0" cy="0"/>
+        </a:xfrm>
+      </p:grpSpPr>
+      <p:sp>
+        <p:nvSpPr>
+          <p:cNvPr id="2" name="Title 1"/>
+          <p:cNvSpPr>
+            <a:spLocks noGrp="1"/>
+          </p:cNvSpPr>
+          <p:nvPr>
+            <p:ph type="title"/>
+          </p:nvPr>
+        </p:nvSpPr>
+        <p:spPr>
+          <a:xfrm>
+            <a:off x="866336" y="827829"/>
+            <a:ext cx="7103967" cy="1137111"/>
+          </a:xfrm>
+        </p:spPr>
+        <p:txBody>
+          <a:bodyPr>
+            <a:normAutofit/>
+          </a:bodyPr>
+          <a:lstStyle/>
+          <a:p>
+            <a:r>
+              <a:rPr lang="af-ZA" sz="4700" dirty="0">
+                <a:cs typeface="Calibri"/>
+              </a:rPr>
+              <a:t>method</a:t>
+            </a:r>
+            <a:endParaRPr lang="af-ZA" sz="4700" dirty="0"/>
+          </a:p>
+        </p:txBody>
+      </p:sp>
+      <p:sp>
+        <p:nvSpPr>
+          <p:cNvPr id="5" name="矩形 4"/>
+          <p:cNvSpPr/>
+          <p:nvPr/>
+        </p:nvSpPr>
+        <p:spPr>
+          <a:xfrm>
+            <a:off x="426982" y="1639310"/>
+            <a:ext cx="1780189" cy="651260"/>
+          </a:xfrm>
+          <a:prstGeom prst="rect">
+            <a:avLst/>
+          </a:prstGeom>
+          <a:noFill/>
+          <a:ln>
+            <a:noFill/>
+          </a:ln>
+        </p:spPr>
+        <p:style>
+          <a:lnRef idx="1">
+            <a:schemeClr val="accent1"/>
+          </a:lnRef>
+          <a:fillRef idx="3">
+            <a:schemeClr val="accent1"/>
+          </a:fillRef>
+          <a:effectRef idx="2">
+            <a:schemeClr val="accent1"/>
+          </a:effectRef>
+          <a:fontRef idx="minor">
+            <a:schemeClr val="lt1"/>
+          </a:fontRef>
+        </p:style>
+        <p:txBody>
+          <a:bodyPr rtlCol="0" anchor="ctr"/>
+          <a:lstStyle/>
+          <a:p>
+            <a:pPr algn="ctr"/>
+            <a:r>
+              <a:rPr lang="zh-TW" altLang="en-US" dirty="0" smtClean="0">
+                <a:solidFill>
+                  <a:schemeClr val="tx1"/>
+                </a:solidFill>
+              </a:rPr>
+              <a:t>採樣方式介紹</a:t>
+            </a:r>
+            <a:endParaRPr lang="zh-TW" altLang="en-US" dirty="0">
+              <a:solidFill>
+                <a:schemeClr val="tx1"/>
+              </a:solidFill>
+            </a:endParaRPr>
+          </a:p>
+        </p:txBody>
+      </p:sp>
+      <p:sp>
+        <p:nvSpPr>
+          <p:cNvPr id="6" name="Content Placeholder 2"/>
+          <p:cNvSpPr>
+            <a:spLocks noGrp="1"/>
+          </p:cNvSpPr>
+          <p:nvPr>
+            <p:ph idx="1"/>
+          </p:nvPr>
+        </p:nvSpPr>
+        <p:spPr>
+          <a:xfrm>
+            <a:off x="931947" y="2290570"/>
+            <a:ext cx="7329184" cy="4300447"/>
+          </a:xfrm>
+        </p:spPr>
+        <p:txBody>
+          <a:bodyPr vert="horz" lIns="91440" tIns="45720" rIns="91440" bIns="45720" rtlCol="0" anchor="t">
+            <a:normAutofit/>
+          </a:bodyPr>
+          <a:lstStyle/>
+          <a:p>
+            <a:pPr marL="457200" indent="-457200">
+              <a:buAutoNum type="arabicPeriod"/>
+            </a:pPr>
+            <a:r>
+              <a:rPr lang="en-US" altLang="zh-TW" sz="2000" dirty="0" err="1" smtClean="0"/>
+              <a:t>Undersampling</a:t>
+            </a:r>
+            <a:r>
+              <a:rPr lang="en-US" altLang="zh-TW" sz="2000" dirty="0" smtClean="0"/>
+              <a:t> </a:t>
+            </a:r>
+          </a:p>
+          <a:p>
+            <a:pPr marL="457200" indent="-457200">
+              <a:buAutoNum type="arabicPeriod"/>
+            </a:pPr>
+            <a:r>
+              <a:rPr lang="en-US" altLang="zh-TW" sz="2000" dirty="0"/>
+              <a:t>SMOTE</a:t>
+            </a:r>
+            <a:r>
+              <a:rPr lang="zh-TW" sz="1900" dirty="0" smtClean="0">
+                <a:ea typeface="+mn-lt"/>
+                <a:cs typeface="+mn-lt"/>
+              </a:rPr>
+              <a:t>。</a:t>
+            </a:r>
+            <a:endParaRPr lang="en-US" altLang="zh-TW" sz="1900" dirty="0" smtClean="0">
+              <a:ea typeface="+mn-lt"/>
+              <a:cs typeface="+mn-lt"/>
+            </a:endParaRPr>
+          </a:p>
+          <a:p>
+            <a:pPr marL="457200" indent="-457200">
+              <a:buAutoNum type="arabicPeriod"/>
+            </a:pPr>
+            <a:r>
+              <a:rPr lang="en-US" altLang="zh-TW" sz="2000" dirty="0"/>
+              <a:t>Oversampling</a:t>
+            </a:r>
+            <a:endParaRPr lang="en-US" altLang="zh-TW" sz="1900" dirty="0" smtClean="0">
+              <a:ea typeface="+mn-lt"/>
+              <a:cs typeface="+mn-lt"/>
+            </a:endParaRPr>
+          </a:p>
+          <a:p>
+            <a:pPr marL="0" indent="0">
+              <a:buNone/>
+            </a:pPr>
+            <a:endParaRPr lang="en-US" altLang="zh-TW" sz="1900" dirty="0" smtClean="0">
+              <a:ea typeface="+mn-lt"/>
+              <a:cs typeface="+mn-lt"/>
+            </a:endParaRPr>
+          </a:p>
+          <a:p>
+            <a:pPr marL="0" indent="0">
+              <a:buNone/>
+            </a:pPr>
+            <a:endParaRPr lang="en-US" altLang="zh-TW" sz="1900" dirty="0" smtClean="0">
+              <a:ea typeface="+mn-lt"/>
+              <a:cs typeface="+mn-lt"/>
+            </a:endParaRPr>
+          </a:p>
+          <a:p>
+            <a:pPr marL="0" indent="0">
+              <a:buNone/>
+            </a:pPr>
+            <a:endParaRPr lang="zh-TW" sz="1900" dirty="0">
+              <a:ea typeface="+mn-lt"/>
+              <a:cs typeface="+mn-lt"/>
+            </a:endParaRPr>
+          </a:p>
+          <a:p>
+            <a:endParaRPr lang="zh-TW" altLang="en-US" sz="1900" dirty="0">
+              <a:ea typeface="新細明體"/>
+              <a:cs typeface="Calibri"/>
+            </a:endParaRPr>
+          </a:p>
+          <a:p>
+            <a:endParaRPr lang="zh-TW" altLang="en-US" sz="1900" dirty="0">
+              <a:cs typeface="Calibri"/>
+            </a:endParaRPr>
+          </a:p>
+        </p:txBody>
+      </p:sp>
+    </p:spTree>
+    <p:extLst>
+      <p:ext uri="{BB962C8B-B14F-4D97-AF65-F5344CB8AC3E}">
+        <p14:creationId xmlns:p14="http://schemas.microsoft.com/office/powerpoint/2010/main" val="2693117407"/>
+      </p:ext>
+    </p:extLst>
+  </p:cSld>
+  <p:clrMapOvr>
+    <a:masterClrMapping/>
+  </p:clrMapOvr>
+</p:sld>
+</file>
+
+<file path=ppt/slides/slide8.xml><?xml version="1.0" encoding="utf-8"?>
+<p:sld xmlns:a="http://schemas.openxmlformats.org/drawingml/2006/main" xmlns:r="http://schemas.openxmlformats.org/officeDocument/2006/relationships" xmlns:p="http://schemas.openxmlformats.org/presentationml/2006/main">
+  <p:cSld>
+    <p:spTree>
+      <p:nvGrpSpPr>
+        <p:cNvPr id="1" name=""/>
+        <p:cNvGrpSpPr/>
+        <p:nvPr/>
+      </p:nvGrpSpPr>
+      <p:grpSpPr>
+        <a:xfrm>
+          <a:off x="0" y="0"/>
+          <a:ext cx="0" cy="0"/>
+          <a:chOff x="0" y="0"/>
+          <a:chExt cx="0" cy="0"/>
+        </a:xfrm>
+      </p:grpSpPr>
+      <p:sp>
+        <p:nvSpPr>
+          <p:cNvPr id="6" name="投影片編號版面配置區 5">
+            <a:extLst>
+              <a:ext uri="{FF2B5EF4-FFF2-40B4-BE49-F238E27FC236}">
+                <a16:creationId xmlns:a16="http://schemas.microsoft.com/office/drawing/2014/main" id="{61753A5E-D648-E8AC-69A1-E3C4A76C5623}"/>
+              </a:ext>
+            </a:extLst>
+          </p:cNvPr>
+          <p:cNvSpPr>
+            <a:spLocks noGrp="1"/>
+          </p:cNvSpPr>
+          <p:nvPr>
+            <p:ph type="sldNum" sz="quarter" idx="12"/>
+          </p:nvPr>
+        </p:nvSpPr>
+        <p:spPr/>
+        <p:txBody>
+          <a:bodyPr/>
+          <a:lstStyle/>
+          <a:p>
+            <a:fld id="{C1FF6DA9-008F-8B48-92A6-B652298478BF}" type="slidenum">
+              <a:rPr lang="en-US" smtClean="0"/>
+              <a:t>8</a:t>
+            </a:fld>
+            <a:endParaRPr lang="zh-TW" altLang="en-US"/>
+          </a:p>
+        </p:txBody>
+      </p:sp>
+    </p:spTree>
+  </p:cSld>
+  <p:clrMapOvr>
+    <a:masterClrMapping/>
+  </p:clrMapOvr>
+</p:sld>
+</file>
+
+<file path=ppt/slides/slide9.xml><?xml version="1.0" encoding="utf-8"?>
+<p:sld xmlns:a="http://schemas.openxmlformats.org/drawingml/2006/main" xmlns:r="http://schemas.openxmlformats.org/officeDocument/2006/relationships" xmlns:p="http://schemas.openxmlformats.org/presentationml/2006/main">
+  <p:cSld>
+    <p:spTree>
+      <p:nvGrpSpPr>
+        <p:cNvPr id="1" name=""/>
+        <p:cNvGrpSpPr/>
+        <p:nvPr/>
+      </p:nvGrpSpPr>
+      <p:grpSpPr>
+        <a:xfrm>
+          <a:off x="0" y="0"/>
+          <a:ext cx="0" cy="0"/>
+          <a:chOff x="0" y="0"/>
+          <a:chExt cx="0" cy="0"/>
+        </a:xfrm>
+      </p:grpSpPr>
+      <p:sp>
+        <p:nvSpPr>
+          <p:cNvPr id="2" name="標題 1">
+            <a:extLst>
+              <a:ext uri="{FF2B5EF4-FFF2-40B4-BE49-F238E27FC236}">
+                <a16:creationId xmlns:a16="http://schemas.microsoft.com/office/drawing/2014/main" id="{880634D7-6B43-2E89-4604-779C8D13034B}"/>
+              </a:ext>
+            </a:extLst>
+          </p:cNvPr>
+          <p:cNvSpPr>
+            <a:spLocks noGrp="1"/>
+          </p:cNvSpPr>
+          <p:nvPr>
+            <p:ph type="title"/>
+          </p:nvPr>
+        </p:nvSpPr>
+        <p:spPr/>
+        <p:txBody>
+          <a:bodyPr/>
+          <a:lstStyle/>
+          <a:p>
+            <a:r>
+              <a:rPr lang="zh-TW" altLang="en-US">
+                <a:ea typeface="新細明體"/>
+                <a:cs typeface="Calibri"/>
+              </a:rPr>
+              <a:t>Dataset(標註過)</a:t>
+            </a:r>
+            <a:endParaRPr lang="zh-TW" altLang="en-US" dirty="0">
+              <a:ea typeface="新細明體"/>
+              <a:cs typeface="Calibri"/>
+            </a:endParaRPr>
+          </a:p>
+        </p:txBody>
+      </p:sp>
+      <p:sp>
+        <p:nvSpPr>
+          <p:cNvPr id="3" name="內容版面配置區 2">
+            <a:extLst>
+              <a:ext uri="{FF2B5EF4-FFF2-40B4-BE49-F238E27FC236}">
+                <a16:creationId xmlns:a16="http://schemas.microsoft.com/office/drawing/2014/main" id="{DC83CC35-BE36-8A58-287B-F4534320324C}"/>
+              </a:ext>
+            </a:extLst>
+          </p:cNvPr>
+          <p:cNvSpPr>
+            <a:spLocks noGrp="1"/>
+          </p:cNvSpPr>
+          <p:nvPr>
+            <p:ph idx="1"/>
+          </p:nvPr>
+        </p:nvSpPr>
+        <p:spPr>
+          <a:xfrm>
+            <a:off x="457200" y="1168879"/>
+            <a:ext cx="8229600" cy="4525963"/>
+          </a:xfrm>
+        </p:spPr>
+        <p:txBody>
+          <a:bodyPr vert="horz" lIns="91440" tIns="45720" rIns="91440" bIns="45720" rtlCol="0" anchor="t">
+            <a:normAutofit/>
+          </a:bodyPr>
+          <a:lstStyle/>
+          <a:p>
+            <a:pPr marL="0" indent="0">
+              <a:buNone/>
+            </a:pPr>
+            <a:endParaRPr lang="zh-TW" b="1" dirty="0">
+              <a:cs typeface="Calibri"/>
+            </a:endParaRPr>
+          </a:p>
+          <a:p>
+            <a:r>
+              <a:rPr lang="zh-TW" sz="2400" dirty="0">
+                <a:ea typeface="+mn-lt"/>
+                <a:cs typeface="+mn-lt"/>
+              </a:rPr>
+              <a:t>研究者使用 LRS2 和 LRS3 這兩個大型視聽語音數據集來進行實驗，這兩個數據集是目前公開可用的最大英語語音數據集。</a:t>
+            </a:r>
+            <a:endParaRPr lang="zh-TW" sz="2400" dirty="0">
+              <a:ea typeface="新細明體"/>
+              <a:cs typeface="Calibri"/>
+            </a:endParaRPr>
+          </a:p>
+          <a:p>
+            <a:r>
+              <a:rPr lang="zh-TW" sz="2400" dirty="0">
+                <a:ea typeface="+mn-lt"/>
+                <a:cs typeface="+mn-lt"/>
+              </a:rPr>
+              <a:t>LRS2 包含來自 BBC 節目的數據，總共有 144.8 小時的視頻，LRS3 則包含 TED 演講的數據，總計有 438 小時的數據</a:t>
+            </a:r>
+            <a:r>
+              <a:rPr lang="zh-TW" sz="2400" dirty="0" smtClean="0">
+                <a:ea typeface="+mn-lt"/>
+                <a:cs typeface="+mn-lt"/>
+              </a:rPr>
+              <a:t>。</a:t>
+            </a:r>
+            <a:endParaRPr lang="en-US" altLang="zh-TW" sz="2400" dirty="0" smtClean="0">
+              <a:ea typeface="+mn-lt"/>
+              <a:cs typeface="+mn-lt"/>
+            </a:endParaRPr>
+          </a:p>
+          <a:p>
+            <a:r>
+              <a:rPr lang="zh-TW" altLang="en-US" sz="2400" dirty="0" smtClean="0">
+                <a:ea typeface="+mn-lt"/>
+                <a:cs typeface="+mn-lt"/>
+              </a:rPr>
+              <a:t>主要使用影像辨識技術讀取唇語加強預測效果</a:t>
+            </a:r>
+            <a:endParaRPr lang="zh-TW" sz="2400" dirty="0"/>
+          </a:p>
+          <a:p>
+            <a:endParaRPr lang="zh-TW" altLang="en-US" dirty="0">
+              <a:ea typeface="新細明體"/>
+              <a:cs typeface="Calibri"/>
+            </a:endParaRPr>
+          </a:p>
+        </p:txBody>
+      </p:sp>
+      <p:pic>
+        <p:nvPicPr>
+          <p:cNvPr id="4" name="圖片 3">
+            <a:extLst>
+              <a:ext uri="{FF2B5EF4-FFF2-40B4-BE49-F238E27FC236}">
+                <a16:creationId xmlns:a16="http://schemas.microsoft.com/office/drawing/2014/main" id="{BE5DD821-D186-30DA-45DB-EAFBDFE05027}"/>
+              </a:ext>
+            </a:extLst>
+          </p:cNvPr>
+          <p:cNvPicPr>
+            <a:picLocks noChangeAspect="1"/>
+          </p:cNvPicPr>
+          <p:nvPr/>
+        </p:nvPicPr>
+        <p:blipFill>
+          <a:blip r:embed="rId2"/>
+          <a:stretch>
+            <a:fillRect/>
+          </a:stretch>
+        </p:blipFill>
+        <p:spPr>
+          <a:xfrm>
+            <a:off x="5498530" y="4278163"/>
+            <a:ext cx="504825" cy="285750"/>
+          </a:xfrm>
+          <a:prstGeom prst="rect">
+            <a:avLst/>
+          </a:prstGeom>
+        </p:spPr>
+      </p:pic>
+      <p:sp>
+        <p:nvSpPr>
+          <p:cNvPr id="5" name="投影片編號版面配置區 4">
+            <a:extLst>
+              <a:ext uri="{FF2B5EF4-FFF2-40B4-BE49-F238E27FC236}">
+                <a16:creationId xmlns:a16="http://schemas.microsoft.com/office/drawing/2014/main" id="{2A5A7610-2597-CC7F-10FA-92C49269E560}"/>
+              </a:ext>
+            </a:extLst>
+          </p:cNvPr>
+          <p:cNvSpPr>
+            <a:spLocks noGrp="1"/>
+          </p:cNvSpPr>
+          <p:nvPr>
+            <p:ph type="sldNum" sz="quarter" idx="12"/>
+          </p:nvPr>
+        </p:nvSpPr>
+        <p:spPr/>
+        <p:txBody>
+          <a:bodyPr/>
+          <a:lstStyle/>
+          <a:p>
+            <a:fld id="{C1FF6DA9-008F-8B48-92A6-B652298478BF}" type="slidenum">
+              <a:rPr lang="en-US" smtClean="0"/>
+              <a:t>9</a:t>
+            </a:fld>
+            <a:endParaRPr lang="zh-TW" altLang="en-US"/>
+          </a:p>
+        </p:txBody>
+      </p:sp>
+    </p:spTree>
+    <p:extLst>
+      <p:ext uri="{BB962C8B-B14F-4D97-AF65-F5344CB8AC3E}">
+        <p14:creationId xmlns:p14="http://schemas.microsoft.com/office/powerpoint/2010/main" val="1170303474"/>
+      </p:ext>
+    </p:extLst>
   </p:cSld>
   <p:clrMapOvr>
     <a:masterClrMapping/>

--- a/大學生/6哥FINAL1006.pptx
+++ b/大學生/6哥FINAL1006.pptx
@@ -5024,7 +5024,7 @@
           <a:p>
             <a:fld id="{F55D4B92-26A4-47BB-B174-0DF765274508}" type="datetimeFigureOut">
               <a:rPr lang="zh-TW" altLang="en-US" smtClean="0"/>
-              <a:t>2024/10/7</a:t>
+              <a:t>2024/10/9</a:t>
             </a:fld>
             <a:endParaRPr lang="zh-TW" altLang="en-US"/>
           </a:p>
@@ -5739,7 +5739,7 @@
           <a:p>
             <a:fld id="{5BCAD085-E8A6-8845-BD4E-CB4CCA059FC4}" type="datetimeFigureOut">
               <a:rPr lang="en-US" smtClean="0"/>
-              <a:t>10/7/2024</a:t>
+              <a:t>10/9/2024</a:t>
             </a:fld>
             <a:endParaRPr lang="en-US"/>
           </a:p>
@@ -5908,7 +5908,7 @@
           <a:p>
             <a:fld id="{5BCAD085-E8A6-8845-BD4E-CB4CCA059FC4}" type="datetimeFigureOut">
               <a:rPr lang="en-US" smtClean="0"/>
-              <a:t>10/7/2024</a:t>
+              <a:t>10/9/2024</a:t>
             </a:fld>
             <a:endParaRPr lang="en-US"/>
           </a:p>
@@ -6087,7 +6087,7 @@
           <a:p>
             <a:fld id="{5BCAD085-E8A6-8845-BD4E-CB4CCA059FC4}" type="datetimeFigureOut">
               <a:rPr lang="en-US" smtClean="0"/>
-              <a:t>10/7/2024</a:t>
+              <a:t>10/9/2024</a:t>
             </a:fld>
             <a:endParaRPr lang="en-US"/>
           </a:p>
@@ -6256,7 +6256,7 @@
           <a:p>
             <a:fld id="{5BCAD085-E8A6-8845-BD4E-CB4CCA059FC4}" type="datetimeFigureOut">
               <a:rPr lang="en-US" smtClean="0"/>
-              <a:t>10/7/2024</a:t>
+              <a:t>10/9/2024</a:t>
             </a:fld>
             <a:endParaRPr lang="en-US"/>
           </a:p>
@@ -6502,7 +6502,7 @@
           <a:p>
             <a:fld id="{5BCAD085-E8A6-8845-BD4E-CB4CCA059FC4}" type="datetimeFigureOut">
               <a:rPr lang="en-US" smtClean="0"/>
-              <a:t>10/7/2024</a:t>
+              <a:t>10/9/2024</a:t>
             </a:fld>
             <a:endParaRPr lang="en-US"/>
           </a:p>
@@ -6788,7 +6788,7 @@
           <a:p>
             <a:fld id="{5BCAD085-E8A6-8845-BD4E-CB4CCA059FC4}" type="datetimeFigureOut">
               <a:rPr lang="en-US" smtClean="0"/>
-              <a:t>10/7/2024</a:t>
+              <a:t>10/9/2024</a:t>
             </a:fld>
             <a:endParaRPr lang="en-US"/>
           </a:p>
@@ -7208,7 +7208,7 @@
           <a:p>
             <a:fld id="{5BCAD085-E8A6-8845-BD4E-CB4CCA059FC4}" type="datetimeFigureOut">
               <a:rPr lang="en-US" smtClean="0"/>
-              <a:t>10/7/2024</a:t>
+              <a:t>10/9/2024</a:t>
             </a:fld>
             <a:endParaRPr lang="en-US"/>
           </a:p>
@@ -7326,7 +7326,7 @@
           <a:p>
             <a:fld id="{5BCAD085-E8A6-8845-BD4E-CB4CCA059FC4}" type="datetimeFigureOut">
               <a:rPr lang="en-US" smtClean="0"/>
-              <a:t>10/7/2024</a:t>
+              <a:t>10/9/2024</a:t>
             </a:fld>
             <a:endParaRPr lang="en-US"/>
           </a:p>
@@ -7422,7 +7422,7 @@
           <a:p>
             <a:fld id="{5BCAD085-E8A6-8845-BD4E-CB4CCA059FC4}" type="datetimeFigureOut">
               <a:rPr lang="en-US" smtClean="0"/>
-              <a:t>10/7/2024</a:t>
+              <a:t>10/9/2024</a:t>
             </a:fld>
             <a:endParaRPr lang="en-US"/>
           </a:p>
@@ -7698,7 +7698,7 @@
           <a:p>
             <a:fld id="{5BCAD085-E8A6-8845-BD4E-CB4CCA059FC4}" type="datetimeFigureOut">
               <a:rPr lang="en-US" smtClean="0"/>
-              <a:t>10/7/2024</a:t>
+              <a:t>10/9/2024</a:t>
             </a:fld>
             <a:endParaRPr lang="en-US"/>
           </a:p>
@@ -7951,7 +7951,7 @@
           <a:p>
             <a:fld id="{5BCAD085-E8A6-8845-BD4E-CB4CCA059FC4}" type="datetimeFigureOut">
               <a:rPr lang="en-US" smtClean="0"/>
-              <a:t>10/7/2024</a:t>
+              <a:t>10/9/2024</a:t>
             </a:fld>
             <a:endParaRPr lang="en-US"/>
           </a:p>
@@ -8163,7 +8163,7 @@
           <a:p>
             <a:fld id="{5BCAD085-E8A6-8845-BD4E-CB4CCA059FC4}" type="datetimeFigureOut">
               <a:rPr lang="en-US" smtClean="0"/>
-              <a:t>10/7/2024</a:t>
+              <a:t>10/9/2024</a:t>
             </a:fld>
             <a:endParaRPr lang="en-US"/>
           </a:p>
@@ -10404,7 +10404,7 @@
                 <a16:creationId xmlns:a16="http://schemas.microsoft.com/office/drawing/2014/main" id="{BACC6370-2D7E-4714-9D71-7542949D7D5D}"/>
               </a:ext>
               <a:ext uri="{C183D7F6-B498-43B3-948B-1728B52AA6E4}">
-                <adec:decorative xmlns:adec="http://schemas.microsoft.com/office/drawing/2017/decorative" xmlns="" val="1"/>
+                <adec:decorative xmlns="" xmlns:adec="http://schemas.microsoft.com/office/drawing/2017/decorative" val="1"/>
               </a:ext>
             </a:extLst>
           </p:cNvPr>
@@ -10480,7 +10480,7 @@
                 <a16:creationId xmlns:a16="http://schemas.microsoft.com/office/drawing/2014/main" id="{256B2C21-A230-48C0-8DF1-C46611373C44}"/>
               </a:ext>
               <a:ext uri="{C183D7F6-B498-43B3-948B-1728B52AA6E4}">
-                <adec:decorative xmlns:adec="http://schemas.microsoft.com/office/drawing/2017/decorative" xmlns="" val="1"/>
+                <adec:decorative xmlns="" xmlns:adec="http://schemas.microsoft.com/office/drawing/2017/decorative" val="1"/>
               </a:ext>
             </a:extLst>
           </p:cNvPr>
@@ -10553,7 +10553,7 @@
                 <a16:creationId xmlns:a16="http://schemas.microsoft.com/office/drawing/2014/main" id="{3847E18C-932D-4C95-AABA-FEC7C9499AD7}"/>
               </a:ext>
               <a:ext uri="{C183D7F6-B498-43B3-948B-1728B52AA6E4}">
-                <adec:decorative xmlns:adec="http://schemas.microsoft.com/office/drawing/2017/decorative" xmlns="" val="1"/>
+                <adec:decorative xmlns="" xmlns:adec="http://schemas.microsoft.com/office/drawing/2017/decorative" val="1"/>
               </a:ext>
             </a:extLst>
           </p:cNvPr>
@@ -10628,7 +10628,7 @@
                 <a16:creationId xmlns:a16="http://schemas.microsoft.com/office/drawing/2014/main" id="{3150CB11-0C61-439E-910F-5787759E72A0}"/>
               </a:ext>
               <a:ext uri="{C183D7F6-B498-43B3-948B-1728B52AA6E4}">
-                <adec:decorative xmlns:adec="http://schemas.microsoft.com/office/drawing/2017/decorative" xmlns="" val="1"/>
+                <adec:decorative xmlns="" xmlns:adec="http://schemas.microsoft.com/office/drawing/2017/decorative" val="1"/>
               </a:ext>
             </a:extLst>
           </p:cNvPr>
@@ -10703,7 +10703,7 @@
                 <a16:creationId xmlns:a16="http://schemas.microsoft.com/office/drawing/2014/main" id="{43F8A58B-5155-44CE-A5FF-7647B47D0A7A}"/>
               </a:ext>
               <a:ext uri="{C183D7F6-B498-43B3-948B-1728B52AA6E4}">
-                <adec:decorative xmlns:adec="http://schemas.microsoft.com/office/drawing/2017/decorative" xmlns="" val="1"/>
+                <adec:decorative xmlns="" xmlns:adec="http://schemas.microsoft.com/office/drawing/2017/decorative" val="1"/>
               </a:ext>
             </a:extLst>
           </p:cNvPr>
@@ -10873,7 +10873,7 @@
                 <a16:creationId xmlns:a16="http://schemas.microsoft.com/office/drawing/2014/main" id="{443F2ACA-E6D6-4028-82DD-F03C262D5DE6}"/>
               </a:ext>
               <a:ext uri="{C183D7F6-B498-43B3-948B-1728B52AA6E4}">
-                <adec:decorative xmlns:adec="http://schemas.microsoft.com/office/drawing/2017/decorative" xmlns="" val="1"/>
+                <adec:decorative xmlns="" xmlns:adec="http://schemas.microsoft.com/office/drawing/2017/decorative" val="1"/>
               </a:ext>
             </a:extLst>
           </p:cNvPr>
@@ -11088,7 +11088,7 @@
                 <a16:creationId xmlns:a16="http://schemas.microsoft.com/office/drawing/2014/main" id="{B6CDA21F-E7AF-4C75-8395-33F58D5B0E45}"/>
               </a:ext>
               <a:ext uri="{C183D7F6-B498-43B3-948B-1728B52AA6E4}">
-                <adec:decorative xmlns:adec="http://schemas.microsoft.com/office/drawing/2017/decorative" xmlns="" val="1"/>
+                <adec:decorative xmlns="" xmlns:adec="http://schemas.microsoft.com/office/drawing/2017/decorative" val="1"/>
               </a:ext>
             </a:extLst>
           </p:cNvPr>
@@ -11148,7 +11148,7 @@
                 <a16:creationId xmlns:a16="http://schemas.microsoft.com/office/drawing/2014/main" id="{AE1C45F0-260A-458C-96ED-C1F6D2151219}"/>
               </a:ext>
               <a:ext uri="{C183D7F6-B498-43B3-948B-1728B52AA6E4}">
-                <adec:decorative xmlns:adec="http://schemas.microsoft.com/office/drawing/2017/decorative" xmlns="" val="1"/>
+                <adec:decorative xmlns="" xmlns:adec="http://schemas.microsoft.com/office/drawing/2017/decorative" val="1"/>
               </a:ext>
             </a:extLst>
           </p:cNvPr>
@@ -11182,7 +11182,7 @@
                   <a16:creationId xmlns:a16="http://schemas.microsoft.com/office/drawing/2014/main" id="{A6604B49-AD5C-4590-B051-06C8222ECD99}"/>
                 </a:ext>
                 <a:ext uri="{C183D7F6-B498-43B3-948B-1728B52AA6E4}">
-                  <adec:decorative xmlns:adec="http://schemas.microsoft.com/office/drawing/2017/decorative" xmlns="" val="1"/>
+                  <adec:decorative xmlns="" xmlns:adec="http://schemas.microsoft.com/office/drawing/2017/decorative" val="1"/>
                 </a:ext>
               </a:extLst>
             </p:cNvPr>
@@ -11241,7 +11241,7 @@
                   <a16:creationId xmlns:a16="http://schemas.microsoft.com/office/drawing/2014/main" id="{743ECCAF-29C5-4537-947C-7EA1292463DB}"/>
                 </a:ext>
                 <a:ext uri="{C183D7F6-B498-43B3-948B-1728B52AA6E4}">
-                  <adec:decorative xmlns:adec="http://schemas.microsoft.com/office/drawing/2017/decorative" xmlns="" val="1"/>
+                  <adec:decorative xmlns="" xmlns:adec="http://schemas.microsoft.com/office/drawing/2017/decorative" val="1"/>
                 </a:ext>
               </a:extLst>
             </p:cNvPr>
@@ -11300,7 +11300,7 @@
                   <a16:creationId xmlns:a16="http://schemas.microsoft.com/office/drawing/2014/main" id="{ED49787B-8DE6-4467-AD0A-8DECC6E0C2D6}"/>
                 </a:ext>
                 <a:ext uri="{C183D7F6-B498-43B3-948B-1728B52AA6E4}">
-                  <adec:decorative xmlns:adec="http://schemas.microsoft.com/office/drawing/2017/decorative" xmlns="" val="1"/>
+                  <adec:decorative xmlns="" xmlns:adec="http://schemas.microsoft.com/office/drawing/2017/decorative" val="1"/>
                 </a:ext>
               </a:extLst>
             </p:cNvPr>
@@ -11360,7 +11360,7 @@
                 <a16:creationId xmlns:a16="http://schemas.microsoft.com/office/drawing/2014/main" id="{D5B0017B-2ECA-49AF-B397-DC140825DF8D}"/>
               </a:ext>
               <a:ext uri="{C183D7F6-B498-43B3-948B-1728B52AA6E4}">
-                <adec:decorative xmlns:adec="http://schemas.microsoft.com/office/drawing/2017/decorative" xmlns="" val="1"/>
+                <adec:decorative xmlns="" xmlns:adec="http://schemas.microsoft.com/office/drawing/2017/decorative" val="1"/>
               </a:ext>
             </a:extLst>
           </p:cNvPr>
@@ -11704,7 +11704,7 @@
                 <a16:creationId xmlns:a16="http://schemas.microsoft.com/office/drawing/2014/main" id="{6CF1BAF6-AD41-4082-B212-8A1F9A2E8779}"/>
               </a:ext>
               <a:ext uri="{C183D7F6-B498-43B3-948B-1728B52AA6E4}">
-                <adec:decorative xmlns:adec="http://schemas.microsoft.com/office/drawing/2017/decorative" xmlns="" val="1"/>
+                <adec:decorative xmlns="" xmlns:adec="http://schemas.microsoft.com/office/drawing/2017/decorative" val="1"/>
               </a:ext>
             </a:extLst>
           </p:cNvPr>
@@ -11818,7 +11818,7 @@
                 <a16:creationId xmlns:a16="http://schemas.microsoft.com/office/drawing/2014/main" id="{3AD318CC-E2A8-4E27-9548-A047A78999B1}"/>
               </a:ext>
               <a:ext uri="{C183D7F6-B498-43B3-948B-1728B52AA6E4}">
-                <adec:decorative xmlns:adec="http://schemas.microsoft.com/office/drawing/2017/decorative" xmlns="" val="1"/>
+                <adec:decorative xmlns="" xmlns:adec="http://schemas.microsoft.com/office/drawing/2017/decorative" val="1"/>
               </a:ext>
             </a:extLst>
           </p:cNvPr>
@@ -11911,7 +11911,7 @@
                 <a16:creationId xmlns:a16="http://schemas.microsoft.com/office/drawing/2014/main" id="{B14B560F-9DD7-4302-A60B-EBD3EF59B073}"/>
               </a:ext>
               <a:ext uri="{C183D7F6-B498-43B3-948B-1728B52AA6E4}">
-                <adec:decorative xmlns:adec="http://schemas.microsoft.com/office/drawing/2017/decorative" xmlns="" val="1"/>
+                <adec:decorative xmlns="" xmlns:adec="http://schemas.microsoft.com/office/drawing/2017/decorative" val="1"/>
               </a:ext>
             </a:extLst>
           </p:cNvPr>
@@ -11942,7 +11942,7 @@
                   <a16:creationId xmlns:a16="http://schemas.microsoft.com/office/drawing/2014/main" id="{3A9A4357-BD1D-4622-A4FE-766E6AB8DE84}"/>
                 </a:ext>
                 <a:ext uri="{C183D7F6-B498-43B3-948B-1728B52AA6E4}">
-                  <adec:decorative xmlns:adec="http://schemas.microsoft.com/office/drawing/2017/decorative" xmlns="" val="1"/>
+                  <adec:decorative xmlns="" xmlns:adec="http://schemas.microsoft.com/office/drawing/2017/decorative" val="1"/>
                 </a:ext>
               </a:extLst>
             </p:cNvPr>
@@ -12003,7 +12003,7 @@
                   <a16:creationId xmlns:a16="http://schemas.microsoft.com/office/drawing/2014/main" id="{C21D6966-343E-49AC-A026-D2497E0C3CA1}"/>
                 </a:ext>
                 <a:ext uri="{C183D7F6-B498-43B3-948B-1728B52AA6E4}">
-                  <adec:decorative xmlns:adec="http://schemas.microsoft.com/office/drawing/2017/decorative" xmlns="" val="1"/>
+                  <adec:decorative xmlns="" xmlns:adec="http://schemas.microsoft.com/office/drawing/2017/decorative" val="1"/>
                 </a:ext>
               </a:extLst>
             </p:cNvPr>
@@ -12056,7 +12056,7 @@
                 <a16:creationId xmlns:a16="http://schemas.microsoft.com/office/drawing/2014/main" id="{2C1BBA94-3F40-40AA-8BB9-E69E25E537C1}"/>
               </a:ext>
               <a:ext uri="{C183D7F6-B498-43B3-948B-1728B52AA6E4}">
-                <adec:decorative xmlns:adec="http://schemas.microsoft.com/office/drawing/2017/decorative" xmlns="" val="1"/>
+                <adec:decorative xmlns="" xmlns:adec="http://schemas.microsoft.com/office/drawing/2017/decorative" val="1"/>
               </a:ext>
             </a:extLst>
           </p:cNvPr>
@@ -12386,7 +12386,7 @@
                 <a16:creationId xmlns:a16="http://schemas.microsoft.com/office/drawing/2014/main" id="{9D25F302-27C5-414F-97F8-6EA0A6C028BA}"/>
               </a:ext>
               <a:ext uri="{C183D7F6-B498-43B3-948B-1728B52AA6E4}">
-                <adec:decorative xmlns:adec="http://schemas.microsoft.com/office/drawing/2017/decorative" xmlns="" val="1"/>
+                <adec:decorative xmlns="" xmlns:adec="http://schemas.microsoft.com/office/drawing/2017/decorative" val="1"/>
               </a:ext>
             </a:extLst>
           </p:cNvPr>
@@ -12446,7 +12446,7 @@
                 <a16:creationId xmlns:a16="http://schemas.microsoft.com/office/drawing/2014/main" id="{830A36F8-48C2-4842-A87B-8CE8DF4E7FD2}"/>
               </a:ext>
               <a:ext uri="{C183D7F6-B498-43B3-948B-1728B52AA6E4}">
-                <adec:decorative xmlns:adec="http://schemas.microsoft.com/office/drawing/2017/decorative" xmlns="" val="1"/>
+                <adec:decorative xmlns="" xmlns:adec="http://schemas.microsoft.com/office/drawing/2017/decorative" val="1"/>
               </a:ext>
             </a:extLst>
           </p:cNvPr>
@@ -12509,7 +12509,7 @@
                 <a16:creationId xmlns:a16="http://schemas.microsoft.com/office/drawing/2014/main" id="{8F451A30-466B-4996-9BA5-CD6ABCC6D558}"/>
               </a:ext>
               <a:ext uri="{C183D7F6-B498-43B3-948B-1728B52AA6E4}">
-                <adec:decorative xmlns:adec="http://schemas.microsoft.com/office/drawing/2017/decorative" xmlns="" val="1"/>
+                <adec:decorative xmlns="" xmlns:adec="http://schemas.microsoft.com/office/drawing/2017/decorative" val="1"/>
               </a:ext>
             </a:extLst>
           </p:cNvPr>
@@ -12931,7 +12931,23 @@
           <a:p>
             <a:pPr algn="ctr"/>
             <a:r>
-              <a:rPr lang="zh-TW" altLang="en-US" dirty="0">
+              <a:rPr lang="zh-TW" altLang="en-US" dirty="0" smtClean="0">
+                <a:solidFill>
+                  <a:schemeClr val="tx1"/>
+                </a:solidFill>
+              </a:rPr>
+              <a:t>抽樣</a:t>
+            </a:r>
+            <a:endParaRPr lang="en-US" altLang="zh-TW" dirty="0" smtClean="0">
+              <a:solidFill>
+                <a:schemeClr val="tx1"/>
+              </a:solidFill>
+            </a:endParaRPr>
+          </a:p>
+          <a:p>
+            <a:pPr algn="ctr"/>
+            <a:r>
+              <a:rPr lang="zh-TW" altLang="en-US" dirty="0" smtClean="0">
                 <a:solidFill>
                   <a:schemeClr val="tx1"/>
                 </a:solidFill>
@@ -12939,7 +12955,7 @@
               <a:t>分</a:t>
             </a:r>
             <a:r>
-              <a:rPr lang="en-US" altLang="zh-TW">
+              <a:rPr lang="en-US" altLang="zh-TW" dirty="0">
                 <a:solidFill>
                   <a:schemeClr val="tx1"/>
                 </a:solidFill>
@@ -13417,7 +13433,7 @@
         <p:spPr>
           <a:xfrm>
             <a:off x="931947" y="2290570"/>
-            <a:ext cx="7329184" cy="4300447"/>
+            <a:ext cx="7991336" cy="4300447"/>
           </a:xfrm>
         </p:spPr>
         <p:txBody>
@@ -13437,21 +13453,303 @@
               <a:rPr lang="en-US" altLang="zh-TW" sz="2000" dirty="0" smtClean="0"/>
               <a:t> </a:t>
             </a:r>
+            <a:r>
+              <a:rPr lang="en-US" altLang="zh-TW" sz="2000" dirty="0" smtClean="0"/>
+              <a:t>:</a:t>
+            </a:r>
+            <a:r>
+              <a:rPr lang="zh-TW" altLang="en-US" sz="2000" dirty="0" smtClean="0"/>
+              <a:t> 假設</a:t>
+            </a:r>
+            <a:r>
+              <a:rPr lang="en-US" altLang="zh-TW" sz="2000" dirty="0" smtClean="0"/>
+              <a:t>100</a:t>
+            </a:r>
+            <a:r>
+              <a:rPr lang="zh-TW" altLang="en-US" sz="2000" dirty="0" smtClean="0"/>
+              <a:t>個</a:t>
+            </a:r>
+            <a:r>
+              <a:rPr lang="en-US" altLang="zh-TW" sz="2000" dirty="0" smtClean="0"/>
+              <a:t>A</a:t>
+            </a:r>
+            <a:r>
+              <a:rPr lang="zh-TW" altLang="en-US" sz="2000" dirty="0" smtClean="0"/>
+              <a:t>，</a:t>
+            </a:r>
+            <a:r>
+              <a:rPr lang="en-US" altLang="zh-TW" sz="2000" dirty="0" smtClean="0"/>
+              <a:t>10</a:t>
+            </a:r>
+            <a:r>
+              <a:rPr lang="zh-TW" altLang="en-US" sz="2000" dirty="0" smtClean="0"/>
+              <a:t>個</a:t>
+            </a:r>
+            <a:r>
+              <a:rPr lang="en-US" altLang="zh-TW" sz="2000" dirty="0" smtClean="0"/>
+              <a:t>B</a:t>
+            </a:r>
+            <a:r>
+              <a:rPr lang="zh-TW" altLang="en-US" sz="2000" dirty="0" smtClean="0"/>
+              <a:t>，則</a:t>
+            </a:r>
+            <a:r>
+              <a:rPr lang="en-US" altLang="zh-TW" sz="2000" dirty="0" smtClean="0"/>
+              <a:t>A</a:t>
+            </a:r>
+            <a:r>
+              <a:rPr lang="zh-TW" altLang="en-US" sz="2000" dirty="0" smtClean="0"/>
+              <a:t>抽出</a:t>
+            </a:r>
+            <a:r>
+              <a:rPr lang="en-US" altLang="zh-TW" sz="2000" dirty="0"/>
+              <a:t>9</a:t>
+            </a:r>
+            <a:r>
+              <a:rPr lang="zh-TW" altLang="en-US" sz="2000" dirty="0" smtClean="0"/>
+              <a:t>個</a:t>
+            </a:r>
+            <a:r>
+              <a:rPr lang="en-US" altLang="zh-TW" sz="2000" dirty="0" smtClean="0"/>
+              <a:t>B</a:t>
+            </a:r>
+            <a:r>
+              <a:rPr lang="zh-TW" altLang="en-US" sz="2000" dirty="0" smtClean="0"/>
+              <a:t>抽出</a:t>
+            </a:r>
+            <a:r>
+              <a:rPr lang="en-US" altLang="zh-TW" sz="2000" dirty="0" smtClean="0"/>
+              <a:t>9</a:t>
+            </a:r>
+            <a:r>
+              <a:rPr lang="zh-TW" altLang="en-US" sz="2000" dirty="0" smtClean="0"/>
+              <a:t>個</a:t>
+            </a:r>
+            <a:endParaRPr lang="en-US" altLang="zh-TW" sz="2000" dirty="0" smtClean="0"/>
           </a:p>
           <a:p>
             <a:pPr marL="457200" indent="-457200">
               <a:buAutoNum type="arabicPeriod"/>
             </a:pPr>
             <a:r>
+              <a:rPr lang="en-US" altLang="zh-TW" sz="2000" dirty="0" smtClean="0"/>
+              <a:t>Oversampling</a:t>
+            </a:r>
+            <a:r>
               <a:rPr lang="en-US" altLang="zh-TW" sz="2000" dirty="0"/>
+              <a:t> :</a:t>
+            </a:r>
+            <a:r>
+              <a:rPr lang="zh-TW" altLang="en-US" sz="2000" dirty="0"/>
+              <a:t> 假設</a:t>
+            </a:r>
+            <a:r>
+              <a:rPr lang="en-US" altLang="zh-TW" sz="2000" dirty="0"/>
+              <a:t>100</a:t>
+            </a:r>
+            <a:r>
+              <a:rPr lang="zh-TW" altLang="en-US" sz="2000" dirty="0"/>
+              <a:t>個</a:t>
+            </a:r>
+            <a:r>
+              <a:rPr lang="en-US" altLang="zh-TW" sz="2000" dirty="0"/>
+              <a:t>A</a:t>
+            </a:r>
+            <a:r>
+              <a:rPr lang="zh-TW" altLang="en-US" sz="2000" dirty="0"/>
+              <a:t>，</a:t>
+            </a:r>
+            <a:r>
+              <a:rPr lang="en-US" altLang="zh-TW" sz="2000" dirty="0"/>
+              <a:t>10</a:t>
+            </a:r>
+            <a:r>
+              <a:rPr lang="zh-TW" altLang="en-US" sz="2000" dirty="0"/>
+              <a:t>個</a:t>
+            </a:r>
+            <a:r>
+              <a:rPr lang="en-US" altLang="zh-TW" sz="2000" dirty="0"/>
+              <a:t>B</a:t>
+            </a:r>
+            <a:r>
+              <a:rPr lang="zh-TW" altLang="en-US" sz="2000" dirty="0"/>
+              <a:t>，則</a:t>
+            </a:r>
+            <a:r>
+              <a:rPr lang="en-US" altLang="zh-TW" sz="2000" dirty="0"/>
+              <a:t>A</a:t>
+            </a:r>
+            <a:r>
+              <a:rPr lang="zh-TW" altLang="en-US" sz="2000" dirty="0" smtClean="0"/>
+              <a:t>抽出</a:t>
+            </a:r>
+            <a:r>
+              <a:rPr lang="en-US" altLang="zh-TW" sz="2000" dirty="0" smtClean="0"/>
+              <a:t>50</a:t>
+            </a:r>
+            <a:r>
+              <a:rPr lang="zh-TW" altLang="en-US" sz="2000" dirty="0" smtClean="0"/>
+              <a:t>個</a:t>
+            </a:r>
+            <a:r>
+              <a:rPr lang="en-US" altLang="zh-TW" sz="2000" dirty="0" smtClean="0"/>
+              <a:t>B</a:t>
+            </a:r>
+            <a:r>
+              <a:rPr lang="zh-TW" altLang="en-US" sz="2000" dirty="0" smtClean="0"/>
+              <a:t>重複抽出</a:t>
+            </a:r>
+            <a:r>
+              <a:rPr lang="en-US" altLang="zh-TW" sz="2000" dirty="0" smtClean="0"/>
+              <a:t>50</a:t>
+            </a:r>
+            <a:r>
+              <a:rPr lang="zh-TW" altLang="en-US" sz="2000" dirty="0" smtClean="0"/>
+              <a:t>個</a:t>
+            </a:r>
+            <a:endParaRPr lang="en-US" altLang="zh-TW" sz="2000" dirty="0"/>
+          </a:p>
+          <a:p>
+            <a:pPr marL="457200" indent="-457200">
+              <a:buAutoNum type="arabicPeriod"/>
+            </a:pPr>
+            <a:r>
+              <a:rPr lang="en-US" altLang="zh-TW" sz="2000" dirty="0" smtClean="0"/>
               <a:t>SMOTE</a:t>
             </a:r>
             <a:r>
-              <a:rPr lang="zh-TW" sz="1900" dirty="0" smtClean="0">
+              <a:rPr lang="en-US" altLang="zh-TW" sz="1800" dirty="0"/>
+              <a:t> </a:t>
+            </a:r>
+            <a:r>
+              <a:rPr lang="en-US" altLang="zh-TW" sz="1800" dirty="0" smtClean="0"/>
+              <a:t>:</a:t>
+            </a:r>
+            <a:r>
+              <a:rPr lang="zh-TW" altLang="en-US" sz="1800" dirty="0" smtClean="0"/>
+              <a:t> </a:t>
+            </a:r>
+            <a:r>
+              <a:rPr lang="en-US" altLang="zh-TW" sz="2000" dirty="0"/>
+              <a:t>Synthetic Minority Over-sampling </a:t>
+            </a:r>
+            <a:r>
+              <a:rPr lang="en-US" altLang="zh-TW" sz="2000" dirty="0" smtClean="0"/>
+              <a:t>Technique</a:t>
+            </a:r>
+          </a:p>
+          <a:p>
+            <a:pPr marL="0" indent="0">
+              <a:buNone/>
+            </a:pPr>
+            <a:r>
+              <a:rPr lang="en-US" altLang="zh-TW" sz="2000" dirty="0">
                 <a:ea typeface="+mn-lt"/>
                 <a:cs typeface="+mn-lt"/>
               </a:rPr>
-              <a:t>。</a:t>
+              <a:t>	</a:t>
+            </a:r>
+            <a:r>
+              <a:rPr lang="zh-TW" altLang="en-US" sz="2000" dirty="0" smtClean="0">
+                <a:ea typeface="+mn-lt"/>
+                <a:cs typeface="+mn-lt"/>
+              </a:rPr>
+              <a:t>原理</a:t>
+            </a:r>
+            <a:r>
+              <a:rPr lang="en-US" altLang="zh-TW" sz="2000" dirty="0" smtClean="0">
+                <a:ea typeface="+mn-lt"/>
+                <a:cs typeface="+mn-lt"/>
+              </a:rPr>
+              <a:t>:</a:t>
+            </a:r>
+            <a:r>
+              <a:rPr lang="zh-TW" altLang="en-US" sz="2000" dirty="0">
+                <a:ea typeface="+mn-lt"/>
+                <a:cs typeface="+mn-lt"/>
+              </a:rPr>
+              <a:t>通過在少數類樣本之間創建新的合成樣本來增加少數類的</a:t>
+            </a:r>
+            <a:r>
+              <a:rPr lang="zh-TW" altLang="en-US" sz="2000" dirty="0" smtClean="0">
+                <a:ea typeface="+mn-lt"/>
+                <a:cs typeface="+mn-lt"/>
+              </a:rPr>
+              <a:t>數</a:t>
+            </a:r>
+            <a:r>
+              <a:rPr lang="en-US" altLang="zh-TW" sz="2000" dirty="0" smtClean="0">
+                <a:ea typeface="+mn-lt"/>
+                <a:cs typeface="+mn-lt"/>
+              </a:rPr>
+              <a:t>	</a:t>
+            </a:r>
+            <a:r>
+              <a:rPr lang="zh-TW" altLang="en-US" sz="2000" dirty="0" smtClean="0">
+                <a:ea typeface="+mn-lt"/>
+                <a:cs typeface="+mn-lt"/>
+              </a:rPr>
+              <a:t>量。</a:t>
+            </a:r>
+            <a:endParaRPr lang="en-US" altLang="zh-TW" sz="2000" dirty="0" smtClean="0">
+              <a:ea typeface="+mn-lt"/>
+              <a:cs typeface="+mn-lt"/>
+            </a:endParaRPr>
+          </a:p>
+          <a:p>
+            <a:pPr marL="0" indent="0">
+              <a:buNone/>
+            </a:pPr>
+            <a:r>
+              <a:rPr lang="en-US" altLang="zh-TW" sz="2000" dirty="0">
+                <a:ea typeface="+mn-lt"/>
+                <a:cs typeface="+mn-lt"/>
+              </a:rPr>
+              <a:t>	</a:t>
+            </a:r>
+            <a:r>
+              <a:rPr lang="zh-TW" altLang="en-US" sz="2000" dirty="0" smtClean="0"/>
+              <a:t>過程</a:t>
+            </a:r>
+            <a:r>
+              <a:rPr lang="en-US" altLang="zh-TW" sz="2000" dirty="0" smtClean="0"/>
+              <a:t>:</a:t>
+            </a:r>
+            <a:r>
+              <a:rPr lang="zh-TW" altLang="en-US" sz="2000" dirty="0"/>
+              <a:t>對於少數類中的每個樣本，找到其最近的</a:t>
+            </a:r>
+            <a:r>
+              <a:rPr lang="en-US" altLang="zh-TW" sz="2000" dirty="0"/>
+              <a:t>k</a:t>
+            </a:r>
+            <a:r>
+              <a:rPr lang="zh-TW" altLang="en-US" sz="2000" dirty="0"/>
+              <a:t>個鄰居，在該</a:t>
+            </a:r>
+            <a:r>
+              <a:rPr lang="zh-TW" altLang="en-US" sz="2000" dirty="0" smtClean="0"/>
+              <a:t>樣本</a:t>
+            </a:r>
+            <a:r>
+              <a:rPr lang="en-US" altLang="zh-TW" sz="2000" dirty="0" smtClean="0"/>
+              <a:t>	</a:t>
+            </a:r>
+            <a:r>
+              <a:rPr lang="zh-TW" altLang="en-US" sz="2000" dirty="0" smtClean="0"/>
+              <a:t>和</a:t>
+            </a:r>
+            <a:r>
+              <a:rPr lang="zh-TW" altLang="en-US" sz="2000" dirty="0"/>
+              <a:t>其鄰居之間的連線上隨機選擇點</a:t>
+            </a:r>
+            <a:r>
+              <a:rPr lang="zh-TW" altLang="en-US" sz="2000" dirty="0" smtClean="0"/>
+              <a:t>，產出全新</a:t>
+            </a:r>
+            <a:r>
+              <a:rPr lang="zh-TW" altLang="en-US" sz="2000" dirty="0"/>
+              <a:t>的合成樣本。</a:t>
             </a:r>
             <a:endParaRPr lang="en-US" altLang="zh-TW" sz="1900" dirty="0" smtClean="0">
               <a:ea typeface="+mn-lt"/>
@@ -13459,12 +13757,44 @@
             </a:endParaRPr>
           </a:p>
           <a:p>
-            <a:pPr marL="457200" indent="-457200">
-              <a:buAutoNum type="arabicPeriod"/>
+            <a:pPr marL="0" indent="0" algn="ctr">
+              <a:buNone/>
             </a:pPr>
             <a:r>
+              <a:rPr lang="zh-TW" altLang="en-US" sz="2000" dirty="0" smtClean="0"/>
+              <a:t>數學式</a:t>
+            </a:r>
+            <a:r>
+              <a:rPr lang="en-US" altLang="zh-TW" sz="2000" dirty="0" smtClean="0"/>
+              <a:t>:</a:t>
+            </a:r>
+            <a:r>
+              <a:rPr lang="zh-TW" altLang="en-US" sz="2000" dirty="0" smtClean="0"/>
+              <a:t> </a:t>
+            </a:r>
+            <a:r>
+              <a:rPr lang="en-US" altLang="zh-TW" sz="2000" dirty="0" err="1" smtClean="0"/>
+              <a:t>x_new</a:t>
+            </a:r>
+            <a:r>
+              <a:rPr lang="en-US" altLang="zh-TW" sz="2000" dirty="0" smtClean="0"/>
+              <a:t> </a:t>
+            </a:r>
+            <a:r>
               <a:rPr lang="en-US" altLang="zh-TW" sz="2000" dirty="0"/>
-              <a:t>Oversampling</a:t>
+              <a:t>= x + </a:t>
+            </a:r>
+            <a:r>
+              <a:rPr lang="el-GR" altLang="zh-TW" sz="2000" dirty="0"/>
+              <a:t>λ(</a:t>
+            </a:r>
+            <a:r>
+              <a:rPr lang="en-US" altLang="zh-TW" sz="2000" dirty="0" err="1"/>
+              <a:t>x_i</a:t>
+            </a:r>
+            <a:r>
+              <a:rPr lang="en-US" altLang="zh-TW" sz="2000" dirty="0"/>
+              <a:t> - x)</a:t>
             </a:r>
             <a:endParaRPr lang="en-US" altLang="zh-TW" sz="1900" dirty="0" smtClean="0">
               <a:ea typeface="+mn-lt"/>

--- a/大學生/6哥FINAL1006.pptx
+++ b/大學生/6哥FINAL1006.pptx
@@ -5,7 +5,7 @@
     <p:sldMasterId id="2147483648" r:id="rId1"/>
   </p:sldMasterIdLst>
   <p:notesMasterIdLst>
-    <p:notesMasterId r:id="rId16"/>
+    <p:notesMasterId r:id="rId15"/>
   </p:notesMasterIdLst>
   <p:sldIdLst>
     <p:sldId id="256" r:id="rId2"/>
@@ -15,13 +15,12 @@
     <p:sldId id="261" r:id="rId6"/>
     <p:sldId id="278" r:id="rId7"/>
     <p:sldId id="279" r:id="rId8"/>
-    <p:sldId id="263" r:id="rId9"/>
-    <p:sldId id="271" r:id="rId10"/>
-    <p:sldId id="274" r:id="rId11"/>
-    <p:sldId id="268" r:id="rId12"/>
-    <p:sldId id="276" r:id="rId13"/>
-    <p:sldId id="277" r:id="rId14"/>
-    <p:sldId id="273" r:id="rId15"/>
+    <p:sldId id="280" r:id="rId9"/>
+    <p:sldId id="281" r:id="rId10"/>
+    <p:sldId id="268" r:id="rId11"/>
+    <p:sldId id="276" r:id="rId12"/>
+    <p:sldId id="277" r:id="rId13"/>
+    <p:sldId id="273" r:id="rId14"/>
   </p:sldIdLst>
   <p:sldSz cx="9144000" cy="6858000" type="screen4x3"/>
   <p:notesSz cx="6858000" cy="9144000"/>
@@ -4622,326 +4621,6 @@
 </dgm:styleDef>
 </file>
 
-<file path=ppt/ink/ink1.xml><?xml version="1.0" encoding="utf-8"?>
-<inkml:ink xmlns:inkml="http://www.w3.org/2003/InkML">
-  <inkml:definitions>
-    <inkml:context xml:id="ctx0">
-      <inkml:inkSource xml:id="inkSrc0">
-        <inkml:traceFormat>
-          <inkml:channel name="X" type="integer" min="-2.14748E9" max="2.14748E9" units="cm"/>
-          <inkml:channel name="Y" type="integer" min="-2.14748E9" max="2.14748E9" units="cm"/>
-          <inkml:channel name="F" type="integer" max="32767" units="dev"/>
-          <inkml:channel name="OA" type="integer" max="360" units="deg"/>
-          <inkml:channel name="OE" type="integer" max="90" units="deg"/>
-        </inkml:traceFormat>
-        <inkml:channelProperties>
-          <inkml:channelProperty channel="X" name="resolution" value="1000" units="1/cm"/>
-          <inkml:channelProperty channel="Y" name="resolution" value="1000" units="1/cm"/>
-          <inkml:channelProperty channel="F" name="resolution" value="0" units="1/dev"/>
-          <inkml:channelProperty channel="OA" name="resolution" value="1000" units="1/deg"/>
-          <inkml:channelProperty channel="OE" name="resolution" value="1000" units="1/deg"/>
-        </inkml:channelProperties>
-      </inkml:inkSource>
-      <inkml:timestamp xml:id="ts0" timeString="2024-09-25T11:28:53.738"/>
-    </inkml:context>
-    <inkml:brush xml:id="br0">
-      <inkml:brushProperty name="width" value="0.1" units="cm"/>
-      <inkml:brushProperty name="height" value="0.1" units="cm"/>
-      <inkml:brushProperty name="color" value="#E71224"/>
-    </inkml:brush>
-  </inkml:definitions>
-  <inkml:trace contextRef="#ctx0" brushRef="#br0">2937 12356 16383 0 0,'0'6'0'0'0,"6"1"0"0"0,7 0 0 0 0,2 5 0 0 0,3 0 0 0 0,0 3 0 0 0,1 0 0 0 0,4-3 0 0 0,-2 2 0 0 0,1-1 0 0 0,2-3 0 0 0,3-3 0 0 0,3-3 0 0 0,1-2 0 0 0,2-2 0 0 0,1 0 0 0 0,0-6 0 0 0,0-2 0 0 0,-1-5 0 0 0,1-1 0 0 0,-6 2 0 0 0</inkml:trace>
-</inkml:ink>
-</file>
-
-<file path=ppt/ink/ink10.xml><?xml version="1.0" encoding="utf-8"?>
-<inkml:ink xmlns:inkml="http://www.w3.org/2003/InkML">
-  <inkml:definitions>
-    <inkml:context xml:id="ctx0">
-      <inkml:inkSource xml:id="inkSrc0">
-        <inkml:traceFormat>
-          <inkml:channel name="X" type="integer" min="-2.14748E9" max="2.14748E9" units="cm"/>
-          <inkml:channel name="Y" type="integer" min="-2.14748E9" max="2.14748E9" units="cm"/>
-          <inkml:channel name="F" type="integer" max="32767" units="dev"/>
-          <inkml:channel name="OA" type="integer" max="360" units="deg"/>
-          <inkml:channel name="OE" type="integer" max="90" units="deg"/>
-        </inkml:traceFormat>
-        <inkml:channelProperties>
-          <inkml:channelProperty channel="X" name="resolution" value="1000" units="1/cm"/>
-          <inkml:channelProperty channel="Y" name="resolution" value="1000" units="1/cm"/>
-          <inkml:channelProperty channel="F" name="resolution" value="0" units="1/dev"/>
-          <inkml:channelProperty channel="OA" name="resolution" value="1000" units="1/deg"/>
-          <inkml:channelProperty channel="OE" name="resolution" value="1000" units="1/deg"/>
-        </inkml:channelProperties>
-      </inkml:inkSource>
-      <inkml:timestamp xml:id="ts0" timeString="2024-09-25T11:28:53.747"/>
-    </inkml:context>
-    <inkml:brush xml:id="br0">
-      <inkml:brushProperty name="width" value="0.1" units="cm"/>
-      <inkml:brushProperty name="height" value="0.1" units="cm"/>
-      <inkml:brushProperty name="color" value="#E71224"/>
-    </inkml:brush>
-  </inkml:definitions>
-  <inkml:trace contextRef="#ctx0" brushRef="#br0">10292 13261 16383 0 0,'6'0'0'0'0,"7"0"0"0"0,8 0 0 0 0,5 0 0 0 0,4 0 0 0 0,3 0 0 0 0,2 0 0 0 0,-1 0 0 0 0,1 0 0 0 0,0 0 0 0 0,-1 0 0 0 0,-1 0 0 0 0,1 0 0 0 0,0 0 0 0 0,5-6 0 0 0,2 0 0 0 0,-1-2 0 0 0,-1 4 0 0 0,-1-1 0 0 0,-2 3 0 0 0,-7 0 0 0 0</inkml:trace>
-</inkml:ink>
-</file>
-
-<file path=ppt/ink/ink2.xml><?xml version="1.0" encoding="utf-8"?>
-<inkml:ink xmlns:inkml="http://www.w3.org/2003/InkML">
-  <inkml:definitions>
-    <inkml:context xml:id="ctx0">
-      <inkml:inkSource xml:id="inkSrc0">
-        <inkml:traceFormat>
-          <inkml:channel name="X" type="integer" min="-2.14748E9" max="2.14748E9" units="cm"/>
-          <inkml:channel name="Y" type="integer" min="-2.14748E9" max="2.14748E9" units="cm"/>
-          <inkml:channel name="F" type="integer" max="32767" units="dev"/>
-          <inkml:channel name="OA" type="integer" max="360" units="deg"/>
-          <inkml:channel name="OE" type="integer" max="90" units="deg"/>
-        </inkml:traceFormat>
-        <inkml:channelProperties>
-          <inkml:channelProperty channel="X" name="resolution" value="1000" units="1/cm"/>
-          <inkml:channelProperty channel="Y" name="resolution" value="1000" units="1/cm"/>
-          <inkml:channelProperty channel="F" name="resolution" value="0" units="1/dev"/>
-          <inkml:channelProperty channel="OA" name="resolution" value="1000" units="1/deg"/>
-          <inkml:channelProperty channel="OE" name="resolution" value="1000" units="1/deg"/>
-        </inkml:channelProperties>
-      </inkml:inkSource>
-      <inkml:timestamp xml:id="ts0" timeString="2024-09-25T11:28:53.739"/>
-    </inkml:context>
-    <inkml:brush xml:id="br0">
-      <inkml:brushProperty name="width" value="0.1" units="cm"/>
-      <inkml:brushProperty name="height" value="0.1" units="cm"/>
-      <inkml:brushProperty name="color" value="#E71224"/>
-    </inkml:brush>
-  </inkml:definitions>
-  <inkml:trace contextRef="#ctx0" brushRef="#br0">9260 12991 16383 0 0,'0'6'0'0'0,"6"1"0"0"0,7 0 0 0 0,2 5 0 0 0,4 0 0 0 0,4-4 0 0 0,4 0 0 0 0,3-4 0 0 0,-3 5 0 0 0,-1-1 0 0 0,1 0 0 0 0,1-3 0 0 0,2-1 0 0 0,1-2 0 0 0,1-1 0 0 0,2-1 0 0 0,-1 0 0 0 0,-5-6 0 0 0,-2-2 0 0 0,1 0 0 0 0,1 2 0 0 0,-5-4 0 0 0,1 0 0 0 0,1-3 0 0 0,-4-1 0 0 0</inkml:trace>
-</inkml:ink>
-</file>
-
-<file path=ppt/ink/ink3.xml><?xml version="1.0" encoding="utf-8"?>
-<inkml:ink xmlns:inkml="http://www.w3.org/2003/InkML">
-  <inkml:definitions>
-    <inkml:context xml:id="ctx0">
-      <inkml:inkSource xml:id="inkSrc0">
-        <inkml:traceFormat>
-          <inkml:channel name="X" type="integer" min="-2.14748E9" max="2.14748E9" units="cm"/>
-          <inkml:channel name="Y" type="integer" min="-2.14748E9" max="2.14748E9" units="cm"/>
-          <inkml:channel name="F" type="integer" max="32767" units="dev"/>
-          <inkml:channel name="OA" type="integer" max="360" units="deg"/>
-          <inkml:channel name="OE" type="integer" max="90" units="deg"/>
-        </inkml:traceFormat>
-        <inkml:channelProperties>
-          <inkml:channelProperty channel="X" name="resolution" value="1000" units="1/cm"/>
-          <inkml:channelProperty channel="Y" name="resolution" value="1000" units="1/cm"/>
-          <inkml:channelProperty channel="F" name="resolution" value="0" units="1/dev"/>
-          <inkml:channelProperty channel="OA" name="resolution" value="1000" units="1/deg"/>
-          <inkml:channelProperty channel="OE" name="resolution" value="1000" units="1/deg"/>
-        </inkml:channelProperties>
-      </inkml:inkSource>
-      <inkml:timestamp xml:id="ts0" timeString="2024-09-25T11:28:53.740"/>
-    </inkml:context>
-    <inkml:brush xml:id="br0">
-      <inkml:brushProperty name="width" value="0.1" units="cm"/>
-      <inkml:brushProperty name="height" value="0.1" units="cm"/>
-      <inkml:brushProperty name="color" value="#E71224"/>
-    </inkml:brush>
-  </inkml:definitions>
-  <inkml:trace contextRef="#ctx0" brushRef="#br0">3387 11885 16383 0 0,'5'0'0'0'0,"9"0"0"0"0,6 0 0 0 0,6 0 0 0 0,5 0 0 0 0,2 0 0 0 0,1 0 0 0 0,6 0 0 0 0,3 0 0 0 0,3 0 0 0 0,2 0 0 0 0,3 0 0 0 0,-1 0 0 0 0,-4 0 0 0 0,-4 0 0 0 0,-8 0 0 0 0</inkml:trace>
-</inkml:ink>
-</file>
-
-<file path=ppt/ink/ink4.xml><?xml version="1.0" encoding="utf-8"?>
-<inkml:ink xmlns:inkml="http://www.w3.org/2003/InkML">
-  <inkml:definitions>
-    <inkml:context xml:id="ctx0">
-      <inkml:inkSource xml:id="inkSrc0">
-        <inkml:traceFormat>
-          <inkml:channel name="X" type="integer" min="-2.14748E9" max="2.14748E9" units="cm"/>
-          <inkml:channel name="Y" type="integer" min="-2.14748E9" max="2.14748E9" units="cm"/>
-          <inkml:channel name="F" type="integer" max="32767" units="dev"/>
-          <inkml:channel name="OA" type="integer" max="360" units="deg"/>
-          <inkml:channel name="OE" type="integer" max="90" units="deg"/>
-        </inkml:traceFormat>
-        <inkml:channelProperties>
-          <inkml:channelProperty channel="X" name="resolution" value="1000" units="1/cm"/>
-          <inkml:channelProperty channel="Y" name="resolution" value="1000" units="1/cm"/>
-          <inkml:channelProperty channel="F" name="resolution" value="0" units="1/dev"/>
-          <inkml:channelProperty channel="OA" name="resolution" value="1000" units="1/deg"/>
-          <inkml:channelProperty channel="OE" name="resolution" value="1000" units="1/deg"/>
-        </inkml:channelProperties>
-      </inkml:inkSource>
-      <inkml:timestamp xml:id="ts0" timeString="2024-09-25T11:28:53.741"/>
-    </inkml:context>
-    <inkml:brush xml:id="br0">
-      <inkml:brushProperty name="width" value="0.1" units="cm"/>
-      <inkml:brushProperty name="height" value="0.1" units="cm"/>
-      <inkml:brushProperty name="color" value="#E71224"/>
-    </inkml:brush>
-  </inkml:definitions>
-  <inkml:trace contextRef="#ctx0" brushRef="#br0">9155 11165 16383 0 0,'5'0'0'0'0,"9"0"0"0"0,6 6 0 0 0,6 2 0 0 0,5-1 0 0 0,2-1 0 0 0,1-2 0 0 0,1-2 0 0 0,-6 5 0 0 0,-2 2 0 0 0,-6 2 0 0 0,0 3 0 0 0,1-3 0 0 0,4-3 0 0 0,1-3 0 0 0,3-2 0 0 0,2-2 0 0 0,1-1 0 0 0,1 0 0 0 0,0-1 0 0 0,0 1 0 0 0,-1-1 0 0 0,1 1 0 0 0,0 0 0 0 0,-6 0 0 0 0</inkml:trace>
-</inkml:ink>
-</file>
-
-<file path=ppt/ink/ink5.xml><?xml version="1.0" encoding="utf-8"?>
-<inkml:ink xmlns:inkml="http://www.w3.org/2003/InkML">
-  <inkml:definitions>
-    <inkml:context xml:id="ctx0">
-      <inkml:inkSource xml:id="inkSrc0">
-        <inkml:traceFormat>
-          <inkml:channel name="X" type="integer" min="-2.14748E9" max="2.14748E9" units="cm"/>
-          <inkml:channel name="Y" type="integer" min="-2.14748E9" max="2.14748E9" units="cm"/>
-          <inkml:channel name="F" type="integer" max="32767" units="dev"/>
-          <inkml:channel name="OA" type="integer" max="360" units="deg"/>
-          <inkml:channel name="OE" type="integer" max="90" units="deg"/>
-        </inkml:traceFormat>
-        <inkml:channelProperties>
-          <inkml:channelProperty channel="X" name="resolution" value="1000" units="1/cm"/>
-          <inkml:channelProperty channel="Y" name="resolution" value="1000" units="1/cm"/>
-          <inkml:channelProperty channel="F" name="resolution" value="0" units="1/dev"/>
-          <inkml:channelProperty channel="OA" name="resolution" value="1000" units="1/deg"/>
-          <inkml:channelProperty channel="OE" name="resolution" value="1000" units="1/deg"/>
-        </inkml:channelProperties>
-      </inkml:inkSource>
-      <inkml:timestamp xml:id="ts0" timeString="2024-09-25T11:28:53.742"/>
-    </inkml:context>
-    <inkml:brush xml:id="br0">
-      <inkml:brushProperty name="width" value="0.1" units="cm"/>
-      <inkml:brushProperty name="height" value="0.1" units="cm"/>
-      <inkml:brushProperty name="color" value="#E71224"/>
-    </inkml:brush>
-  </inkml:definitions>
-  <inkml:trace contextRef="#ctx0" brushRef="#br0">3307 9657 16383 0 0,'6'0'0'0'0,"7"0"0"0"0,8 0 0 0 0,5 0 0 0 0,4 0 0 0 0,3 0 0 0 0,2 0 0 0 0,5 0 0 0 0,-3 6 0 0 0,-3 2 0 0 0,-2-2 0 0 0,0 0 0 0 0,1-2 0 0 0,-1-2 0 0 0,1 0 0 0 0,-1-2 0 0 0,2 0 0 0 0,-1 0 0 0 0,-6 0 0 0 0</inkml:trace>
-</inkml:ink>
-</file>
-
-<file path=ppt/ink/ink6.xml><?xml version="1.0" encoding="utf-8"?>
-<inkml:ink xmlns:inkml="http://www.w3.org/2003/InkML">
-  <inkml:definitions>
-    <inkml:context xml:id="ctx0">
-      <inkml:inkSource xml:id="inkSrc0">
-        <inkml:traceFormat>
-          <inkml:channel name="X" type="integer" min="-2.14748E9" max="2.14748E9" units="cm"/>
-          <inkml:channel name="Y" type="integer" min="-2.14748E9" max="2.14748E9" units="cm"/>
-          <inkml:channel name="F" type="integer" max="32767" units="dev"/>
-          <inkml:channel name="OA" type="integer" max="360" units="deg"/>
-          <inkml:channel name="OE" type="integer" max="90" units="deg"/>
-        </inkml:traceFormat>
-        <inkml:channelProperties>
-          <inkml:channelProperty channel="X" name="resolution" value="1000" units="1/cm"/>
-          <inkml:channelProperty channel="Y" name="resolution" value="1000" units="1/cm"/>
-          <inkml:channelProperty channel="F" name="resolution" value="0" units="1/dev"/>
-          <inkml:channelProperty channel="OA" name="resolution" value="1000" units="1/deg"/>
-          <inkml:channelProperty channel="OE" name="resolution" value="1000" units="1/deg"/>
-        </inkml:channelProperties>
-      </inkml:inkSource>
-      <inkml:timestamp xml:id="ts0" timeString="2024-09-25T11:28:53.743"/>
-    </inkml:context>
-    <inkml:brush xml:id="br0">
-      <inkml:brushProperty name="width" value="0.1" units="cm"/>
-      <inkml:brushProperty name="height" value="0.1" units="cm"/>
-      <inkml:brushProperty name="color" value="#E71224"/>
-    </inkml:brush>
-  </inkml:definitions>
-  <inkml:trace contextRef="#ctx0" brushRef="#br0">9234 9657 16383 0 0,'6'0'0'0'0,"7"0"0"0"0,7 0 0 0 0,7 0 0 0 0,3 0 0 0 0,3 0 0 0 0,1 0 0 0 0,1 0 0 0 0,0 0 0 0 0,0 0 0 0 0,-1 0 0 0 0,0 0 0 0 0,-6 6 0 0 0,-2 2 0 0 0,0-1 0 0 0,2-1 0 0 0,1-2 0 0 0,-4-2 0 0 0</inkml:trace>
-</inkml:ink>
-</file>
-
-<file path=ppt/ink/ink7.xml><?xml version="1.0" encoding="utf-8"?>
-<inkml:ink xmlns:inkml="http://www.w3.org/2003/InkML">
-  <inkml:definitions>
-    <inkml:context xml:id="ctx0">
-      <inkml:inkSource xml:id="inkSrc0">
-        <inkml:traceFormat>
-          <inkml:channel name="X" type="integer" min="-2.14748E9" max="2.14748E9" units="cm"/>
-          <inkml:channel name="Y" type="integer" min="-2.14748E9" max="2.14748E9" units="cm"/>
-          <inkml:channel name="F" type="integer" max="32767" units="dev"/>
-          <inkml:channel name="OA" type="integer" max="360" units="deg"/>
-          <inkml:channel name="OE" type="integer" max="90" units="deg"/>
-        </inkml:traceFormat>
-        <inkml:channelProperties>
-          <inkml:channelProperty channel="X" name="resolution" value="1000" units="1/cm"/>
-          <inkml:channelProperty channel="Y" name="resolution" value="1000" units="1/cm"/>
-          <inkml:channelProperty channel="F" name="resolution" value="0" units="1/dev"/>
-          <inkml:channelProperty channel="OA" name="resolution" value="1000" units="1/deg"/>
-          <inkml:channelProperty channel="OE" name="resolution" value="1000" units="1/deg"/>
-        </inkml:channelProperties>
-      </inkml:inkSource>
-      <inkml:timestamp xml:id="ts0" timeString="2024-09-25T11:28:53.744"/>
-    </inkml:context>
-    <inkml:brush xml:id="br0">
-      <inkml:brushProperty name="width" value="0.1" units="cm"/>
-      <inkml:brushProperty name="height" value="0.1" units="cm"/>
-      <inkml:brushProperty name="color" value="#E71224"/>
-    </inkml:brush>
-  </inkml:definitions>
-  <inkml:trace contextRef="#ctx0" brushRef="#br0">10319 9631 16383 0 0,'11'0'0'0'0,"10"0"0"0"0,7 0 0 0 0,9 6 0 0 0,5 1 0 0 0,1 0 0 0 0,-1-1 0 0 0,-3 4 0 0 0,-1 0 0 0 0,-3-1 0 0 0,0-3 0 0 0,-1-2 0 0 0,-1-2 0 0 0,0-1 0 0 0,0 0 0 0 0,-6 4 0 0 0,-1 2 0 0 0,0 0 0 0 0,-4-7 0 0 0,-6-10 0 0 0,-6-2 0 0 0</inkml:trace>
-</inkml:ink>
-</file>
-
-<file path=ppt/ink/ink8.xml><?xml version="1.0" encoding="utf-8"?>
-<inkml:ink xmlns:inkml="http://www.w3.org/2003/InkML">
-  <inkml:definitions>
-    <inkml:context xml:id="ctx0">
-      <inkml:inkSource xml:id="inkSrc0">
-        <inkml:traceFormat>
-          <inkml:channel name="X" type="integer" min="-2.14748E9" max="2.14748E9" units="cm"/>
-          <inkml:channel name="Y" type="integer" min="-2.14748E9" max="2.14748E9" units="cm"/>
-          <inkml:channel name="F" type="integer" max="32767" units="dev"/>
-          <inkml:channel name="OA" type="integer" max="360" units="deg"/>
-          <inkml:channel name="OE" type="integer" max="90" units="deg"/>
-        </inkml:traceFormat>
-        <inkml:channelProperties>
-          <inkml:channelProperty channel="X" name="resolution" value="1000" units="1/cm"/>
-          <inkml:channelProperty channel="Y" name="resolution" value="1000" units="1/cm"/>
-          <inkml:channelProperty channel="F" name="resolution" value="0" units="1/dev"/>
-          <inkml:channelProperty channel="OA" name="resolution" value="1000" units="1/deg"/>
-          <inkml:channelProperty channel="OE" name="resolution" value="1000" units="1/deg"/>
-        </inkml:channelProperties>
-      </inkml:inkSource>
-      <inkml:timestamp xml:id="ts0" timeString="2024-09-25T11:28:53.745"/>
-    </inkml:context>
-    <inkml:brush xml:id="br0">
-      <inkml:brushProperty name="width" value="0.1" units="cm"/>
-      <inkml:brushProperty name="height" value="0.1" units="cm"/>
-      <inkml:brushProperty name="color" value="#E71224"/>
-    </inkml:brush>
-  </inkml:definitions>
-  <inkml:trace contextRef="#ctx0" brushRef="#br0">16140 9172 16383 0 0,'5'0'0'0'0,"9"0"0"0"0,6 0 0 0 0,6 0 0 0 0,5 0 0 0 0,2 0 0 0 0,1 0 0 0 0,1 0 0 0 0,0 0 0 0 0,-1 0 0 0 0,0 0 0 0 0,0 0 0 0 0,5 0 0 0 0,2 0 0 0 0,0 0 0 0 0,-2 0 0 0 0,-2 0 0 0 0,-6 0 0 0 0</inkml:trace>
-</inkml:ink>
-</file>
-
-<file path=ppt/ink/ink9.xml><?xml version="1.0" encoding="utf-8"?>
-<inkml:ink xmlns:inkml="http://www.w3.org/2003/InkML">
-  <inkml:definitions>
-    <inkml:context xml:id="ctx0">
-      <inkml:inkSource xml:id="inkSrc0">
-        <inkml:traceFormat>
-          <inkml:channel name="X" type="integer" min="-2.14748E9" max="2.14748E9" units="cm"/>
-          <inkml:channel name="Y" type="integer" min="-2.14748E9" max="2.14748E9" units="cm"/>
-          <inkml:channel name="F" type="integer" max="32767" units="dev"/>
-          <inkml:channel name="OA" type="integer" max="360" units="deg"/>
-          <inkml:channel name="OE" type="integer" max="90" units="deg"/>
-        </inkml:traceFormat>
-        <inkml:channelProperties>
-          <inkml:channelProperty channel="X" name="resolution" value="1000" units="1/cm"/>
-          <inkml:channelProperty channel="Y" name="resolution" value="1000" units="1/cm"/>
-          <inkml:channelProperty channel="F" name="resolution" value="0" units="1/dev"/>
-          <inkml:channelProperty channel="OA" name="resolution" value="1000" units="1/deg"/>
-          <inkml:channelProperty channel="OE" name="resolution" value="1000" units="1/deg"/>
-        </inkml:channelProperties>
-      </inkml:inkSource>
-      <inkml:timestamp xml:id="ts0" timeString="2024-09-25T11:28:53.746"/>
-    </inkml:context>
-    <inkml:brush xml:id="br0">
-      <inkml:brushProperty name="width" value="0.1" units="cm"/>
-      <inkml:brushProperty name="height" value="0.1" units="cm"/>
-      <inkml:brushProperty name="color" value="#E71224"/>
-    </inkml:brush>
-  </inkml:definitions>
-  <inkml:trace contextRef="#ctx0" brushRef="#br0">16193 13176 16383 0 0,'5'0'0'0'0,"8"0"0"0"0,8 0 0 0 0,5 0 0 0 0,5 0 0 0 0,1 0 0 0 0,3 0 0 0 0,5 0 0 0 0,3 0 0 0 0,-2 0 0 0 0,-7 6 0 0 0,-3 0 0 0 0,-2 2 0 0 0,0-3 0 0 0,1-1 0 0 0,1-2 0 0 0,-5 0 0 0 0</inkml:trace>
-</inkml:ink>
-</file>
-
 <file path=ppt/notesMasters/notesMaster1.xml><?xml version="1.0" encoding="utf-8"?>
 <p:notesMaster xmlns:a="http://schemas.openxmlformats.org/drawingml/2006/main" xmlns:r="http://schemas.openxmlformats.org/officeDocument/2006/relationships" xmlns:p="http://schemas.openxmlformats.org/presentationml/2006/main">
   <p:cSld>
@@ -5024,7 +4703,7 @@
           <a:p>
             <a:fld id="{F55D4B92-26A4-47BB-B174-0DF765274508}" type="datetimeFigureOut">
               <a:rPr lang="zh-TW" altLang="en-US" smtClean="0"/>
-              <a:t>2024/10/9</a:t>
+              <a:t>2024/10/10</a:t>
             </a:fld>
             <a:endParaRPr lang="zh-TW" altLang="en-US"/>
           </a:p>
@@ -5336,7 +5015,145 @@
           <a:bodyPr/>
           <a:lstStyle/>
           <a:p>
-            <a:endParaRPr lang="zh-TW" altLang="en-US" dirty="0" smtClean="0"/>
+            <a:r>
+              <a:rPr lang="en-US" altLang="zh-TW" dirty="0" smtClean="0"/>
+              <a:t>AUC</a:t>
+            </a:r>
+            <a:r>
+              <a:rPr lang="zh-TW" altLang="en-US" dirty="0" smtClean="0"/>
+              <a:t>越接近</a:t>
+            </a:r>
+            <a:r>
+              <a:rPr lang="en-US" altLang="zh-TW" dirty="0" smtClean="0"/>
+              <a:t>1</a:t>
+            </a:r>
+            <a:r>
+              <a:rPr lang="zh-TW" altLang="en-US" dirty="0" smtClean="0"/>
+              <a:t>表示模型越準</a:t>
+            </a:r>
+            <a:endParaRPr lang="en-US" altLang="zh-TW" dirty="0" smtClean="0"/>
+          </a:p>
+          <a:p>
+            <a:r>
+              <a:rPr lang="zh-TW" altLang="en-US" dirty="0" smtClean="0"/>
+              <a:t>這十種組合中以特徵萃取</a:t>
+            </a:r>
+            <a:r>
+              <a:rPr lang="en-US" altLang="zh-TW" sz="1200" dirty="0" smtClean="0"/>
+              <a:t>NMF-spectrogram</a:t>
+            </a:r>
+            <a:r>
+              <a:rPr lang="zh-TW" altLang="en-US" sz="1200" dirty="0" smtClean="0"/>
+              <a:t> 占據</a:t>
+            </a:r>
+            <a:r>
+              <a:rPr lang="en-US" altLang="zh-TW" sz="1200" dirty="0" smtClean="0"/>
+              <a:t>5/10</a:t>
+            </a:r>
+            <a:r>
+              <a:rPr lang="zh-TW" altLang="en-US" sz="1200" dirty="0" smtClean="0"/>
+              <a:t>，抽樣方法</a:t>
+            </a:r>
+            <a:r>
+              <a:rPr lang="en-US" altLang="zh-TW" sz="1200" dirty="0" err="1" smtClean="0"/>
+              <a:t>undersampling</a:t>
+            </a:r>
+            <a:r>
+              <a:rPr lang="en-US" altLang="zh-TW" sz="1200" dirty="0" smtClean="0"/>
+              <a:t> 4</a:t>
+            </a:r>
+            <a:r>
+              <a:rPr lang="zh-TW" altLang="en-US" sz="1200" dirty="0" smtClean="0"/>
+              <a:t>筆</a:t>
+            </a:r>
+            <a:r>
+              <a:rPr lang="en-US" altLang="zh-TW" sz="1200" dirty="0" smtClean="0"/>
+              <a:t>,</a:t>
+            </a:r>
+            <a:r>
+              <a:rPr lang="zh-TW" altLang="en-US" sz="1200" dirty="0" smtClean="0"/>
+              <a:t> </a:t>
+            </a:r>
+            <a:r>
+              <a:rPr lang="en-US" altLang="zh-TW" sz="1200" dirty="0" smtClean="0"/>
+              <a:t>oversample 3</a:t>
+            </a:r>
+            <a:r>
+              <a:rPr lang="zh-TW" altLang="en-US" sz="1200" dirty="0" smtClean="0"/>
+              <a:t>筆 </a:t>
+            </a:r>
+            <a:r>
+              <a:rPr lang="en-US" altLang="zh-TW" sz="1200" dirty="0" smtClean="0"/>
+              <a:t>SMOTE</a:t>
+            </a:r>
+            <a:r>
+              <a:rPr lang="zh-TW" altLang="en-US" sz="1200" dirty="0" smtClean="0"/>
+              <a:t>三筆，沒有比較占大多數的，模型中</a:t>
+            </a:r>
+            <a:r>
+              <a:rPr lang="en-US" altLang="zh-TW" sz="1200" dirty="0" smtClean="0"/>
+              <a:t>XGB</a:t>
+            </a:r>
+            <a:r>
+              <a:rPr lang="zh-TW" altLang="en-US" sz="1200" dirty="0" smtClean="0"/>
+              <a:t>占多數</a:t>
+            </a:r>
+            <a:endParaRPr lang="en-US" altLang="zh-TW" sz="1200" dirty="0" smtClean="0"/>
+          </a:p>
+          <a:p>
+            <a:r>
+              <a:rPr lang="zh-TW" altLang="en-US" dirty="0" smtClean="0"/>
+              <a:t>實驗中用到</a:t>
+            </a:r>
+            <a:r>
+              <a:rPr lang="en-US" altLang="zh-TW" dirty="0" err="1" smtClean="0"/>
+              <a:t>Coswara</a:t>
+            </a:r>
+            <a:r>
+              <a:rPr lang="zh-TW" altLang="en-US" dirty="0" smtClean="0"/>
+              <a:t>和</a:t>
+            </a:r>
+            <a:r>
+              <a:rPr lang="en-US" altLang="zh-TW" dirty="0" smtClean="0"/>
+              <a:t>COUGHVID</a:t>
+            </a:r>
+            <a:r>
+              <a:rPr lang="zh-TW" altLang="en-US" dirty="0" smtClean="0"/>
+              <a:t>兩種</a:t>
+            </a:r>
+            <a:r>
+              <a:rPr lang="en-US" altLang="zh-TW" dirty="0" smtClean="0"/>
+              <a:t>dataset </a:t>
+            </a:r>
+            <a:r>
+              <a:rPr lang="zh-TW" altLang="en-US" dirty="0" smtClean="0"/>
+              <a:t>但最佳的前十筆都是來自</a:t>
+            </a:r>
+            <a:r>
+              <a:rPr lang="en-US" altLang="zh-TW" dirty="0" err="1" smtClean="0"/>
+              <a:t>Coswara</a:t>
+            </a:r>
+            <a:r>
+              <a:rPr lang="zh-TW" altLang="en-US" dirty="0" smtClean="0"/>
+              <a:t>，主因是</a:t>
+            </a:r>
+            <a:r>
+              <a:rPr lang="en-US" altLang="zh-TW" dirty="0" err="1" smtClean="0"/>
+              <a:t>Coswara</a:t>
+            </a:r>
+            <a:r>
+              <a:rPr lang="zh-TW" altLang="en-US" dirty="0" smtClean="0"/>
+              <a:t>的陰陽性差異若以人聽比較清楚可以辨識，</a:t>
+            </a:r>
+            <a:r>
+              <a:rPr lang="en-US" altLang="zh-TW" dirty="0" smtClean="0"/>
+              <a:t>COUGHVID</a:t>
+            </a:r>
+            <a:r>
+              <a:rPr lang="zh-TW" altLang="en-US" dirty="0" smtClean="0"/>
+              <a:t>有太多雜音在裡面導致辨識不容易</a:t>
+            </a:r>
+            <a:endParaRPr lang="zh-TW" altLang="en-US" dirty="0"/>
           </a:p>
         </p:txBody>
       </p:sp>
@@ -5357,7 +5174,7 @@
           <a:p>
             <a:fld id="{0271A9D2-AE2C-4043-85B9-1775BF3BD848}" type="slidenum">
               <a:rPr lang="zh-TW" altLang="en-US" smtClean="0"/>
-              <a:t>8</a:t>
+              <a:t>10</a:t>
             </a:fld>
             <a:endParaRPr lang="zh-TW" altLang="en-US"/>
           </a:p>
@@ -5366,7 +5183,7 @@
     </p:spTree>
     <p:extLst>
       <p:ext uri="{BB962C8B-B14F-4D97-AF65-F5344CB8AC3E}">
-        <p14:creationId xmlns:p14="http://schemas.microsoft.com/office/powerpoint/2010/main" val="249733392"/>
+        <p14:creationId xmlns:p14="http://schemas.microsoft.com/office/powerpoint/2010/main" val="2484631450"/>
       </p:ext>
     </p:extLst>
   </p:cSld>
@@ -5457,7 +5274,7 @@
           <a:p>
             <a:fld id="{0271A9D2-AE2C-4043-85B9-1775BF3BD848}" type="slidenum">
               <a:rPr lang="zh-TW" altLang="en-US" smtClean="0"/>
-              <a:t>12</a:t>
+              <a:t>11</a:t>
             </a:fld>
             <a:endParaRPr lang="zh-TW" altLang="en-US"/>
           </a:p>
@@ -5541,7 +5358,7 @@
           <a:p>
             <a:fld id="{0271A9D2-AE2C-4043-85B9-1775BF3BD848}" type="slidenum">
               <a:rPr lang="zh-TW" altLang="en-US" smtClean="0"/>
-              <a:t>13</a:t>
+              <a:t>12</a:t>
             </a:fld>
             <a:endParaRPr lang="zh-TW" altLang="en-US"/>
           </a:p>
@@ -5739,7 +5556,7 @@
           <a:p>
             <a:fld id="{5BCAD085-E8A6-8845-BD4E-CB4CCA059FC4}" type="datetimeFigureOut">
               <a:rPr lang="en-US" smtClean="0"/>
-              <a:t>10/9/2024</a:t>
+              <a:t>10/10/2024</a:t>
             </a:fld>
             <a:endParaRPr lang="en-US"/>
           </a:p>
@@ -5908,7 +5725,7 @@
           <a:p>
             <a:fld id="{5BCAD085-E8A6-8845-BD4E-CB4CCA059FC4}" type="datetimeFigureOut">
               <a:rPr lang="en-US" smtClean="0"/>
-              <a:t>10/9/2024</a:t>
+              <a:t>10/10/2024</a:t>
             </a:fld>
             <a:endParaRPr lang="en-US"/>
           </a:p>
@@ -6087,7 +5904,7 @@
           <a:p>
             <a:fld id="{5BCAD085-E8A6-8845-BD4E-CB4CCA059FC4}" type="datetimeFigureOut">
               <a:rPr lang="en-US" smtClean="0"/>
-              <a:t>10/9/2024</a:t>
+              <a:t>10/10/2024</a:t>
             </a:fld>
             <a:endParaRPr lang="en-US"/>
           </a:p>
@@ -6256,7 +6073,7 @@
           <a:p>
             <a:fld id="{5BCAD085-E8A6-8845-BD4E-CB4CCA059FC4}" type="datetimeFigureOut">
               <a:rPr lang="en-US" smtClean="0"/>
-              <a:t>10/9/2024</a:t>
+              <a:t>10/10/2024</a:t>
             </a:fld>
             <a:endParaRPr lang="en-US"/>
           </a:p>
@@ -6502,7 +6319,7 @@
           <a:p>
             <a:fld id="{5BCAD085-E8A6-8845-BD4E-CB4CCA059FC4}" type="datetimeFigureOut">
               <a:rPr lang="en-US" smtClean="0"/>
-              <a:t>10/9/2024</a:t>
+              <a:t>10/10/2024</a:t>
             </a:fld>
             <a:endParaRPr lang="en-US"/>
           </a:p>
@@ -6788,7 +6605,7 @@
           <a:p>
             <a:fld id="{5BCAD085-E8A6-8845-BD4E-CB4CCA059FC4}" type="datetimeFigureOut">
               <a:rPr lang="en-US" smtClean="0"/>
-              <a:t>10/9/2024</a:t>
+              <a:t>10/10/2024</a:t>
             </a:fld>
             <a:endParaRPr lang="en-US"/>
           </a:p>
@@ -7208,7 +7025,7 @@
           <a:p>
             <a:fld id="{5BCAD085-E8A6-8845-BD4E-CB4CCA059FC4}" type="datetimeFigureOut">
               <a:rPr lang="en-US" smtClean="0"/>
-              <a:t>10/9/2024</a:t>
+              <a:t>10/10/2024</a:t>
             </a:fld>
             <a:endParaRPr lang="en-US"/>
           </a:p>
@@ -7326,7 +7143,7 @@
           <a:p>
             <a:fld id="{5BCAD085-E8A6-8845-BD4E-CB4CCA059FC4}" type="datetimeFigureOut">
               <a:rPr lang="en-US" smtClean="0"/>
-              <a:t>10/9/2024</a:t>
+              <a:t>10/10/2024</a:t>
             </a:fld>
             <a:endParaRPr lang="en-US"/>
           </a:p>
@@ -7422,7 +7239,7 @@
           <a:p>
             <a:fld id="{5BCAD085-E8A6-8845-BD4E-CB4CCA059FC4}" type="datetimeFigureOut">
               <a:rPr lang="en-US" smtClean="0"/>
-              <a:t>10/9/2024</a:t>
+              <a:t>10/10/2024</a:t>
             </a:fld>
             <a:endParaRPr lang="en-US"/>
           </a:p>
@@ -7698,7 +7515,7 @@
           <a:p>
             <a:fld id="{5BCAD085-E8A6-8845-BD4E-CB4CCA059FC4}" type="datetimeFigureOut">
               <a:rPr lang="en-US" smtClean="0"/>
-              <a:t>10/9/2024</a:t>
+              <a:t>10/10/2024</a:t>
             </a:fld>
             <a:endParaRPr lang="en-US"/>
           </a:p>
@@ -7951,7 +7768,7 @@
           <a:p>
             <a:fld id="{5BCAD085-E8A6-8845-BD4E-CB4CCA059FC4}" type="datetimeFigureOut">
               <a:rPr lang="en-US" smtClean="0"/>
-              <a:t>10/9/2024</a:t>
+              <a:t>10/10/2024</a:t>
             </a:fld>
             <a:endParaRPr lang="en-US"/>
           </a:p>
@@ -8163,7 +7980,7 @@
           <a:p>
             <a:fld id="{5BCAD085-E8A6-8845-BD4E-CB4CCA059FC4}" type="datetimeFigureOut">
               <a:rPr lang="en-US" smtClean="0"/>
-              <a:t>10/9/2024</a:t>
+              <a:t>10/10/2024</a:t>
             </a:fld>
             <a:endParaRPr lang="en-US"/>
           </a:p>
@@ -8881,13 +8698,7 @@
       </p:grpSpPr>
       <p:sp>
         <p:nvSpPr>
-          <p:cNvPr id="2" name="標題 1">
-            <a:extLst>
-              <a:ext uri="{FF2B5EF4-FFF2-40B4-BE49-F238E27FC236}">
-                <a16:creationId xmlns:a16="http://schemas.microsoft.com/office/drawing/2014/main" id="{68018A7D-61FD-9AB3-1576-2929753135B5}"/>
-              </a:ext>
-            </a:extLst>
-          </p:cNvPr>
+          <p:cNvPr id="2" name="Title 1"/>
           <p:cNvSpPr>
             <a:spLocks noGrp="1"/>
           </p:cNvSpPr>
@@ -8901,41 +8712,18 @@
           <a:lstStyle/>
           <a:p>
             <a:r>
-              <a:rPr lang="zh-TW">
-                <a:ea typeface="新細明體"/>
+              <a:rPr lang="af-ZA" dirty="0">
                 <a:cs typeface="Calibri"/>
               </a:rPr>
-              <a:t>Dataset(</a:t>
-            </a:r>
-            <a:r>
-              <a:rPr lang="zh-TW" altLang="en-US">
-                <a:ea typeface="新細明體"/>
-                <a:cs typeface="Calibri"/>
-              </a:rPr>
-              <a:t>未</a:t>
-            </a:r>
-            <a:r>
-              <a:rPr lang="zh-TW">
-                <a:ea typeface="新細明體"/>
-                <a:cs typeface="Calibri"/>
-              </a:rPr>
-              <a:t>標註過)</a:t>
-            </a:r>
-            <a:endParaRPr lang="zh-TW">
-              <a:ea typeface="新細明體"/>
-            </a:endParaRPr>
+              <a:t>RESULT</a:t>
+            </a:r>
+            <a:endParaRPr dirty="0"/>
           </a:p>
         </p:txBody>
       </p:sp>
       <p:sp>
         <p:nvSpPr>
-          <p:cNvPr id="3" name="內容版面配置區 2">
-            <a:extLst>
-              <a:ext uri="{FF2B5EF4-FFF2-40B4-BE49-F238E27FC236}">
-                <a16:creationId xmlns:a16="http://schemas.microsoft.com/office/drawing/2014/main" id="{BBF755A1-6825-FDF6-344B-401201A3258C}"/>
-              </a:ext>
-            </a:extLst>
-          </p:cNvPr>
+          <p:cNvPr id="3" name="Content Placeholder 2"/>
           <p:cNvSpPr>
             <a:spLocks noGrp="1"/>
           </p:cNvSpPr>
@@ -8946,261 +8734,55 @@
         <p:spPr/>
         <p:txBody>
           <a:bodyPr vert="horz" lIns="91440" tIns="45720" rIns="91440" bIns="45720" rtlCol="0" anchor="t">
-            <a:normAutofit fontScale="70000" lnSpcReduction="20000"/>
+            <a:normAutofit/>
           </a:bodyPr>
           <a:lstStyle/>
           <a:p>
-            <a:pPr>
-              <a:buNone/>
-            </a:pPr>
-            <a:r>
-              <a:rPr lang="en-US" altLang="zh-TW" b="1" dirty="0">
-                <a:ea typeface="+mn-lt"/>
-                <a:cs typeface="+mn-lt"/>
-              </a:rPr>
-              <a:t>VoxCeleb2</a:t>
-            </a:r>
-            <a:endParaRPr lang="zh-TW" altLang="en-US" dirty="0"/>
-          </a:p>
-          <a:p>
-            <a:r>
-              <a:rPr lang="zh-TW" altLang="en-US" b="1">
-                <a:ea typeface="+mn-lt"/>
-                <a:cs typeface="+mn-lt"/>
-              </a:rPr>
-              <a:t>概述</a:t>
-            </a:r>
-            <a:r>
-              <a:rPr lang="zh-TW" altLang="en-US">
-                <a:ea typeface="+mn-lt"/>
-                <a:cs typeface="+mn-lt"/>
-              </a:rPr>
-              <a:t>：</a:t>
-            </a:r>
-            <a:r>
-              <a:rPr lang="en-US" altLang="zh-TW" dirty="0">
-                <a:ea typeface="+mn-lt"/>
-                <a:cs typeface="+mn-lt"/>
-              </a:rPr>
-              <a:t>VoxCeleb2</a:t>
-            </a:r>
-            <a:r>
-              <a:rPr lang="zh-TW" altLang="en-US">
-                <a:ea typeface="+mn-lt"/>
-                <a:cs typeface="+mn-lt"/>
-              </a:rPr>
-              <a:t> 是一個包含世界各地名人說話影片的視聽數據集，來源於 </a:t>
-            </a:r>
-            <a:r>
-              <a:rPr lang="en-US" altLang="zh-TW" dirty="0">
-                <a:ea typeface="+mn-lt"/>
-                <a:cs typeface="+mn-lt"/>
-              </a:rPr>
-              <a:t>YouTube</a:t>
-            </a:r>
-            <a:r>
-              <a:rPr lang="zh-TW" altLang="en-US">
-                <a:ea typeface="+mn-lt"/>
-                <a:cs typeface="+mn-lt"/>
-              </a:rPr>
-              <a:t> 等平台。</a:t>
-            </a:r>
-            <a:endParaRPr lang="zh-TW" altLang="en-US"/>
-          </a:p>
-          <a:p>
-            <a:r>
-              <a:rPr lang="zh-TW" altLang="en-US" b="1">
-                <a:ea typeface="+mn-lt"/>
-                <a:cs typeface="+mn-lt"/>
-              </a:rPr>
-              <a:t>數據規模</a:t>
-            </a:r>
-            <a:r>
-              <a:rPr lang="zh-TW" altLang="en-US">
-                <a:ea typeface="+mn-lt"/>
-                <a:cs typeface="+mn-lt"/>
-              </a:rPr>
-              <a:t>：超過 </a:t>
-            </a:r>
-            <a:r>
-              <a:rPr lang="en-US" altLang="zh-TW" dirty="0">
-                <a:ea typeface="+mn-lt"/>
-                <a:cs typeface="+mn-lt"/>
-              </a:rPr>
-              <a:t>1,000</a:t>
-            </a:r>
-            <a:r>
-              <a:rPr lang="zh-TW" altLang="en-US">
-                <a:ea typeface="+mn-lt"/>
-                <a:cs typeface="+mn-lt"/>
-              </a:rPr>
-              <a:t> 位名人，</a:t>
-            </a:r>
-            <a:r>
-              <a:rPr lang="en-US" altLang="zh-TW" dirty="0">
-                <a:ea typeface="+mn-lt"/>
-                <a:cs typeface="+mn-lt"/>
-              </a:rPr>
-              <a:t>611,000</a:t>
-            </a:r>
-            <a:r>
-              <a:rPr lang="zh-TW" altLang="en-US">
-                <a:ea typeface="+mn-lt"/>
-                <a:cs typeface="+mn-lt"/>
-              </a:rPr>
-              <a:t> 個片段，總時長超過 </a:t>
-            </a:r>
-            <a:r>
-              <a:rPr lang="en-US" altLang="zh-TW" dirty="0">
-                <a:ea typeface="+mn-lt"/>
-                <a:cs typeface="+mn-lt"/>
-              </a:rPr>
-              <a:t>2,000</a:t>
-            </a:r>
-            <a:r>
-              <a:rPr lang="zh-TW" altLang="en-US">
-                <a:ea typeface="+mn-lt"/>
-                <a:cs typeface="+mn-lt"/>
-              </a:rPr>
-              <a:t> 小時。</a:t>
-            </a:r>
-            <a:endParaRPr lang="zh-TW" altLang="en-US"/>
-          </a:p>
-          <a:p>
-            <a:r>
-              <a:rPr lang="zh-TW" altLang="en-US" b="1">
-                <a:ea typeface="+mn-lt"/>
-                <a:cs typeface="+mn-lt"/>
-              </a:rPr>
-              <a:t>應用</a:t>
-            </a:r>
-            <a:r>
-              <a:rPr lang="zh-TW" altLang="en-US">
-                <a:ea typeface="+mn-lt"/>
-                <a:cs typeface="+mn-lt"/>
-              </a:rPr>
-              <a:t>：用於視聽語音識別、說話人識別等多模態任務，數據多樣性提升了模型的挑戰性。</a:t>
-            </a:r>
-            <a:endParaRPr lang="zh-TW" altLang="en-US"/>
-          </a:p>
-          <a:p>
-            <a:pPr indent="0">
-              <a:buNone/>
-            </a:pPr>
-            <a:r>
-              <a:rPr lang="en-US" altLang="zh-TW" b="1" dirty="0" err="1">
-                <a:ea typeface="+mn-lt"/>
-                <a:cs typeface="+mn-lt"/>
-              </a:rPr>
-              <a:t>AVSpeech</a:t>
-            </a:r>
-            <a:endParaRPr lang="zh-TW" altLang="en-US" dirty="0" err="1"/>
-          </a:p>
-          <a:p>
-            <a:r>
-              <a:rPr lang="zh-TW" altLang="en-US" b="1">
-                <a:ea typeface="+mn-lt"/>
-                <a:cs typeface="+mn-lt"/>
-              </a:rPr>
-              <a:t>概述</a:t>
-            </a:r>
-            <a:r>
-              <a:rPr lang="zh-TW" altLang="en-US">
-                <a:ea typeface="+mn-lt"/>
-                <a:cs typeface="+mn-lt"/>
-              </a:rPr>
-              <a:t>：</a:t>
-            </a:r>
-            <a:r>
-              <a:rPr lang="en-US" altLang="zh-TW" dirty="0" err="1">
-                <a:ea typeface="+mn-lt"/>
-                <a:cs typeface="+mn-lt"/>
-              </a:rPr>
-              <a:t>AVSpeech</a:t>
-            </a:r>
-            <a:r>
-              <a:rPr lang="zh-TW" altLang="en-US">
-                <a:ea typeface="+mn-lt"/>
-                <a:cs typeface="+mn-lt"/>
-              </a:rPr>
-              <a:t> 是專為視聽語音識別設計的數據集，包含不同場景中的公開視頻。</a:t>
-            </a:r>
-            <a:endParaRPr lang="zh-TW" altLang="en-US"/>
-          </a:p>
-          <a:p>
-            <a:r>
-              <a:rPr lang="zh-TW" altLang="en-US" b="1">
-                <a:ea typeface="+mn-lt"/>
-                <a:cs typeface="+mn-lt"/>
-              </a:rPr>
-              <a:t>數據規模</a:t>
-            </a:r>
-            <a:r>
-              <a:rPr lang="zh-TW" altLang="en-US">
-                <a:ea typeface="+mn-lt"/>
-                <a:cs typeface="+mn-lt"/>
-              </a:rPr>
-              <a:t>：約 </a:t>
-            </a:r>
-            <a:r>
-              <a:rPr lang="en-US" altLang="zh-TW" dirty="0">
-                <a:ea typeface="+mn-lt"/>
-                <a:cs typeface="+mn-lt"/>
-              </a:rPr>
-              <a:t>4,700</a:t>
-            </a:r>
-            <a:r>
-              <a:rPr lang="zh-TW" altLang="en-US">
-                <a:ea typeface="+mn-lt"/>
-                <a:cs typeface="+mn-lt"/>
-              </a:rPr>
-              <a:t> 小時的視頻，超過 </a:t>
-            </a:r>
-            <a:r>
-              <a:rPr lang="en-US" altLang="zh-TW" dirty="0">
-                <a:ea typeface="+mn-lt"/>
-                <a:cs typeface="+mn-lt"/>
-              </a:rPr>
-              <a:t>150,000</a:t>
-            </a:r>
-            <a:r>
-              <a:rPr lang="zh-TW" altLang="en-US">
-                <a:ea typeface="+mn-lt"/>
-                <a:cs typeface="+mn-lt"/>
-              </a:rPr>
-              <a:t> 個短片，清晰展示說話人的口型和語音。</a:t>
-            </a:r>
-            <a:endParaRPr lang="zh-TW" altLang="en-US"/>
-          </a:p>
-          <a:p>
-            <a:r>
-              <a:rPr lang="zh-TW" altLang="en-US" b="1">
-                <a:ea typeface="+mn-lt"/>
-                <a:cs typeface="+mn-lt"/>
-              </a:rPr>
-              <a:t>應用</a:t>
-            </a:r>
-            <a:r>
-              <a:rPr lang="zh-TW" altLang="en-US">
-                <a:ea typeface="+mn-lt"/>
-                <a:cs typeface="+mn-lt"/>
-              </a:rPr>
-              <a:t>：主要用於視聽語音識別和口型識別研究，為視聽模型訓練提供重要資源。</a:t>
-            </a:r>
-            <a:endParaRPr lang="zh-TW" altLang="en-US"/>
-          </a:p>
-          <a:p>
-            <a:pPr marL="0" indent="0">
-              <a:buNone/>
-            </a:pPr>
-            <a:endParaRPr lang="zh-TW" b="1" dirty="0">
-              <a:ea typeface="新細明體"/>
-              <a:cs typeface="Calibri"/>
-            </a:endParaRPr>
-          </a:p>
-          <a:p>
-            <a:endParaRPr lang="zh-TW" altLang="en-US" dirty="0">
-              <a:ea typeface="新細明體"/>
+            <a:r>
+              <a:rPr sz="1800" dirty="0" err="1"/>
+              <a:t>研究結果顯示</a:t>
+            </a:r>
+            <a:r>
+              <a:rPr sz="1800" dirty="0" smtClean="0"/>
+              <a:t>，</a:t>
+            </a:r>
+            <a:r>
+              <a:rPr lang="zh-TW" altLang="en-US" sz="1800" dirty="0" smtClean="0"/>
+              <a:t>使用</a:t>
+            </a:r>
+            <a:r>
+              <a:rPr lang="en-US" altLang="zh-TW" sz="1800" dirty="0" smtClean="0"/>
+              <a:t>NMF-spectrogram</a:t>
+            </a:r>
+            <a:r>
+              <a:rPr lang="zh-TW" altLang="en-US" sz="1800" dirty="0" smtClean="0"/>
+              <a:t> </a:t>
+            </a:r>
+            <a:r>
+              <a:rPr lang="en-US" altLang="zh-TW" sz="1800" dirty="0" smtClean="0"/>
+              <a:t>+</a:t>
+            </a:r>
+            <a:r>
+              <a:rPr lang="zh-TW" altLang="en-US" sz="1800" dirty="0" smtClean="0"/>
+              <a:t> </a:t>
+            </a:r>
+            <a:r>
+              <a:rPr lang="en-US" altLang="zh-TW" sz="1800" dirty="0" err="1" smtClean="0"/>
+              <a:t>Undersampling</a:t>
+            </a:r>
+            <a:r>
+              <a:rPr lang="en-US" altLang="zh-TW" sz="1800" dirty="0" smtClean="0"/>
+              <a:t> + SVM </a:t>
+            </a:r>
+            <a:r>
+              <a:rPr lang="zh-TW" altLang="en-US" sz="1800" dirty="0" smtClean="0"/>
+              <a:t>有最佳陰陽性辨別能力</a:t>
+            </a:r>
+            <a:r>
+              <a:rPr sz="1800" dirty="0" smtClean="0"/>
+              <a:t>。</a:t>
+            </a:r>
+            <a:endParaRPr lang="zh-TW" altLang="en-US" sz="1800" dirty="0">
               <a:cs typeface="Calibri"/>
             </a:endParaRPr>
           </a:p>
@@ -9211,7 +8793,7 @@
           <p:cNvPr id="4" name="投影片編號版面配置區 3">
             <a:extLst>
               <a:ext uri="{FF2B5EF4-FFF2-40B4-BE49-F238E27FC236}">
-                <a16:creationId xmlns:a16="http://schemas.microsoft.com/office/drawing/2014/main" id="{8ABCB6A0-39D8-A343-3BE7-E46212C88215}"/>
+                <a16:creationId xmlns:a16="http://schemas.microsoft.com/office/drawing/2014/main" id="{A87F1B5D-F8E2-ED3D-2E72-EB23BAB0F167}"/>
               </a:ext>
             </a:extLst>
           </p:cNvPr>
@@ -9235,12 +8817,80 @@
           </a:p>
         </p:txBody>
       </p:sp>
+      <p:pic>
+        <p:nvPicPr>
+          <p:cNvPr id="17" name="圖片 16"/>
+          <p:cNvPicPr>
+            <a:picLocks noChangeAspect="1"/>
+          </p:cNvPicPr>
+          <p:nvPr/>
+        </p:nvPicPr>
+        <p:blipFill>
+          <a:blip r:embed="rId3"/>
+          <a:stretch>
+            <a:fillRect/>
+          </a:stretch>
+        </p:blipFill>
+        <p:spPr>
+          <a:xfrm>
+            <a:off x="1648481" y="2319236"/>
+            <a:ext cx="5966263" cy="3989489"/>
+          </a:xfrm>
+          <a:prstGeom prst="rect">
+            <a:avLst/>
+          </a:prstGeom>
+        </p:spPr>
+      </p:pic>
+      <p:sp>
+        <p:nvSpPr>
+          <p:cNvPr id="18" name="矩形 17"/>
+          <p:cNvSpPr/>
+          <p:nvPr/>
+        </p:nvSpPr>
+        <p:spPr>
+          <a:xfrm>
+            <a:off x="1648481" y="2806261"/>
+            <a:ext cx="5966263" cy="463279"/>
+          </a:xfrm>
+          <a:prstGeom prst="rect">
+            <a:avLst/>
+          </a:prstGeom>
+          <a:noFill/>
+          <a:ln>
+            <a:solidFill>
+              <a:srgbClr val="FF0000"/>
+            </a:solidFill>
+            <a:prstDash val="sysDash"/>
+          </a:ln>
+        </p:spPr>
+        <p:style>
+          <a:lnRef idx="1">
+            <a:schemeClr val="accent1"/>
+          </a:lnRef>
+          <a:fillRef idx="3">
+            <a:schemeClr val="accent1"/>
+          </a:fillRef>
+          <a:effectRef idx="2">
+            <a:schemeClr val="accent1"/>
+          </a:effectRef>
+          <a:fontRef idx="minor">
+            <a:schemeClr val="lt1"/>
+          </a:fontRef>
+        </p:style>
+        <p:txBody>
+          <a:bodyPr rtlCol="0" anchor="ctr"/>
+          <a:lstStyle/>
+          <a:p>
+            <a:pPr algn="ctr"/>
+            <a:endParaRPr lang="zh-TW" altLang="en-US" dirty="0">
+              <a:solidFill>
+                <a:srgbClr val="FF0000"/>
+              </a:solidFill>
+            </a:endParaRPr>
+          </a:p>
+        </p:txBody>
+      </p:sp>
     </p:spTree>
-    <p:extLst>
-      <p:ext uri="{BB962C8B-B14F-4D97-AF65-F5344CB8AC3E}">
-        <p14:creationId xmlns:p14="http://schemas.microsoft.com/office/powerpoint/2010/main" val="1337622258"/>
-      </p:ext>
-    </p:extLst>
   </p:cSld>
   <p:clrMapOvr>
     <a:masterClrMapping/>
@@ -9300,7 +8950,12 @@
             <p:ph idx="1"/>
           </p:nvPr>
         </p:nvSpPr>
-        <p:spPr/>
+        <p:spPr>
+          <a:xfrm>
+            <a:off x="457200" y="1166017"/>
+            <a:ext cx="8229600" cy="4525963"/>
+          </a:xfrm>
+        </p:spPr>
         <p:txBody>
           <a:bodyPr vert="horz" lIns="91440" tIns="45720" rIns="91440" bIns="45720" rtlCol="0" anchor="t">
             <a:normAutofit/>
@@ -9308,47 +8963,127 @@
           <a:lstStyle/>
           <a:p>
             <a:r>
-              <a:rPr sz="1800" dirty="0" err="1"/>
-              <a:t>研究結果顯示</a:t>
-            </a:r>
-            <a:r>
-              <a:rPr sz="1800" dirty="0" smtClean="0"/>
-              <a:t>，</a:t>
-            </a:r>
-            <a:r>
-              <a:rPr lang="zh-TW" altLang="en-US" sz="1800" dirty="0" smtClean="0"/>
-              <a:t>使用聲音及脣形同步辨識，再</a:t>
-            </a:r>
-            <a:r>
-              <a:rPr sz="1800" dirty="0" err="1" smtClean="0"/>
-              <a:t>使用自動生成的轉錄數據來擴展訓練集</a:t>
-            </a:r>
-            <a:r>
-              <a:rPr sz="1800" dirty="0"/>
-              <a:t>，</a:t>
-            </a:r>
-            <a:r>
-              <a:rPr lang="zh-TW" sz="1800" dirty="0">
+              <a:rPr lang="zh-TW" altLang="en-US" sz="1800" dirty="0" smtClean="0">
                 <a:ea typeface="新細明體"/>
               </a:rPr>
-              <a:t>不僅能</a:t>
-            </a:r>
-            <a:r>
-              <a:rPr lang="zh-TW" altLang="en-US" sz="1800" dirty="0">
+              <a:t>將不同特徵萃取方法畫成</a:t>
+            </a:r>
+            <a:r>
+              <a:rPr lang="en-US" altLang="zh-TW" sz="1800" dirty="0" smtClean="0">
                 <a:ea typeface="新細明體"/>
               </a:rPr>
-              <a:t>取代手工標註，還</a:t>
-            </a:r>
-            <a:r>
-              <a:rPr lang="zh-TW" sz="1800" dirty="0">
+              <a:t>box plot</a:t>
+            </a:r>
+            <a:r>
+              <a:rPr lang="zh-TW" altLang="en-US" sz="1800" dirty="0" smtClean="0">
                 <a:ea typeface="新細明體"/>
               </a:rPr>
-              <a:t>可以顯著降低詞錯率</a:t>
-            </a:r>
-            <a:r>
-              <a:rPr sz="1800" dirty="0"/>
-              <a:t>（WER）。</a:t>
-            </a:r>
+              <a:t>，其中</a:t>
+            </a:r>
+            <a:r>
+              <a:rPr lang="en-US" altLang="zh-TW" sz="1800" dirty="0"/>
+              <a:t>AUC</a:t>
+            </a:r>
+            <a:r>
+              <a:rPr lang="en-US" altLang="zh-TW" sz="1800" dirty="0" smtClean="0"/>
+              <a:t>ROC</a:t>
+            </a:r>
+            <a:r>
+              <a:rPr lang="zh-TW" altLang="en-US" sz="1800" dirty="0" smtClean="0"/>
+              <a:t>值以</a:t>
+            </a:r>
+            <a:r>
+              <a:rPr lang="en-US" altLang="zh-TW" sz="1800" dirty="0" err="1"/>
+              <a:t>NMF</a:t>
+            </a:r>
+            <a:r>
+              <a:rPr lang="en-US" altLang="zh-TW" sz="1800" dirty="0" err="1" smtClean="0"/>
+              <a:t>spectrogram</a:t>
+            </a:r>
+            <a:r>
+              <a:rPr lang="zh-TW" altLang="en-US" sz="1800" dirty="0" smtClean="0"/>
+              <a:t>表現最佳</a:t>
+            </a:r>
+            <a:endParaRPr lang="en-US" altLang="zh-TW" sz="1800" dirty="0" smtClean="0"/>
+          </a:p>
+          <a:p>
+            <a:endParaRPr lang="en-US" altLang="zh-TW" sz="1800" dirty="0">
+              <a:cs typeface="Calibri"/>
+            </a:endParaRPr>
+          </a:p>
+          <a:p>
+            <a:endParaRPr lang="en-US" altLang="zh-TW" sz="1800" dirty="0" smtClean="0">
+              <a:cs typeface="Calibri"/>
+            </a:endParaRPr>
+          </a:p>
+          <a:p>
+            <a:endParaRPr lang="en-US" altLang="zh-TW" sz="1800" dirty="0">
+              <a:cs typeface="Calibri"/>
+            </a:endParaRPr>
+          </a:p>
+          <a:p>
+            <a:endParaRPr lang="en-US" altLang="zh-TW" sz="1800" dirty="0" smtClean="0">
+              <a:cs typeface="Calibri"/>
+            </a:endParaRPr>
+          </a:p>
+          <a:p>
+            <a:endParaRPr lang="en-US" altLang="zh-TW" sz="1800" dirty="0">
+              <a:cs typeface="Calibri"/>
+            </a:endParaRPr>
+          </a:p>
+          <a:p>
+            <a:endParaRPr lang="en-US" altLang="zh-TW" sz="1800" dirty="0" smtClean="0">
+              <a:cs typeface="Calibri"/>
+            </a:endParaRPr>
+          </a:p>
+          <a:p>
+            <a:r>
+              <a:rPr lang="zh-TW" altLang="en-US" sz="1800" dirty="0" smtClean="0">
+                <a:cs typeface="Calibri"/>
+              </a:rPr>
+              <a:t>若以模型區分，</a:t>
+            </a:r>
+            <a:r>
+              <a:rPr lang="en-US" altLang="zh-TW" sz="1800" dirty="0" smtClean="0">
+                <a:cs typeface="Calibri"/>
+              </a:rPr>
+              <a:t>SVM</a:t>
+            </a:r>
+            <a:r>
+              <a:rPr lang="zh-TW" altLang="en-US" sz="1800" dirty="0" smtClean="0">
+                <a:cs typeface="Calibri"/>
+              </a:rPr>
+              <a:t>辨識度最好但不夠穩，大部分維持在</a:t>
+            </a:r>
+            <a:r>
+              <a:rPr lang="en-US" altLang="zh-TW" sz="1800" dirty="0" smtClean="0">
+                <a:cs typeface="Calibri"/>
+              </a:rPr>
+              <a:t>0.5</a:t>
+            </a:r>
+            <a:r>
+              <a:rPr lang="zh-TW" altLang="en-US" sz="1800" dirty="0" smtClean="0">
+                <a:cs typeface="Calibri"/>
+              </a:rPr>
+              <a:t>左右，但</a:t>
+            </a:r>
+            <a:r>
+              <a:rPr lang="en-US" altLang="zh-TW" sz="1800" dirty="0" smtClean="0">
+                <a:cs typeface="Calibri"/>
+              </a:rPr>
+              <a:t>XGBOOST</a:t>
+            </a:r>
+            <a:r>
+              <a:rPr lang="zh-TW" altLang="en-US" sz="1800" dirty="0" smtClean="0">
+                <a:cs typeface="Calibri"/>
+              </a:rPr>
+              <a:t>的平均最佳。</a:t>
+            </a:r>
+            <a:endParaRPr lang="en-US" altLang="zh-TW" sz="1800" dirty="0" smtClean="0">
+              <a:cs typeface="Calibri"/>
+            </a:endParaRPr>
+          </a:p>
+          <a:p>
             <a:endParaRPr lang="zh-TW" altLang="en-US" sz="1800" dirty="0">
               <a:cs typeface="Calibri"/>
             </a:endParaRPr>
@@ -9386,561 +9121,46 @@
       </p:sp>
       <p:pic>
         <p:nvPicPr>
-          <p:cNvPr id="5" name="圖片 4" descr="一張含有 文字, 螢幕擷取畫面, 數字, 平行 的圖片&#10;&#10;自動產生的描述">
-            <a:extLst>
-              <a:ext uri="{FF2B5EF4-FFF2-40B4-BE49-F238E27FC236}">
-                <a16:creationId xmlns:a16="http://schemas.microsoft.com/office/drawing/2014/main" id="{A3F5436E-A715-AF69-6B1D-320E8D8D5493}"/>
-              </a:ext>
-            </a:extLst>
-          </p:cNvPr>
+          <p:cNvPr id="5" name="圖片 4"/>
           <p:cNvPicPr>
             <a:picLocks noChangeAspect="1"/>
           </p:cNvPicPr>
           <p:nvPr/>
         </p:nvPicPr>
         <p:blipFill>
-          <a:blip r:embed="rId2"/>
+          <a:blip r:embed="rId3"/>
           <a:stretch>
             <a:fillRect/>
           </a:stretch>
         </p:blipFill>
         <p:spPr>
           <a:xfrm>
-            <a:off x="1228636" y="2231366"/>
-            <a:ext cx="6370427" cy="3689230"/>
+            <a:off x="4792717" y="1508124"/>
+            <a:ext cx="3263462" cy="2242539"/>
           </a:xfrm>
           <a:prstGeom prst="rect">
             <a:avLst/>
           </a:prstGeom>
         </p:spPr>
       </p:pic>
-      <mc:AlternateContent xmlns:mc="http://schemas.openxmlformats.org/markup-compatibility/2006" xmlns:p14="http://schemas.microsoft.com/office/powerpoint/2010/main">
-        <mc:Choice Requires="p14">
-          <p:contentPart p14:bwMode="auto" r:id="rId3">
-            <p14:nvContentPartPr>
-              <p14:cNvPr id="7" name="筆跡 6">
-                <a:extLst>
-                  <a:ext uri="{FF2B5EF4-FFF2-40B4-BE49-F238E27FC236}">
-                    <a16:creationId xmlns:a16="http://schemas.microsoft.com/office/drawing/2014/main" id="{642F40E4-8D67-042E-3E32-DD8565AF613F}"/>
-                  </a:ext>
-                </a:extLst>
-              </p14:cNvPr>
-              <p14:cNvContentPartPr/>
-              <p14:nvPr/>
-            </p14:nvContentPartPr>
-            <p14:xfrm>
-              <a:off x="1395663" y="5811252"/>
-              <a:ext cx="179068" cy="49108"/>
-            </p14:xfrm>
-          </p:contentPart>
-        </mc:Choice>
-        <mc:Fallback xmlns="">
-          <p:pic>
-            <p:nvPicPr>
-              <p:cNvPr id="7" name="筆跡 6">
-                <a:extLst>
-                  <a:ext uri="{FF2B5EF4-FFF2-40B4-BE49-F238E27FC236}">
-                    <a16:creationId xmlns:a16="http://schemas.microsoft.com/office/drawing/2014/main" id="{642F40E4-8D67-042E-3E32-DD8565AF613F}"/>
-                  </a:ext>
-                </a:extLst>
-              </p:cNvPr>
-              <p:cNvPicPr/>
-              <p:nvPr/>
-            </p:nvPicPr>
-            <p:blipFill>
-              <a:blip r:embed="rId4"/>
-              <a:stretch>
-                <a:fillRect/>
-              </a:stretch>
-            </p:blipFill>
-            <p:spPr>
-              <a:xfrm>
-                <a:off x="1378044" y="5793329"/>
-                <a:ext cx="214666" cy="84595"/>
-              </a:xfrm>
-              <a:prstGeom prst="rect">
-                <a:avLst/>
-              </a:prstGeom>
-            </p:spPr>
-          </p:pic>
-        </mc:Fallback>
-      </mc:AlternateContent>
-      <mc:AlternateContent xmlns:mc="http://schemas.openxmlformats.org/markup-compatibility/2006" xmlns:p14="http://schemas.microsoft.com/office/powerpoint/2010/main">
-        <mc:Choice Requires="p14">
-          <p:contentPart p14:bwMode="auto" r:id="rId5">
-            <p14:nvContentPartPr>
-              <p14:cNvPr id="8" name="筆跡 7">
-                <a:extLst>
-                  <a:ext uri="{FF2B5EF4-FFF2-40B4-BE49-F238E27FC236}">
-                    <a16:creationId xmlns:a16="http://schemas.microsoft.com/office/drawing/2014/main" id="{1685B230-F531-20F6-7D4C-13BABBD0583F}"/>
-                  </a:ext>
-                </a:extLst>
-              </p14:cNvPr>
-              <p14:cNvContentPartPr/>
-              <p14:nvPr/>
-            </p14:nvContentPartPr>
-            <p14:xfrm>
-              <a:off x="4066673" y="5811252"/>
-              <a:ext cx="217315" cy="36714"/>
-            </p14:xfrm>
-          </p:contentPart>
-        </mc:Choice>
-        <mc:Fallback xmlns="">
-          <p:pic>
-            <p:nvPicPr>
-              <p:cNvPr id="8" name="筆跡 7">
-                <a:extLst>
-                  <a:ext uri="{FF2B5EF4-FFF2-40B4-BE49-F238E27FC236}">
-                    <a16:creationId xmlns:a16="http://schemas.microsoft.com/office/drawing/2014/main" id="{1685B230-F531-20F6-7D4C-13BABBD0583F}"/>
-                  </a:ext>
-                </a:extLst>
-              </p:cNvPr>
-              <p:cNvPicPr/>
-              <p:nvPr/>
-            </p:nvPicPr>
-            <p:blipFill>
-              <a:blip r:embed="rId6"/>
-              <a:stretch>
-                <a:fillRect/>
-              </a:stretch>
-            </p:blipFill>
-            <p:spPr>
-              <a:xfrm>
-                <a:off x="4048713" y="5793430"/>
-                <a:ext cx="252876" cy="72002"/>
-              </a:xfrm>
-              <a:prstGeom prst="rect">
-                <a:avLst/>
-              </a:prstGeom>
-            </p:spPr>
-          </p:pic>
-        </mc:Fallback>
-      </mc:AlternateContent>
-      <mc:AlternateContent xmlns:mc="http://schemas.openxmlformats.org/markup-compatibility/2006" xmlns:p14="http://schemas.microsoft.com/office/powerpoint/2010/main">
-        <mc:Choice Requires="p14">
-          <p:contentPart p14:bwMode="auto" r:id="rId7">
-            <p14:nvContentPartPr>
-              <p14:cNvPr id="9" name="筆跡 8">
-                <a:extLst>
-                  <a:ext uri="{FF2B5EF4-FFF2-40B4-BE49-F238E27FC236}">
-                    <a16:creationId xmlns:a16="http://schemas.microsoft.com/office/drawing/2014/main" id="{2033ACC3-E8A9-8605-FF0A-EABF1AC2CD24}"/>
-                  </a:ext>
-                </a:extLst>
-              </p14:cNvPr>
-              <p14:cNvContentPartPr/>
-              <p14:nvPr/>
-            </p14:nvContentPartPr>
-            <p14:xfrm>
-              <a:off x="1395663" y="5017168"/>
-              <a:ext cx="203046" cy="12031"/>
-            </p14:xfrm>
-          </p:contentPart>
-        </mc:Choice>
-        <mc:Fallback xmlns="">
-          <p:pic>
-            <p:nvPicPr>
-              <p:cNvPr id="9" name="筆跡 8">
-                <a:extLst>
-                  <a:ext uri="{FF2B5EF4-FFF2-40B4-BE49-F238E27FC236}">
-                    <a16:creationId xmlns:a16="http://schemas.microsoft.com/office/drawing/2014/main" id="{2033ACC3-E8A9-8605-FF0A-EABF1AC2CD24}"/>
-                  </a:ext>
-                </a:extLst>
-              </p:cNvPr>
-              <p:cNvPicPr/>
-              <p:nvPr/>
-            </p:nvPicPr>
-            <p:blipFill>
-              <a:blip r:embed="rId8"/>
-              <a:stretch>
-                <a:fillRect/>
-              </a:stretch>
-            </p:blipFill>
-            <p:spPr>
-              <a:xfrm>
-                <a:off x="1378054" y="4427649"/>
-                <a:ext cx="238624" cy="1203100"/>
-              </a:xfrm>
-              <a:prstGeom prst="rect">
-                <a:avLst/>
-              </a:prstGeom>
-            </p:spPr>
-          </p:pic>
-        </mc:Fallback>
-      </mc:AlternateContent>
-      <mc:AlternateContent xmlns:mc="http://schemas.openxmlformats.org/markup-compatibility/2006" xmlns:p14="http://schemas.microsoft.com/office/powerpoint/2010/main">
-        <mc:Choice Requires="p14">
-          <p:contentPart p14:bwMode="auto" r:id="rId9">
-            <p14:nvContentPartPr>
-              <p14:cNvPr id="10" name="筆跡 9">
-                <a:extLst>
-                  <a:ext uri="{FF2B5EF4-FFF2-40B4-BE49-F238E27FC236}">
-                    <a16:creationId xmlns:a16="http://schemas.microsoft.com/office/drawing/2014/main" id="{C21A9C9F-C7A3-3BBA-4B54-B5ACD00D6DCA}"/>
-                  </a:ext>
-                </a:extLst>
-              </p14:cNvPr>
-              <p14:cNvContentPartPr/>
-              <p14:nvPr/>
-            </p14:nvContentPartPr>
-            <p14:xfrm>
-              <a:off x="4018547" y="4981073"/>
-              <a:ext cx="251334" cy="37037"/>
-            </p14:xfrm>
-          </p:contentPart>
-        </mc:Choice>
-        <mc:Fallback xmlns="">
-          <p:pic>
-            <p:nvPicPr>
-              <p:cNvPr id="10" name="筆跡 9">
-                <a:extLst>
-                  <a:ext uri="{FF2B5EF4-FFF2-40B4-BE49-F238E27FC236}">
-                    <a16:creationId xmlns:a16="http://schemas.microsoft.com/office/drawing/2014/main" id="{C21A9C9F-C7A3-3BBA-4B54-B5ACD00D6DCA}"/>
-                  </a:ext>
-                </a:extLst>
-              </p:cNvPr>
-              <p:cNvPicPr/>
-              <p:nvPr/>
-            </p:nvPicPr>
-            <p:blipFill>
-              <a:blip r:embed="rId10"/>
-              <a:stretch>
-                <a:fillRect/>
-              </a:stretch>
-            </p:blipFill>
-            <p:spPr>
-              <a:xfrm>
-                <a:off x="4000928" y="4963267"/>
-                <a:ext cx="286931" cy="72293"/>
-              </a:xfrm>
-              <a:prstGeom prst="rect">
-                <a:avLst/>
-              </a:prstGeom>
-            </p:spPr>
-          </p:pic>
-        </mc:Fallback>
-      </mc:AlternateContent>
-      <mc:AlternateContent xmlns:mc="http://schemas.openxmlformats.org/markup-compatibility/2006" xmlns:p14="http://schemas.microsoft.com/office/powerpoint/2010/main">
-        <mc:Choice Requires="p14">
-          <p:contentPart p14:bwMode="auto" r:id="rId11">
-            <p14:nvContentPartPr>
-              <p14:cNvPr id="11" name="筆跡 10">
-                <a:extLst>
-                  <a:ext uri="{FF2B5EF4-FFF2-40B4-BE49-F238E27FC236}">
-                    <a16:creationId xmlns:a16="http://schemas.microsoft.com/office/drawing/2014/main" id="{3EF66CA4-6760-97EA-3849-D200BF42EABC}"/>
-                  </a:ext>
-                </a:extLst>
-              </p14:cNvPr>
-              <p14:cNvContentPartPr/>
-              <p14:nvPr/>
-            </p14:nvContentPartPr>
-            <p14:xfrm>
-              <a:off x="1359568" y="4295273"/>
-              <a:ext cx="203112" cy="12555"/>
-            </p14:xfrm>
-          </p:contentPart>
-        </mc:Choice>
-        <mc:Fallback xmlns="">
-          <p:pic>
-            <p:nvPicPr>
-              <p:cNvPr id="11" name="筆跡 10">
-                <a:extLst>
-                  <a:ext uri="{FF2B5EF4-FFF2-40B4-BE49-F238E27FC236}">
-                    <a16:creationId xmlns:a16="http://schemas.microsoft.com/office/drawing/2014/main" id="{3EF66CA4-6760-97EA-3849-D200BF42EABC}"/>
-                  </a:ext>
-                </a:extLst>
-              </p:cNvPr>
-              <p:cNvPicPr/>
-              <p:nvPr/>
-            </p:nvPicPr>
-            <p:blipFill>
-              <a:blip r:embed="rId12"/>
-              <a:stretch>
-                <a:fillRect/>
-              </a:stretch>
-            </p:blipFill>
-            <p:spPr>
-              <a:xfrm>
-                <a:off x="1341593" y="4277835"/>
-                <a:ext cx="238702" cy="47081"/>
-              </a:xfrm>
-              <a:prstGeom prst="rect">
-                <a:avLst/>
-              </a:prstGeom>
-            </p:spPr>
-          </p:pic>
-        </mc:Fallback>
-      </mc:AlternateContent>
-      <mc:AlternateContent xmlns:mc="http://schemas.openxmlformats.org/markup-compatibility/2006" xmlns:p14="http://schemas.microsoft.com/office/powerpoint/2010/main">
-        <mc:Choice Requires="p14">
-          <p:contentPart p14:bwMode="auto" r:id="rId13">
-            <p14:nvContentPartPr>
-              <p14:cNvPr id="12" name="筆跡 11">
-                <a:extLst>
-                  <a:ext uri="{FF2B5EF4-FFF2-40B4-BE49-F238E27FC236}">
-                    <a16:creationId xmlns:a16="http://schemas.microsoft.com/office/drawing/2014/main" id="{09E67025-EA7B-45E3-9C20-5AB93A2E5562}"/>
-                  </a:ext>
-                </a:extLst>
-              </p14:cNvPr>
-              <p14:cNvContentPartPr/>
-              <p14:nvPr/>
-            </p14:nvContentPartPr>
-            <p14:xfrm>
-              <a:off x="4054642" y="4295273"/>
-              <a:ext cx="179348" cy="12031"/>
-            </p14:xfrm>
-          </p:contentPart>
-        </mc:Choice>
-        <mc:Fallback xmlns="">
-          <p:pic>
-            <p:nvPicPr>
-              <p:cNvPr id="12" name="筆跡 11">
-                <a:extLst>
-                  <a:ext uri="{FF2B5EF4-FFF2-40B4-BE49-F238E27FC236}">
-                    <a16:creationId xmlns:a16="http://schemas.microsoft.com/office/drawing/2014/main" id="{09E67025-EA7B-45E3-9C20-5AB93A2E5562}"/>
-                  </a:ext>
-                </a:extLst>
-              </p:cNvPr>
-              <p:cNvPicPr/>
-              <p:nvPr/>
-            </p:nvPicPr>
-            <p:blipFill>
-              <a:blip r:embed="rId14"/>
-              <a:stretch>
-                <a:fillRect/>
-              </a:stretch>
-            </p:blipFill>
-            <p:spPr>
-              <a:xfrm>
-                <a:off x="4037031" y="4277580"/>
-                <a:ext cx="214930" cy="47062"/>
-              </a:xfrm>
-              <a:prstGeom prst="rect">
-                <a:avLst/>
-              </a:prstGeom>
-            </p:spPr>
-          </p:pic>
-        </mc:Fallback>
-      </mc:AlternateContent>
-      <mc:AlternateContent xmlns:mc="http://schemas.openxmlformats.org/markup-compatibility/2006" xmlns:p14="http://schemas.microsoft.com/office/powerpoint/2010/main">
-        <mc:Choice Requires="p14">
-          <p:contentPart p14:bwMode="auto" r:id="rId15">
-            <p14:nvContentPartPr>
-              <p14:cNvPr id="13" name="筆跡 12">
-                <a:extLst>
-                  <a:ext uri="{FF2B5EF4-FFF2-40B4-BE49-F238E27FC236}">
-                    <a16:creationId xmlns:a16="http://schemas.microsoft.com/office/drawing/2014/main" id="{7E35F718-F11C-0B7A-A305-95A9ADF136A3}"/>
-                  </a:ext>
-                </a:extLst>
-              </p14:cNvPr>
-              <p14:cNvContentPartPr/>
-              <p14:nvPr/>
-            </p14:nvContentPartPr>
-            <p14:xfrm>
-              <a:off x="4547937" y="4283242"/>
-              <a:ext cx="227304" cy="31754"/>
-            </p14:xfrm>
-          </p:contentPart>
-        </mc:Choice>
-        <mc:Fallback xmlns="">
-          <p:pic>
-            <p:nvPicPr>
-              <p:cNvPr id="13" name="筆跡 12">
-                <a:extLst>
-                  <a:ext uri="{FF2B5EF4-FFF2-40B4-BE49-F238E27FC236}">
-                    <a16:creationId xmlns:a16="http://schemas.microsoft.com/office/drawing/2014/main" id="{7E35F718-F11C-0B7A-A305-95A9ADF136A3}"/>
-                  </a:ext>
-                </a:extLst>
-              </p:cNvPr>
-              <p:cNvPicPr/>
-              <p:nvPr/>
-            </p:nvPicPr>
-            <p:blipFill>
-              <a:blip r:embed="rId16"/>
-              <a:stretch>
-                <a:fillRect/>
-              </a:stretch>
-            </p:blipFill>
-            <p:spPr>
-              <a:xfrm>
-                <a:off x="4530314" y="4265759"/>
-                <a:ext cx="262910" cy="67076"/>
-              </a:xfrm>
-              <a:prstGeom prst="rect">
-                <a:avLst/>
-              </a:prstGeom>
-            </p:spPr>
-          </p:pic>
-        </mc:Fallback>
-      </mc:AlternateContent>
-      <mc:AlternateContent xmlns:mc="http://schemas.openxmlformats.org/markup-compatibility/2006" xmlns:p14="http://schemas.microsoft.com/office/powerpoint/2010/main">
-        <mc:Choice Requires="p14">
-          <p:contentPart p14:bwMode="auto" r:id="rId17">
-            <p14:nvContentPartPr>
-              <p14:cNvPr id="14" name="筆跡 13">
-                <a:extLst>
-                  <a:ext uri="{FF2B5EF4-FFF2-40B4-BE49-F238E27FC236}">
-                    <a16:creationId xmlns:a16="http://schemas.microsoft.com/office/drawing/2014/main" id="{C3235DDC-F20B-48AE-0F1C-4EF099968A85}"/>
-                  </a:ext>
-                </a:extLst>
-              </p14:cNvPr>
-              <p14:cNvContentPartPr/>
-              <p14:nvPr/>
-            </p14:nvContentPartPr>
-            <p14:xfrm>
-              <a:off x="7194883" y="4307305"/>
-              <a:ext cx="203079" cy="12031"/>
-            </p14:xfrm>
-          </p:contentPart>
-        </mc:Choice>
-        <mc:Fallback xmlns="">
-          <p:pic>
-            <p:nvPicPr>
-              <p:cNvPr id="14" name="筆跡 13">
-                <a:extLst>
-                  <a:ext uri="{FF2B5EF4-FFF2-40B4-BE49-F238E27FC236}">
-                    <a16:creationId xmlns:a16="http://schemas.microsoft.com/office/drawing/2014/main" id="{C3235DDC-F20B-48AE-0F1C-4EF099968A85}"/>
-                  </a:ext>
-                </a:extLst>
-              </p:cNvPr>
-              <p:cNvPicPr/>
-              <p:nvPr/>
-            </p:nvPicPr>
-            <p:blipFill>
-              <a:blip r:embed="rId8"/>
-              <a:stretch>
-                <a:fillRect/>
-              </a:stretch>
-            </p:blipFill>
-            <p:spPr>
-              <a:xfrm>
-                <a:off x="7177271" y="3717786"/>
-                <a:ext cx="238663" cy="1203100"/>
-              </a:xfrm>
-              <a:prstGeom prst="rect">
-                <a:avLst/>
-              </a:prstGeom>
-            </p:spPr>
-          </p:pic>
-        </mc:Fallback>
-      </mc:AlternateContent>
-      <mc:AlternateContent xmlns:mc="http://schemas.openxmlformats.org/markup-compatibility/2006" xmlns:p14="http://schemas.microsoft.com/office/powerpoint/2010/main">
-        <mc:Choice Requires="p14">
-          <p:contentPart p14:bwMode="auto" r:id="rId18">
-            <p14:nvContentPartPr>
-              <p14:cNvPr id="15" name="筆跡 14">
-                <a:extLst>
-                  <a:ext uri="{FF2B5EF4-FFF2-40B4-BE49-F238E27FC236}">
-                    <a16:creationId xmlns:a16="http://schemas.microsoft.com/office/drawing/2014/main" id="{0E48B839-7D3E-FE2F-7111-EE9AB5483A83}"/>
-                  </a:ext>
-                </a:extLst>
-              </p14:cNvPr>
-              <p14:cNvContentPartPr/>
-              <p14:nvPr/>
-            </p14:nvContentPartPr>
-            <p14:xfrm>
-              <a:off x="7218947" y="5895473"/>
-              <a:ext cx="179318" cy="12357"/>
-            </p14:xfrm>
-          </p:contentPart>
-        </mc:Choice>
-        <mc:Fallback xmlns="">
-          <p:pic>
-            <p:nvPicPr>
-              <p:cNvPr id="15" name="筆跡 14">
-                <a:extLst>
-                  <a:ext uri="{FF2B5EF4-FFF2-40B4-BE49-F238E27FC236}">
-                    <a16:creationId xmlns:a16="http://schemas.microsoft.com/office/drawing/2014/main" id="{0E48B839-7D3E-FE2F-7111-EE9AB5483A83}"/>
-                  </a:ext>
-                </a:extLst>
-              </p:cNvPr>
-              <p:cNvPicPr/>
-              <p:nvPr/>
-            </p:nvPicPr>
-            <p:blipFill>
-              <a:blip r:embed="rId19"/>
-              <a:stretch>
-                <a:fillRect/>
-              </a:stretch>
-            </p:blipFill>
-            <p:spPr>
-              <a:xfrm>
-                <a:off x="7201339" y="5877820"/>
-                <a:ext cx="214894" cy="47310"/>
-              </a:xfrm>
-              <a:prstGeom prst="rect">
-                <a:avLst/>
-              </a:prstGeom>
-            </p:spPr>
-          </p:pic>
-        </mc:Fallback>
-      </mc:AlternateContent>
-      <mc:AlternateContent xmlns:mc="http://schemas.openxmlformats.org/markup-compatibility/2006" xmlns:p14="http://schemas.microsoft.com/office/powerpoint/2010/main">
-        <mc:Choice Requires="p14">
-          <p:contentPart p14:bwMode="auto" r:id="rId20">
-            <p14:nvContentPartPr>
-              <p14:cNvPr id="16" name="筆跡 15">
-                <a:extLst>
-                  <a:ext uri="{FF2B5EF4-FFF2-40B4-BE49-F238E27FC236}">
-                    <a16:creationId xmlns:a16="http://schemas.microsoft.com/office/drawing/2014/main" id="{A888226C-6285-0FF3-F450-96D8997DE9BB}"/>
-                  </a:ext>
-                </a:extLst>
-              </p14:cNvPr>
-              <p14:cNvContentPartPr/>
-              <p14:nvPr/>
-            </p14:nvContentPartPr>
-            <p14:xfrm>
-              <a:off x="4535904" y="5919210"/>
-              <a:ext cx="239623" cy="12357"/>
-            </p14:xfrm>
-          </p:contentPart>
-        </mc:Choice>
-        <mc:Fallback xmlns="">
-          <p:pic>
-            <p:nvPicPr>
-              <p:cNvPr id="16" name="筆跡 15">
-                <a:extLst>
-                  <a:ext uri="{FF2B5EF4-FFF2-40B4-BE49-F238E27FC236}">
-                    <a16:creationId xmlns:a16="http://schemas.microsoft.com/office/drawing/2014/main" id="{A888226C-6285-0FF3-F450-96D8997DE9BB}"/>
-                  </a:ext>
-                </a:extLst>
-              </p:cNvPr>
-              <p:cNvPicPr/>
-              <p:nvPr/>
-            </p:nvPicPr>
-            <p:blipFill>
-              <a:blip r:embed="rId21"/>
-              <a:stretch>
-                <a:fillRect/>
-              </a:stretch>
-            </p:blipFill>
-            <p:spPr>
-              <a:xfrm>
-                <a:off x="4517941" y="5901557"/>
-                <a:ext cx="275189" cy="47310"/>
-              </a:xfrm>
-              <a:prstGeom prst="rect">
-                <a:avLst/>
-              </a:prstGeom>
-            </p:spPr>
-          </p:pic>
-        </mc:Fallback>
-      </mc:AlternateContent>
       <p:pic>
         <p:nvPicPr>
-          <p:cNvPr id="6" name="圖片 5"/>
+          <p:cNvPr id="7" name="圖片 6"/>
           <p:cNvPicPr>
             <a:picLocks noChangeAspect="1"/>
           </p:cNvPicPr>
           <p:nvPr/>
         </p:nvPicPr>
-        <p:blipFill rotWithShape="1">
-          <a:blip r:embed="rId22"/>
-          <a:srcRect l="57213" t="36958" r="18688" b="44098"/>
-          <a:stretch/>
+        <p:blipFill>
+          <a:blip r:embed="rId4"/>
+          <a:stretch>
+            <a:fillRect/>
+          </a:stretch>
         </p:blipFill>
         <p:spPr>
           <a:xfrm>
-            <a:off x="5231566" y="2758190"/>
-            <a:ext cx="2203555" cy="974361"/>
+            <a:off x="4572000" y="4138612"/>
+            <a:ext cx="3648075" cy="2400300"/>
           </a:xfrm>
           <a:prstGeom prst="rect">
             <a:avLst/>
@@ -9948,6 +9168,11 @@
         </p:spPr>
       </p:pic>
     </p:spTree>
+    <p:extLst>
+      <p:ext uri="{BB962C8B-B14F-4D97-AF65-F5344CB8AC3E}">
+        <p14:creationId xmlns:p14="http://schemas.microsoft.com/office/powerpoint/2010/main" val="3708820475"/>
+      </p:ext>
+    </p:extLst>
   </p:cSld>
   <p:clrMapOvr>
     <a:masterClrMapping/>
@@ -9988,10 +9213,10 @@
           <a:lstStyle/>
           <a:p>
             <a:r>
-              <a:rPr lang="af-ZA" dirty="0">
+              <a:rPr lang="zh-TW" altLang="en-US" dirty="0" smtClean="0">
                 <a:cs typeface="Calibri"/>
               </a:rPr>
-              <a:t>RESULT</a:t>
+              <a:t>結論</a:t>
             </a:r>
             <a:endParaRPr dirty="0"/>
           </a:p>
@@ -10015,44 +9240,126 @@
           <a:lstStyle/>
           <a:p>
             <a:r>
-              <a:rPr lang="en-US" altLang="zh-TW" sz="1800" dirty="0" smtClean="0">
-                <a:ea typeface="新細明體"/>
-              </a:rPr>
-              <a:t>A</a:t>
-            </a:r>
-            <a:r>
               <a:rPr lang="zh-TW" altLang="en-US" sz="1800" dirty="0" smtClean="0">
                 <a:ea typeface="新細明體"/>
               </a:rPr>
-              <a:t>表示只用聲音判定，</a:t>
-            </a:r>
-            <a:r>
-              <a:rPr lang="en-US" altLang="zh-TW" sz="1800" dirty="0" smtClean="0">
-                <a:ea typeface="新細明體"/>
-              </a:rPr>
-              <a:t>AV</a:t>
+              <a:t>本</a:t>
             </a:r>
             <a:r>
               <a:rPr lang="zh-TW" altLang="en-US" sz="1800" dirty="0" smtClean="0">
                 <a:ea typeface="新細明體"/>
               </a:rPr>
-              <a:t>則是聲音加唇語，在高訊號低雜訊時兩者</a:t>
+              <a:t>研究在處理數據不平衡，以</a:t>
+            </a:r>
+            <a:r>
+              <a:rPr lang="en-US" altLang="zh-TW" sz="1800" dirty="0" err="1" smtClean="0"/>
+              <a:t>undersampling</a:t>
+            </a:r>
+            <a:r>
+              <a:rPr lang="zh-TW" altLang="en-US" sz="1800" dirty="0" smtClean="0"/>
+              <a:t>表現最佳，並且與</a:t>
+            </a:r>
+            <a:r>
+              <a:rPr lang="en-US" altLang="zh-TW" sz="1800" dirty="0" smtClean="0"/>
+              <a:t>SMOTE</a:t>
+            </a:r>
+            <a:r>
+              <a:rPr lang="zh-TW" altLang="en-US" sz="1800" dirty="0" smtClean="0"/>
+              <a:t>相比其運算更加容易。</a:t>
+            </a:r>
+            <a:endParaRPr lang="en-US" altLang="zh-TW" sz="1800" dirty="0" smtClean="0"/>
+          </a:p>
+          <a:p>
+            <a:endParaRPr lang="en-US" altLang="zh-TW" sz="1800" dirty="0">
+              <a:cs typeface="Calibri"/>
+            </a:endParaRPr>
+          </a:p>
+          <a:p>
+            <a:r>
+              <a:rPr lang="zh-TW" altLang="en-US" sz="1800" dirty="0" smtClean="0">
+                <a:cs typeface="Calibri"/>
+              </a:rPr>
+              <a:t>數據的乾淨程度會大幅影響模型的準確率</a:t>
+            </a:r>
+            <a:endParaRPr lang="en-US" altLang="zh-TW" sz="1800" dirty="0" smtClean="0">
+              <a:cs typeface="Calibri"/>
+            </a:endParaRPr>
+          </a:p>
+          <a:p>
+            <a:endParaRPr lang="en-US" altLang="zh-TW" sz="1800" dirty="0">
+              <a:cs typeface="Calibri"/>
+            </a:endParaRPr>
+          </a:p>
+          <a:p>
+            <a:r>
+              <a:rPr lang="zh-TW" altLang="en-US" sz="1800" dirty="0" smtClean="0">
+                <a:cs typeface="Calibri"/>
+              </a:rPr>
+              <a:t>若特徵萃取使用</a:t>
             </a:r>
             <a:r>
               <a:rPr lang="en-US" altLang="zh-TW" sz="1800" dirty="0" smtClean="0">
-                <a:ea typeface="新細明體"/>
+                <a:cs typeface="Calibri"/>
               </a:rPr>
-              <a:t>WER</a:t>
+              <a:t>MFCC</a:t>
             </a:r>
             <a:r>
               <a:rPr lang="zh-TW" altLang="en-US" sz="1800" dirty="0" smtClean="0">
-                <a:ea typeface="新細明體"/>
+                <a:cs typeface="Calibri"/>
               </a:rPr>
-              <a:t>差異不大，但隨著雜訊越高只用聲音錯誤率更高，而加入唇語能降低錯誤率</a:t>
-            </a:r>
-            <a:r>
-              <a:rPr sz="1800" dirty="0" smtClean="0"/>
-              <a:t>。</a:t>
+              <a:t>搭配</a:t>
+            </a:r>
+            <a:r>
+              <a:rPr lang="en-US" altLang="zh-TW" sz="1800" dirty="0" smtClean="0">
+                <a:cs typeface="Calibri"/>
+              </a:rPr>
+              <a:t>SVM</a:t>
+            </a:r>
+            <a:r>
+              <a:rPr lang="zh-TW" altLang="en-US" sz="1800" dirty="0" smtClean="0">
+                <a:cs typeface="Calibri"/>
+              </a:rPr>
+              <a:t>，其預測結果不論用什麼數據都非常差</a:t>
+            </a:r>
+            <a:endParaRPr lang="en-US" altLang="zh-TW" sz="1800" dirty="0" smtClean="0">
+              <a:cs typeface="Calibri"/>
+            </a:endParaRPr>
+          </a:p>
+          <a:p>
+            <a:endParaRPr lang="en-US" altLang="zh-TW" sz="1800" dirty="0">
+              <a:cs typeface="Calibri"/>
+            </a:endParaRPr>
+          </a:p>
+          <a:p>
+            <a:r>
+              <a:rPr lang="zh-TW" altLang="en-US" sz="1800" dirty="0" smtClean="0">
+                <a:cs typeface="Calibri"/>
+              </a:rPr>
+              <a:t>最佳的預測方法是</a:t>
+            </a:r>
+            <a:r>
+              <a:rPr lang="en-US" altLang="zh-TW" sz="1800" dirty="0" smtClean="0"/>
+              <a:t>NMF-spectrogram</a:t>
+            </a:r>
+            <a:r>
+              <a:rPr lang="zh-TW" altLang="en-US" sz="1800" dirty="0" smtClean="0"/>
+              <a:t>搭配</a:t>
+            </a:r>
+            <a:r>
+              <a:rPr lang="en-US" altLang="zh-TW" sz="1800" dirty="0" err="1" smtClean="0"/>
+              <a:t>undersampling</a:t>
+            </a:r>
+            <a:r>
+              <a:rPr lang="zh-TW" altLang="en-US" sz="1800" dirty="0" smtClean="0"/>
+              <a:t>及</a:t>
+            </a:r>
+            <a:r>
+              <a:rPr lang="en-US" altLang="zh-TW" sz="1800" dirty="0" smtClean="0"/>
+              <a:t>SVM</a:t>
+            </a:r>
+            <a:r>
+              <a:rPr lang="zh-TW" altLang="en-US" sz="1800" smtClean="0"/>
+              <a:t>建模。</a:t>
             </a:r>
             <a:endParaRPr lang="zh-TW" altLang="en-US" sz="1800" dirty="0">
               <a:cs typeface="Calibri"/>
@@ -10089,142 +9396,6 @@
           </a:p>
         </p:txBody>
       </p:sp>
-      <p:pic>
-        <p:nvPicPr>
-          <p:cNvPr id="6" name="圖片 5"/>
-          <p:cNvPicPr>
-            <a:picLocks noChangeAspect="1"/>
-          </p:cNvPicPr>
-          <p:nvPr/>
-        </p:nvPicPr>
-        <p:blipFill rotWithShape="1">
-          <a:blip r:embed="rId3"/>
-          <a:srcRect l="57213" t="36958" r="18688" b="44098"/>
-          <a:stretch/>
-        </p:blipFill>
-        <p:spPr>
-          <a:xfrm>
-            <a:off x="1056806" y="2788170"/>
-            <a:ext cx="7030388" cy="3108675"/>
-          </a:xfrm>
-          <a:prstGeom prst="rect">
-            <a:avLst/>
-          </a:prstGeom>
-        </p:spPr>
-      </p:pic>
-    </p:spTree>
-    <p:extLst>
-      <p:ext uri="{BB962C8B-B14F-4D97-AF65-F5344CB8AC3E}">
-        <p14:creationId xmlns:p14="http://schemas.microsoft.com/office/powerpoint/2010/main" val="3708820475"/>
-      </p:ext>
-    </p:extLst>
-  </p:cSld>
-  <p:clrMapOvr>
-    <a:masterClrMapping/>
-  </p:clrMapOvr>
-</p:sld>
-</file>
-
-<file path=ppt/slides/slide13.xml><?xml version="1.0" encoding="utf-8"?>
-<p:sld xmlns:a="http://schemas.openxmlformats.org/drawingml/2006/main" xmlns:r="http://schemas.openxmlformats.org/officeDocument/2006/relationships" xmlns:p="http://schemas.openxmlformats.org/presentationml/2006/main">
-  <p:cSld>
-    <p:spTree>
-      <p:nvGrpSpPr>
-        <p:cNvPr id="1" name=""/>
-        <p:cNvGrpSpPr/>
-        <p:nvPr/>
-      </p:nvGrpSpPr>
-      <p:grpSpPr>
-        <a:xfrm>
-          <a:off x="0" y="0"/>
-          <a:ext cx="0" cy="0"/>
-          <a:chOff x="0" y="0"/>
-          <a:chExt cx="0" cy="0"/>
-        </a:xfrm>
-      </p:grpSpPr>
-      <p:sp>
-        <p:nvSpPr>
-          <p:cNvPr id="2" name="Title 1"/>
-          <p:cNvSpPr>
-            <a:spLocks noGrp="1"/>
-          </p:cNvSpPr>
-          <p:nvPr>
-            <p:ph type="title"/>
-          </p:nvPr>
-        </p:nvSpPr>
-        <p:spPr/>
-        <p:txBody>
-          <a:bodyPr/>
-          <a:lstStyle/>
-          <a:p>
-            <a:r>
-              <a:rPr lang="zh-TW" altLang="en-US" dirty="0" smtClean="0">
-                <a:cs typeface="Calibri"/>
-              </a:rPr>
-              <a:t>結論</a:t>
-            </a:r>
-            <a:endParaRPr dirty="0"/>
-          </a:p>
-        </p:txBody>
-      </p:sp>
-      <p:sp>
-        <p:nvSpPr>
-          <p:cNvPr id="3" name="Content Placeholder 2"/>
-          <p:cNvSpPr>
-            <a:spLocks noGrp="1"/>
-          </p:cNvSpPr>
-          <p:nvPr>
-            <p:ph idx="1"/>
-          </p:nvPr>
-        </p:nvSpPr>
-        <p:spPr/>
-        <p:txBody>
-          <a:bodyPr vert="horz" lIns="91440" tIns="45720" rIns="91440" bIns="45720" rtlCol="0" anchor="t">
-            <a:normAutofit/>
-          </a:bodyPr>
-          <a:lstStyle/>
-          <a:p>
-            <a:r>
-              <a:rPr lang="zh-TW" altLang="en-US" sz="1800" dirty="0" smtClean="0">
-                <a:ea typeface="新細明體"/>
-              </a:rPr>
-              <a:t>本研究運用聲音搭配唇形的影像辨識大幅提高語音內容辨識正確率</a:t>
-            </a:r>
-            <a:endParaRPr lang="zh-TW" altLang="en-US" sz="1800" dirty="0">
-              <a:cs typeface="Calibri"/>
-            </a:endParaRPr>
-          </a:p>
-        </p:txBody>
-      </p:sp>
-      <p:sp>
-        <p:nvSpPr>
-          <p:cNvPr id="4" name="投影片編號版面配置區 3">
-            <a:extLst>
-              <a:ext uri="{FF2B5EF4-FFF2-40B4-BE49-F238E27FC236}">
-                <a16:creationId xmlns:a16="http://schemas.microsoft.com/office/drawing/2014/main" id="{A87F1B5D-F8E2-ED3D-2E72-EB23BAB0F167}"/>
-              </a:ext>
-            </a:extLst>
-          </p:cNvPr>
-          <p:cNvSpPr>
-            <a:spLocks noGrp="1"/>
-          </p:cNvSpPr>
-          <p:nvPr>
-            <p:ph type="sldNum" sz="quarter" idx="12"/>
-          </p:nvPr>
-        </p:nvSpPr>
-        <p:spPr/>
-        <p:txBody>
-          <a:bodyPr/>
-          <a:lstStyle/>
-          <a:p>
-            <a:fld id="{C1FF6DA9-008F-8B48-92A6-B652298478BF}" type="slidenum">
-              <a:rPr lang="en-US" smtClean="0"/>
-              <a:t>13</a:t>
-            </a:fld>
-            <a:endParaRPr lang="zh-TW" altLang="en-US"/>
-          </a:p>
-        </p:txBody>
-      </p:sp>
     </p:spTree>
     <p:extLst>
       <p:ext uri="{BB962C8B-B14F-4D97-AF65-F5344CB8AC3E}">
@@ -10238,7 +9409,7 @@
 </p:sld>
 </file>
 
-<file path=ppt/slides/slide14.xml><?xml version="1.0" encoding="utf-8"?>
+<file path=ppt/slides/slide13.xml><?xml version="1.0" encoding="utf-8"?>
 <p:sld xmlns:a="http://schemas.openxmlformats.org/drawingml/2006/main" xmlns:r="http://schemas.openxmlformats.org/officeDocument/2006/relationships" xmlns:p="http://schemas.openxmlformats.org/presentationml/2006/main">
   <p:cSld>
     <p:spTree>
@@ -10352,7 +9523,7 @@
           <a:p>
             <a:fld id="{C1FF6DA9-008F-8B48-92A6-B652298478BF}" type="slidenum">
               <a:rPr lang="en-US" smtClean="0"/>
-              <a:t>14</a:t>
+              <a:t>13</a:t>
             </a:fld>
             <a:endParaRPr lang="zh-TW" altLang="en-US"/>
           </a:p>
@@ -10404,7 +9575,7 @@
                 <a16:creationId xmlns:a16="http://schemas.microsoft.com/office/drawing/2014/main" id="{BACC6370-2D7E-4714-9D71-7542949D7D5D}"/>
               </a:ext>
               <a:ext uri="{C183D7F6-B498-43B3-948B-1728B52AA6E4}">
-                <adec:decorative xmlns="" xmlns:adec="http://schemas.microsoft.com/office/drawing/2017/decorative" val="1"/>
+                <adec:decorative xmlns:adec="http://schemas.microsoft.com/office/drawing/2017/decorative" xmlns="" val="1"/>
               </a:ext>
             </a:extLst>
           </p:cNvPr>
@@ -10480,7 +9651,7 @@
                 <a16:creationId xmlns:a16="http://schemas.microsoft.com/office/drawing/2014/main" id="{256B2C21-A230-48C0-8DF1-C46611373C44}"/>
               </a:ext>
               <a:ext uri="{C183D7F6-B498-43B3-948B-1728B52AA6E4}">
-                <adec:decorative xmlns="" xmlns:adec="http://schemas.microsoft.com/office/drawing/2017/decorative" val="1"/>
+                <adec:decorative xmlns:adec="http://schemas.microsoft.com/office/drawing/2017/decorative" xmlns="" val="1"/>
               </a:ext>
             </a:extLst>
           </p:cNvPr>
@@ -10553,7 +9724,7 @@
                 <a16:creationId xmlns:a16="http://schemas.microsoft.com/office/drawing/2014/main" id="{3847E18C-932D-4C95-AABA-FEC7C9499AD7}"/>
               </a:ext>
               <a:ext uri="{C183D7F6-B498-43B3-948B-1728B52AA6E4}">
-                <adec:decorative xmlns="" xmlns:adec="http://schemas.microsoft.com/office/drawing/2017/decorative" val="1"/>
+                <adec:decorative xmlns:adec="http://schemas.microsoft.com/office/drawing/2017/decorative" xmlns="" val="1"/>
               </a:ext>
             </a:extLst>
           </p:cNvPr>
@@ -10628,7 +9799,7 @@
                 <a16:creationId xmlns:a16="http://schemas.microsoft.com/office/drawing/2014/main" id="{3150CB11-0C61-439E-910F-5787759E72A0}"/>
               </a:ext>
               <a:ext uri="{C183D7F6-B498-43B3-948B-1728B52AA6E4}">
-                <adec:decorative xmlns="" xmlns:adec="http://schemas.microsoft.com/office/drawing/2017/decorative" val="1"/>
+                <adec:decorative xmlns:adec="http://schemas.microsoft.com/office/drawing/2017/decorative" xmlns="" val="1"/>
               </a:ext>
             </a:extLst>
           </p:cNvPr>
@@ -10703,7 +9874,7 @@
                 <a16:creationId xmlns:a16="http://schemas.microsoft.com/office/drawing/2014/main" id="{43F8A58B-5155-44CE-A5FF-7647B47D0A7A}"/>
               </a:ext>
               <a:ext uri="{C183D7F6-B498-43B3-948B-1728B52AA6E4}">
-                <adec:decorative xmlns="" xmlns:adec="http://schemas.microsoft.com/office/drawing/2017/decorative" val="1"/>
+                <adec:decorative xmlns:adec="http://schemas.microsoft.com/office/drawing/2017/decorative" xmlns="" val="1"/>
               </a:ext>
             </a:extLst>
           </p:cNvPr>
@@ -10873,7 +10044,7 @@
                 <a16:creationId xmlns:a16="http://schemas.microsoft.com/office/drawing/2014/main" id="{443F2ACA-E6D6-4028-82DD-F03C262D5DE6}"/>
               </a:ext>
               <a:ext uri="{C183D7F6-B498-43B3-948B-1728B52AA6E4}">
-                <adec:decorative xmlns="" xmlns:adec="http://schemas.microsoft.com/office/drawing/2017/decorative" val="1"/>
+                <adec:decorative xmlns:adec="http://schemas.microsoft.com/office/drawing/2017/decorative" xmlns="" val="1"/>
               </a:ext>
             </a:extLst>
           </p:cNvPr>
@@ -11088,7 +10259,7 @@
                 <a16:creationId xmlns:a16="http://schemas.microsoft.com/office/drawing/2014/main" id="{B6CDA21F-E7AF-4C75-8395-33F58D5B0E45}"/>
               </a:ext>
               <a:ext uri="{C183D7F6-B498-43B3-948B-1728B52AA6E4}">
-                <adec:decorative xmlns="" xmlns:adec="http://schemas.microsoft.com/office/drawing/2017/decorative" val="1"/>
+                <adec:decorative xmlns:adec="http://schemas.microsoft.com/office/drawing/2017/decorative" xmlns="" val="1"/>
               </a:ext>
             </a:extLst>
           </p:cNvPr>
@@ -11148,7 +10319,7 @@
                 <a16:creationId xmlns:a16="http://schemas.microsoft.com/office/drawing/2014/main" id="{AE1C45F0-260A-458C-96ED-C1F6D2151219}"/>
               </a:ext>
               <a:ext uri="{C183D7F6-B498-43B3-948B-1728B52AA6E4}">
-                <adec:decorative xmlns="" xmlns:adec="http://schemas.microsoft.com/office/drawing/2017/decorative" val="1"/>
+                <adec:decorative xmlns:adec="http://schemas.microsoft.com/office/drawing/2017/decorative" xmlns="" val="1"/>
               </a:ext>
             </a:extLst>
           </p:cNvPr>
@@ -11182,7 +10353,7 @@
                   <a16:creationId xmlns:a16="http://schemas.microsoft.com/office/drawing/2014/main" id="{A6604B49-AD5C-4590-B051-06C8222ECD99}"/>
                 </a:ext>
                 <a:ext uri="{C183D7F6-B498-43B3-948B-1728B52AA6E4}">
-                  <adec:decorative xmlns="" xmlns:adec="http://schemas.microsoft.com/office/drawing/2017/decorative" val="1"/>
+                  <adec:decorative xmlns:adec="http://schemas.microsoft.com/office/drawing/2017/decorative" xmlns="" val="1"/>
                 </a:ext>
               </a:extLst>
             </p:cNvPr>
@@ -11241,7 +10412,7 @@
                   <a16:creationId xmlns:a16="http://schemas.microsoft.com/office/drawing/2014/main" id="{743ECCAF-29C5-4537-947C-7EA1292463DB}"/>
                 </a:ext>
                 <a:ext uri="{C183D7F6-B498-43B3-948B-1728B52AA6E4}">
-                  <adec:decorative xmlns="" xmlns:adec="http://schemas.microsoft.com/office/drawing/2017/decorative" val="1"/>
+                  <adec:decorative xmlns:adec="http://schemas.microsoft.com/office/drawing/2017/decorative" xmlns="" val="1"/>
                 </a:ext>
               </a:extLst>
             </p:cNvPr>
@@ -11300,7 +10471,7 @@
                   <a16:creationId xmlns:a16="http://schemas.microsoft.com/office/drawing/2014/main" id="{ED49787B-8DE6-4467-AD0A-8DECC6E0C2D6}"/>
                 </a:ext>
                 <a:ext uri="{C183D7F6-B498-43B3-948B-1728B52AA6E4}">
-                  <adec:decorative xmlns="" xmlns:adec="http://schemas.microsoft.com/office/drawing/2017/decorative" val="1"/>
+                  <adec:decorative xmlns:adec="http://schemas.microsoft.com/office/drawing/2017/decorative" xmlns="" val="1"/>
                 </a:ext>
               </a:extLst>
             </p:cNvPr>
@@ -11360,7 +10531,7 @@
                 <a16:creationId xmlns:a16="http://schemas.microsoft.com/office/drawing/2014/main" id="{D5B0017B-2ECA-49AF-B397-DC140825DF8D}"/>
               </a:ext>
               <a:ext uri="{C183D7F6-B498-43B3-948B-1728B52AA6E4}">
-                <adec:decorative xmlns="" xmlns:adec="http://schemas.microsoft.com/office/drawing/2017/decorative" val="1"/>
+                <adec:decorative xmlns:adec="http://schemas.microsoft.com/office/drawing/2017/decorative" xmlns="" val="1"/>
               </a:ext>
             </a:extLst>
           </p:cNvPr>
@@ -11704,7 +10875,7 @@
                 <a16:creationId xmlns:a16="http://schemas.microsoft.com/office/drawing/2014/main" id="{6CF1BAF6-AD41-4082-B212-8A1F9A2E8779}"/>
               </a:ext>
               <a:ext uri="{C183D7F6-B498-43B3-948B-1728B52AA6E4}">
-                <adec:decorative xmlns="" xmlns:adec="http://schemas.microsoft.com/office/drawing/2017/decorative" val="1"/>
+                <adec:decorative xmlns:adec="http://schemas.microsoft.com/office/drawing/2017/decorative" xmlns="" val="1"/>
               </a:ext>
             </a:extLst>
           </p:cNvPr>
@@ -11818,7 +10989,7 @@
                 <a16:creationId xmlns:a16="http://schemas.microsoft.com/office/drawing/2014/main" id="{3AD318CC-E2A8-4E27-9548-A047A78999B1}"/>
               </a:ext>
               <a:ext uri="{C183D7F6-B498-43B3-948B-1728B52AA6E4}">
-                <adec:decorative xmlns="" xmlns:adec="http://schemas.microsoft.com/office/drawing/2017/decorative" val="1"/>
+                <adec:decorative xmlns:adec="http://schemas.microsoft.com/office/drawing/2017/decorative" xmlns="" val="1"/>
               </a:ext>
             </a:extLst>
           </p:cNvPr>
@@ -11911,7 +11082,7 @@
                 <a16:creationId xmlns:a16="http://schemas.microsoft.com/office/drawing/2014/main" id="{B14B560F-9DD7-4302-A60B-EBD3EF59B073}"/>
               </a:ext>
               <a:ext uri="{C183D7F6-B498-43B3-948B-1728B52AA6E4}">
-                <adec:decorative xmlns="" xmlns:adec="http://schemas.microsoft.com/office/drawing/2017/decorative" val="1"/>
+                <adec:decorative xmlns:adec="http://schemas.microsoft.com/office/drawing/2017/decorative" xmlns="" val="1"/>
               </a:ext>
             </a:extLst>
           </p:cNvPr>
@@ -11942,7 +11113,7 @@
                   <a16:creationId xmlns:a16="http://schemas.microsoft.com/office/drawing/2014/main" id="{3A9A4357-BD1D-4622-A4FE-766E6AB8DE84}"/>
                 </a:ext>
                 <a:ext uri="{C183D7F6-B498-43B3-948B-1728B52AA6E4}">
-                  <adec:decorative xmlns="" xmlns:adec="http://schemas.microsoft.com/office/drawing/2017/decorative" val="1"/>
+                  <adec:decorative xmlns:adec="http://schemas.microsoft.com/office/drawing/2017/decorative" xmlns="" val="1"/>
                 </a:ext>
               </a:extLst>
             </p:cNvPr>
@@ -12003,7 +11174,7 @@
                   <a16:creationId xmlns:a16="http://schemas.microsoft.com/office/drawing/2014/main" id="{C21D6966-343E-49AC-A026-D2497E0C3CA1}"/>
                 </a:ext>
                 <a:ext uri="{C183D7F6-B498-43B3-948B-1728B52AA6E4}">
-                  <adec:decorative xmlns="" xmlns:adec="http://schemas.microsoft.com/office/drawing/2017/decorative" val="1"/>
+                  <adec:decorative xmlns:adec="http://schemas.microsoft.com/office/drawing/2017/decorative" xmlns="" val="1"/>
                 </a:ext>
               </a:extLst>
             </p:cNvPr>
@@ -12056,7 +11227,7 @@
                 <a16:creationId xmlns:a16="http://schemas.microsoft.com/office/drawing/2014/main" id="{2C1BBA94-3F40-40AA-8BB9-E69E25E537C1}"/>
               </a:ext>
               <a:ext uri="{C183D7F6-B498-43B3-948B-1728B52AA6E4}">
-                <adec:decorative xmlns="" xmlns:adec="http://schemas.microsoft.com/office/drawing/2017/decorative" val="1"/>
+                <adec:decorative xmlns:adec="http://schemas.microsoft.com/office/drawing/2017/decorative" xmlns="" val="1"/>
               </a:ext>
             </a:extLst>
           </p:cNvPr>
@@ -12386,7 +11557,7 @@
                 <a16:creationId xmlns:a16="http://schemas.microsoft.com/office/drawing/2014/main" id="{9D25F302-27C5-414F-97F8-6EA0A6C028BA}"/>
               </a:ext>
               <a:ext uri="{C183D7F6-B498-43B3-948B-1728B52AA6E4}">
-                <adec:decorative xmlns="" xmlns:adec="http://schemas.microsoft.com/office/drawing/2017/decorative" val="1"/>
+                <adec:decorative xmlns:adec="http://schemas.microsoft.com/office/drawing/2017/decorative" xmlns="" val="1"/>
               </a:ext>
             </a:extLst>
           </p:cNvPr>
@@ -12446,7 +11617,7 @@
                 <a16:creationId xmlns:a16="http://schemas.microsoft.com/office/drawing/2014/main" id="{830A36F8-48C2-4842-A87B-8CE8DF4E7FD2}"/>
               </a:ext>
               <a:ext uri="{C183D7F6-B498-43B3-948B-1728B52AA6E4}">
-                <adec:decorative xmlns="" xmlns:adec="http://schemas.microsoft.com/office/drawing/2017/decorative" val="1"/>
+                <adec:decorative xmlns:adec="http://schemas.microsoft.com/office/drawing/2017/decorative" xmlns="" val="1"/>
               </a:ext>
             </a:extLst>
           </p:cNvPr>
@@ -12509,7 +11680,7 @@
                 <a16:creationId xmlns:a16="http://schemas.microsoft.com/office/drawing/2014/main" id="{8F451A30-466B-4996-9BA5-CD6ABCC6D558}"/>
               </a:ext>
               <a:ext uri="{C183D7F6-B498-43B3-948B-1728B52AA6E4}">
-                <adec:decorative xmlns="" xmlns:adec="http://schemas.microsoft.com/office/drawing/2017/decorative" val="1"/>
+                <adec:decorative xmlns:adec="http://schemas.microsoft.com/office/drawing/2017/decorative" xmlns="" val="1"/>
               </a:ext>
             </a:extLst>
           </p:cNvPr>
@@ -13451,11 +12622,7 @@
             </a:r>
             <a:r>
               <a:rPr lang="en-US" altLang="zh-TW" sz="2000" dirty="0" smtClean="0"/>
-              <a:t> </a:t>
-            </a:r>
-            <a:r>
-              <a:rPr lang="en-US" altLang="zh-TW" sz="2000" dirty="0" smtClean="0"/>
-              <a:t>:</a:t>
+              <a:t> :</a:t>
             </a:r>
             <a:r>
               <a:rPr lang="zh-TW" altLang="en-US" sz="2000" dirty="0" smtClean="0"/>
@@ -13873,34 +13040,393 @@
       </p:grpSpPr>
       <p:sp>
         <p:nvSpPr>
-          <p:cNvPr id="6" name="投影片編號版面配置區 5">
-            <a:extLst>
-              <a:ext uri="{FF2B5EF4-FFF2-40B4-BE49-F238E27FC236}">
-                <a16:creationId xmlns:a16="http://schemas.microsoft.com/office/drawing/2014/main" id="{61753A5E-D648-E8AC-69A1-E3C4A76C5623}"/>
-              </a:ext>
-            </a:extLst>
-          </p:cNvPr>
+          <p:cNvPr id="2" name="Title 1"/>
           <p:cNvSpPr>
             <a:spLocks noGrp="1"/>
           </p:cNvSpPr>
           <p:nvPr>
-            <p:ph type="sldNum" sz="quarter" idx="12"/>
+            <p:ph type="title"/>
           </p:nvPr>
         </p:nvSpPr>
-        <p:spPr/>
+        <p:spPr>
+          <a:xfrm>
+            <a:off x="866336" y="827829"/>
+            <a:ext cx="7103967" cy="1137111"/>
+          </a:xfrm>
+        </p:spPr>
         <p:txBody>
-          <a:bodyPr/>
+          <a:bodyPr>
+            <a:normAutofit/>
+          </a:bodyPr>
           <a:lstStyle/>
           <a:p>
-            <a:fld id="{C1FF6DA9-008F-8B48-92A6-B652298478BF}" type="slidenum">
-              <a:rPr lang="en-US" smtClean="0"/>
-              <a:t>8</a:t>
-            </a:fld>
-            <a:endParaRPr lang="zh-TW" altLang="en-US"/>
+            <a:r>
+              <a:rPr lang="af-ZA" sz="4700" dirty="0">
+                <a:cs typeface="Calibri"/>
+              </a:rPr>
+              <a:t>method</a:t>
+            </a:r>
+            <a:endParaRPr lang="af-ZA" sz="4700" dirty="0"/>
+          </a:p>
+        </p:txBody>
+      </p:sp>
+      <p:sp>
+        <p:nvSpPr>
+          <p:cNvPr id="5" name="矩形 4"/>
+          <p:cNvSpPr/>
+          <p:nvPr/>
+        </p:nvSpPr>
+        <p:spPr>
+          <a:xfrm>
+            <a:off x="426982" y="1639310"/>
+            <a:ext cx="1780189" cy="651260"/>
+          </a:xfrm>
+          <a:prstGeom prst="rect">
+            <a:avLst/>
+          </a:prstGeom>
+          <a:noFill/>
+          <a:ln>
+            <a:noFill/>
+          </a:ln>
+        </p:spPr>
+        <p:style>
+          <a:lnRef idx="1">
+            <a:schemeClr val="accent1"/>
+          </a:lnRef>
+          <a:fillRef idx="3">
+            <a:schemeClr val="accent1"/>
+          </a:fillRef>
+          <a:effectRef idx="2">
+            <a:schemeClr val="accent1"/>
+          </a:effectRef>
+          <a:fontRef idx="minor">
+            <a:schemeClr val="lt1"/>
+          </a:fontRef>
+        </p:style>
+        <p:txBody>
+          <a:bodyPr rtlCol="0" anchor="ctr"/>
+          <a:lstStyle/>
+          <a:p>
+            <a:pPr algn="ctr"/>
+            <a:r>
+              <a:rPr lang="zh-TW" altLang="en-US" dirty="0" smtClean="0">
+                <a:solidFill>
+                  <a:schemeClr val="tx1"/>
+                </a:solidFill>
+              </a:rPr>
+              <a:t>建模演算法</a:t>
+            </a:r>
+            <a:endParaRPr lang="en-US" altLang="zh-TW" dirty="0" smtClean="0">
+              <a:solidFill>
+                <a:schemeClr val="tx1"/>
+              </a:solidFill>
+            </a:endParaRPr>
+          </a:p>
+          <a:p>
+            <a:pPr algn="ctr"/>
+            <a:r>
+              <a:rPr lang="zh-TW" altLang="en-US" dirty="0" smtClean="0">
+                <a:solidFill>
+                  <a:schemeClr val="tx1"/>
+                </a:solidFill>
+              </a:rPr>
+              <a:t>介紹</a:t>
+            </a:r>
+            <a:endParaRPr lang="zh-TW" altLang="en-US" dirty="0">
+              <a:solidFill>
+                <a:schemeClr val="tx1"/>
+              </a:solidFill>
+            </a:endParaRPr>
+          </a:p>
+        </p:txBody>
+      </p:sp>
+      <p:sp>
+        <p:nvSpPr>
+          <p:cNvPr id="6" name="Content Placeholder 2"/>
+          <p:cNvSpPr>
+            <a:spLocks noGrp="1"/>
+          </p:cNvSpPr>
+          <p:nvPr>
+            <p:ph idx="1"/>
+          </p:nvPr>
+        </p:nvSpPr>
+        <p:spPr>
+          <a:xfrm>
+            <a:off x="931947" y="2290570"/>
+            <a:ext cx="7991336" cy="4300447"/>
+          </a:xfrm>
+        </p:spPr>
+        <p:txBody>
+          <a:bodyPr vert="horz" lIns="91440" tIns="45720" rIns="91440" bIns="45720" rtlCol="0" anchor="t">
+            <a:normAutofit/>
+          </a:bodyPr>
+          <a:lstStyle/>
+          <a:p>
+            <a:pPr marL="457200" indent="-457200">
+              <a:buAutoNum type="arabicPeriod"/>
+            </a:pPr>
+            <a:r>
+              <a:rPr lang="en-US" altLang="zh-TW" sz="2000" dirty="0"/>
+              <a:t>Support </a:t>
+            </a:r>
+            <a:r>
+              <a:rPr lang="en-US" altLang="zh-TW" sz="2000" dirty="0" err="1"/>
+              <a:t>Vectore</a:t>
+            </a:r>
+            <a:r>
+              <a:rPr lang="en-US" altLang="zh-TW" sz="2000" dirty="0"/>
+              <a:t> Machine</a:t>
+            </a:r>
+            <a:r>
+              <a:rPr lang="en-US" altLang="zh-TW" sz="2000" dirty="0" smtClean="0"/>
+              <a:t> </a:t>
+            </a:r>
+            <a:r>
+              <a:rPr lang="en-US" altLang="zh-TW" sz="2000" dirty="0" smtClean="0"/>
+              <a:t>:</a:t>
+            </a:r>
+            <a:r>
+              <a:rPr lang="zh-TW" altLang="en-US" sz="2000" dirty="0" smtClean="0"/>
+              <a:t> 假設</a:t>
+            </a:r>
+            <a:r>
+              <a:rPr lang="en-US" altLang="zh-TW" sz="2000" dirty="0" smtClean="0"/>
+              <a:t>100</a:t>
+            </a:r>
+            <a:r>
+              <a:rPr lang="zh-TW" altLang="en-US" sz="2000" dirty="0" smtClean="0"/>
+              <a:t>個</a:t>
+            </a:r>
+            <a:r>
+              <a:rPr lang="en-US" altLang="zh-TW" sz="2000" dirty="0" smtClean="0"/>
+              <a:t>A</a:t>
+            </a:r>
+            <a:r>
+              <a:rPr lang="zh-TW" altLang="en-US" sz="2000" dirty="0" smtClean="0"/>
+              <a:t>，</a:t>
+            </a:r>
+            <a:r>
+              <a:rPr lang="en-US" altLang="zh-TW" sz="2000" dirty="0" smtClean="0"/>
+              <a:t>10</a:t>
+            </a:r>
+            <a:r>
+              <a:rPr lang="zh-TW" altLang="en-US" sz="2000" dirty="0" smtClean="0"/>
+              <a:t>個</a:t>
+            </a:r>
+            <a:r>
+              <a:rPr lang="en-US" altLang="zh-TW" sz="2000" dirty="0" smtClean="0"/>
+              <a:t>B</a:t>
+            </a:r>
+            <a:r>
+              <a:rPr lang="zh-TW" altLang="en-US" sz="2000" dirty="0" smtClean="0"/>
+              <a:t>，則</a:t>
+            </a:r>
+            <a:r>
+              <a:rPr lang="en-US" altLang="zh-TW" sz="2000" dirty="0" smtClean="0"/>
+              <a:t>A</a:t>
+            </a:r>
+            <a:r>
+              <a:rPr lang="zh-TW" altLang="en-US" sz="2000" dirty="0" smtClean="0"/>
+              <a:t>抽出</a:t>
+            </a:r>
+            <a:r>
+              <a:rPr lang="en-US" altLang="zh-TW" sz="2000" dirty="0"/>
+              <a:t>9</a:t>
+            </a:r>
+            <a:r>
+              <a:rPr lang="zh-TW" altLang="en-US" sz="2000" dirty="0" smtClean="0"/>
+              <a:t>個</a:t>
+            </a:r>
+            <a:r>
+              <a:rPr lang="en-US" altLang="zh-TW" sz="2000" dirty="0" smtClean="0"/>
+              <a:t>B</a:t>
+            </a:r>
+            <a:r>
+              <a:rPr lang="zh-TW" altLang="en-US" sz="2000" dirty="0" smtClean="0"/>
+              <a:t>抽出</a:t>
+            </a:r>
+            <a:r>
+              <a:rPr lang="en-US" altLang="zh-TW" sz="2000" dirty="0" smtClean="0"/>
+              <a:t>9</a:t>
+            </a:r>
+            <a:r>
+              <a:rPr lang="zh-TW" altLang="en-US" sz="2000" dirty="0" smtClean="0"/>
+              <a:t>個</a:t>
+            </a:r>
+            <a:endParaRPr lang="en-US" altLang="zh-TW" sz="2000" dirty="0" smtClean="0"/>
+          </a:p>
+          <a:p>
+            <a:pPr marL="457200" indent="-457200">
+              <a:buAutoNum type="arabicPeriod"/>
+            </a:pPr>
+            <a:r>
+              <a:rPr lang="en-US" altLang="zh-TW" sz="2000" dirty="0"/>
+              <a:t>K-nearest </a:t>
+            </a:r>
+            <a:r>
+              <a:rPr lang="en-US" altLang="zh-TW" sz="2000" dirty="0" err="1"/>
+              <a:t>neighbour</a:t>
+            </a:r>
+            <a:r>
+              <a:rPr lang="en-US" altLang="zh-TW" sz="2000" dirty="0" smtClean="0"/>
+              <a:t> </a:t>
+            </a:r>
+            <a:r>
+              <a:rPr lang="en-US" altLang="zh-TW" sz="2000" dirty="0"/>
+              <a:t>:</a:t>
+            </a:r>
+            <a:r>
+              <a:rPr lang="zh-TW" altLang="en-US" sz="2000" dirty="0"/>
+              <a:t> 假設</a:t>
+            </a:r>
+            <a:r>
+              <a:rPr lang="en-US" altLang="zh-TW" sz="2000" dirty="0"/>
+              <a:t>100</a:t>
+            </a:r>
+            <a:r>
+              <a:rPr lang="zh-TW" altLang="en-US" sz="2000" dirty="0"/>
+              <a:t>個</a:t>
+            </a:r>
+            <a:r>
+              <a:rPr lang="en-US" altLang="zh-TW" sz="2000" dirty="0"/>
+              <a:t>A</a:t>
+            </a:r>
+            <a:r>
+              <a:rPr lang="zh-TW" altLang="en-US" sz="2000" dirty="0"/>
+              <a:t>，</a:t>
+            </a:r>
+            <a:r>
+              <a:rPr lang="en-US" altLang="zh-TW" sz="2000" dirty="0"/>
+              <a:t>10</a:t>
+            </a:r>
+            <a:r>
+              <a:rPr lang="zh-TW" altLang="en-US" sz="2000" dirty="0"/>
+              <a:t>個</a:t>
+            </a:r>
+            <a:r>
+              <a:rPr lang="en-US" altLang="zh-TW" sz="2000" dirty="0"/>
+              <a:t>B</a:t>
+            </a:r>
+            <a:r>
+              <a:rPr lang="zh-TW" altLang="en-US" sz="2000" dirty="0"/>
+              <a:t>，則</a:t>
+            </a:r>
+            <a:r>
+              <a:rPr lang="en-US" altLang="zh-TW" sz="2000" dirty="0"/>
+              <a:t>A</a:t>
+            </a:r>
+            <a:r>
+              <a:rPr lang="zh-TW" altLang="en-US" sz="2000" dirty="0" smtClean="0"/>
+              <a:t>抽出</a:t>
+            </a:r>
+            <a:r>
+              <a:rPr lang="en-US" altLang="zh-TW" sz="2000" dirty="0" smtClean="0"/>
+              <a:t>50</a:t>
+            </a:r>
+            <a:r>
+              <a:rPr lang="zh-TW" altLang="en-US" sz="2000" dirty="0" smtClean="0"/>
+              <a:t>個</a:t>
+            </a:r>
+            <a:r>
+              <a:rPr lang="en-US" altLang="zh-TW" sz="2000" dirty="0" smtClean="0"/>
+              <a:t>B</a:t>
+            </a:r>
+            <a:r>
+              <a:rPr lang="zh-TW" altLang="en-US" sz="2000" dirty="0" smtClean="0"/>
+              <a:t>重複抽出</a:t>
+            </a:r>
+            <a:r>
+              <a:rPr lang="en-US" altLang="zh-TW" sz="2000" dirty="0" smtClean="0"/>
+              <a:t>50</a:t>
+            </a:r>
+            <a:r>
+              <a:rPr lang="zh-TW" altLang="en-US" sz="2000" dirty="0" smtClean="0"/>
+              <a:t>個</a:t>
+            </a:r>
+            <a:endParaRPr lang="en-US" altLang="zh-TW" sz="2000" dirty="0"/>
+          </a:p>
+          <a:p>
+            <a:pPr marL="457200" indent="-457200">
+              <a:buAutoNum type="arabicPeriod"/>
+            </a:pPr>
+            <a:r>
+              <a:rPr lang="en-US" altLang="zh-TW" sz="2000" dirty="0"/>
+              <a:t>Extreme Gradient Boosting</a:t>
+            </a:r>
+            <a:r>
+              <a:rPr lang="en-US" altLang="zh-TW" sz="1800" dirty="0" smtClean="0"/>
+              <a:t> </a:t>
+            </a:r>
+            <a:r>
+              <a:rPr lang="en-US" altLang="zh-TW" sz="1800" dirty="0" smtClean="0"/>
+              <a:t>:</a:t>
+            </a:r>
+            <a:r>
+              <a:rPr lang="zh-TW" altLang="en-US" sz="1800" dirty="0" smtClean="0"/>
+              <a:t> </a:t>
+            </a:r>
+            <a:r>
+              <a:rPr lang="en-US" altLang="zh-TW" sz="2000" dirty="0"/>
+              <a:t>Synthetic Minority Over-sampling </a:t>
+            </a:r>
+            <a:r>
+              <a:rPr lang="en-US" altLang="zh-TW" sz="2000" dirty="0" smtClean="0"/>
+              <a:t>Technique</a:t>
+            </a:r>
+          </a:p>
+          <a:p>
+            <a:pPr marL="0" indent="0">
+              <a:buNone/>
+            </a:pPr>
+            <a:r>
+              <a:rPr lang="en-US" altLang="zh-TW" sz="2000" dirty="0">
+                <a:ea typeface="+mn-lt"/>
+                <a:cs typeface="+mn-lt"/>
+              </a:rPr>
+              <a:t>	</a:t>
+            </a:r>
+            <a:endParaRPr lang="en-US" altLang="zh-TW" sz="1900" dirty="0" smtClean="0">
+              <a:ea typeface="+mn-lt"/>
+              <a:cs typeface="+mn-lt"/>
+            </a:endParaRPr>
+          </a:p>
+          <a:p>
+            <a:pPr marL="0" indent="0">
+              <a:buNone/>
+            </a:pPr>
+            <a:endParaRPr lang="en-US" altLang="zh-TW" sz="1900" dirty="0" smtClean="0">
+              <a:ea typeface="+mn-lt"/>
+              <a:cs typeface="+mn-lt"/>
+            </a:endParaRPr>
+          </a:p>
+          <a:p>
+            <a:pPr marL="0" indent="0">
+              <a:buNone/>
+            </a:pPr>
+            <a:endParaRPr lang="zh-TW" sz="1900" dirty="0">
+              <a:ea typeface="+mn-lt"/>
+              <a:cs typeface="+mn-lt"/>
+            </a:endParaRPr>
+          </a:p>
+          <a:p>
+            <a:endParaRPr lang="zh-TW" altLang="en-US" sz="1900" dirty="0">
+              <a:ea typeface="新細明體"/>
+              <a:cs typeface="Calibri"/>
+            </a:endParaRPr>
+          </a:p>
+          <a:p>
+            <a:endParaRPr lang="zh-TW" altLang="en-US" sz="1900" dirty="0">
+              <a:cs typeface="Calibri"/>
+            </a:endParaRPr>
           </a:p>
         </p:txBody>
       </p:sp>
     </p:spTree>
+    <p:extLst>
+      <p:ext uri="{BB962C8B-B14F-4D97-AF65-F5344CB8AC3E}">
+        <p14:creationId xmlns:p14="http://schemas.microsoft.com/office/powerpoint/2010/main" val="4228945872"/>
+      </p:ext>
+    </p:extLst>
   </p:cSld>
   <p:clrMapOvr>
     <a:masterClrMapping/>
@@ -13927,13 +13453,7 @@
       </p:grpSpPr>
       <p:sp>
         <p:nvSpPr>
-          <p:cNvPr id="2" name="標題 1">
-            <a:extLst>
-              <a:ext uri="{FF2B5EF4-FFF2-40B4-BE49-F238E27FC236}">
-                <a16:creationId xmlns:a16="http://schemas.microsoft.com/office/drawing/2014/main" id="{880634D7-6B43-2E89-4604-779C8D13034B}"/>
-              </a:ext>
-            </a:extLst>
-          </p:cNvPr>
+          <p:cNvPr id="2" name="Title 1"/>
           <p:cNvSpPr>
             <a:spLocks noGrp="1"/>
           </p:cNvSpPr>
@@ -13941,174 +13461,942 @@
             <p:ph type="title"/>
           </p:nvPr>
         </p:nvSpPr>
-        <p:spPr/>
+        <p:spPr>
+          <a:xfrm>
+            <a:off x="866336" y="827829"/>
+            <a:ext cx="7103967" cy="1137111"/>
+          </a:xfrm>
+        </p:spPr>
         <p:txBody>
-          <a:bodyPr/>
+          <a:bodyPr>
+            <a:normAutofit/>
+          </a:bodyPr>
           <a:lstStyle/>
           <a:p>
             <a:r>
-              <a:rPr lang="zh-TW" altLang="en-US">
-                <a:ea typeface="新細明體"/>
+              <a:rPr lang="af-ZA" sz="4700" dirty="0">
                 <a:cs typeface="Calibri"/>
               </a:rPr>
-              <a:t>Dataset(標註過)</a:t>
-            </a:r>
-            <a:endParaRPr lang="zh-TW" altLang="en-US" dirty="0">
-              <a:ea typeface="新細明體"/>
-              <a:cs typeface="Calibri"/>
-            </a:endParaRPr>
+              <a:t>method</a:t>
+            </a:r>
+            <a:endParaRPr lang="af-ZA" sz="4700" dirty="0"/>
           </a:p>
         </p:txBody>
       </p:sp>
       <p:sp>
         <p:nvSpPr>
-          <p:cNvPr id="3" name="內容版面配置區 2">
-            <a:extLst>
-              <a:ext uri="{FF2B5EF4-FFF2-40B4-BE49-F238E27FC236}">
-                <a16:creationId xmlns:a16="http://schemas.microsoft.com/office/drawing/2014/main" id="{DC83CC35-BE36-8A58-287B-F4534320324C}"/>
-              </a:ext>
-            </a:extLst>
-          </p:cNvPr>
-          <p:cNvSpPr>
-            <a:spLocks noGrp="1"/>
-          </p:cNvSpPr>
-          <p:nvPr>
-            <p:ph idx="1"/>
-          </p:nvPr>
+          <p:cNvPr id="5" name="矩形 4"/>
+          <p:cNvSpPr/>
+          <p:nvPr/>
         </p:nvSpPr>
         <p:spPr>
           <a:xfrm>
-            <a:off x="457200" y="1168879"/>
-            <a:ext cx="8229600" cy="4525963"/>
-          </a:xfrm>
-        </p:spPr>
-        <p:txBody>
-          <a:bodyPr vert="horz" lIns="91440" tIns="45720" rIns="91440" bIns="45720" rtlCol="0" anchor="t">
-            <a:normAutofit/>
-          </a:bodyPr>
-          <a:lstStyle/>
-          <a:p>
-            <a:pPr marL="0" indent="0">
-              <a:buNone/>
-            </a:pPr>
-            <a:endParaRPr lang="zh-TW" b="1" dirty="0">
-              <a:cs typeface="Calibri"/>
-            </a:endParaRPr>
-          </a:p>
-          <a:p>
-            <a:r>
-              <a:rPr lang="zh-TW" sz="2400" dirty="0">
-                <a:ea typeface="+mn-lt"/>
-                <a:cs typeface="+mn-lt"/>
-              </a:rPr>
-              <a:t>研究者使用 LRS2 和 LRS3 這兩個大型視聽語音數據集來進行實驗，這兩個數據集是目前公開可用的最大英語語音數據集。</a:t>
-            </a:r>
-            <a:endParaRPr lang="zh-TW" sz="2400" dirty="0">
-              <a:ea typeface="新細明體"/>
-              <a:cs typeface="Calibri"/>
-            </a:endParaRPr>
-          </a:p>
-          <a:p>
-            <a:r>
-              <a:rPr lang="zh-TW" sz="2400" dirty="0">
-                <a:ea typeface="+mn-lt"/>
-                <a:cs typeface="+mn-lt"/>
-              </a:rPr>
-              <a:t>LRS2 包含來自 BBC 節目的數據，總共有 144.8 小時的視頻，LRS3 則包含 TED 演講的數據，總計有 438 小時的數據</a:t>
-            </a:r>
-            <a:r>
-              <a:rPr lang="zh-TW" sz="2400" dirty="0" smtClean="0">
-                <a:ea typeface="+mn-lt"/>
-                <a:cs typeface="+mn-lt"/>
-              </a:rPr>
-              <a:t>。</a:t>
-            </a:r>
-            <a:endParaRPr lang="en-US" altLang="zh-TW" sz="2400" dirty="0" smtClean="0">
-              <a:ea typeface="+mn-lt"/>
-              <a:cs typeface="+mn-lt"/>
-            </a:endParaRPr>
-          </a:p>
-          <a:p>
-            <a:r>
-              <a:rPr lang="zh-TW" altLang="en-US" sz="2400" dirty="0" smtClean="0">
-                <a:ea typeface="+mn-lt"/>
-                <a:cs typeface="+mn-lt"/>
-              </a:rPr>
-              <a:t>主要使用影像辨識技術讀取唇語加強預測效果</a:t>
-            </a:r>
-            <a:endParaRPr lang="zh-TW" sz="2400" dirty="0"/>
-          </a:p>
-          <a:p>
-            <a:endParaRPr lang="zh-TW" altLang="en-US" dirty="0">
-              <a:ea typeface="新細明體"/>
-              <a:cs typeface="Calibri"/>
-            </a:endParaRPr>
-          </a:p>
-        </p:txBody>
-      </p:sp>
-      <p:pic>
-        <p:nvPicPr>
-          <p:cNvPr id="4" name="圖片 3">
-            <a:extLst>
-              <a:ext uri="{FF2B5EF4-FFF2-40B4-BE49-F238E27FC236}">
-                <a16:creationId xmlns:a16="http://schemas.microsoft.com/office/drawing/2014/main" id="{BE5DD821-D186-30DA-45DB-EAFBDFE05027}"/>
-              </a:ext>
-            </a:extLst>
-          </p:cNvPr>
-          <p:cNvPicPr>
-            <a:picLocks noChangeAspect="1"/>
-          </p:cNvPicPr>
-          <p:nvPr/>
-        </p:nvPicPr>
-        <p:blipFill>
-          <a:blip r:embed="rId2"/>
-          <a:stretch>
-            <a:fillRect/>
-          </a:stretch>
-        </p:blipFill>
-        <p:spPr>
-          <a:xfrm>
-            <a:off x="5498530" y="4278163"/>
-            <a:ext cx="504825" cy="285750"/>
+            <a:off x="426982" y="1639310"/>
+            <a:ext cx="1780189" cy="651260"/>
           </a:xfrm>
           <a:prstGeom prst="rect">
             <a:avLst/>
           </a:prstGeom>
+          <a:noFill/>
+          <a:ln>
+            <a:noFill/>
+          </a:ln>
         </p:spPr>
-      </p:pic>
-      <p:sp>
-        <p:nvSpPr>
-          <p:cNvPr id="5" name="投影片編號版面配置區 4">
-            <a:extLst>
-              <a:ext uri="{FF2B5EF4-FFF2-40B4-BE49-F238E27FC236}">
-                <a16:creationId xmlns:a16="http://schemas.microsoft.com/office/drawing/2014/main" id="{2A5A7610-2597-CC7F-10FA-92C49269E560}"/>
-              </a:ext>
-            </a:extLst>
-          </p:cNvPr>
-          <p:cNvSpPr>
-            <a:spLocks noGrp="1"/>
-          </p:cNvSpPr>
-          <p:nvPr>
-            <p:ph type="sldNum" sz="quarter" idx="12"/>
-          </p:nvPr>
-        </p:nvSpPr>
-        <p:spPr/>
+        <p:style>
+          <a:lnRef idx="1">
+            <a:schemeClr val="accent1"/>
+          </a:lnRef>
+          <a:fillRef idx="3">
+            <a:schemeClr val="accent1"/>
+          </a:fillRef>
+          <a:effectRef idx="2">
+            <a:schemeClr val="accent1"/>
+          </a:effectRef>
+          <a:fontRef idx="minor">
+            <a:schemeClr val="lt1"/>
+          </a:fontRef>
+        </p:style>
         <p:txBody>
-          <a:bodyPr/>
+          <a:bodyPr rtlCol="0" anchor="ctr"/>
           <a:lstStyle/>
           <a:p>
-            <a:fld id="{C1FF6DA9-008F-8B48-92A6-B652298478BF}" type="slidenum">
-              <a:rPr lang="en-US" smtClean="0"/>
-              <a:t>9</a:t>
-            </a:fld>
-            <a:endParaRPr lang="zh-TW" altLang="en-US"/>
+            <a:pPr algn="ctr"/>
+            <a:r>
+              <a:rPr lang="zh-TW" altLang="en-US" dirty="0" smtClean="0">
+                <a:solidFill>
+                  <a:schemeClr val="tx1"/>
+                </a:solidFill>
+              </a:rPr>
+              <a:t>混淆矩陣</a:t>
+            </a:r>
+            <a:endParaRPr lang="zh-TW" altLang="en-US" dirty="0">
+              <a:solidFill>
+                <a:schemeClr val="tx1"/>
+              </a:solidFill>
+            </a:endParaRPr>
           </a:p>
         </p:txBody>
       </p:sp>
+      <p:graphicFrame>
+        <p:nvGraphicFramePr>
+          <p:cNvPr id="3" name="表格 2"/>
+          <p:cNvGraphicFramePr>
+            <a:graphicFrameLocks noGrp="1"/>
+          </p:cNvGraphicFramePr>
+          <p:nvPr>
+            <p:extLst>
+              <p:ext uri="{D42A27DB-BD31-4B8C-83A1-F6EECF244321}">
+                <p14:modId xmlns:p14="http://schemas.microsoft.com/office/powerpoint/2010/main" val="1021861028"/>
+              </p:ext>
+            </p:extLst>
+          </p:nvPr>
+        </p:nvGraphicFramePr>
+        <p:xfrm>
+          <a:off x="1524000" y="2309138"/>
+          <a:ext cx="6096000" cy="1112520"/>
+        </p:xfrm>
+        <a:graphic>
+          <a:graphicData uri="http://schemas.openxmlformats.org/drawingml/2006/table">
+            <a:tbl>
+              <a:tblPr firstRow="1" bandRow="1">
+                <a:tableStyleId>{5C22544A-7EE6-4342-B048-85BDC9FD1C3A}</a:tableStyleId>
+              </a:tblPr>
+              <a:tblGrid>
+                <a:gridCol w="2032000">
+                  <a:extLst>
+                    <a:ext uri="{9D8B030D-6E8A-4147-A177-3AD203B41FA5}">
+                      <a16:colId xmlns:a16="http://schemas.microsoft.com/office/drawing/2014/main" val="4131429575"/>
+                    </a:ext>
+                  </a:extLst>
+                </a:gridCol>
+                <a:gridCol w="2032000">
+                  <a:extLst>
+                    <a:ext uri="{9D8B030D-6E8A-4147-A177-3AD203B41FA5}">
+                      <a16:colId xmlns:a16="http://schemas.microsoft.com/office/drawing/2014/main" val="4166598384"/>
+                    </a:ext>
+                  </a:extLst>
+                </a:gridCol>
+                <a:gridCol w="2032000">
+                  <a:extLst>
+                    <a:ext uri="{9D8B030D-6E8A-4147-A177-3AD203B41FA5}">
+                      <a16:colId xmlns:a16="http://schemas.microsoft.com/office/drawing/2014/main" val="4127755322"/>
+                    </a:ext>
+                  </a:extLst>
+                </a:gridCol>
+              </a:tblGrid>
+              <a:tr h="370840">
+                <a:tc>
+                  <a:txBody>
+                    <a:bodyPr/>
+                    <a:lstStyle/>
+                    <a:p>
+                      <a:endParaRPr lang="zh-TW" altLang="en-US" b="0" dirty="0">
+                        <a:solidFill>
+                          <a:schemeClr val="tx1"/>
+                        </a:solidFill>
+                      </a:endParaRPr>
+                    </a:p>
+                  </a:txBody>
+                  <a:tcPr>
+                    <a:lnL w="12700" cap="flat" cmpd="sng" algn="ctr">
+                      <a:solidFill>
+                        <a:schemeClr val="tx1"/>
+                      </a:solidFill>
+                      <a:prstDash val="solid"/>
+                      <a:round/>
+                      <a:headEnd type="none" w="med" len="med"/>
+                      <a:tailEnd type="none" w="med" len="med"/>
+                    </a:lnL>
+                    <a:lnR w="12700" cap="flat" cmpd="sng" algn="ctr">
+                      <a:solidFill>
+                        <a:schemeClr val="tx1"/>
+                      </a:solidFill>
+                      <a:prstDash val="solid"/>
+                      <a:round/>
+                      <a:headEnd type="none" w="med" len="med"/>
+                      <a:tailEnd type="none" w="med" len="med"/>
+                    </a:lnR>
+                    <a:lnT w="12700" cap="flat" cmpd="sng" algn="ctr">
+                      <a:solidFill>
+                        <a:schemeClr val="tx1"/>
+                      </a:solidFill>
+                      <a:prstDash val="solid"/>
+                      <a:round/>
+                      <a:headEnd type="none" w="med" len="med"/>
+                      <a:tailEnd type="none" w="med" len="med"/>
+                    </a:lnT>
+                    <a:lnB w="12700" cap="flat" cmpd="sng" algn="ctr">
+                      <a:solidFill>
+                        <a:schemeClr val="tx1"/>
+                      </a:solidFill>
+                      <a:prstDash val="solid"/>
+                      <a:round/>
+                      <a:headEnd type="none" w="med" len="med"/>
+                      <a:tailEnd type="none" w="med" len="med"/>
+                    </a:lnB>
+                    <a:noFill/>
+                  </a:tcPr>
+                </a:tc>
+                <a:tc>
+                  <a:txBody>
+                    <a:bodyPr/>
+                    <a:lstStyle/>
+                    <a:p>
+                      <a:r>
+                        <a:rPr lang="zh-TW" altLang="en-US" b="0" dirty="0" smtClean="0">
+                          <a:solidFill>
+                            <a:schemeClr val="tx1"/>
+                          </a:solidFill>
+                        </a:rPr>
+                        <a:t>預測陽性</a:t>
+                      </a:r>
+                      <a:endParaRPr lang="zh-TW" altLang="en-US" b="0" dirty="0">
+                        <a:solidFill>
+                          <a:schemeClr val="tx1"/>
+                        </a:solidFill>
+                      </a:endParaRPr>
+                    </a:p>
+                  </a:txBody>
+                  <a:tcPr>
+                    <a:lnL w="12700" cap="flat" cmpd="sng" algn="ctr">
+                      <a:solidFill>
+                        <a:schemeClr val="tx1"/>
+                      </a:solidFill>
+                      <a:prstDash val="solid"/>
+                      <a:round/>
+                      <a:headEnd type="none" w="med" len="med"/>
+                      <a:tailEnd type="none" w="med" len="med"/>
+                    </a:lnL>
+                    <a:lnR w="12700" cap="flat" cmpd="sng" algn="ctr">
+                      <a:solidFill>
+                        <a:schemeClr val="tx1"/>
+                      </a:solidFill>
+                      <a:prstDash val="solid"/>
+                      <a:round/>
+                      <a:headEnd type="none" w="med" len="med"/>
+                      <a:tailEnd type="none" w="med" len="med"/>
+                    </a:lnR>
+                    <a:lnT w="12700" cap="flat" cmpd="sng" algn="ctr">
+                      <a:solidFill>
+                        <a:schemeClr val="tx1"/>
+                      </a:solidFill>
+                      <a:prstDash val="solid"/>
+                      <a:round/>
+                      <a:headEnd type="none" w="med" len="med"/>
+                      <a:tailEnd type="none" w="med" len="med"/>
+                    </a:lnT>
+                    <a:lnB w="12700" cap="flat" cmpd="sng" algn="ctr">
+                      <a:solidFill>
+                        <a:schemeClr val="tx1"/>
+                      </a:solidFill>
+                      <a:prstDash val="solid"/>
+                      <a:round/>
+                      <a:headEnd type="none" w="med" len="med"/>
+                      <a:tailEnd type="none" w="med" len="med"/>
+                    </a:lnB>
+                    <a:noFill/>
+                  </a:tcPr>
+                </a:tc>
+                <a:tc>
+                  <a:txBody>
+                    <a:bodyPr/>
+                    <a:lstStyle/>
+                    <a:p>
+                      <a:r>
+                        <a:rPr lang="zh-TW" altLang="en-US" b="0" dirty="0" smtClean="0">
+                          <a:solidFill>
+                            <a:schemeClr val="tx1"/>
+                          </a:solidFill>
+                        </a:rPr>
+                        <a:t>預測陰性</a:t>
+                      </a:r>
+                      <a:endParaRPr lang="zh-TW" altLang="en-US" b="0" dirty="0">
+                        <a:solidFill>
+                          <a:schemeClr val="tx1"/>
+                        </a:solidFill>
+                      </a:endParaRPr>
+                    </a:p>
+                  </a:txBody>
+                  <a:tcPr>
+                    <a:lnL w="12700" cap="flat" cmpd="sng" algn="ctr">
+                      <a:solidFill>
+                        <a:schemeClr val="tx1"/>
+                      </a:solidFill>
+                      <a:prstDash val="solid"/>
+                      <a:round/>
+                      <a:headEnd type="none" w="med" len="med"/>
+                      <a:tailEnd type="none" w="med" len="med"/>
+                    </a:lnL>
+                    <a:lnR w="12700" cap="flat" cmpd="sng" algn="ctr">
+                      <a:solidFill>
+                        <a:schemeClr val="tx1"/>
+                      </a:solidFill>
+                      <a:prstDash val="solid"/>
+                      <a:round/>
+                      <a:headEnd type="none" w="med" len="med"/>
+                      <a:tailEnd type="none" w="med" len="med"/>
+                    </a:lnR>
+                    <a:lnT w="12700" cap="flat" cmpd="sng" algn="ctr">
+                      <a:solidFill>
+                        <a:schemeClr val="tx1"/>
+                      </a:solidFill>
+                      <a:prstDash val="solid"/>
+                      <a:round/>
+                      <a:headEnd type="none" w="med" len="med"/>
+                      <a:tailEnd type="none" w="med" len="med"/>
+                    </a:lnT>
+                    <a:lnB w="12700" cap="flat" cmpd="sng" algn="ctr">
+                      <a:solidFill>
+                        <a:schemeClr val="tx1"/>
+                      </a:solidFill>
+                      <a:prstDash val="solid"/>
+                      <a:round/>
+                      <a:headEnd type="none" w="med" len="med"/>
+                      <a:tailEnd type="none" w="med" len="med"/>
+                    </a:lnB>
+                    <a:noFill/>
+                  </a:tcPr>
+                </a:tc>
+                <a:extLst>
+                  <a:ext uri="{0D108BD9-81ED-4DB2-BD59-A6C34878D82A}">
+                    <a16:rowId xmlns:a16="http://schemas.microsoft.com/office/drawing/2014/main" val="2818126588"/>
+                  </a:ext>
+                </a:extLst>
+              </a:tr>
+              <a:tr h="370840">
+                <a:tc>
+                  <a:txBody>
+                    <a:bodyPr/>
+                    <a:lstStyle/>
+                    <a:p>
+                      <a:r>
+                        <a:rPr lang="zh-TW" altLang="en-US" b="0" dirty="0" smtClean="0">
+                          <a:solidFill>
+                            <a:schemeClr val="tx1"/>
+                          </a:solidFill>
+                        </a:rPr>
+                        <a:t>實際陽性</a:t>
+                      </a:r>
+                      <a:endParaRPr lang="zh-TW" altLang="en-US" b="0" dirty="0">
+                        <a:solidFill>
+                          <a:schemeClr val="tx1"/>
+                        </a:solidFill>
+                      </a:endParaRPr>
+                    </a:p>
+                  </a:txBody>
+                  <a:tcPr>
+                    <a:lnL w="12700" cap="flat" cmpd="sng" algn="ctr">
+                      <a:solidFill>
+                        <a:schemeClr val="tx1"/>
+                      </a:solidFill>
+                      <a:prstDash val="solid"/>
+                      <a:round/>
+                      <a:headEnd type="none" w="med" len="med"/>
+                      <a:tailEnd type="none" w="med" len="med"/>
+                    </a:lnL>
+                    <a:lnR w="12700" cap="flat" cmpd="sng" algn="ctr">
+                      <a:solidFill>
+                        <a:schemeClr val="tx1"/>
+                      </a:solidFill>
+                      <a:prstDash val="solid"/>
+                      <a:round/>
+                      <a:headEnd type="none" w="med" len="med"/>
+                      <a:tailEnd type="none" w="med" len="med"/>
+                    </a:lnR>
+                    <a:lnT w="12700" cap="flat" cmpd="sng" algn="ctr">
+                      <a:solidFill>
+                        <a:schemeClr val="tx1"/>
+                      </a:solidFill>
+                      <a:prstDash val="solid"/>
+                      <a:round/>
+                      <a:headEnd type="none" w="med" len="med"/>
+                      <a:tailEnd type="none" w="med" len="med"/>
+                    </a:lnT>
+                    <a:lnB w="12700" cap="flat" cmpd="sng" algn="ctr">
+                      <a:solidFill>
+                        <a:schemeClr val="tx1"/>
+                      </a:solidFill>
+                      <a:prstDash val="solid"/>
+                      <a:round/>
+                      <a:headEnd type="none" w="med" len="med"/>
+                      <a:tailEnd type="none" w="med" len="med"/>
+                    </a:lnB>
+                    <a:noFill/>
+                  </a:tcPr>
+                </a:tc>
+                <a:tc>
+                  <a:txBody>
+                    <a:bodyPr/>
+                    <a:lstStyle/>
+                    <a:p>
+                      <a:r>
+                        <a:rPr lang="en-US" altLang="zh-TW" b="0" dirty="0" smtClean="0">
+                          <a:solidFill>
+                            <a:schemeClr val="tx1"/>
+                          </a:solidFill>
+                        </a:rPr>
+                        <a:t>TP</a:t>
+                      </a:r>
+                      <a:endParaRPr lang="zh-TW" altLang="en-US" b="0" dirty="0">
+                        <a:solidFill>
+                          <a:schemeClr val="tx1"/>
+                        </a:solidFill>
+                      </a:endParaRPr>
+                    </a:p>
+                  </a:txBody>
+                  <a:tcPr>
+                    <a:lnL w="12700" cap="flat" cmpd="sng" algn="ctr">
+                      <a:solidFill>
+                        <a:schemeClr val="tx1"/>
+                      </a:solidFill>
+                      <a:prstDash val="solid"/>
+                      <a:round/>
+                      <a:headEnd type="none" w="med" len="med"/>
+                      <a:tailEnd type="none" w="med" len="med"/>
+                    </a:lnL>
+                    <a:lnR w="12700" cap="flat" cmpd="sng" algn="ctr">
+                      <a:solidFill>
+                        <a:schemeClr val="tx1"/>
+                      </a:solidFill>
+                      <a:prstDash val="solid"/>
+                      <a:round/>
+                      <a:headEnd type="none" w="med" len="med"/>
+                      <a:tailEnd type="none" w="med" len="med"/>
+                    </a:lnR>
+                    <a:lnT w="12700" cap="flat" cmpd="sng" algn="ctr">
+                      <a:solidFill>
+                        <a:schemeClr val="tx1"/>
+                      </a:solidFill>
+                      <a:prstDash val="solid"/>
+                      <a:round/>
+                      <a:headEnd type="none" w="med" len="med"/>
+                      <a:tailEnd type="none" w="med" len="med"/>
+                    </a:lnT>
+                    <a:lnB w="12700" cap="flat" cmpd="sng" algn="ctr">
+                      <a:solidFill>
+                        <a:schemeClr val="tx1"/>
+                      </a:solidFill>
+                      <a:prstDash val="solid"/>
+                      <a:round/>
+                      <a:headEnd type="none" w="med" len="med"/>
+                      <a:tailEnd type="none" w="med" len="med"/>
+                    </a:lnB>
+                    <a:noFill/>
+                  </a:tcPr>
+                </a:tc>
+                <a:tc>
+                  <a:txBody>
+                    <a:bodyPr/>
+                    <a:lstStyle/>
+                    <a:p>
+                      <a:r>
+                        <a:rPr lang="en-US" altLang="zh-TW" b="0" dirty="0" smtClean="0">
+                          <a:solidFill>
+                            <a:schemeClr val="tx1"/>
+                          </a:solidFill>
+                        </a:rPr>
+                        <a:t>FN</a:t>
+                      </a:r>
+                      <a:endParaRPr lang="zh-TW" altLang="en-US" b="0" dirty="0">
+                        <a:solidFill>
+                          <a:schemeClr val="tx1"/>
+                        </a:solidFill>
+                      </a:endParaRPr>
+                    </a:p>
+                  </a:txBody>
+                  <a:tcPr>
+                    <a:lnL w="12700" cap="flat" cmpd="sng" algn="ctr">
+                      <a:solidFill>
+                        <a:schemeClr val="tx1"/>
+                      </a:solidFill>
+                      <a:prstDash val="solid"/>
+                      <a:round/>
+                      <a:headEnd type="none" w="med" len="med"/>
+                      <a:tailEnd type="none" w="med" len="med"/>
+                    </a:lnL>
+                    <a:lnR w="12700" cap="flat" cmpd="sng" algn="ctr">
+                      <a:solidFill>
+                        <a:schemeClr val="tx1"/>
+                      </a:solidFill>
+                      <a:prstDash val="solid"/>
+                      <a:round/>
+                      <a:headEnd type="none" w="med" len="med"/>
+                      <a:tailEnd type="none" w="med" len="med"/>
+                    </a:lnR>
+                    <a:lnT w="12700" cap="flat" cmpd="sng" algn="ctr">
+                      <a:solidFill>
+                        <a:schemeClr val="tx1"/>
+                      </a:solidFill>
+                      <a:prstDash val="solid"/>
+                      <a:round/>
+                      <a:headEnd type="none" w="med" len="med"/>
+                      <a:tailEnd type="none" w="med" len="med"/>
+                    </a:lnT>
+                    <a:lnB w="12700" cap="flat" cmpd="sng" algn="ctr">
+                      <a:solidFill>
+                        <a:schemeClr val="tx1"/>
+                      </a:solidFill>
+                      <a:prstDash val="solid"/>
+                      <a:round/>
+                      <a:headEnd type="none" w="med" len="med"/>
+                      <a:tailEnd type="none" w="med" len="med"/>
+                    </a:lnB>
+                    <a:noFill/>
+                  </a:tcPr>
+                </a:tc>
+                <a:extLst>
+                  <a:ext uri="{0D108BD9-81ED-4DB2-BD59-A6C34878D82A}">
+                    <a16:rowId xmlns:a16="http://schemas.microsoft.com/office/drawing/2014/main" val="100157053"/>
+                  </a:ext>
+                </a:extLst>
+              </a:tr>
+              <a:tr h="370840">
+                <a:tc>
+                  <a:txBody>
+                    <a:bodyPr/>
+                    <a:lstStyle/>
+                    <a:p>
+                      <a:r>
+                        <a:rPr lang="zh-TW" altLang="en-US" b="0" dirty="0" smtClean="0">
+                          <a:solidFill>
+                            <a:schemeClr val="tx1"/>
+                          </a:solidFill>
+                        </a:rPr>
+                        <a:t>實際陰性</a:t>
+                      </a:r>
+                      <a:endParaRPr lang="zh-TW" altLang="en-US" b="0" dirty="0">
+                        <a:solidFill>
+                          <a:schemeClr val="tx1"/>
+                        </a:solidFill>
+                      </a:endParaRPr>
+                    </a:p>
+                  </a:txBody>
+                  <a:tcPr>
+                    <a:lnL w="12700" cap="flat" cmpd="sng" algn="ctr">
+                      <a:solidFill>
+                        <a:schemeClr val="tx1"/>
+                      </a:solidFill>
+                      <a:prstDash val="solid"/>
+                      <a:round/>
+                      <a:headEnd type="none" w="med" len="med"/>
+                      <a:tailEnd type="none" w="med" len="med"/>
+                    </a:lnL>
+                    <a:lnR w="12700" cap="flat" cmpd="sng" algn="ctr">
+                      <a:solidFill>
+                        <a:schemeClr val="tx1"/>
+                      </a:solidFill>
+                      <a:prstDash val="solid"/>
+                      <a:round/>
+                      <a:headEnd type="none" w="med" len="med"/>
+                      <a:tailEnd type="none" w="med" len="med"/>
+                    </a:lnR>
+                    <a:lnT w="12700" cap="flat" cmpd="sng" algn="ctr">
+                      <a:solidFill>
+                        <a:schemeClr val="tx1"/>
+                      </a:solidFill>
+                      <a:prstDash val="solid"/>
+                      <a:round/>
+                      <a:headEnd type="none" w="med" len="med"/>
+                      <a:tailEnd type="none" w="med" len="med"/>
+                    </a:lnT>
+                    <a:lnB w="12700" cap="flat" cmpd="sng" algn="ctr">
+                      <a:solidFill>
+                        <a:schemeClr val="tx1"/>
+                      </a:solidFill>
+                      <a:prstDash val="solid"/>
+                      <a:round/>
+                      <a:headEnd type="none" w="med" len="med"/>
+                      <a:tailEnd type="none" w="med" len="med"/>
+                    </a:lnB>
+                    <a:noFill/>
+                  </a:tcPr>
+                </a:tc>
+                <a:tc>
+                  <a:txBody>
+                    <a:bodyPr/>
+                    <a:lstStyle/>
+                    <a:p>
+                      <a:r>
+                        <a:rPr lang="en-US" altLang="zh-TW" b="0" dirty="0" smtClean="0">
+                          <a:solidFill>
+                            <a:schemeClr val="tx1"/>
+                          </a:solidFill>
+                        </a:rPr>
+                        <a:t>FP</a:t>
+                      </a:r>
+                      <a:endParaRPr lang="zh-TW" altLang="en-US" b="0" dirty="0">
+                        <a:solidFill>
+                          <a:schemeClr val="tx1"/>
+                        </a:solidFill>
+                      </a:endParaRPr>
+                    </a:p>
+                  </a:txBody>
+                  <a:tcPr>
+                    <a:lnL w="12700" cap="flat" cmpd="sng" algn="ctr">
+                      <a:solidFill>
+                        <a:schemeClr val="tx1"/>
+                      </a:solidFill>
+                      <a:prstDash val="solid"/>
+                      <a:round/>
+                      <a:headEnd type="none" w="med" len="med"/>
+                      <a:tailEnd type="none" w="med" len="med"/>
+                    </a:lnL>
+                    <a:lnR w="12700" cap="flat" cmpd="sng" algn="ctr">
+                      <a:solidFill>
+                        <a:schemeClr val="tx1"/>
+                      </a:solidFill>
+                      <a:prstDash val="solid"/>
+                      <a:round/>
+                      <a:headEnd type="none" w="med" len="med"/>
+                      <a:tailEnd type="none" w="med" len="med"/>
+                    </a:lnR>
+                    <a:lnT w="12700" cap="flat" cmpd="sng" algn="ctr">
+                      <a:solidFill>
+                        <a:schemeClr val="tx1"/>
+                      </a:solidFill>
+                      <a:prstDash val="solid"/>
+                      <a:round/>
+                      <a:headEnd type="none" w="med" len="med"/>
+                      <a:tailEnd type="none" w="med" len="med"/>
+                    </a:lnT>
+                    <a:lnB w="12700" cap="flat" cmpd="sng" algn="ctr">
+                      <a:solidFill>
+                        <a:schemeClr val="tx1"/>
+                      </a:solidFill>
+                      <a:prstDash val="solid"/>
+                      <a:round/>
+                      <a:headEnd type="none" w="med" len="med"/>
+                      <a:tailEnd type="none" w="med" len="med"/>
+                    </a:lnB>
+                    <a:noFill/>
+                  </a:tcPr>
+                </a:tc>
+                <a:tc>
+                  <a:txBody>
+                    <a:bodyPr/>
+                    <a:lstStyle/>
+                    <a:p>
+                      <a:r>
+                        <a:rPr lang="en-US" altLang="zh-TW" b="0" dirty="0" smtClean="0">
+                          <a:solidFill>
+                            <a:schemeClr val="tx1"/>
+                          </a:solidFill>
+                        </a:rPr>
+                        <a:t>TN</a:t>
+                      </a:r>
+                      <a:endParaRPr lang="zh-TW" altLang="en-US" b="0" dirty="0">
+                        <a:solidFill>
+                          <a:schemeClr val="tx1"/>
+                        </a:solidFill>
+                      </a:endParaRPr>
+                    </a:p>
+                  </a:txBody>
+                  <a:tcPr>
+                    <a:lnL w="12700" cap="flat" cmpd="sng" algn="ctr">
+                      <a:solidFill>
+                        <a:schemeClr val="tx1"/>
+                      </a:solidFill>
+                      <a:prstDash val="solid"/>
+                      <a:round/>
+                      <a:headEnd type="none" w="med" len="med"/>
+                      <a:tailEnd type="none" w="med" len="med"/>
+                    </a:lnL>
+                    <a:lnR w="12700" cap="flat" cmpd="sng" algn="ctr">
+                      <a:solidFill>
+                        <a:schemeClr val="tx1"/>
+                      </a:solidFill>
+                      <a:prstDash val="solid"/>
+                      <a:round/>
+                      <a:headEnd type="none" w="med" len="med"/>
+                      <a:tailEnd type="none" w="med" len="med"/>
+                    </a:lnR>
+                    <a:lnT w="12700" cap="flat" cmpd="sng" algn="ctr">
+                      <a:solidFill>
+                        <a:schemeClr val="tx1"/>
+                      </a:solidFill>
+                      <a:prstDash val="solid"/>
+                      <a:round/>
+                      <a:headEnd type="none" w="med" len="med"/>
+                      <a:tailEnd type="none" w="med" len="med"/>
+                    </a:lnT>
+                    <a:lnB w="12700" cap="flat" cmpd="sng" algn="ctr">
+                      <a:solidFill>
+                        <a:schemeClr val="tx1"/>
+                      </a:solidFill>
+                      <a:prstDash val="solid"/>
+                      <a:round/>
+                      <a:headEnd type="none" w="med" len="med"/>
+                      <a:tailEnd type="none" w="med" len="med"/>
+                    </a:lnB>
+                    <a:noFill/>
+                  </a:tcPr>
+                </a:tc>
+                <a:extLst>
+                  <a:ext uri="{0D108BD9-81ED-4DB2-BD59-A6C34878D82A}">
+                    <a16:rowId xmlns:a16="http://schemas.microsoft.com/office/drawing/2014/main" val="2777066451"/>
+                  </a:ext>
+                </a:extLst>
+              </a:tr>
+            </a:tbl>
+          </a:graphicData>
+        </a:graphic>
+      </p:graphicFrame>
+      <mc:AlternateContent xmlns:mc="http://schemas.openxmlformats.org/markup-compatibility/2006">
+        <mc:Choice xmlns:a14="http://schemas.microsoft.com/office/drawing/2010/main" Requires="a14">
+          <p:sp>
+            <p:nvSpPr>
+              <p:cNvPr id="7" name="文字方塊 6"/>
+              <p:cNvSpPr txBox="1"/>
+              <p:nvPr/>
+            </p:nvSpPr>
+            <p:spPr>
+              <a:xfrm>
+                <a:off x="3233283" y="3541193"/>
+                <a:ext cx="2370072" cy="523157"/>
+              </a:xfrm>
+              <a:prstGeom prst="rect">
+                <a:avLst/>
+              </a:prstGeom>
+              <a:noFill/>
+            </p:spPr>
+            <p:txBody>
+              <a:bodyPr wrap="none" lIns="0" tIns="0" rIns="0" bIns="0" rtlCol="0">
+                <a:spAutoFit/>
+              </a:bodyPr>
+              <a:lstStyle/>
+              <a:p>
+                <a14:m>
+                  <m:oMathPara xmlns:m="http://schemas.openxmlformats.org/officeDocument/2006/math">
+                    <m:oMathParaPr>
+                      <m:jc m:val="centerGroup"/>
+                    </m:oMathParaPr>
+                    <m:oMath xmlns:m="http://schemas.openxmlformats.org/officeDocument/2006/math">
+                      <m:r>
+                        <a:rPr lang="en-US" altLang="zh-TW" b="0" i="1" smtClean="0">
+                          <a:latin typeface="Cambria Math" panose="02040503050406030204" pitchFamily="18" charset="0"/>
+                        </a:rPr>
+                        <m:t>𝑆𝑒𝑛𝑠𝑖𝑡𝑖𝑣𝑖𝑡𝑦</m:t>
+                      </m:r>
+                      <m:r>
+                        <a:rPr lang="en-US" altLang="zh-TW" i="1" smtClean="0">
+                          <a:latin typeface="Cambria Math" panose="02040503050406030204" pitchFamily="18" charset="0"/>
+                        </a:rPr>
+                        <m:t>=</m:t>
+                      </m:r>
+                      <m:f>
+                        <m:fPr>
+                          <m:ctrlPr>
+                            <a:rPr lang="en-US" altLang="zh-TW" b="0" i="1" smtClean="0">
+                              <a:latin typeface="Cambria Math" panose="02040503050406030204" pitchFamily="18" charset="0"/>
+                            </a:rPr>
+                          </m:ctrlPr>
+                        </m:fPr>
+                        <m:num>
+                          <m:r>
+                            <a:rPr lang="en-US" altLang="zh-TW" b="0" i="1" smtClean="0">
+                              <a:latin typeface="Cambria Math" panose="02040503050406030204" pitchFamily="18" charset="0"/>
+                            </a:rPr>
+                            <m:t>𝑇𝑃</m:t>
+                          </m:r>
+                        </m:num>
+                        <m:den>
+                          <m:r>
+                            <a:rPr lang="en-US" altLang="zh-TW" b="0" i="1" smtClean="0">
+                              <a:latin typeface="Cambria Math" panose="02040503050406030204" pitchFamily="18" charset="0"/>
+                            </a:rPr>
+                            <m:t>𝑇𝑃</m:t>
+                          </m:r>
+                          <m:r>
+                            <a:rPr lang="en-US" altLang="zh-TW" b="0" i="1" smtClean="0">
+                              <a:latin typeface="Cambria Math" panose="02040503050406030204" pitchFamily="18" charset="0"/>
+                            </a:rPr>
+                            <m:t>+</m:t>
+                          </m:r>
+                          <m:r>
+                            <a:rPr lang="en-US" altLang="zh-TW" b="0" i="1" smtClean="0">
+                              <a:latin typeface="Cambria Math" panose="02040503050406030204" pitchFamily="18" charset="0"/>
+                            </a:rPr>
+                            <m:t>𝐹𝑁</m:t>
+                          </m:r>
+                        </m:den>
+                      </m:f>
+                    </m:oMath>
+                  </m:oMathPara>
+                </a14:m>
+                <a:endParaRPr lang="zh-TW" altLang="en-US" dirty="0"/>
+              </a:p>
+            </p:txBody>
+          </p:sp>
+        </mc:Choice>
+        <mc:Fallback>
+          <p:sp>
+            <p:nvSpPr>
+              <p:cNvPr id="7" name="文字方塊 6"/>
+              <p:cNvSpPr txBox="1">
+                <a:spLocks noRot="1" noChangeAspect="1" noMove="1" noResize="1" noEditPoints="1" noAdjustHandles="1" noChangeArrowheads="1" noChangeShapeType="1" noTextEdit="1"/>
+              </p:cNvSpPr>
+              <p:nvPr/>
+            </p:nvSpPr>
+            <p:spPr>
+              <a:xfrm>
+                <a:off x="3233283" y="3541193"/>
+                <a:ext cx="2370072" cy="523157"/>
+              </a:xfrm>
+              <a:prstGeom prst="rect">
+                <a:avLst/>
+              </a:prstGeom>
+              <a:blipFill>
+                <a:blip r:embed="rId2"/>
+                <a:stretch>
+                  <a:fillRect/>
+                </a:stretch>
+              </a:blipFill>
+            </p:spPr>
+            <p:txBody>
+              <a:bodyPr/>
+              <a:lstStyle/>
+              <a:p>
+                <a:r>
+                  <a:rPr lang="zh-TW" altLang="en-US">
+                    <a:noFill/>
+                  </a:rPr>
+                  <a:t> </a:t>
+                </a:r>
+              </a:p>
+            </p:txBody>
+          </p:sp>
+        </mc:Fallback>
+      </mc:AlternateContent>
+      <mc:AlternateContent xmlns:mc="http://schemas.openxmlformats.org/markup-compatibility/2006">
+        <mc:Choice xmlns:a14="http://schemas.microsoft.com/office/drawing/2010/main" Requires="a14">
+          <p:sp>
+            <p:nvSpPr>
+              <p:cNvPr id="8" name="文字方塊 7"/>
+              <p:cNvSpPr txBox="1"/>
+              <p:nvPr/>
+            </p:nvSpPr>
+            <p:spPr>
+              <a:xfrm>
+                <a:off x="3233283" y="4183885"/>
+                <a:ext cx="2305952" cy="523157"/>
+              </a:xfrm>
+              <a:prstGeom prst="rect">
+                <a:avLst/>
+              </a:prstGeom>
+              <a:noFill/>
+            </p:spPr>
+            <p:txBody>
+              <a:bodyPr wrap="none" lIns="0" tIns="0" rIns="0" bIns="0" rtlCol="0">
+                <a:spAutoFit/>
+              </a:bodyPr>
+              <a:lstStyle/>
+              <a:p>
+                <a14:m>
+                  <m:oMathPara xmlns:m="http://schemas.openxmlformats.org/officeDocument/2006/math">
+                    <m:oMathParaPr>
+                      <m:jc m:val="centerGroup"/>
+                    </m:oMathParaPr>
+                    <m:oMath xmlns:m="http://schemas.openxmlformats.org/officeDocument/2006/math">
+                      <m:r>
+                        <a:rPr lang="en-US" altLang="zh-TW" b="0" i="1" smtClean="0">
+                          <a:latin typeface="Cambria Math" panose="02040503050406030204" pitchFamily="18" charset="0"/>
+                        </a:rPr>
+                        <m:t>𝑆𝑝𝑒𝑐𝑖𝑓𝑖𝑐𝑡𝑦</m:t>
+                      </m:r>
+                      <m:r>
+                        <a:rPr lang="en-US" altLang="zh-TW" i="1" smtClean="0">
+                          <a:latin typeface="Cambria Math" panose="02040503050406030204" pitchFamily="18" charset="0"/>
+                        </a:rPr>
+                        <m:t>=</m:t>
+                      </m:r>
+                      <m:f>
+                        <m:fPr>
+                          <m:ctrlPr>
+                            <a:rPr lang="en-US" altLang="zh-TW" b="0" i="1" smtClean="0">
+                              <a:latin typeface="Cambria Math" panose="02040503050406030204" pitchFamily="18" charset="0"/>
+                            </a:rPr>
+                          </m:ctrlPr>
+                        </m:fPr>
+                        <m:num>
+                          <m:r>
+                            <a:rPr lang="en-US" altLang="zh-TW" b="0" i="1" smtClean="0">
+                              <a:latin typeface="Cambria Math" panose="02040503050406030204" pitchFamily="18" charset="0"/>
+                            </a:rPr>
+                            <m:t>𝑇𝑁</m:t>
+                          </m:r>
+                        </m:num>
+                        <m:den>
+                          <m:r>
+                            <a:rPr lang="en-US" altLang="zh-TW" b="0" i="1" smtClean="0">
+                              <a:latin typeface="Cambria Math" panose="02040503050406030204" pitchFamily="18" charset="0"/>
+                            </a:rPr>
+                            <m:t>𝑇𝑁</m:t>
+                          </m:r>
+                          <m:r>
+                            <a:rPr lang="en-US" altLang="zh-TW" b="0" i="1" smtClean="0">
+                              <a:latin typeface="Cambria Math" panose="02040503050406030204" pitchFamily="18" charset="0"/>
+                            </a:rPr>
+                            <m:t>+</m:t>
+                          </m:r>
+                          <m:r>
+                            <a:rPr lang="en-US" altLang="zh-TW" b="0" i="1" smtClean="0">
+                              <a:latin typeface="Cambria Math" panose="02040503050406030204" pitchFamily="18" charset="0"/>
+                            </a:rPr>
+                            <m:t>𝐹𝑃</m:t>
+                          </m:r>
+                        </m:den>
+                      </m:f>
+                    </m:oMath>
+                  </m:oMathPara>
+                </a14:m>
+                <a:endParaRPr lang="zh-TW" altLang="en-US" dirty="0"/>
+              </a:p>
+            </p:txBody>
+          </p:sp>
+        </mc:Choice>
+        <mc:Fallback>
+          <p:sp>
+            <p:nvSpPr>
+              <p:cNvPr id="8" name="文字方塊 7"/>
+              <p:cNvSpPr txBox="1">
+                <a:spLocks noRot="1" noChangeAspect="1" noMove="1" noResize="1" noEditPoints="1" noAdjustHandles="1" noChangeArrowheads="1" noChangeShapeType="1" noTextEdit="1"/>
+              </p:cNvSpPr>
+              <p:nvPr/>
+            </p:nvSpPr>
+            <p:spPr>
+              <a:xfrm>
+                <a:off x="3233283" y="4183885"/>
+                <a:ext cx="2305952" cy="523157"/>
+              </a:xfrm>
+              <a:prstGeom prst="rect">
+                <a:avLst/>
+              </a:prstGeom>
+              <a:blipFill>
+                <a:blip r:embed="rId3"/>
+                <a:stretch>
+                  <a:fillRect/>
+                </a:stretch>
+              </a:blipFill>
+            </p:spPr>
+            <p:txBody>
+              <a:bodyPr/>
+              <a:lstStyle/>
+              <a:p>
+                <a:r>
+                  <a:rPr lang="zh-TW" altLang="en-US">
+                    <a:noFill/>
+                  </a:rPr>
+                  <a:t> </a:t>
+                </a:r>
+              </a:p>
+            </p:txBody>
+          </p:sp>
+        </mc:Fallback>
+      </mc:AlternateContent>
     </p:spTree>
     <p:extLst>
       <p:ext uri="{BB962C8B-B14F-4D97-AF65-F5344CB8AC3E}">
-        <p14:creationId xmlns:p14="http://schemas.microsoft.com/office/powerpoint/2010/main" val="1170303474"/>
+        <p14:creationId xmlns:p14="http://schemas.microsoft.com/office/powerpoint/2010/main" val="1171441974"/>
       </p:ext>
     </p:extLst>
   </p:cSld>
